--- a/윤유비_발표자료.pptx
+++ b/윤유비_발표자료.pptx
@@ -6,9 +6,17 @@
   </p:sldMasterIdLst>
   <p:sldIdLst>
     <p:sldId id="259" r:id="rId2"/>
-    <p:sldId id="256" r:id="rId3"/>
-    <p:sldId id="257" r:id="rId4"/>
-    <p:sldId id="258" r:id="rId5"/>
+    <p:sldId id="265" r:id="rId3"/>
+    <p:sldId id="260" r:id="rId4"/>
+    <p:sldId id="261" r:id="rId5"/>
+    <p:sldId id="262" r:id="rId6"/>
+    <p:sldId id="263" r:id="rId7"/>
+    <p:sldId id="271" r:id="rId8"/>
+    <p:sldId id="270" r:id="rId9"/>
+    <p:sldId id="273" r:id="rId10"/>
+    <p:sldId id="256" r:id="rId11"/>
+    <p:sldId id="257" r:id="rId12"/>
+    <p:sldId id="258" r:id="rId13"/>
   </p:sldIdLst>
   <p:sldSz cx="12192000" cy="6858000"/>
   <p:notesSz cx="6858000" cy="9144000"/>
@@ -3016,7 +3024,7 @@
           <a:lstStyle/>
           <a:p>
             <a:pPr algn="ctr"/>
-            <a:endParaRPr lang="ko-KR" altLang="en-US"/>
+            <a:endParaRPr lang="ko-KR" altLang="en-US" dirty="0"/>
           </a:p>
         </p:txBody>
       </p:sp>
@@ -3098,45 +3106,6 @@
       </p:sp>
       <p:sp>
         <p:nvSpPr>
-          <p:cNvPr id="11" name="TextBox 10"/>
-          <p:cNvSpPr txBox="1"/>
-          <p:nvPr/>
-        </p:nvSpPr>
-        <p:spPr>
-          <a:xfrm>
-            <a:off x="8581938" y="966132"/>
-            <a:ext cx="3020037" cy="707886"/>
-          </a:xfrm>
-          <a:prstGeom prst="rect">
-            <a:avLst/>
-          </a:prstGeom>
-          <a:noFill/>
-        </p:spPr>
-        <p:txBody>
-          <a:bodyPr wrap="square" rtlCol="0">
-            <a:spAutoFit/>
-          </a:bodyPr>
-          <a:lstStyle/>
-          <a:p>
-            <a:pPr algn="ctr"/>
-            <a:r>
-              <a:rPr lang="ko-KR" altLang="en-US" sz="4000" dirty="0" smtClean="0">
-                <a:solidFill>
-                  <a:schemeClr val="bg1"/>
-                </a:solidFill>
-              </a:rPr>
-              <a:t>개발자</a:t>
-            </a:r>
-            <a:endParaRPr lang="ko-KR" altLang="en-US" sz="4000" dirty="0">
-              <a:solidFill>
-                <a:schemeClr val="bg1"/>
-              </a:solidFill>
-            </a:endParaRPr>
-          </a:p>
-        </p:txBody>
-      </p:sp>
-      <p:sp>
-        <p:nvSpPr>
           <p:cNvPr id="12" name="TextBox 11"/>
           <p:cNvSpPr txBox="1"/>
           <p:nvPr/>
@@ -3231,6 +3200,61 @@
               </a:solidFill>
               <a:latin typeface="HY견고딕" panose="02030600000101010101" pitchFamily="18" charset="-127"/>
               <a:ea typeface="HY견고딕" panose="02030600000101010101" pitchFamily="18" charset="-127"/>
+            </a:endParaRPr>
+          </a:p>
+        </p:txBody>
+      </p:sp>
+      <p:sp>
+        <p:nvSpPr>
+          <p:cNvPr id="11" name="TextBox 10"/>
+          <p:cNvSpPr txBox="1"/>
+          <p:nvPr/>
+        </p:nvSpPr>
+        <p:spPr>
+          <a:xfrm>
+            <a:off x="7622126" y="1692799"/>
+            <a:ext cx="3020037" cy="707886"/>
+          </a:xfrm>
+          <a:prstGeom prst="rect">
+            <a:avLst/>
+          </a:prstGeom>
+          <a:noFill/>
+        </p:spPr>
+        <p:txBody>
+          <a:bodyPr wrap="square" rtlCol="0">
+            <a:spAutoFit/>
+          </a:bodyPr>
+          <a:lstStyle/>
+          <a:p>
+            <a:pPr algn="ctr"/>
+            <a:r>
+              <a:rPr lang="en-US" altLang="ko-KR" sz="4000" b="1" dirty="0" smtClean="0">
+                <a:solidFill>
+                  <a:schemeClr val="bg1"/>
+                </a:solidFill>
+                <a:effectLst>
+                  <a:glow rad="228600">
+                    <a:srgbClr val="C2C99D">
+                      <a:alpha val="40000"/>
+                    </a:srgbClr>
+                  </a:glow>
+                </a:effectLst>
+                <a:latin typeface="+mj-lt"/>
+              </a:rPr>
+              <a:t>Developer</a:t>
+            </a:r>
+            <a:endParaRPr lang="ko-KR" altLang="en-US" sz="4000" b="1" dirty="0">
+              <a:solidFill>
+                <a:schemeClr val="bg1"/>
+              </a:solidFill>
+              <a:effectLst>
+                <a:glow rad="228600">
+                  <a:srgbClr val="C2C99D">
+                    <a:alpha val="40000"/>
+                  </a:srgbClr>
+                </a:glow>
+              </a:effectLst>
+              <a:latin typeface="+mj-lt"/>
             </a:endParaRPr>
           </a:p>
         </p:txBody>
@@ -3327,6 +3351,148 @@
           </a:p>
         </p:txBody>
       </p:sp>
+      <p:pic>
+        <p:nvPicPr>
+          <p:cNvPr id="1030" name="Picture 6" descr="EDIYA COFFEE"/>
+          <p:cNvPicPr>
+            <a:picLocks noChangeAspect="1" noChangeArrowheads="1"/>
+          </p:cNvPicPr>
+          <p:nvPr/>
+        </p:nvPicPr>
+        <p:blipFill>
+          <a:blip r:embed="rId3">
+            <a:extLst>
+              <a:ext uri="{28A0092B-C50C-407E-A947-70E740481C1C}">
+                <a14:useLocalDpi xmlns:a14="http://schemas.microsoft.com/office/drawing/2010/main" val="0"/>
+              </a:ext>
+            </a:extLst>
+          </a:blip>
+          <a:srcRect/>
+          <a:stretch>
+            <a:fillRect/>
+          </a:stretch>
+        </p:blipFill>
+        <p:spPr bwMode="auto">
+          <a:xfrm>
+            <a:off x="312758" y="3007591"/>
+            <a:ext cx="3124200" cy="3124201"/>
+          </a:xfrm>
+          <a:prstGeom prst="snip2DiagRect">
+            <a:avLst/>
+          </a:prstGeom>
+          <a:solidFill>
+            <a:srgbClr val="FFFFFF">
+              <a:shade val="85000"/>
+            </a:srgbClr>
+          </a:solidFill>
+          <a:ln w="88900" cap="sq">
+            <a:solidFill>
+              <a:srgbClr val="FFFFFF"/>
+            </a:solidFill>
+            <a:miter lim="800000"/>
+          </a:ln>
+          <a:effectLst>
+            <a:outerShdw blurRad="88900" algn="tl" rotWithShape="0">
+              <a:srgbClr val="000000">
+                <a:alpha val="45000"/>
+              </a:srgbClr>
+            </a:outerShdw>
+          </a:effectLst>
+          <a:scene3d>
+            <a:camera prst="orthographicFront"/>
+            <a:lightRig rig="twoPt" dir="t">
+              <a:rot lat="0" lon="0" rev="7200000"/>
+            </a:lightRig>
+          </a:scene3d>
+          <a:sp3d>
+            <a:bevelT w="25400" h="19050"/>
+            <a:contourClr>
+              <a:srgbClr val="FFFFFF"/>
+            </a:contourClr>
+          </a:sp3d>
+          <a:extLst>
+            <a:ext uri="{909E8E84-426E-40DD-AFC4-6F175D3DCCD1}">
+              <a14:hiddenFill xmlns:a14="http://schemas.microsoft.com/office/drawing/2010/main">
+                <a:solidFill>
+                  <a:srgbClr val="FFFFFF"/>
+                </a:solidFill>
+              </a14:hiddenFill>
+            </a:ext>
+          </a:extLst>
+        </p:spPr>
+      </p:pic>
+      <p:pic>
+        <p:nvPicPr>
+          <p:cNvPr id="1032" name="Picture 8" descr="EDIYA COFFEE"/>
+          <p:cNvPicPr>
+            <a:picLocks noChangeAspect="1" noChangeArrowheads="1"/>
+          </p:cNvPicPr>
+          <p:nvPr/>
+        </p:nvPicPr>
+        <p:blipFill>
+          <a:blip r:embed="rId4">
+            <a:extLst>
+              <a:ext uri="{28A0092B-C50C-407E-A947-70E740481C1C}">
+                <a14:useLocalDpi xmlns:a14="http://schemas.microsoft.com/office/drawing/2010/main" val="0"/>
+              </a:ext>
+            </a:extLst>
+          </a:blip>
+          <a:srcRect/>
+          <a:stretch>
+            <a:fillRect/>
+          </a:stretch>
+        </p:blipFill>
+        <p:spPr bwMode="auto">
+          <a:xfrm>
+            <a:off x="2433141" y="597244"/>
+            <a:ext cx="3124200" cy="3124201"/>
+          </a:xfrm>
+          <a:prstGeom prst="rect">
+            <a:avLst/>
+          </a:prstGeom>
+          <a:solidFill>
+            <a:srgbClr val="FFFFFF">
+              <a:shade val="85000"/>
+            </a:srgbClr>
+          </a:solidFill>
+          <a:ln w="190500" cap="sq">
+            <a:solidFill>
+              <a:srgbClr val="FFFFFF"/>
+            </a:solidFill>
+            <a:miter lim="800000"/>
+          </a:ln>
+          <a:effectLst>
+            <a:outerShdw blurRad="65000" dist="50800" dir="12900000" kx="195000" ky="145000" algn="tl" rotWithShape="0">
+              <a:srgbClr val="000000">
+                <a:alpha val="30000"/>
+              </a:srgbClr>
+            </a:outerShdw>
+          </a:effectLst>
+          <a:scene3d>
+            <a:camera prst="orthographicFront">
+              <a:rot lat="0" lon="0" rev="360000"/>
+            </a:camera>
+            <a:lightRig rig="twoPt" dir="t">
+              <a:rot lat="0" lon="0" rev="7200000"/>
+            </a:lightRig>
+          </a:scene3d>
+          <a:sp3d contourW="12700">
+            <a:bevelT w="25400" h="19050"/>
+            <a:contourClr>
+              <a:srgbClr val="969696"/>
+            </a:contourClr>
+          </a:sp3d>
+          <a:extLst>
+            <a:ext uri="{909E8E84-426E-40DD-AFC4-6F175D3DCCD1}">
+              <a14:hiddenFill xmlns:a14="http://schemas.microsoft.com/office/drawing/2010/main">
+                <a:solidFill>
+                  <a:srgbClr val="FFFFFF"/>
+                </a:solidFill>
+              </a14:hiddenFill>
+            </a:ext>
+          </a:extLst>
+        </p:spPr>
+      </p:pic>
       <p:sp>
         <p:nvSpPr>
           <p:cNvPr id="16" name="TextBox 15"/>
@@ -3374,6 +3540,8 @@
                   <a:lin ang="16200000" scaled="1"/>
                   <a:tileRect/>
                 </a:gradFill>
+                <a:latin typeface="Segoe UI Black" panose="020B0A02040204020203" pitchFamily="34" charset="0"/>
+                <a:ea typeface="Segoe UI Black" panose="020B0A02040204020203" pitchFamily="34" charset="0"/>
               </a:rPr>
               <a:t>EDIYA </a:t>
             </a:r>
@@ -3401,6 +3569,8 @@
                   </a:gsLst>
                   <a:lin ang="16200000" scaled="1"/>
                 </a:gradFill>
+                <a:latin typeface="Segoe UI Black" panose="020B0A02040204020203" pitchFamily="34" charset="0"/>
+                <a:ea typeface="Segoe UI Black" panose="020B0A02040204020203" pitchFamily="34" charset="0"/>
               </a:rPr>
               <a:t>COFFEE </a:t>
             </a:r>
@@ -3409,6 +3579,8 @@
                 <a:solidFill>
                   <a:schemeClr val="bg1"/>
                 </a:solidFill>
+                <a:latin typeface="Segoe UI Black" panose="020B0A02040204020203" pitchFamily="34" charset="0"/>
+                <a:ea typeface="Segoe UI Black" panose="020B0A02040204020203" pitchFamily="34" charset="0"/>
               </a:rPr>
               <a:t>CLONE</a:t>
             </a:r>
@@ -3416,6 +3588,7 @@
               <a:solidFill>
                 <a:schemeClr val="bg1"/>
               </a:solidFill>
+              <a:latin typeface="Segoe UI Black" panose="020B0A02040204020203" pitchFamily="34" charset="0"/>
             </a:endParaRPr>
           </a:p>
         </p:txBody>
@@ -3451,6 +3624,8 @@
                     <a:lumOff val="60000"/>
                   </a:schemeClr>
                 </a:solidFill>
+                <a:latin typeface="Segoe UI Black" panose="020B0A02040204020203" pitchFamily="34" charset="0"/>
+                <a:ea typeface="Segoe UI Black" panose="020B0A02040204020203" pitchFamily="34" charset="0"/>
               </a:rPr>
               <a:t>WEB</a:t>
             </a:r>
@@ -3462,6 +3637,8 @@
                     <a:lumOff val="40000"/>
                   </a:schemeClr>
                 </a:solidFill>
+                <a:latin typeface="Segoe UI Black" panose="020B0A02040204020203" pitchFamily="34" charset="0"/>
+                <a:ea typeface="Segoe UI Black" panose="020B0A02040204020203" pitchFamily="34" charset="0"/>
               </a:rPr>
               <a:t> </a:t>
             </a:r>
@@ -3490,6 +3667,8 @@
                   <a:lin ang="16200000" scaled="1"/>
                   <a:tileRect/>
                 </a:gradFill>
+                <a:latin typeface="Segoe UI Black" panose="020B0A02040204020203" pitchFamily="34" charset="0"/>
+                <a:ea typeface="Segoe UI Black" panose="020B0A02040204020203" pitchFamily="34" charset="0"/>
               </a:rPr>
               <a:t>DESIGN</a:t>
             </a:r>
@@ -3517,6 +3696,7 @@
                 <a:lin ang="16200000" scaled="1"/>
                 <a:tileRect/>
               </a:gradFill>
+              <a:latin typeface="Segoe UI Black" panose="020B0A02040204020203" pitchFamily="34" charset="0"/>
             </a:endParaRPr>
           </a:p>
         </p:txBody>
@@ -4398,8 +4578,8 @@
     </p:tnLst>
     <p:bldLst>
       <p:bldP spid="10" grpId="0" animBg="1"/>
+      <p:bldP spid="12" grpId="0"/>
       <p:bldP spid="11" grpId="0"/>
-      <p:bldP spid="12" grpId="0"/>
       <p:bldP spid="13" grpId="0" animBg="1"/>
       <p:bldP spid="14" grpId="0" animBg="1"/>
       <p:bldP spid="16" grpId="0"/>
@@ -4409,7 +4589,7 @@
 </p:sld>
 </file>
 
-<file path=ppt/slides/slide2.xml><?xml version="1.0" encoding="utf-8"?>
+<file path=ppt/slides/slide10.xml><?xml version="1.0" encoding="utf-8"?>
 <p:sld xmlns:a="http://schemas.openxmlformats.org/drawingml/2006/main" xmlns:r="http://schemas.openxmlformats.org/officeDocument/2006/relationships" xmlns:p="http://schemas.openxmlformats.org/presentationml/2006/main">
   <p:cSld>
     <p:spTree>
@@ -4626,7 +4806,7 @@
 </p:sld>
 </file>
 
-<file path=ppt/slides/slide3.xml><?xml version="1.0" encoding="utf-8"?>
+<file path=ppt/slides/slide11.xml><?xml version="1.0" encoding="utf-8"?>
 <p:sld xmlns:a="http://schemas.openxmlformats.org/drawingml/2006/main" xmlns:r="http://schemas.openxmlformats.org/officeDocument/2006/relationships" xmlns:p="http://schemas.openxmlformats.org/presentationml/2006/main">
   <p:cSld>
     <p:spTree>
@@ -4843,7 +5023,7 @@
 </p:sld>
 </file>
 
-<file path=ppt/slides/slide4.xml><?xml version="1.0" encoding="utf-8"?>
+<file path=ppt/slides/slide12.xml><?xml version="1.0" encoding="utf-8"?>
 <p:sld xmlns:a="http://schemas.openxmlformats.org/drawingml/2006/main" xmlns:r="http://schemas.openxmlformats.org/officeDocument/2006/relationships" xmlns:p="http://schemas.openxmlformats.org/presentationml/2006/main">
   <p:cSld>
     <p:spTree>
@@ -5054,6 +5234,1686 @@
             </p:seq>
           </p:childTnLst>
         </p:cTn>
+      </p:par>
+    </p:tnLst>
+  </p:timing>
+</p:sld>
+</file>
+
+<file path=ppt/slides/slide2.xml><?xml version="1.0" encoding="utf-8"?>
+<p:sld xmlns:a="http://schemas.openxmlformats.org/drawingml/2006/main" xmlns:r="http://schemas.openxmlformats.org/officeDocument/2006/relationships" xmlns:p="http://schemas.openxmlformats.org/presentationml/2006/main">
+  <p:cSld>
+    <p:spTree>
+      <p:nvGrpSpPr>
+        <p:cNvPr id="1" name=""/>
+        <p:cNvGrpSpPr/>
+        <p:nvPr/>
+      </p:nvGrpSpPr>
+      <p:grpSpPr>
+        <a:xfrm>
+          <a:off x="0" y="0"/>
+          <a:ext cx="0" cy="0"/>
+          <a:chOff x="0" y="0"/>
+          <a:chExt cx="0" cy="0"/>
+        </a:xfrm>
+      </p:grpSpPr>
+      <p:sp>
+        <p:nvSpPr>
+          <p:cNvPr id="2" name="제목 1"/>
+          <p:cNvSpPr>
+            <a:spLocks noGrp="1"/>
+          </p:cNvSpPr>
+          <p:nvPr>
+            <p:ph type="title"/>
+          </p:nvPr>
+        </p:nvSpPr>
+        <p:spPr/>
+        <p:txBody>
+          <a:bodyPr/>
+          <a:lstStyle/>
+          <a:p>
+            <a:endParaRPr lang="ko-KR" altLang="en-US"/>
+          </a:p>
+        </p:txBody>
+      </p:sp>
+      <p:sp>
+        <p:nvSpPr>
+          <p:cNvPr id="4" name="직사각형 3"/>
+          <p:cNvSpPr/>
+          <p:nvPr/>
+        </p:nvSpPr>
+        <p:spPr>
+          <a:xfrm>
+            <a:off x="0" y="-25492"/>
+            <a:ext cx="12192000" cy="6883492"/>
+          </a:xfrm>
+          <a:prstGeom prst="rect">
+            <a:avLst/>
+          </a:prstGeom>
+          <a:solidFill>
+            <a:schemeClr val="accent5">
+              <a:lumMod val="75000"/>
+            </a:schemeClr>
+          </a:solidFill>
+          <a:ln>
+            <a:noFill/>
+          </a:ln>
+        </p:spPr>
+        <p:style>
+          <a:lnRef idx="2">
+            <a:schemeClr val="accent1">
+              <a:shade val="50000"/>
+            </a:schemeClr>
+          </a:lnRef>
+          <a:fillRef idx="1">
+            <a:schemeClr val="accent1"/>
+          </a:fillRef>
+          <a:effectRef idx="0">
+            <a:schemeClr val="accent1"/>
+          </a:effectRef>
+          <a:fontRef idx="minor">
+            <a:schemeClr val="lt1"/>
+          </a:fontRef>
+        </p:style>
+        <p:txBody>
+          <a:bodyPr rtlCol="0" anchor="ctr"/>
+          <a:lstStyle/>
+          <a:p>
+            <a:pPr algn="ctr"/>
+            <a:endParaRPr lang="ko-KR" altLang="en-US" dirty="0"/>
+          </a:p>
+        </p:txBody>
+      </p:sp>
+      <p:pic>
+        <p:nvPicPr>
+          <p:cNvPr id="5" name="그림 4"/>
+          <p:cNvPicPr>
+            <a:picLocks noChangeAspect="1"/>
+          </p:cNvPicPr>
+          <p:nvPr/>
+        </p:nvPicPr>
+        <p:blipFill>
+          <a:blip r:embed="rId2">
+            <a:extLst>
+              <a:ext uri="{28A0092B-C50C-407E-A947-70E740481C1C}">
+                <a14:useLocalDpi xmlns:a14="http://schemas.microsoft.com/office/drawing/2010/main" val="0"/>
+              </a:ext>
+            </a:extLst>
+          </a:blip>
+          <a:stretch>
+            <a:fillRect/>
+          </a:stretch>
+        </p:blipFill>
+        <p:spPr>
+          <a:xfrm flipH="1">
+            <a:off x="8805950" y="-1593201"/>
+            <a:ext cx="4876800" cy="4876800"/>
+          </a:xfrm>
+          <a:prstGeom prst="rect">
+            <a:avLst/>
+          </a:prstGeom>
+        </p:spPr>
+      </p:pic>
+      <p:pic>
+        <p:nvPicPr>
+          <p:cNvPr id="7" name="Picture 6" descr="EDIYA COFFEE"/>
+          <p:cNvPicPr>
+            <a:picLocks noChangeAspect="1" noChangeArrowheads="1"/>
+          </p:cNvPicPr>
+          <p:nvPr/>
+        </p:nvPicPr>
+        <p:blipFill>
+          <a:blip r:embed="rId3">
+            <a:extLst>
+              <a:ext uri="{28A0092B-C50C-407E-A947-70E740481C1C}">
+                <a14:useLocalDpi xmlns:a14="http://schemas.microsoft.com/office/drawing/2010/main" val="0"/>
+              </a:ext>
+            </a:extLst>
+          </a:blip>
+          <a:srcRect/>
+          <a:stretch>
+            <a:fillRect/>
+          </a:stretch>
+        </p:blipFill>
+        <p:spPr bwMode="auto">
+          <a:xfrm>
+            <a:off x="406065" y="624706"/>
+            <a:ext cx="3124200" cy="3124201"/>
+          </a:xfrm>
+          <a:prstGeom prst="rect">
+            <a:avLst/>
+          </a:prstGeom>
+          <a:solidFill>
+            <a:srgbClr val="FFFFFF">
+              <a:shade val="85000"/>
+            </a:srgbClr>
+          </a:solidFill>
+          <a:ln w="190500" cap="sq">
+            <a:solidFill>
+              <a:srgbClr val="FFFFFF"/>
+            </a:solidFill>
+            <a:miter lim="800000"/>
+          </a:ln>
+          <a:effectLst>
+            <a:outerShdw blurRad="65000" dist="50800" dir="12900000" kx="195000" ky="145000" algn="tl" rotWithShape="0">
+              <a:srgbClr val="000000">
+                <a:alpha val="30000"/>
+              </a:srgbClr>
+            </a:outerShdw>
+          </a:effectLst>
+          <a:scene3d>
+            <a:camera prst="orthographicFront">
+              <a:rot lat="0" lon="0" rev="360000"/>
+            </a:camera>
+            <a:lightRig rig="twoPt" dir="t">
+              <a:rot lat="0" lon="0" rev="7200000"/>
+            </a:lightRig>
+          </a:scene3d>
+          <a:sp3d contourW="12700">
+            <a:bevelT w="25400" h="19050"/>
+            <a:contourClr>
+              <a:srgbClr val="969696"/>
+            </a:contourClr>
+          </a:sp3d>
+          <a:extLst>
+            <a:ext uri="{909E8E84-426E-40DD-AFC4-6F175D3DCCD1}">
+              <a14:hiddenFill xmlns:a14="http://schemas.microsoft.com/office/drawing/2010/main">
+                <a:solidFill>
+                  <a:srgbClr val="FFFFFF"/>
+                </a:solidFill>
+              </a14:hiddenFill>
+            </a:ext>
+          </a:extLst>
+        </p:spPr>
+      </p:pic>
+      <p:pic>
+        <p:nvPicPr>
+          <p:cNvPr id="8" name="Picture 8" descr="EDIYA COFFEE"/>
+          <p:cNvPicPr>
+            <a:picLocks noChangeAspect="1" noChangeArrowheads="1"/>
+          </p:cNvPicPr>
+          <p:nvPr/>
+        </p:nvPicPr>
+        <p:blipFill>
+          <a:blip r:embed="rId4">
+            <a:extLst>
+              <a:ext uri="{28A0092B-C50C-407E-A947-70E740481C1C}">
+                <a14:useLocalDpi xmlns:a14="http://schemas.microsoft.com/office/drawing/2010/main" val="0"/>
+              </a:ext>
+            </a:extLst>
+          </a:blip>
+          <a:srcRect/>
+          <a:stretch>
+            <a:fillRect/>
+          </a:stretch>
+        </p:blipFill>
+        <p:spPr bwMode="auto">
+          <a:xfrm>
+            <a:off x="8567837" y="3416254"/>
+            <a:ext cx="3124200" cy="3124201"/>
+          </a:xfrm>
+          <a:prstGeom prst="snip2DiagRect">
+            <a:avLst/>
+          </a:prstGeom>
+          <a:solidFill>
+            <a:srgbClr val="FFFFFF">
+              <a:shade val="85000"/>
+            </a:srgbClr>
+          </a:solidFill>
+          <a:ln w="88900" cap="sq">
+            <a:solidFill>
+              <a:srgbClr val="FFFFFF"/>
+            </a:solidFill>
+            <a:miter lim="800000"/>
+          </a:ln>
+          <a:effectLst>
+            <a:outerShdw blurRad="88900" algn="tl" rotWithShape="0">
+              <a:srgbClr val="000000">
+                <a:alpha val="45000"/>
+              </a:srgbClr>
+            </a:outerShdw>
+          </a:effectLst>
+          <a:scene3d>
+            <a:camera prst="orthographicFront"/>
+            <a:lightRig rig="twoPt" dir="t">
+              <a:rot lat="0" lon="0" rev="7200000"/>
+            </a:lightRig>
+          </a:scene3d>
+          <a:sp3d>
+            <a:bevelT w="25400" h="19050"/>
+            <a:contourClr>
+              <a:srgbClr val="FFFFFF"/>
+            </a:contourClr>
+          </a:sp3d>
+          <a:extLst>
+            <a:ext uri="{909E8E84-426E-40DD-AFC4-6F175D3DCCD1}">
+              <a14:hiddenFill xmlns:a14="http://schemas.microsoft.com/office/drawing/2010/main">
+                <a:solidFill>
+                  <a:srgbClr val="FFFFFF"/>
+                </a:solidFill>
+              </a14:hiddenFill>
+            </a:ext>
+          </a:extLst>
+        </p:spPr>
+      </p:pic>
+      <p:sp>
+        <p:nvSpPr>
+          <p:cNvPr id="10" name="TextBox 9"/>
+          <p:cNvSpPr txBox="1"/>
+          <p:nvPr/>
+        </p:nvSpPr>
+        <p:spPr>
+          <a:xfrm>
+            <a:off x="2801006" y="2594675"/>
+            <a:ext cx="5766831" cy="830997"/>
+          </a:xfrm>
+          <a:prstGeom prst="rect">
+            <a:avLst/>
+          </a:prstGeom>
+          <a:noFill/>
+          <a:effectLst/>
+        </p:spPr>
+        <p:txBody>
+          <a:bodyPr wrap="square" rtlCol="0">
+            <a:spAutoFit/>
+          </a:bodyPr>
+          <a:lstStyle/>
+          <a:p>
+            <a:pPr algn="ctr"/>
+            <a:r>
+              <a:rPr lang="ko-KR" altLang="en-US" sz="4800" dirty="0" smtClean="0">
+                <a:solidFill>
+                  <a:schemeClr val="bg1"/>
+                </a:solidFill>
+                <a:effectLst>
+                  <a:glow rad="63500">
+                    <a:schemeClr val="accent5">
+                      <a:lumMod val="20000"/>
+                      <a:lumOff val="80000"/>
+                      <a:alpha val="40000"/>
+                    </a:schemeClr>
+                  </a:glow>
+                  <a:reflection blurRad="6350" stA="55000" endA="300" endPos="45500" dir="5400000" sy="-100000" algn="bl" rotWithShape="0"/>
+                </a:effectLst>
+                <a:latin typeface="HY견고딕" panose="02030600000101010101" pitchFamily="18" charset="-127"/>
+                <a:ea typeface="HY견고딕" panose="02030600000101010101" pitchFamily="18" charset="-127"/>
+              </a:rPr>
+              <a:t>강주현</a:t>
+            </a:r>
+            <a:endParaRPr lang="ko-KR" altLang="en-US" sz="4800" dirty="0">
+              <a:solidFill>
+                <a:schemeClr val="bg1"/>
+              </a:solidFill>
+              <a:effectLst>
+                <a:glow rad="63500">
+                  <a:schemeClr val="accent5">
+                    <a:lumMod val="20000"/>
+                    <a:lumOff val="80000"/>
+                    <a:alpha val="40000"/>
+                  </a:schemeClr>
+                </a:glow>
+                <a:reflection blurRad="6350" stA="55000" endA="300" endPos="45500" dir="5400000" sy="-100000" algn="bl" rotWithShape="0"/>
+              </a:effectLst>
+              <a:latin typeface="HY견고딕" panose="02030600000101010101" pitchFamily="18" charset="-127"/>
+              <a:ea typeface="HY견고딕" panose="02030600000101010101" pitchFamily="18" charset="-127"/>
+            </a:endParaRPr>
+          </a:p>
+        </p:txBody>
+      </p:sp>
+      <p:sp>
+        <p:nvSpPr>
+          <p:cNvPr id="18" name="TextBox 17"/>
+          <p:cNvSpPr txBox="1"/>
+          <p:nvPr/>
+        </p:nvSpPr>
+        <p:spPr>
+          <a:xfrm>
+            <a:off x="4168560" y="1727183"/>
+            <a:ext cx="4724814" cy="830997"/>
+          </a:xfrm>
+          <a:prstGeom prst="rect">
+            <a:avLst/>
+          </a:prstGeom>
+          <a:noFill/>
+        </p:spPr>
+        <p:txBody>
+          <a:bodyPr wrap="square" rtlCol="0">
+            <a:spAutoFit/>
+          </a:bodyPr>
+          <a:lstStyle/>
+          <a:p>
+            <a:pPr algn="ctr"/>
+            <a:r>
+              <a:rPr lang="en-US" altLang="ko-KR" sz="4800" dirty="0" smtClean="0">
+                <a:solidFill>
+                  <a:schemeClr val="bg1"/>
+                </a:solidFill>
+                <a:effectLst>
+                  <a:reflection blurRad="6350" stA="55000" endA="300" endPos="45500" dir="5400000" sy="-100000" algn="bl" rotWithShape="0"/>
+                </a:effectLst>
+                <a:latin typeface="Segoe UI Black" panose="020B0A02040204020203" pitchFamily="34" charset="0"/>
+              </a:rPr>
+              <a:t>HTML+CSS+JS</a:t>
+            </a:r>
+            <a:endParaRPr lang="ko-KR" altLang="en-US" sz="4800" dirty="0">
+              <a:solidFill>
+                <a:schemeClr val="bg1"/>
+              </a:solidFill>
+              <a:effectLst>
+                <a:reflection blurRad="6350" stA="55000" endA="300" endPos="45500" dir="5400000" sy="-100000" algn="bl" rotWithShape="0"/>
+              </a:effectLst>
+              <a:latin typeface="Segoe UI Black" panose="020B0A02040204020203" pitchFamily="34" charset="0"/>
+            </a:endParaRPr>
+          </a:p>
+        </p:txBody>
+      </p:sp>
+    </p:spTree>
+    <p:extLst>
+      <p:ext uri="{BB962C8B-B14F-4D97-AF65-F5344CB8AC3E}">
+        <p14:creationId xmlns:p14="http://schemas.microsoft.com/office/powerpoint/2010/main" val="1492163749"/>
+      </p:ext>
+    </p:extLst>
+  </p:cSld>
+  <p:clrMapOvr>
+    <a:masterClrMapping/>
+  </p:clrMapOvr>
+  <p:timing>
+    <p:tnLst>
+      <p:par>
+        <p:cTn id="1" dur="indefinite" restart="never" nodeType="tmRoot"/>
+      </p:par>
+    </p:tnLst>
+  </p:timing>
+</p:sld>
+</file>
+
+<file path=ppt/slides/slide3.xml><?xml version="1.0" encoding="utf-8"?>
+<p:sld xmlns:a="http://schemas.openxmlformats.org/drawingml/2006/main" xmlns:r="http://schemas.openxmlformats.org/officeDocument/2006/relationships" xmlns:p="http://schemas.openxmlformats.org/presentationml/2006/main">
+  <p:cSld>
+    <p:spTree>
+      <p:nvGrpSpPr>
+        <p:cNvPr id="1" name=""/>
+        <p:cNvGrpSpPr/>
+        <p:nvPr/>
+      </p:nvGrpSpPr>
+      <p:grpSpPr>
+        <a:xfrm>
+          <a:off x="0" y="0"/>
+          <a:ext cx="0" cy="0"/>
+          <a:chOff x="0" y="0"/>
+          <a:chExt cx="0" cy="0"/>
+        </a:xfrm>
+      </p:grpSpPr>
+      <p:sp>
+        <p:nvSpPr>
+          <p:cNvPr id="29" name="직사각형 28"/>
+          <p:cNvSpPr/>
+          <p:nvPr/>
+        </p:nvSpPr>
+        <p:spPr>
+          <a:xfrm>
+            <a:off x="-4555" y="0"/>
+            <a:ext cx="12196555" cy="6858000"/>
+          </a:xfrm>
+          <a:prstGeom prst="rect">
+            <a:avLst/>
+          </a:prstGeom>
+          <a:solidFill>
+            <a:schemeClr val="bg1">
+              <a:lumMod val="95000"/>
+            </a:schemeClr>
+          </a:solidFill>
+          <a:ln>
+            <a:noFill/>
+          </a:ln>
+        </p:spPr>
+        <p:style>
+          <a:lnRef idx="2">
+            <a:schemeClr val="accent1">
+              <a:shade val="50000"/>
+            </a:schemeClr>
+          </a:lnRef>
+          <a:fillRef idx="1">
+            <a:schemeClr val="accent1"/>
+          </a:fillRef>
+          <a:effectRef idx="0">
+            <a:schemeClr val="accent1"/>
+          </a:effectRef>
+          <a:fontRef idx="minor">
+            <a:schemeClr val="lt1"/>
+          </a:fontRef>
+        </p:style>
+        <p:txBody>
+          <a:bodyPr rtlCol="0" anchor="ctr"/>
+          <a:lstStyle/>
+          <a:p>
+            <a:pPr algn="ctr"/>
+            <a:endParaRPr lang="ko-KR" altLang="en-US"/>
+          </a:p>
+        </p:txBody>
+      </p:sp>
+      <p:pic>
+        <p:nvPicPr>
+          <p:cNvPr id="4" name="그림 3"/>
+          <p:cNvPicPr>
+            <a:picLocks noChangeAspect="1"/>
+          </p:cNvPicPr>
+          <p:nvPr/>
+        </p:nvPicPr>
+        <p:blipFill rotWithShape="1">
+          <a:blip r:embed="rId2" cstate="print">
+            <a:clrChange>
+              <a:clrFrom>
+                <a:srgbClr val="FFFFFF"/>
+              </a:clrFrom>
+              <a:clrTo>
+                <a:srgbClr val="FFFFFF">
+                  <a:alpha val="0"/>
+                </a:srgbClr>
+              </a:clrTo>
+            </a:clrChange>
+            <a:extLst>
+              <a:ext uri="{28A0092B-C50C-407E-A947-70E740481C1C}">
+                <a14:useLocalDpi xmlns:a14="http://schemas.microsoft.com/office/drawing/2010/main" val="0"/>
+              </a:ext>
+            </a:extLst>
+          </a:blip>
+          <a:srcRect r="11412"/>
+          <a:stretch/>
+        </p:blipFill>
+        <p:spPr>
+          <a:xfrm>
+            <a:off x="6375400" y="0"/>
+            <a:ext cx="5816600" cy="6858000"/>
+          </a:xfrm>
+          <a:prstGeom prst="rect">
+            <a:avLst/>
+          </a:prstGeom>
+        </p:spPr>
+      </p:pic>
+    </p:spTree>
+    <p:extLst>
+      <p:ext uri="{BB962C8B-B14F-4D97-AF65-F5344CB8AC3E}">
+        <p14:creationId xmlns:p14="http://schemas.microsoft.com/office/powerpoint/2010/main" val="2776447545"/>
+      </p:ext>
+    </p:extLst>
+  </p:cSld>
+  <p:clrMapOvr>
+    <a:masterClrMapping/>
+  </p:clrMapOvr>
+  <p:timing>
+    <p:tnLst>
+      <p:par>
+        <p:cTn id="1" dur="indefinite" restart="never" nodeType="tmRoot"/>
+      </p:par>
+    </p:tnLst>
+  </p:timing>
+</p:sld>
+</file>
+
+<file path=ppt/slides/slide4.xml><?xml version="1.0" encoding="utf-8"?>
+<p:sld xmlns:a="http://schemas.openxmlformats.org/drawingml/2006/main" xmlns:r="http://schemas.openxmlformats.org/officeDocument/2006/relationships" xmlns:p="http://schemas.openxmlformats.org/presentationml/2006/main">
+  <p:cSld>
+    <p:spTree>
+      <p:nvGrpSpPr>
+        <p:cNvPr id="1" name=""/>
+        <p:cNvGrpSpPr/>
+        <p:nvPr/>
+      </p:nvGrpSpPr>
+      <p:grpSpPr>
+        <a:xfrm>
+          <a:off x="0" y="0"/>
+          <a:ext cx="0" cy="0"/>
+          <a:chOff x="0" y="0"/>
+          <a:chExt cx="0" cy="0"/>
+        </a:xfrm>
+      </p:grpSpPr>
+      <p:pic>
+        <p:nvPicPr>
+          <p:cNvPr id="5" name="그림 4"/>
+          <p:cNvPicPr>
+            <a:picLocks noChangeAspect="1"/>
+          </p:cNvPicPr>
+          <p:nvPr/>
+        </p:nvPicPr>
+        <p:blipFill>
+          <a:blip r:embed="rId2">
+            <a:extLst>
+              <a:ext uri="{28A0092B-C50C-407E-A947-70E740481C1C}">
+                <a14:useLocalDpi xmlns:a14="http://schemas.microsoft.com/office/drawing/2010/main" val="0"/>
+              </a:ext>
+            </a:extLst>
+          </a:blip>
+          <a:stretch>
+            <a:fillRect/>
+          </a:stretch>
+        </p:blipFill>
+        <p:spPr>
+          <a:xfrm>
+            <a:off x="0" y="0"/>
+            <a:ext cx="6220586" cy="3937724"/>
+          </a:xfrm>
+          <a:prstGeom prst="rect">
+            <a:avLst/>
+          </a:prstGeom>
+        </p:spPr>
+      </p:pic>
+      <p:pic>
+        <p:nvPicPr>
+          <p:cNvPr id="11" name="그림 10"/>
+          <p:cNvPicPr>
+            <a:picLocks noChangeAspect="1"/>
+          </p:cNvPicPr>
+          <p:nvPr/>
+        </p:nvPicPr>
+        <p:blipFill>
+          <a:blip r:embed="rId3">
+            <a:extLst>
+              <a:ext uri="{28A0092B-C50C-407E-A947-70E740481C1C}">
+                <a14:useLocalDpi xmlns:a14="http://schemas.microsoft.com/office/drawing/2010/main" val="0"/>
+              </a:ext>
+            </a:extLst>
+          </a:blip>
+          <a:stretch>
+            <a:fillRect/>
+          </a:stretch>
+        </p:blipFill>
+        <p:spPr>
+          <a:xfrm>
+            <a:off x="6220586" y="0"/>
+            <a:ext cx="5971414" cy="3828874"/>
+          </a:xfrm>
+          <a:prstGeom prst="rect">
+            <a:avLst/>
+          </a:prstGeom>
+        </p:spPr>
+      </p:pic>
+    </p:spTree>
+    <p:extLst>
+      <p:ext uri="{BB962C8B-B14F-4D97-AF65-F5344CB8AC3E}">
+        <p14:creationId xmlns:p14="http://schemas.microsoft.com/office/powerpoint/2010/main" val="610386983"/>
+      </p:ext>
+    </p:extLst>
+  </p:cSld>
+  <p:clrMapOvr>
+    <a:masterClrMapping/>
+  </p:clrMapOvr>
+  <p:timing>
+    <p:tnLst>
+      <p:par>
+        <p:cTn id="1" dur="indefinite" restart="never" nodeType="tmRoot"/>
+      </p:par>
+    </p:tnLst>
+  </p:timing>
+</p:sld>
+</file>
+
+<file path=ppt/slides/slide5.xml><?xml version="1.0" encoding="utf-8"?>
+<p:sld xmlns:a="http://schemas.openxmlformats.org/drawingml/2006/main" xmlns:r="http://schemas.openxmlformats.org/officeDocument/2006/relationships" xmlns:p="http://schemas.openxmlformats.org/presentationml/2006/main">
+  <p:cSld>
+    <p:spTree>
+      <p:nvGrpSpPr>
+        <p:cNvPr id="1" name=""/>
+        <p:cNvGrpSpPr/>
+        <p:nvPr/>
+      </p:nvGrpSpPr>
+      <p:grpSpPr>
+        <a:xfrm>
+          <a:off x="0" y="0"/>
+          <a:ext cx="0" cy="0"/>
+          <a:chOff x="0" y="0"/>
+          <a:chExt cx="0" cy="0"/>
+        </a:xfrm>
+      </p:grpSpPr>
+      <p:pic>
+        <p:nvPicPr>
+          <p:cNvPr id="4" name="그림 3"/>
+          <p:cNvPicPr>
+            <a:picLocks noChangeAspect="1"/>
+          </p:cNvPicPr>
+          <p:nvPr/>
+        </p:nvPicPr>
+        <p:blipFill>
+          <a:blip r:embed="rId2">
+            <a:extLst>
+              <a:ext uri="{28A0092B-C50C-407E-A947-70E740481C1C}">
+                <a14:useLocalDpi xmlns:a14="http://schemas.microsoft.com/office/drawing/2010/main" val="0"/>
+              </a:ext>
+            </a:extLst>
+          </a:blip>
+          <a:stretch>
+            <a:fillRect/>
+          </a:stretch>
+        </p:blipFill>
+        <p:spPr>
+          <a:xfrm>
+            <a:off x="0" y="0"/>
+            <a:ext cx="5943506" cy="3219061"/>
+          </a:xfrm>
+          <a:prstGeom prst="rect">
+            <a:avLst/>
+          </a:prstGeom>
+        </p:spPr>
+      </p:pic>
+      <p:pic>
+        <p:nvPicPr>
+          <p:cNvPr id="5" name="그림 4"/>
+          <p:cNvPicPr>
+            <a:picLocks noChangeAspect="1"/>
+          </p:cNvPicPr>
+          <p:nvPr/>
+        </p:nvPicPr>
+        <p:blipFill>
+          <a:blip r:embed="rId3">
+            <a:extLst>
+              <a:ext uri="{28A0092B-C50C-407E-A947-70E740481C1C}">
+                <a14:useLocalDpi xmlns:a14="http://schemas.microsoft.com/office/drawing/2010/main" val="0"/>
+              </a:ext>
+            </a:extLst>
+          </a:blip>
+          <a:stretch>
+            <a:fillRect/>
+          </a:stretch>
+        </p:blipFill>
+        <p:spPr>
+          <a:xfrm>
+            <a:off x="5943506" y="-1"/>
+            <a:ext cx="6248494" cy="4654403"/>
+          </a:xfrm>
+          <a:prstGeom prst="rect">
+            <a:avLst/>
+          </a:prstGeom>
+        </p:spPr>
+      </p:pic>
+    </p:spTree>
+    <p:extLst>
+      <p:ext uri="{BB962C8B-B14F-4D97-AF65-F5344CB8AC3E}">
+        <p14:creationId xmlns:p14="http://schemas.microsoft.com/office/powerpoint/2010/main" val="2881111559"/>
+      </p:ext>
+    </p:extLst>
+  </p:cSld>
+  <p:clrMapOvr>
+    <a:masterClrMapping/>
+  </p:clrMapOvr>
+  <p:timing>
+    <p:tnLst>
+      <p:par>
+        <p:cTn id="1" dur="indefinite" restart="never" nodeType="tmRoot"/>
+      </p:par>
+    </p:tnLst>
+  </p:timing>
+</p:sld>
+</file>
+
+<file path=ppt/slides/slide6.xml><?xml version="1.0" encoding="utf-8"?>
+<p:sld xmlns:a="http://schemas.openxmlformats.org/drawingml/2006/main" xmlns:r="http://schemas.openxmlformats.org/officeDocument/2006/relationships" xmlns:p="http://schemas.openxmlformats.org/presentationml/2006/main">
+  <p:cSld>
+    <p:spTree>
+      <p:nvGrpSpPr>
+        <p:cNvPr id="1" name=""/>
+        <p:cNvGrpSpPr/>
+        <p:nvPr/>
+      </p:nvGrpSpPr>
+      <p:grpSpPr>
+        <a:xfrm>
+          <a:off x="0" y="0"/>
+          <a:ext cx="0" cy="0"/>
+          <a:chOff x="0" y="0"/>
+          <a:chExt cx="0" cy="0"/>
+        </a:xfrm>
+      </p:grpSpPr>
+      <p:pic>
+        <p:nvPicPr>
+          <p:cNvPr id="7" name="그림 6"/>
+          <p:cNvPicPr>
+            <a:picLocks noChangeAspect="1"/>
+          </p:cNvPicPr>
+          <p:nvPr/>
+        </p:nvPicPr>
+        <p:blipFill>
+          <a:blip r:embed="rId2">
+            <a:extLst>
+              <a:ext uri="{28A0092B-C50C-407E-A947-70E740481C1C}">
+                <a14:useLocalDpi xmlns:a14="http://schemas.microsoft.com/office/drawing/2010/main" val="0"/>
+              </a:ext>
+            </a:extLst>
+          </a:blip>
+          <a:stretch>
+            <a:fillRect/>
+          </a:stretch>
+        </p:blipFill>
+        <p:spPr>
+          <a:xfrm>
+            <a:off x="576554" y="2176802"/>
+            <a:ext cx="6981825" cy="1133475"/>
+          </a:xfrm>
+          <a:prstGeom prst="rect">
+            <a:avLst/>
+          </a:prstGeom>
+        </p:spPr>
+      </p:pic>
+      <p:pic>
+        <p:nvPicPr>
+          <p:cNvPr id="8" name="그림 7"/>
+          <p:cNvPicPr>
+            <a:picLocks noChangeAspect="1"/>
+          </p:cNvPicPr>
+          <p:nvPr/>
+        </p:nvPicPr>
+        <p:blipFill>
+          <a:blip r:embed="rId3">
+            <a:extLst>
+              <a:ext uri="{28A0092B-C50C-407E-A947-70E740481C1C}">
+                <a14:useLocalDpi xmlns:a14="http://schemas.microsoft.com/office/drawing/2010/main" val="0"/>
+              </a:ext>
+            </a:extLst>
+          </a:blip>
+          <a:stretch>
+            <a:fillRect/>
+          </a:stretch>
+        </p:blipFill>
+        <p:spPr>
+          <a:xfrm>
+            <a:off x="576554" y="131454"/>
+            <a:ext cx="6981825" cy="1466850"/>
+          </a:xfrm>
+          <a:prstGeom prst="rect">
+            <a:avLst/>
+          </a:prstGeom>
+        </p:spPr>
+      </p:pic>
+      <p:pic>
+        <p:nvPicPr>
+          <p:cNvPr id="9" name="그림 8"/>
+          <p:cNvPicPr>
+            <a:picLocks noChangeAspect="1"/>
+          </p:cNvPicPr>
+          <p:nvPr/>
+        </p:nvPicPr>
+        <p:blipFill rotWithShape="1">
+          <a:blip r:embed="rId4">
+            <a:extLst>
+              <a:ext uri="{28A0092B-C50C-407E-A947-70E740481C1C}">
+                <a14:useLocalDpi xmlns:a14="http://schemas.microsoft.com/office/drawing/2010/main" val="0"/>
+              </a:ext>
+            </a:extLst>
+          </a:blip>
+          <a:srcRect r="33633"/>
+          <a:stretch/>
+        </p:blipFill>
+        <p:spPr>
+          <a:xfrm>
+            <a:off x="7558379" y="24152"/>
+            <a:ext cx="4633621" cy="6572250"/>
+          </a:xfrm>
+          <a:prstGeom prst="rect">
+            <a:avLst/>
+          </a:prstGeom>
+        </p:spPr>
+      </p:pic>
+    </p:spTree>
+    <p:extLst>
+      <p:ext uri="{BB962C8B-B14F-4D97-AF65-F5344CB8AC3E}">
+        <p14:creationId xmlns:p14="http://schemas.microsoft.com/office/powerpoint/2010/main" val="4258433602"/>
+      </p:ext>
+    </p:extLst>
+  </p:cSld>
+  <p:clrMapOvr>
+    <a:masterClrMapping/>
+  </p:clrMapOvr>
+  <p:timing>
+    <p:tnLst>
+      <p:par>
+        <p:cTn id="1" dur="indefinite" restart="never" nodeType="tmRoot"/>
+      </p:par>
+    </p:tnLst>
+  </p:timing>
+</p:sld>
+</file>
+
+<file path=ppt/slides/slide7.xml><?xml version="1.0" encoding="utf-8"?>
+<p:sld xmlns:a="http://schemas.openxmlformats.org/drawingml/2006/main" xmlns:r="http://schemas.openxmlformats.org/officeDocument/2006/relationships" xmlns:p="http://schemas.openxmlformats.org/presentationml/2006/main">
+  <p:cSld>
+    <p:spTree>
+      <p:nvGrpSpPr>
+        <p:cNvPr id="1" name=""/>
+        <p:cNvGrpSpPr/>
+        <p:nvPr/>
+      </p:nvGrpSpPr>
+      <p:grpSpPr>
+        <a:xfrm>
+          <a:off x="0" y="0"/>
+          <a:ext cx="0" cy="0"/>
+          <a:chOff x="0" y="0"/>
+          <a:chExt cx="0" cy="0"/>
+        </a:xfrm>
+      </p:grpSpPr>
+      <p:sp>
+        <p:nvSpPr>
+          <p:cNvPr id="2" name="제목 1"/>
+          <p:cNvSpPr>
+            <a:spLocks noGrp="1"/>
+          </p:cNvSpPr>
+          <p:nvPr>
+            <p:ph type="title"/>
+          </p:nvPr>
+        </p:nvSpPr>
+        <p:spPr/>
+        <p:txBody>
+          <a:bodyPr/>
+          <a:lstStyle/>
+          <a:p>
+            <a:endParaRPr lang="ko-KR" altLang="en-US"/>
+          </a:p>
+        </p:txBody>
+      </p:sp>
+      <p:sp>
+        <p:nvSpPr>
+          <p:cNvPr id="4" name="직사각형 3"/>
+          <p:cNvSpPr/>
+          <p:nvPr/>
+        </p:nvSpPr>
+        <p:spPr>
+          <a:xfrm>
+            <a:off x="0" y="-25492"/>
+            <a:ext cx="12192000" cy="6883492"/>
+          </a:xfrm>
+          <a:prstGeom prst="rect">
+            <a:avLst/>
+          </a:prstGeom>
+          <a:solidFill>
+            <a:schemeClr val="accent5">
+              <a:lumMod val="75000"/>
+            </a:schemeClr>
+          </a:solidFill>
+          <a:ln>
+            <a:noFill/>
+          </a:ln>
+        </p:spPr>
+        <p:style>
+          <a:lnRef idx="2">
+            <a:schemeClr val="accent1">
+              <a:shade val="50000"/>
+            </a:schemeClr>
+          </a:lnRef>
+          <a:fillRef idx="1">
+            <a:schemeClr val="accent1"/>
+          </a:fillRef>
+          <a:effectRef idx="0">
+            <a:schemeClr val="accent1"/>
+          </a:effectRef>
+          <a:fontRef idx="minor">
+            <a:schemeClr val="lt1"/>
+          </a:fontRef>
+        </p:style>
+        <p:txBody>
+          <a:bodyPr rtlCol="0" anchor="ctr"/>
+          <a:lstStyle/>
+          <a:p>
+            <a:pPr algn="ctr"/>
+            <a:endParaRPr lang="ko-KR" altLang="en-US" dirty="0"/>
+          </a:p>
+        </p:txBody>
+      </p:sp>
+      <p:pic>
+        <p:nvPicPr>
+          <p:cNvPr id="5" name="그림 4"/>
+          <p:cNvPicPr>
+            <a:picLocks noChangeAspect="1"/>
+          </p:cNvPicPr>
+          <p:nvPr/>
+        </p:nvPicPr>
+        <p:blipFill>
+          <a:blip r:embed="rId2">
+            <a:extLst>
+              <a:ext uri="{28A0092B-C50C-407E-A947-70E740481C1C}">
+                <a14:useLocalDpi xmlns:a14="http://schemas.microsoft.com/office/drawing/2010/main" val="0"/>
+              </a:ext>
+            </a:extLst>
+          </a:blip>
+          <a:stretch>
+            <a:fillRect/>
+          </a:stretch>
+        </p:blipFill>
+        <p:spPr>
+          <a:xfrm flipH="1">
+            <a:off x="8805950" y="-1593201"/>
+            <a:ext cx="4876800" cy="4876800"/>
+          </a:xfrm>
+          <a:prstGeom prst="rect">
+            <a:avLst/>
+          </a:prstGeom>
+        </p:spPr>
+      </p:pic>
+      <p:pic>
+        <p:nvPicPr>
+          <p:cNvPr id="7" name="Picture 6" descr="EDIYA COFFEE"/>
+          <p:cNvPicPr>
+            <a:picLocks noChangeAspect="1" noChangeArrowheads="1"/>
+          </p:cNvPicPr>
+          <p:nvPr/>
+        </p:nvPicPr>
+        <p:blipFill>
+          <a:blip r:embed="rId3">
+            <a:extLst>
+              <a:ext uri="{28A0092B-C50C-407E-A947-70E740481C1C}">
+                <a14:useLocalDpi xmlns:a14="http://schemas.microsoft.com/office/drawing/2010/main" val="0"/>
+              </a:ext>
+            </a:extLst>
+          </a:blip>
+          <a:srcRect/>
+          <a:stretch>
+            <a:fillRect/>
+          </a:stretch>
+        </p:blipFill>
+        <p:spPr bwMode="auto">
+          <a:xfrm>
+            <a:off x="406065" y="624706"/>
+            <a:ext cx="3124200" cy="3124201"/>
+          </a:xfrm>
+          <a:prstGeom prst="rect">
+            <a:avLst/>
+          </a:prstGeom>
+          <a:solidFill>
+            <a:srgbClr val="FFFFFF">
+              <a:shade val="85000"/>
+            </a:srgbClr>
+          </a:solidFill>
+          <a:ln w="190500" cap="sq">
+            <a:solidFill>
+              <a:srgbClr val="FFFFFF"/>
+            </a:solidFill>
+            <a:miter lim="800000"/>
+          </a:ln>
+          <a:effectLst>
+            <a:outerShdw blurRad="65000" dist="50800" dir="12900000" kx="195000" ky="145000" algn="tl" rotWithShape="0">
+              <a:srgbClr val="000000">
+                <a:alpha val="30000"/>
+              </a:srgbClr>
+            </a:outerShdw>
+          </a:effectLst>
+          <a:scene3d>
+            <a:camera prst="orthographicFront">
+              <a:rot lat="0" lon="0" rev="360000"/>
+            </a:camera>
+            <a:lightRig rig="twoPt" dir="t">
+              <a:rot lat="0" lon="0" rev="7200000"/>
+            </a:lightRig>
+          </a:scene3d>
+          <a:sp3d contourW="12700">
+            <a:bevelT w="25400" h="19050"/>
+            <a:contourClr>
+              <a:srgbClr val="969696"/>
+            </a:contourClr>
+          </a:sp3d>
+          <a:extLst>
+            <a:ext uri="{909E8E84-426E-40DD-AFC4-6F175D3DCCD1}">
+              <a14:hiddenFill xmlns:a14="http://schemas.microsoft.com/office/drawing/2010/main">
+                <a:solidFill>
+                  <a:srgbClr val="FFFFFF"/>
+                </a:solidFill>
+              </a14:hiddenFill>
+            </a:ext>
+          </a:extLst>
+        </p:spPr>
+      </p:pic>
+      <p:pic>
+        <p:nvPicPr>
+          <p:cNvPr id="8" name="Picture 8" descr="EDIYA COFFEE"/>
+          <p:cNvPicPr>
+            <a:picLocks noChangeAspect="1" noChangeArrowheads="1"/>
+          </p:cNvPicPr>
+          <p:nvPr/>
+        </p:nvPicPr>
+        <p:blipFill>
+          <a:blip r:embed="rId4">
+            <a:extLst>
+              <a:ext uri="{28A0092B-C50C-407E-A947-70E740481C1C}">
+                <a14:useLocalDpi xmlns:a14="http://schemas.microsoft.com/office/drawing/2010/main" val="0"/>
+              </a:ext>
+            </a:extLst>
+          </a:blip>
+          <a:srcRect/>
+          <a:stretch>
+            <a:fillRect/>
+          </a:stretch>
+        </p:blipFill>
+        <p:spPr bwMode="auto">
+          <a:xfrm>
+            <a:off x="8567837" y="3416254"/>
+            <a:ext cx="3124200" cy="3124201"/>
+          </a:xfrm>
+          <a:prstGeom prst="snip2DiagRect">
+            <a:avLst/>
+          </a:prstGeom>
+          <a:solidFill>
+            <a:srgbClr val="FFFFFF">
+              <a:shade val="85000"/>
+            </a:srgbClr>
+          </a:solidFill>
+          <a:ln w="88900" cap="sq">
+            <a:solidFill>
+              <a:srgbClr val="FFFFFF"/>
+            </a:solidFill>
+            <a:miter lim="800000"/>
+          </a:ln>
+          <a:effectLst>
+            <a:outerShdw blurRad="88900" algn="tl" rotWithShape="0">
+              <a:srgbClr val="000000">
+                <a:alpha val="45000"/>
+              </a:srgbClr>
+            </a:outerShdw>
+          </a:effectLst>
+          <a:scene3d>
+            <a:camera prst="orthographicFront"/>
+            <a:lightRig rig="twoPt" dir="t">
+              <a:rot lat="0" lon="0" rev="7200000"/>
+            </a:lightRig>
+          </a:scene3d>
+          <a:sp3d>
+            <a:bevelT w="25400" h="19050"/>
+            <a:contourClr>
+              <a:srgbClr val="FFFFFF"/>
+            </a:contourClr>
+          </a:sp3d>
+          <a:extLst>
+            <a:ext uri="{909E8E84-426E-40DD-AFC4-6F175D3DCCD1}">
+              <a14:hiddenFill xmlns:a14="http://schemas.microsoft.com/office/drawing/2010/main">
+                <a:solidFill>
+                  <a:srgbClr val="FFFFFF"/>
+                </a:solidFill>
+              </a14:hiddenFill>
+            </a:ext>
+          </a:extLst>
+        </p:spPr>
+      </p:pic>
+      <p:sp>
+        <p:nvSpPr>
+          <p:cNvPr id="9" name="TextBox 8"/>
+          <p:cNvSpPr txBox="1"/>
+          <p:nvPr/>
+        </p:nvSpPr>
+        <p:spPr>
+          <a:xfrm>
+            <a:off x="4168560" y="1727183"/>
+            <a:ext cx="4724814" cy="830997"/>
+          </a:xfrm>
+          <a:prstGeom prst="rect">
+            <a:avLst/>
+          </a:prstGeom>
+          <a:noFill/>
+        </p:spPr>
+        <p:txBody>
+          <a:bodyPr wrap="square" rtlCol="0">
+            <a:spAutoFit/>
+          </a:bodyPr>
+          <a:lstStyle/>
+          <a:p>
+            <a:pPr algn="ctr"/>
+            <a:r>
+              <a:rPr lang="en-US" altLang="ko-KR" sz="4800" dirty="0" smtClean="0">
+                <a:solidFill>
+                  <a:schemeClr val="bg1"/>
+                </a:solidFill>
+                <a:effectLst>
+                  <a:reflection blurRad="6350" stA="55000" endA="300" endPos="45500" dir="5400000" sy="-100000" algn="bl" rotWithShape="0"/>
+                </a:effectLst>
+                <a:latin typeface="Segoe UI Black" panose="020B0A02040204020203" pitchFamily="34" charset="0"/>
+              </a:rPr>
+              <a:t>HTML+CSS+JS</a:t>
+            </a:r>
+            <a:endParaRPr lang="ko-KR" altLang="en-US" sz="4800" dirty="0">
+              <a:solidFill>
+                <a:schemeClr val="bg1"/>
+              </a:solidFill>
+              <a:effectLst>
+                <a:reflection blurRad="6350" stA="55000" endA="300" endPos="45500" dir="5400000" sy="-100000" algn="bl" rotWithShape="0"/>
+              </a:effectLst>
+              <a:latin typeface="Segoe UI Black" panose="020B0A02040204020203" pitchFamily="34" charset="0"/>
+            </a:endParaRPr>
+          </a:p>
+        </p:txBody>
+      </p:sp>
+      <p:sp>
+        <p:nvSpPr>
+          <p:cNvPr id="10" name="TextBox 9"/>
+          <p:cNvSpPr txBox="1"/>
+          <p:nvPr/>
+        </p:nvSpPr>
+        <p:spPr>
+          <a:xfrm>
+            <a:off x="2801006" y="2594675"/>
+            <a:ext cx="5766831" cy="830997"/>
+          </a:xfrm>
+          <a:prstGeom prst="rect">
+            <a:avLst/>
+          </a:prstGeom>
+          <a:noFill/>
+          <a:effectLst/>
+        </p:spPr>
+        <p:txBody>
+          <a:bodyPr wrap="square" rtlCol="0">
+            <a:spAutoFit/>
+          </a:bodyPr>
+          <a:lstStyle/>
+          <a:p>
+            <a:pPr algn="ctr"/>
+            <a:r>
+              <a:rPr lang="ko-KR" altLang="en-US" sz="4800" dirty="0" smtClean="0">
+                <a:solidFill>
+                  <a:schemeClr val="bg1"/>
+                </a:solidFill>
+                <a:effectLst>
+                  <a:glow rad="63500">
+                    <a:schemeClr val="accent5">
+                      <a:lumMod val="20000"/>
+                      <a:lumOff val="80000"/>
+                      <a:alpha val="40000"/>
+                    </a:schemeClr>
+                  </a:glow>
+                  <a:reflection blurRad="6350" stA="55000" endA="300" endPos="45500" dir="5400000" sy="-100000" algn="bl" rotWithShape="0"/>
+                </a:effectLst>
+                <a:latin typeface="HY견고딕" panose="02030600000101010101" pitchFamily="18" charset="-127"/>
+                <a:ea typeface="HY견고딕" panose="02030600000101010101" pitchFamily="18" charset="-127"/>
+              </a:rPr>
+              <a:t>류동우</a:t>
+            </a:r>
+            <a:endParaRPr lang="ko-KR" altLang="en-US" sz="4800" dirty="0">
+              <a:solidFill>
+                <a:schemeClr val="bg1"/>
+              </a:solidFill>
+              <a:effectLst>
+                <a:glow rad="63500">
+                  <a:schemeClr val="accent5">
+                    <a:lumMod val="20000"/>
+                    <a:lumOff val="80000"/>
+                    <a:alpha val="40000"/>
+                  </a:schemeClr>
+                </a:glow>
+                <a:reflection blurRad="6350" stA="55000" endA="300" endPos="45500" dir="5400000" sy="-100000" algn="bl" rotWithShape="0"/>
+              </a:effectLst>
+              <a:latin typeface="HY견고딕" panose="02030600000101010101" pitchFamily="18" charset="-127"/>
+              <a:ea typeface="HY견고딕" panose="02030600000101010101" pitchFamily="18" charset="-127"/>
+            </a:endParaRPr>
+          </a:p>
+        </p:txBody>
+      </p:sp>
+    </p:spTree>
+    <p:extLst>
+      <p:ext uri="{BB962C8B-B14F-4D97-AF65-F5344CB8AC3E}">
+        <p14:creationId xmlns:p14="http://schemas.microsoft.com/office/powerpoint/2010/main" val="3774446281"/>
+      </p:ext>
+    </p:extLst>
+  </p:cSld>
+  <p:clrMapOvr>
+    <a:masterClrMapping/>
+  </p:clrMapOvr>
+  <p:timing>
+    <p:tnLst>
+      <p:par>
+        <p:cTn id="1" dur="indefinite" restart="never" nodeType="tmRoot"/>
+      </p:par>
+    </p:tnLst>
+  </p:timing>
+</p:sld>
+</file>
+
+<file path=ppt/slides/slide8.xml><?xml version="1.0" encoding="utf-8"?>
+<p:sld xmlns:a="http://schemas.openxmlformats.org/drawingml/2006/main" xmlns:r="http://schemas.openxmlformats.org/officeDocument/2006/relationships" xmlns:p="http://schemas.openxmlformats.org/presentationml/2006/main">
+  <p:cSld>
+    <p:spTree>
+      <p:nvGrpSpPr>
+        <p:cNvPr id="1" name=""/>
+        <p:cNvGrpSpPr/>
+        <p:nvPr/>
+      </p:nvGrpSpPr>
+      <p:grpSpPr>
+        <a:xfrm>
+          <a:off x="0" y="0"/>
+          <a:ext cx="0" cy="0"/>
+          <a:chOff x="0" y="0"/>
+          <a:chExt cx="0" cy="0"/>
+        </a:xfrm>
+      </p:grpSpPr>
+      <p:sp>
+        <p:nvSpPr>
+          <p:cNvPr id="2" name="제목 1"/>
+          <p:cNvSpPr>
+            <a:spLocks noGrp="1"/>
+          </p:cNvSpPr>
+          <p:nvPr>
+            <p:ph type="title"/>
+          </p:nvPr>
+        </p:nvSpPr>
+        <p:spPr/>
+        <p:txBody>
+          <a:bodyPr/>
+          <a:lstStyle/>
+          <a:p>
+            <a:endParaRPr lang="ko-KR" altLang="en-US"/>
+          </a:p>
+        </p:txBody>
+      </p:sp>
+      <p:sp>
+        <p:nvSpPr>
+          <p:cNvPr id="3" name="내용 개체 틀 2"/>
+          <p:cNvSpPr>
+            <a:spLocks noGrp="1"/>
+          </p:cNvSpPr>
+          <p:nvPr>
+            <p:ph idx="1"/>
+          </p:nvPr>
+        </p:nvSpPr>
+        <p:spPr/>
+        <p:txBody>
+          <a:bodyPr/>
+          <a:lstStyle/>
+          <a:p>
+            <a:endParaRPr lang="ko-KR" altLang="en-US"/>
+          </a:p>
+        </p:txBody>
+      </p:sp>
+    </p:spTree>
+    <p:extLst>
+      <p:ext uri="{BB962C8B-B14F-4D97-AF65-F5344CB8AC3E}">
+        <p14:creationId xmlns:p14="http://schemas.microsoft.com/office/powerpoint/2010/main" val="515153177"/>
+      </p:ext>
+    </p:extLst>
+  </p:cSld>
+  <p:clrMapOvr>
+    <a:masterClrMapping/>
+  </p:clrMapOvr>
+  <p:timing>
+    <p:tnLst>
+      <p:par>
+        <p:cTn id="1" dur="indefinite" restart="never" nodeType="tmRoot"/>
+      </p:par>
+    </p:tnLst>
+  </p:timing>
+</p:sld>
+</file>
+
+<file path=ppt/slides/slide9.xml><?xml version="1.0" encoding="utf-8"?>
+<p:sld xmlns:a="http://schemas.openxmlformats.org/drawingml/2006/main" xmlns:r="http://schemas.openxmlformats.org/officeDocument/2006/relationships" xmlns:p="http://schemas.openxmlformats.org/presentationml/2006/main">
+  <p:cSld>
+    <p:spTree>
+      <p:nvGrpSpPr>
+        <p:cNvPr id="1" name=""/>
+        <p:cNvGrpSpPr/>
+        <p:nvPr/>
+      </p:nvGrpSpPr>
+      <p:grpSpPr>
+        <a:xfrm>
+          <a:off x="0" y="0"/>
+          <a:ext cx="0" cy="0"/>
+          <a:chOff x="0" y="0"/>
+          <a:chExt cx="0" cy="0"/>
+        </a:xfrm>
+      </p:grpSpPr>
+      <p:sp>
+        <p:nvSpPr>
+          <p:cNvPr id="2" name="제목 1"/>
+          <p:cNvSpPr>
+            <a:spLocks noGrp="1"/>
+          </p:cNvSpPr>
+          <p:nvPr>
+            <p:ph type="title"/>
+          </p:nvPr>
+        </p:nvSpPr>
+        <p:spPr/>
+        <p:txBody>
+          <a:bodyPr/>
+          <a:lstStyle/>
+          <a:p>
+            <a:endParaRPr lang="ko-KR" altLang="en-US"/>
+          </a:p>
+        </p:txBody>
+      </p:sp>
+      <p:sp>
+        <p:nvSpPr>
+          <p:cNvPr id="4" name="직사각형 3"/>
+          <p:cNvSpPr/>
+          <p:nvPr/>
+        </p:nvSpPr>
+        <p:spPr>
+          <a:xfrm>
+            <a:off x="0" y="-25492"/>
+            <a:ext cx="12192000" cy="6883492"/>
+          </a:xfrm>
+          <a:prstGeom prst="rect">
+            <a:avLst/>
+          </a:prstGeom>
+          <a:solidFill>
+            <a:schemeClr val="accent5">
+              <a:lumMod val="75000"/>
+            </a:schemeClr>
+          </a:solidFill>
+          <a:ln>
+            <a:noFill/>
+          </a:ln>
+        </p:spPr>
+        <p:style>
+          <a:lnRef idx="2">
+            <a:schemeClr val="accent1">
+              <a:shade val="50000"/>
+            </a:schemeClr>
+          </a:lnRef>
+          <a:fillRef idx="1">
+            <a:schemeClr val="accent1"/>
+          </a:fillRef>
+          <a:effectRef idx="0">
+            <a:schemeClr val="accent1"/>
+          </a:effectRef>
+          <a:fontRef idx="minor">
+            <a:schemeClr val="lt1"/>
+          </a:fontRef>
+        </p:style>
+        <p:txBody>
+          <a:bodyPr rtlCol="0" anchor="ctr"/>
+          <a:lstStyle/>
+          <a:p>
+            <a:pPr algn="ctr"/>
+            <a:endParaRPr lang="ko-KR" altLang="en-US" dirty="0"/>
+          </a:p>
+        </p:txBody>
+      </p:sp>
+      <p:pic>
+        <p:nvPicPr>
+          <p:cNvPr id="5" name="그림 4"/>
+          <p:cNvPicPr>
+            <a:picLocks noChangeAspect="1"/>
+          </p:cNvPicPr>
+          <p:nvPr/>
+        </p:nvPicPr>
+        <p:blipFill>
+          <a:blip r:embed="rId2">
+            <a:extLst>
+              <a:ext uri="{28A0092B-C50C-407E-A947-70E740481C1C}">
+                <a14:useLocalDpi xmlns:a14="http://schemas.microsoft.com/office/drawing/2010/main" val="0"/>
+              </a:ext>
+            </a:extLst>
+          </a:blip>
+          <a:stretch>
+            <a:fillRect/>
+          </a:stretch>
+        </p:blipFill>
+        <p:spPr>
+          <a:xfrm flipH="1">
+            <a:off x="8805950" y="-1593201"/>
+            <a:ext cx="4876800" cy="4876800"/>
+          </a:xfrm>
+          <a:prstGeom prst="rect">
+            <a:avLst/>
+          </a:prstGeom>
+        </p:spPr>
+      </p:pic>
+      <p:pic>
+        <p:nvPicPr>
+          <p:cNvPr id="7" name="Picture 6" descr="EDIYA COFFEE"/>
+          <p:cNvPicPr>
+            <a:picLocks noChangeAspect="1" noChangeArrowheads="1"/>
+          </p:cNvPicPr>
+          <p:nvPr/>
+        </p:nvPicPr>
+        <p:blipFill>
+          <a:blip r:embed="rId3">
+            <a:extLst>
+              <a:ext uri="{28A0092B-C50C-407E-A947-70E740481C1C}">
+                <a14:useLocalDpi xmlns:a14="http://schemas.microsoft.com/office/drawing/2010/main" val="0"/>
+              </a:ext>
+            </a:extLst>
+          </a:blip>
+          <a:srcRect/>
+          <a:stretch>
+            <a:fillRect/>
+          </a:stretch>
+        </p:blipFill>
+        <p:spPr bwMode="auto">
+          <a:xfrm>
+            <a:off x="406065" y="624706"/>
+            <a:ext cx="3124200" cy="3124201"/>
+          </a:xfrm>
+          <a:prstGeom prst="rect">
+            <a:avLst/>
+          </a:prstGeom>
+          <a:solidFill>
+            <a:srgbClr val="FFFFFF">
+              <a:shade val="85000"/>
+            </a:srgbClr>
+          </a:solidFill>
+          <a:ln w="190500" cap="sq">
+            <a:solidFill>
+              <a:srgbClr val="FFFFFF"/>
+            </a:solidFill>
+            <a:miter lim="800000"/>
+          </a:ln>
+          <a:effectLst>
+            <a:outerShdw blurRad="65000" dist="50800" dir="12900000" kx="195000" ky="145000" algn="tl" rotWithShape="0">
+              <a:srgbClr val="000000">
+                <a:alpha val="30000"/>
+              </a:srgbClr>
+            </a:outerShdw>
+          </a:effectLst>
+          <a:scene3d>
+            <a:camera prst="orthographicFront">
+              <a:rot lat="0" lon="0" rev="360000"/>
+            </a:camera>
+            <a:lightRig rig="twoPt" dir="t">
+              <a:rot lat="0" lon="0" rev="7200000"/>
+            </a:lightRig>
+          </a:scene3d>
+          <a:sp3d contourW="12700">
+            <a:bevelT w="25400" h="19050"/>
+            <a:contourClr>
+              <a:srgbClr val="969696"/>
+            </a:contourClr>
+          </a:sp3d>
+          <a:extLst>
+            <a:ext uri="{909E8E84-426E-40DD-AFC4-6F175D3DCCD1}">
+              <a14:hiddenFill xmlns:a14="http://schemas.microsoft.com/office/drawing/2010/main">
+                <a:solidFill>
+                  <a:srgbClr val="FFFFFF"/>
+                </a:solidFill>
+              </a14:hiddenFill>
+            </a:ext>
+          </a:extLst>
+        </p:spPr>
+      </p:pic>
+      <p:pic>
+        <p:nvPicPr>
+          <p:cNvPr id="8" name="Picture 8" descr="EDIYA COFFEE"/>
+          <p:cNvPicPr>
+            <a:picLocks noChangeAspect="1" noChangeArrowheads="1"/>
+          </p:cNvPicPr>
+          <p:nvPr/>
+        </p:nvPicPr>
+        <p:blipFill>
+          <a:blip r:embed="rId4">
+            <a:extLst>
+              <a:ext uri="{28A0092B-C50C-407E-A947-70E740481C1C}">
+                <a14:useLocalDpi xmlns:a14="http://schemas.microsoft.com/office/drawing/2010/main" val="0"/>
+              </a:ext>
+            </a:extLst>
+          </a:blip>
+          <a:srcRect/>
+          <a:stretch>
+            <a:fillRect/>
+          </a:stretch>
+        </p:blipFill>
+        <p:spPr bwMode="auto">
+          <a:xfrm>
+            <a:off x="8567837" y="3416254"/>
+            <a:ext cx="3124200" cy="3124201"/>
+          </a:xfrm>
+          <a:prstGeom prst="snip2DiagRect">
+            <a:avLst/>
+          </a:prstGeom>
+          <a:solidFill>
+            <a:srgbClr val="FFFFFF">
+              <a:shade val="85000"/>
+            </a:srgbClr>
+          </a:solidFill>
+          <a:ln w="88900" cap="sq">
+            <a:solidFill>
+              <a:srgbClr val="FFFFFF"/>
+            </a:solidFill>
+            <a:miter lim="800000"/>
+          </a:ln>
+          <a:effectLst>
+            <a:outerShdw blurRad="88900" algn="tl" rotWithShape="0">
+              <a:srgbClr val="000000">
+                <a:alpha val="45000"/>
+              </a:srgbClr>
+            </a:outerShdw>
+          </a:effectLst>
+          <a:scene3d>
+            <a:camera prst="orthographicFront"/>
+            <a:lightRig rig="twoPt" dir="t">
+              <a:rot lat="0" lon="0" rev="7200000"/>
+            </a:lightRig>
+          </a:scene3d>
+          <a:sp3d>
+            <a:bevelT w="25400" h="19050"/>
+            <a:contourClr>
+              <a:srgbClr val="FFFFFF"/>
+            </a:contourClr>
+          </a:sp3d>
+          <a:extLst>
+            <a:ext uri="{909E8E84-426E-40DD-AFC4-6F175D3DCCD1}">
+              <a14:hiddenFill xmlns:a14="http://schemas.microsoft.com/office/drawing/2010/main">
+                <a:solidFill>
+                  <a:srgbClr val="FFFFFF"/>
+                </a:solidFill>
+              </a14:hiddenFill>
+            </a:ext>
+          </a:extLst>
+        </p:spPr>
+      </p:pic>
+      <p:sp>
+        <p:nvSpPr>
+          <p:cNvPr id="10" name="TextBox 9"/>
+          <p:cNvSpPr txBox="1"/>
+          <p:nvPr/>
+        </p:nvSpPr>
+        <p:spPr>
+          <a:xfrm>
+            <a:off x="2801006" y="2594675"/>
+            <a:ext cx="5766831" cy="830997"/>
+          </a:xfrm>
+          <a:prstGeom prst="rect">
+            <a:avLst/>
+          </a:prstGeom>
+          <a:noFill/>
+          <a:effectLst/>
+        </p:spPr>
+        <p:txBody>
+          <a:bodyPr wrap="square" rtlCol="0">
+            <a:spAutoFit/>
+          </a:bodyPr>
+          <a:lstStyle/>
+          <a:p>
+            <a:pPr algn="ctr"/>
+            <a:r>
+              <a:rPr lang="ko-KR" altLang="en-US" sz="4800" dirty="0" smtClean="0">
+                <a:solidFill>
+                  <a:schemeClr val="bg1"/>
+                </a:solidFill>
+                <a:effectLst>
+                  <a:glow rad="63500">
+                    <a:schemeClr val="accent5">
+                      <a:lumMod val="20000"/>
+                      <a:lumOff val="80000"/>
+                      <a:alpha val="40000"/>
+                    </a:schemeClr>
+                  </a:glow>
+                  <a:reflection blurRad="6350" stA="55000" endA="300" endPos="45500" dir="5400000" sy="-100000" algn="bl" rotWithShape="0"/>
+                </a:effectLst>
+                <a:latin typeface="HY견고딕" panose="02030600000101010101" pitchFamily="18" charset="-127"/>
+                <a:ea typeface="HY견고딕" panose="02030600000101010101" pitchFamily="18" charset="-127"/>
+              </a:rPr>
+              <a:t>윤유비</a:t>
+            </a:r>
+            <a:endParaRPr lang="ko-KR" altLang="en-US" sz="4800" dirty="0">
+              <a:solidFill>
+                <a:schemeClr val="bg1"/>
+              </a:solidFill>
+              <a:effectLst>
+                <a:glow rad="63500">
+                  <a:schemeClr val="accent5">
+                    <a:lumMod val="20000"/>
+                    <a:lumOff val="80000"/>
+                    <a:alpha val="40000"/>
+                  </a:schemeClr>
+                </a:glow>
+                <a:reflection blurRad="6350" stA="55000" endA="300" endPos="45500" dir="5400000" sy="-100000" algn="bl" rotWithShape="0"/>
+              </a:effectLst>
+              <a:latin typeface="HY견고딕" panose="02030600000101010101" pitchFamily="18" charset="-127"/>
+              <a:ea typeface="HY견고딕" panose="02030600000101010101" pitchFamily="18" charset="-127"/>
+            </a:endParaRPr>
+          </a:p>
+        </p:txBody>
+      </p:sp>
+      <p:sp>
+        <p:nvSpPr>
+          <p:cNvPr id="11" name="TextBox 10"/>
+          <p:cNvSpPr txBox="1"/>
+          <p:nvPr/>
+        </p:nvSpPr>
+        <p:spPr>
+          <a:xfrm>
+            <a:off x="4168560" y="1727183"/>
+            <a:ext cx="4724814" cy="830997"/>
+          </a:xfrm>
+          <a:prstGeom prst="rect">
+            <a:avLst/>
+          </a:prstGeom>
+          <a:noFill/>
+        </p:spPr>
+        <p:txBody>
+          <a:bodyPr wrap="square" rtlCol="0">
+            <a:spAutoFit/>
+          </a:bodyPr>
+          <a:lstStyle/>
+          <a:p>
+            <a:pPr algn="ctr"/>
+            <a:r>
+              <a:rPr lang="en-US" altLang="ko-KR" sz="4800" dirty="0" smtClean="0">
+                <a:solidFill>
+                  <a:schemeClr val="bg1"/>
+                </a:solidFill>
+                <a:effectLst>
+                  <a:reflection blurRad="6350" stA="55000" endA="300" endPos="45500" dir="5400000" sy="-100000" algn="bl" rotWithShape="0"/>
+                </a:effectLst>
+                <a:latin typeface="Segoe UI Black" panose="020B0A02040204020203" pitchFamily="34" charset="0"/>
+              </a:rPr>
+              <a:t>HTML+CSS+JS</a:t>
+            </a:r>
+            <a:endParaRPr lang="ko-KR" altLang="en-US" sz="4800" dirty="0">
+              <a:solidFill>
+                <a:schemeClr val="bg1"/>
+              </a:solidFill>
+              <a:effectLst>
+                <a:reflection blurRad="6350" stA="55000" endA="300" endPos="45500" dir="5400000" sy="-100000" algn="bl" rotWithShape="0"/>
+              </a:effectLst>
+              <a:latin typeface="Segoe UI Black" panose="020B0A02040204020203" pitchFamily="34" charset="0"/>
+            </a:endParaRPr>
+          </a:p>
+        </p:txBody>
+      </p:sp>
+    </p:spTree>
+    <p:extLst>
+      <p:ext uri="{BB962C8B-B14F-4D97-AF65-F5344CB8AC3E}">
+        <p14:creationId xmlns:p14="http://schemas.microsoft.com/office/powerpoint/2010/main" val="157599368"/>
+      </p:ext>
+    </p:extLst>
+  </p:cSld>
+  <p:clrMapOvr>
+    <a:masterClrMapping/>
+  </p:clrMapOvr>
+  <p:timing>
+    <p:tnLst>
+      <p:par>
+        <p:cTn id="1" dur="indefinite" restart="never" nodeType="tmRoot"/>
       </p:par>
     </p:tnLst>
   </p:timing>

--- a/윤유비_발표자료.pptx
+++ b/윤유비_발표자료.pptx
@@ -1,6 +1,6 @@
 
 <file path=ppt/presentation.xml><?xml version="1.0" encoding="utf-8"?>
-<p:presentation xmlns:a="http://schemas.openxmlformats.org/drawingml/2006/main" xmlns:r="http://schemas.openxmlformats.org/officeDocument/2006/relationships" xmlns:p="http://schemas.openxmlformats.org/presentationml/2006/main" saveSubsetFonts="1">
+<p:presentation xmlns:a="http://schemas.openxmlformats.org/drawingml/2006/main" xmlns:r="http://schemas.openxmlformats.org/officeDocument/2006/relationships" xmlns:p="http://schemas.openxmlformats.org/presentationml/2006/main" embedTrueTypeFonts="1" saveSubsetFonts="1">
   <p:sldMasterIdLst>
     <p:sldMasterId id="2147483648" r:id="rId1"/>
   </p:sldMasterIdLst>
@@ -20,6 +20,22 @@
   </p:sldIdLst>
   <p:sldSz cx="12192000" cy="6858000"/>
   <p:notesSz cx="6858000" cy="9144000"/>
+  <p:embeddedFontLst>
+    <p:embeddedFont>
+      <p:font typeface="맑은 고딕" panose="020B0503020000020004" pitchFamily="50" charset="-127"/>
+      <p:regular r:id="rId14"/>
+      <p:bold r:id="rId15"/>
+    </p:embeddedFont>
+    <p:embeddedFont>
+      <p:font typeface="HY견고딕" panose="02030600000101010101" pitchFamily="18" charset="-127"/>
+      <p:regular r:id="rId16"/>
+    </p:embeddedFont>
+    <p:embeddedFont>
+      <p:font typeface="Segoe UI Black" panose="020B0A02040204020203" pitchFamily="34" charset="0"/>
+      <p:bold r:id="rId17"/>
+      <p:boldItalic r:id="rId18"/>
+    </p:embeddedFont>
+  </p:embeddedFontLst>
   <p:defaultTextStyle>
     <a:defPPr>
       <a:defRPr lang="ko-KR"/>
@@ -3410,15 +3426,7 @@
               <a:srgbClr val="FFFFFF"/>
             </a:contourClr>
           </a:sp3d>
-          <a:extLst>
-            <a:ext uri="{909E8E84-426E-40DD-AFC4-6F175D3DCCD1}">
-              <a14:hiddenFill xmlns:a14="http://schemas.microsoft.com/office/drawing/2010/main">
-                <a:solidFill>
-                  <a:srgbClr val="FFFFFF"/>
-                </a:solidFill>
-              </a14:hiddenFill>
-            </a:ext>
-          </a:extLst>
+          <a:extLst/>
         </p:spPr>
       </p:pic>
       <p:pic>
@@ -3482,15 +3490,7 @@
               <a:srgbClr val="969696"/>
             </a:contourClr>
           </a:sp3d>
-          <a:extLst>
-            <a:ext uri="{909E8E84-426E-40DD-AFC4-6F175D3DCCD1}">
-              <a14:hiddenFill xmlns:a14="http://schemas.microsoft.com/office/drawing/2010/main">
-                <a:solidFill>
-                  <a:srgbClr val="FFFFFF"/>
-                </a:solidFill>
-              </a14:hiddenFill>
-            </a:ext>
-          </a:extLst>
+          <a:extLst/>
         </p:spPr>
       </p:pic>
       <p:sp>
@@ -5415,15 +5415,7 @@
               <a:srgbClr val="969696"/>
             </a:contourClr>
           </a:sp3d>
-          <a:extLst>
-            <a:ext uri="{909E8E84-426E-40DD-AFC4-6F175D3DCCD1}">
-              <a14:hiddenFill xmlns:a14="http://schemas.microsoft.com/office/drawing/2010/main">
-                <a:solidFill>
-                  <a:srgbClr val="FFFFFF"/>
-                </a:solidFill>
-              </a14:hiddenFill>
-            </a:ext>
-          </a:extLst>
+          <a:extLst/>
         </p:spPr>
       </p:pic>
       <p:pic>
@@ -5485,15 +5477,7 @@
               <a:srgbClr val="FFFFFF"/>
             </a:contourClr>
           </a:sp3d>
-          <a:extLst>
-            <a:ext uri="{909E8E84-426E-40DD-AFC4-6F175D3DCCD1}">
-              <a14:hiddenFill xmlns:a14="http://schemas.microsoft.com/office/drawing/2010/main">
-                <a:solidFill>
-                  <a:srgbClr val="FFFFFF"/>
-                </a:solidFill>
-              </a14:hiddenFill>
-            </a:ext>
-          </a:extLst>
+          <a:extLst/>
         </p:spPr>
       </p:pic>
       <p:sp>
@@ -6246,15 +6230,7 @@
               <a:srgbClr val="969696"/>
             </a:contourClr>
           </a:sp3d>
-          <a:extLst>
-            <a:ext uri="{909E8E84-426E-40DD-AFC4-6F175D3DCCD1}">
-              <a14:hiddenFill xmlns:a14="http://schemas.microsoft.com/office/drawing/2010/main">
-                <a:solidFill>
-                  <a:srgbClr val="FFFFFF"/>
-                </a:solidFill>
-              </a14:hiddenFill>
-            </a:ext>
-          </a:extLst>
+          <a:extLst/>
         </p:spPr>
       </p:pic>
       <p:pic>
@@ -6316,15 +6292,7 @@
               <a:srgbClr val="FFFFFF"/>
             </a:contourClr>
           </a:sp3d>
-          <a:extLst>
-            <a:ext uri="{909E8E84-426E-40DD-AFC4-6F175D3DCCD1}">
-              <a14:hiddenFill xmlns:a14="http://schemas.microsoft.com/office/drawing/2010/main">
-                <a:solidFill>
-                  <a:srgbClr val="FFFFFF"/>
-                </a:solidFill>
-              </a14:hiddenFill>
-            </a:ext>
-          </a:extLst>
+          <a:extLst/>
         </p:spPr>
       </p:pic>
       <p:sp>
@@ -6708,15 +6676,7 @@
               <a:srgbClr val="969696"/>
             </a:contourClr>
           </a:sp3d>
-          <a:extLst>
-            <a:ext uri="{909E8E84-426E-40DD-AFC4-6F175D3DCCD1}">
-              <a14:hiddenFill xmlns:a14="http://schemas.microsoft.com/office/drawing/2010/main">
-                <a:solidFill>
-                  <a:srgbClr val="FFFFFF"/>
-                </a:solidFill>
-              </a14:hiddenFill>
-            </a:ext>
-          </a:extLst>
+          <a:extLst/>
         </p:spPr>
       </p:pic>
       <p:pic>
@@ -6778,15 +6738,7 @@
               <a:srgbClr val="FFFFFF"/>
             </a:contourClr>
           </a:sp3d>
-          <a:extLst>
-            <a:ext uri="{909E8E84-426E-40DD-AFC4-6F175D3DCCD1}">
-              <a14:hiddenFill xmlns:a14="http://schemas.microsoft.com/office/drawing/2010/main">
-                <a:solidFill>
-                  <a:srgbClr val="FFFFFF"/>
-                </a:solidFill>
-              </a14:hiddenFill>
-            </a:ext>
-          </a:extLst>
+          <a:extLst/>
         </p:spPr>
       </p:pic>
       <p:sp>

--- a/윤유비_발표자료.pptx
+++ b/윤유비_발표자료.pptx
@@ -4,28 +4,27 @@
   <p:sldMasterIdLst>
     <p:sldMasterId id="2147483648" r:id="rId1"/>
   </p:sldMasterIdLst>
+  <p:notesMasterIdLst>
+    <p:notesMasterId r:id="rId15"/>
+  </p:notesMasterIdLst>
   <p:sldIdLst>
     <p:sldId id="259" r:id="rId2"/>
     <p:sldId id="265" r:id="rId3"/>
-    <p:sldId id="260" r:id="rId4"/>
-    <p:sldId id="261" r:id="rId5"/>
-    <p:sldId id="262" r:id="rId6"/>
-    <p:sldId id="263" r:id="rId7"/>
+    <p:sldId id="277" r:id="rId4"/>
+    <p:sldId id="260" r:id="rId5"/>
+    <p:sldId id="274" r:id="rId6"/>
+    <p:sldId id="275" r:id="rId7"/>
     <p:sldId id="271" r:id="rId8"/>
     <p:sldId id="270" r:id="rId9"/>
-    <p:sldId id="273" r:id="rId10"/>
-    <p:sldId id="256" r:id="rId11"/>
-    <p:sldId id="257" r:id="rId12"/>
-    <p:sldId id="258" r:id="rId13"/>
+    <p:sldId id="278" r:id="rId10"/>
+    <p:sldId id="273" r:id="rId11"/>
+    <p:sldId id="256" r:id="rId12"/>
+    <p:sldId id="257" r:id="rId13"/>
+    <p:sldId id="258" r:id="rId14"/>
   </p:sldIdLst>
   <p:sldSz cx="12192000" cy="6858000"/>
   <p:notesSz cx="6858000" cy="9144000"/>
   <p:embeddedFontLst>
-    <p:embeddedFont>
-      <p:font typeface="맑은 고딕" panose="020B0503020000020004" pitchFamily="50" charset="-127"/>
-      <p:regular r:id="rId14"/>
-      <p:bold r:id="rId15"/>
-    </p:embeddedFont>
     <p:embeddedFont>
       <p:font typeface="HY견고딕" panose="02030600000101010101" pitchFamily="18" charset="-127"/>
       <p:regular r:id="rId16"/>
@@ -34,6 +33,11 @@
       <p:font typeface="Segoe UI Black" panose="020B0A02040204020203" pitchFamily="34" charset="0"/>
       <p:bold r:id="rId17"/>
       <p:boldItalic r:id="rId18"/>
+    </p:embeddedFont>
+    <p:embeddedFont>
+      <p:font typeface="맑은 고딕" panose="020B0503020000020004" pitchFamily="50" charset="-127"/>
+      <p:regular r:id="rId19"/>
+      <p:bold r:id="rId20"/>
     </p:embeddedFont>
   </p:embeddedFontLst>
   <p:defaultTextStyle>
@@ -139,6 +143,355 @@
 </p:presentation>
 </file>
 
+<file path=ppt/notesMasters/notesMaster1.xml><?xml version="1.0" encoding="utf-8"?>
+<p:notesMaster xmlns:a="http://schemas.openxmlformats.org/drawingml/2006/main" xmlns:r="http://schemas.openxmlformats.org/officeDocument/2006/relationships" xmlns:p="http://schemas.openxmlformats.org/presentationml/2006/main">
+  <p:cSld>
+    <p:bg>
+      <p:bgRef idx="1001">
+        <a:schemeClr val="bg1"/>
+      </p:bgRef>
+    </p:bg>
+    <p:spTree>
+      <p:nvGrpSpPr>
+        <p:cNvPr id="1" name=""/>
+        <p:cNvGrpSpPr/>
+        <p:nvPr/>
+      </p:nvGrpSpPr>
+      <p:grpSpPr>
+        <a:xfrm>
+          <a:off x="0" y="0"/>
+          <a:ext cx="0" cy="0"/>
+          <a:chOff x="0" y="0"/>
+          <a:chExt cx="0" cy="0"/>
+        </a:xfrm>
+      </p:grpSpPr>
+      <p:sp>
+        <p:nvSpPr>
+          <p:cNvPr id="2" name="머리글 개체 틀 1"/>
+          <p:cNvSpPr>
+            <a:spLocks noGrp="1"/>
+          </p:cNvSpPr>
+          <p:nvPr>
+            <p:ph type="hdr" sz="quarter"/>
+          </p:nvPr>
+        </p:nvSpPr>
+        <p:spPr>
+          <a:xfrm>
+            <a:off x="0" y="0"/>
+            <a:ext cx="2971800" cy="458788"/>
+          </a:xfrm>
+          <a:prstGeom prst="rect">
+            <a:avLst/>
+          </a:prstGeom>
+        </p:spPr>
+        <p:txBody>
+          <a:bodyPr vert="horz" lIns="91440" tIns="45720" rIns="91440" bIns="45720" rtlCol="0"/>
+          <a:lstStyle>
+            <a:lvl1pPr algn="l">
+              <a:defRPr sz="1200"/>
+            </a:lvl1pPr>
+          </a:lstStyle>
+          <a:p>
+            <a:endParaRPr lang="ko-KR" altLang="en-US"/>
+          </a:p>
+        </p:txBody>
+      </p:sp>
+      <p:sp>
+        <p:nvSpPr>
+          <p:cNvPr id="3" name="날짜 개체 틀 2"/>
+          <p:cNvSpPr>
+            <a:spLocks noGrp="1"/>
+          </p:cNvSpPr>
+          <p:nvPr>
+            <p:ph type="dt" idx="1"/>
+          </p:nvPr>
+        </p:nvSpPr>
+        <p:spPr>
+          <a:xfrm>
+            <a:off x="3884613" y="0"/>
+            <a:ext cx="2971800" cy="458788"/>
+          </a:xfrm>
+          <a:prstGeom prst="rect">
+            <a:avLst/>
+          </a:prstGeom>
+        </p:spPr>
+        <p:txBody>
+          <a:bodyPr vert="horz" lIns="91440" tIns="45720" rIns="91440" bIns="45720" rtlCol="0"/>
+          <a:lstStyle>
+            <a:lvl1pPr algn="r">
+              <a:defRPr sz="1200"/>
+            </a:lvl1pPr>
+          </a:lstStyle>
+          <a:p>
+            <a:fld id="{1475373F-635A-4CC4-BCA1-FEE242491056}" type="datetimeFigureOut">
+              <a:rPr lang="ko-KR" altLang="en-US" smtClean="0"/>
+              <a:t>2020-04-10</a:t>
+            </a:fld>
+            <a:endParaRPr lang="ko-KR" altLang="en-US"/>
+          </a:p>
+        </p:txBody>
+      </p:sp>
+      <p:sp>
+        <p:nvSpPr>
+          <p:cNvPr id="4" name="슬라이드 이미지 개체 틀 3"/>
+          <p:cNvSpPr>
+            <a:spLocks noGrp="1" noRot="1" noChangeAspect="1"/>
+          </p:cNvSpPr>
+          <p:nvPr>
+            <p:ph type="sldImg" idx="2"/>
+          </p:nvPr>
+        </p:nvSpPr>
+        <p:spPr>
+          <a:xfrm>
+            <a:off x="685800" y="1143000"/>
+            <a:ext cx="5486400" cy="3086100"/>
+          </a:xfrm>
+          <a:prstGeom prst="rect">
+            <a:avLst/>
+          </a:prstGeom>
+          <a:noFill/>
+          <a:ln w="12700">
+            <a:solidFill>
+              <a:prstClr val="black"/>
+            </a:solidFill>
+          </a:ln>
+        </p:spPr>
+        <p:txBody>
+          <a:bodyPr vert="horz" lIns="91440" tIns="45720" rIns="91440" bIns="45720" rtlCol="0" anchor="ctr"/>
+          <a:lstStyle/>
+          <a:p>
+            <a:endParaRPr lang="ko-KR" altLang="en-US"/>
+          </a:p>
+        </p:txBody>
+      </p:sp>
+      <p:sp>
+        <p:nvSpPr>
+          <p:cNvPr id="5" name="슬라이드 노트 개체 틀 4"/>
+          <p:cNvSpPr>
+            <a:spLocks noGrp="1"/>
+          </p:cNvSpPr>
+          <p:nvPr>
+            <p:ph type="body" sz="quarter" idx="3"/>
+          </p:nvPr>
+        </p:nvSpPr>
+        <p:spPr>
+          <a:xfrm>
+            <a:off x="685800" y="4400550"/>
+            <a:ext cx="5486400" cy="3600450"/>
+          </a:xfrm>
+          <a:prstGeom prst="rect">
+            <a:avLst/>
+          </a:prstGeom>
+        </p:spPr>
+        <p:txBody>
+          <a:bodyPr vert="horz" lIns="91440" tIns="45720" rIns="91440" bIns="45720" rtlCol="0"/>
+          <a:lstStyle/>
+          <a:p>
+            <a:pPr lvl="0"/>
+            <a:r>
+              <a:rPr lang="ko-KR" altLang="en-US"/>
+              <a:t>마스터 텍스트 스타일을 편집하려면 클릭</a:t>
+            </a:r>
+          </a:p>
+          <a:p>
+            <a:pPr lvl="1"/>
+            <a:r>
+              <a:rPr lang="ko-KR" altLang="en-US"/>
+              <a:t>두 번째 수준</a:t>
+            </a:r>
+          </a:p>
+          <a:p>
+            <a:pPr lvl="2"/>
+            <a:r>
+              <a:rPr lang="ko-KR" altLang="en-US"/>
+              <a:t>세 번째 수준</a:t>
+            </a:r>
+          </a:p>
+          <a:p>
+            <a:pPr lvl="3"/>
+            <a:r>
+              <a:rPr lang="ko-KR" altLang="en-US"/>
+              <a:t>네 번째 수준</a:t>
+            </a:r>
+          </a:p>
+          <a:p>
+            <a:pPr lvl="4"/>
+            <a:r>
+              <a:rPr lang="ko-KR" altLang="en-US"/>
+              <a:t>다섯 번째 수준</a:t>
+            </a:r>
+          </a:p>
+        </p:txBody>
+      </p:sp>
+      <p:sp>
+        <p:nvSpPr>
+          <p:cNvPr id="6" name="바닥글 개체 틀 5"/>
+          <p:cNvSpPr>
+            <a:spLocks noGrp="1"/>
+          </p:cNvSpPr>
+          <p:nvPr>
+            <p:ph type="ftr" sz="quarter" idx="4"/>
+          </p:nvPr>
+        </p:nvSpPr>
+        <p:spPr>
+          <a:xfrm>
+            <a:off x="0" y="8685213"/>
+            <a:ext cx="2971800" cy="458787"/>
+          </a:xfrm>
+          <a:prstGeom prst="rect">
+            <a:avLst/>
+          </a:prstGeom>
+        </p:spPr>
+        <p:txBody>
+          <a:bodyPr vert="horz" lIns="91440" tIns="45720" rIns="91440" bIns="45720" rtlCol="0" anchor="b"/>
+          <a:lstStyle>
+            <a:lvl1pPr algn="l">
+              <a:defRPr sz="1200"/>
+            </a:lvl1pPr>
+          </a:lstStyle>
+          <a:p>
+            <a:endParaRPr lang="ko-KR" altLang="en-US"/>
+          </a:p>
+        </p:txBody>
+      </p:sp>
+      <p:sp>
+        <p:nvSpPr>
+          <p:cNvPr id="7" name="슬라이드 번호 개체 틀 6"/>
+          <p:cNvSpPr>
+            <a:spLocks noGrp="1"/>
+          </p:cNvSpPr>
+          <p:nvPr>
+            <p:ph type="sldNum" sz="quarter" idx="5"/>
+          </p:nvPr>
+        </p:nvSpPr>
+        <p:spPr>
+          <a:xfrm>
+            <a:off x="3884613" y="8685213"/>
+            <a:ext cx="2971800" cy="458787"/>
+          </a:xfrm>
+          <a:prstGeom prst="rect">
+            <a:avLst/>
+          </a:prstGeom>
+        </p:spPr>
+        <p:txBody>
+          <a:bodyPr vert="horz" lIns="91440" tIns="45720" rIns="91440" bIns="45720" rtlCol="0" anchor="b"/>
+          <a:lstStyle>
+            <a:lvl1pPr algn="r">
+              <a:defRPr sz="1200"/>
+            </a:lvl1pPr>
+          </a:lstStyle>
+          <a:p>
+            <a:fld id="{03A55A6E-55F5-4939-96B4-629E0F02EBCF}" type="slidenum">
+              <a:rPr lang="ko-KR" altLang="en-US" smtClean="0"/>
+              <a:t>‹#›</a:t>
+            </a:fld>
+            <a:endParaRPr lang="ko-KR" altLang="en-US"/>
+          </a:p>
+        </p:txBody>
+      </p:sp>
+    </p:spTree>
+    <p:extLst>
+      <p:ext uri="{BB962C8B-B14F-4D97-AF65-F5344CB8AC3E}">
+        <p14:creationId xmlns:p14="http://schemas.microsoft.com/office/powerpoint/2010/main" val="3984105808"/>
+      </p:ext>
+    </p:extLst>
+  </p:cSld>
+  <p:clrMap bg1="lt1" tx1="dk1" bg2="lt2" tx2="dk2" accent1="accent1" accent2="accent2" accent3="accent3" accent4="accent4" accent5="accent5" accent6="accent6" hlink="hlink" folHlink="folHlink"/>
+  <p:notesStyle>
+    <a:lvl1pPr marL="0" algn="l" defTabSz="914400" rtl="0" eaLnBrk="1" latinLnBrk="1" hangingPunct="1">
+      <a:defRPr sz="1200" kern="1200">
+        <a:solidFill>
+          <a:schemeClr val="tx1"/>
+        </a:solidFill>
+        <a:latin typeface="+mn-lt"/>
+        <a:ea typeface="+mn-ea"/>
+        <a:cs typeface="+mn-cs"/>
+      </a:defRPr>
+    </a:lvl1pPr>
+    <a:lvl2pPr marL="457200" algn="l" defTabSz="914400" rtl="0" eaLnBrk="1" latinLnBrk="1" hangingPunct="1">
+      <a:defRPr sz="1200" kern="1200">
+        <a:solidFill>
+          <a:schemeClr val="tx1"/>
+        </a:solidFill>
+        <a:latin typeface="+mn-lt"/>
+        <a:ea typeface="+mn-ea"/>
+        <a:cs typeface="+mn-cs"/>
+      </a:defRPr>
+    </a:lvl2pPr>
+    <a:lvl3pPr marL="914400" algn="l" defTabSz="914400" rtl="0" eaLnBrk="1" latinLnBrk="1" hangingPunct="1">
+      <a:defRPr sz="1200" kern="1200">
+        <a:solidFill>
+          <a:schemeClr val="tx1"/>
+        </a:solidFill>
+        <a:latin typeface="+mn-lt"/>
+        <a:ea typeface="+mn-ea"/>
+        <a:cs typeface="+mn-cs"/>
+      </a:defRPr>
+    </a:lvl3pPr>
+    <a:lvl4pPr marL="1371600" algn="l" defTabSz="914400" rtl="0" eaLnBrk="1" latinLnBrk="1" hangingPunct="1">
+      <a:defRPr sz="1200" kern="1200">
+        <a:solidFill>
+          <a:schemeClr val="tx1"/>
+        </a:solidFill>
+        <a:latin typeface="+mn-lt"/>
+        <a:ea typeface="+mn-ea"/>
+        <a:cs typeface="+mn-cs"/>
+      </a:defRPr>
+    </a:lvl4pPr>
+    <a:lvl5pPr marL="1828800" algn="l" defTabSz="914400" rtl="0" eaLnBrk="1" latinLnBrk="1" hangingPunct="1">
+      <a:defRPr sz="1200" kern="1200">
+        <a:solidFill>
+          <a:schemeClr val="tx1"/>
+        </a:solidFill>
+        <a:latin typeface="+mn-lt"/>
+        <a:ea typeface="+mn-ea"/>
+        <a:cs typeface="+mn-cs"/>
+      </a:defRPr>
+    </a:lvl5pPr>
+    <a:lvl6pPr marL="2286000" algn="l" defTabSz="914400" rtl="0" eaLnBrk="1" latinLnBrk="1" hangingPunct="1">
+      <a:defRPr sz="1200" kern="1200">
+        <a:solidFill>
+          <a:schemeClr val="tx1"/>
+        </a:solidFill>
+        <a:latin typeface="+mn-lt"/>
+        <a:ea typeface="+mn-ea"/>
+        <a:cs typeface="+mn-cs"/>
+      </a:defRPr>
+    </a:lvl6pPr>
+    <a:lvl7pPr marL="2743200" algn="l" defTabSz="914400" rtl="0" eaLnBrk="1" latinLnBrk="1" hangingPunct="1">
+      <a:defRPr sz="1200" kern="1200">
+        <a:solidFill>
+          <a:schemeClr val="tx1"/>
+        </a:solidFill>
+        <a:latin typeface="+mn-lt"/>
+        <a:ea typeface="+mn-ea"/>
+        <a:cs typeface="+mn-cs"/>
+      </a:defRPr>
+    </a:lvl7pPr>
+    <a:lvl8pPr marL="3200400" algn="l" defTabSz="914400" rtl="0" eaLnBrk="1" latinLnBrk="1" hangingPunct="1">
+      <a:defRPr sz="1200" kern="1200">
+        <a:solidFill>
+          <a:schemeClr val="tx1"/>
+        </a:solidFill>
+        <a:latin typeface="+mn-lt"/>
+        <a:ea typeface="+mn-ea"/>
+        <a:cs typeface="+mn-cs"/>
+      </a:defRPr>
+    </a:lvl8pPr>
+    <a:lvl9pPr marL="3657600" algn="l" defTabSz="914400" rtl="0" eaLnBrk="1" latinLnBrk="1" hangingPunct="1">
+      <a:defRPr sz="1200" kern="1200">
+        <a:solidFill>
+          <a:schemeClr val="tx1"/>
+        </a:solidFill>
+        <a:latin typeface="+mn-lt"/>
+        <a:ea typeface="+mn-ea"/>
+        <a:cs typeface="+mn-cs"/>
+      </a:defRPr>
+    </a:lvl9pPr>
+  </p:notesStyle>
+</p:notesMaster>
+</file>
+
 <file path=ppt/slideLayouts/slideLayout1.xml><?xml version="1.0" encoding="utf-8"?>
 <p:sldLayout xmlns:a="http://schemas.openxmlformats.org/drawingml/2006/main" xmlns:r="http://schemas.openxmlformats.org/officeDocument/2006/relationships" xmlns:p="http://schemas.openxmlformats.org/presentationml/2006/main" type="title" preserve="1">
   <p:cSld name="제목 슬라이드">
@@ -181,10 +534,9 @@
           </a:lstStyle>
           <a:p>
             <a:r>
-              <a:rPr lang="ko-KR" altLang="en-US" smtClean="0"/>
+              <a:rPr lang="ko-KR" altLang="en-US"/>
               <a:t>마스터 제목 스타일 편집</a:t>
             </a:r>
-            <a:endParaRPr lang="ko-KR" altLang="en-US"/>
           </a:p>
         </p:txBody>
       </p:sp>
@@ -246,10 +598,9 @@
           </a:lstStyle>
           <a:p>
             <a:r>
-              <a:rPr lang="ko-KR" altLang="en-US" smtClean="0"/>
+              <a:rPr lang="ko-KR" altLang="en-US"/>
               <a:t>마스터 부제목 스타일 편집</a:t>
             </a:r>
-            <a:endParaRPr lang="ko-KR" altLang="en-US"/>
           </a:p>
         </p:txBody>
       </p:sp>
@@ -364,10 +715,9 @@
           <a:lstStyle/>
           <a:p>
             <a:r>
-              <a:rPr lang="ko-KR" altLang="en-US" smtClean="0"/>
+              <a:rPr lang="ko-KR" altLang="en-US"/>
               <a:t>마스터 제목 스타일 편집</a:t>
             </a:r>
-            <a:endParaRPr lang="ko-KR" altLang="en-US"/>
           </a:p>
         </p:txBody>
       </p:sp>
@@ -388,38 +738,37 @@
           <a:p>
             <a:pPr lvl="0"/>
             <a:r>
-              <a:rPr lang="ko-KR" altLang="en-US" smtClean="0"/>
+              <a:rPr lang="ko-KR" altLang="en-US"/>
               <a:t>마스터 텍스트 스타일을 편집합니다</a:t>
             </a:r>
           </a:p>
           <a:p>
             <a:pPr lvl="1"/>
             <a:r>
-              <a:rPr lang="ko-KR" altLang="en-US" smtClean="0"/>
+              <a:rPr lang="ko-KR" altLang="en-US"/>
               <a:t>둘째 수준</a:t>
             </a:r>
           </a:p>
           <a:p>
             <a:pPr lvl="2"/>
             <a:r>
-              <a:rPr lang="ko-KR" altLang="en-US" smtClean="0"/>
+              <a:rPr lang="ko-KR" altLang="en-US"/>
               <a:t>셋째 수준</a:t>
             </a:r>
           </a:p>
           <a:p>
             <a:pPr lvl="3"/>
             <a:r>
-              <a:rPr lang="ko-KR" altLang="en-US" smtClean="0"/>
+              <a:rPr lang="ko-KR" altLang="en-US"/>
               <a:t>넷째 수준</a:t>
             </a:r>
           </a:p>
           <a:p>
             <a:pPr lvl="4"/>
             <a:r>
-              <a:rPr lang="ko-KR" altLang="en-US" smtClean="0"/>
+              <a:rPr lang="ko-KR" altLang="en-US"/>
               <a:t>다섯째 수준</a:t>
             </a:r>
-            <a:endParaRPr lang="ko-KR" altLang="en-US"/>
           </a:p>
         </p:txBody>
       </p:sp>
@@ -539,10 +888,9 @@
           <a:lstStyle/>
           <a:p>
             <a:r>
-              <a:rPr lang="ko-KR" altLang="en-US" smtClean="0"/>
+              <a:rPr lang="ko-KR" altLang="en-US"/>
               <a:t>마스터 제목 스타일 편집</a:t>
             </a:r>
-            <a:endParaRPr lang="ko-KR" altLang="en-US"/>
           </a:p>
         </p:txBody>
       </p:sp>
@@ -568,38 +916,37 @@
           <a:p>
             <a:pPr lvl="0"/>
             <a:r>
-              <a:rPr lang="ko-KR" altLang="en-US" smtClean="0"/>
+              <a:rPr lang="ko-KR" altLang="en-US"/>
               <a:t>마스터 텍스트 스타일을 편집합니다</a:t>
             </a:r>
           </a:p>
           <a:p>
             <a:pPr lvl="1"/>
             <a:r>
-              <a:rPr lang="ko-KR" altLang="en-US" smtClean="0"/>
+              <a:rPr lang="ko-KR" altLang="en-US"/>
               <a:t>둘째 수준</a:t>
             </a:r>
           </a:p>
           <a:p>
             <a:pPr lvl="2"/>
             <a:r>
-              <a:rPr lang="ko-KR" altLang="en-US" smtClean="0"/>
+              <a:rPr lang="ko-KR" altLang="en-US"/>
               <a:t>셋째 수준</a:t>
             </a:r>
           </a:p>
           <a:p>
             <a:pPr lvl="3"/>
             <a:r>
-              <a:rPr lang="ko-KR" altLang="en-US" smtClean="0"/>
+              <a:rPr lang="ko-KR" altLang="en-US"/>
               <a:t>넷째 수준</a:t>
             </a:r>
           </a:p>
           <a:p>
             <a:pPr lvl="4"/>
             <a:r>
-              <a:rPr lang="ko-KR" altLang="en-US" smtClean="0"/>
+              <a:rPr lang="ko-KR" altLang="en-US"/>
               <a:t>다섯째 수준</a:t>
             </a:r>
-            <a:endParaRPr lang="ko-KR" altLang="en-US"/>
           </a:p>
         </p:txBody>
       </p:sp>
@@ -714,10 +1061,9 @@
           <a:lstStyle/>
           <a:p>
             <a:r>
-              <a:rPr lang="ko-KR" altLang="en-US" smtClean="0"/>
+              <a:rPr lang="ko-KR" altLang="en-US"/>
               <a:t>마스터 제목 스타일 편집</a:t>
             </a:r>
-            <a:endParaRPr lang="ko-KR" altLang="en-US"/>
           </a:p>
         </p:txBody>
       </p:sp>
@@ -738,38 +1084,37 @@
           <a:p>
             <a:pPr lvl="0"/>
             <a:r>
-              <a:rPr lang="ko-KR" altLang="en-US" smtClean="0"/>
+              <a:rPr lang="ko-KR" altLang="en-US"/>
               <a:t>마스터 텍스트 스타일을 편집합니다</a:t>
             </a:r>
           </a:p>
           <a:p>
             <a:pPr lvl="1"/>
             <a:r>
-              <a:rPr lang="ko-KR" altLang="en-US" smtClean="0"/>
+              <a:rPr lang="ko-KR" altLang="en-US"/>
               <a:t>둘째 수준</a:t>
             </a:r>
           </a:p>
           <a:p>
             <a:pPr lvl="2"/>
             <a:r>
-              <a:rPr lang="ko-KR" altLang="en-US" smtClean="0"/>
+              <a:rPr lang="ko-KR" altLang="en-US"/>
               <a:t>셋째 수준</a:t>
             </a:r>
           </a:p>
           <a:p>
             <a:pPr lvl="3"/>
             <a:r>
-              <a:rPr lang="ko-KR" altLang="en-US" smtClean="0"/>
+              <a:rPr lang="ko-KR" altLang="en-US"/>
               <a:t>넷째 수준</a:t>
             </a:r>
           </a:p>
           <a:p>
             <a:pPr lvl="4"/>
             <a:r>
-              <a:rPr lang="ko-KR" altLang="en-US" smtClean="0"/>
+              <a:rPr lang="ko-KR" altLang="en-US"/>
               <a:t>다섯째 수준</a:t>
             </a:r>
-            <a:endParaRPr lang="ko-KR" altLang="en-US"/>
           </a:p>
         </p:txBody>
       </p:sp>
@@ -893,10 +1238,9 @@
           </a:lstStyle>
           <a:p>
             <a:r>
-              <a:rPr lang="ko-KR" altLang="en-US" smtClean="0"/>
+              <a:rPr lang="ko-KR" altLang="en-US"/>
               <a:t>마스터 제목 스타일 편집</a:t>
             </a:r>
-            <a:endParaRPr lang="ko-KR" altLang="en-US"/>
           </a:p>
         </p:txBody>
       </p:sp>
@@ -1013,7 +1357,7 @@
           <a:p>
             <a:pPr lvl="0"/>
             <a:r>
-              <a:rPr lang="ko-KR" altLang="en-US" smtClean="0"/>
+              <a:rPr lang="ko-KR" altLang="en-US"/>
               <a:t>마스터 텍스트 스타일을 편집합니다</a:t>
             </a:r>
           </a:p>
@@ -1130,10 +1474,9 @@
           <a:lstStyle/>
           <a:p>
             <a:r>
-              <a:rPr lang="ko-KR" altLang="en-US" smtClean="0"/>
+              <a:rPr lang="ko-KR" altLang="en-US"/>
               <a:t>마스터 제목 스타일 편집</a:t>
             </a:r>
-            <a:endParaRPr lang="ko-KR" altLang="en-US"/>
           </a:p>
         </p:txBody>
       </p:sp>
@@ -1159,38 +1502,37 @@
           <a:p>
             <a:pPr lvl="0"/>
             <a:r>
-              <a:rPr lang="ko-KR" altLang="en-US" smtClean="0"/>
+              <a:rPr lang="ko-KR" altLang="en-US"/>
               <a:t>마스터 텍스트 스타일을 편집합니다</a:t>
             </a:r>
           </a:p>
           <a:p>
             <a:pPr lvl="1"/>
             <a:r>
-              <a:rPr lang="ko-KR" altLang="en-US" smtClean="0"/>
+              <a:rPr lang="ko-KR" altLang="en-US"/>
               <a:t>둘째 수준</a:t>
             </a:r>
           </a:p>
           <a:p>
             <a:pPr lvl="2"/>
             <a:r>
-              <a:rPr lang="ko-KR" altLang="en-US" smtClean="0"/>
+              <a:rPr lang="ko-KR" altLang="en-US"/>
               <a:t>셋째 수준</a:t>
             </a:r>
           </a:p>
           <a:p>
             <a:pPr lvl="3"/>
             <a:r>
-              <a:rPr lang="ko-KR" altLang="en-US" smtClean="0"/>
+              <a:rPr lang="ko-KR" altLang="en-US"/>
               <a:t>넷째 수준</a:t>
             </a:r>
           </a:p>
           <a:p>
             <a:pPr lvl="4"/>
             <a:r>
-              <a:rPr lang="ko-KR" altLang="en-US" smtClean="0"/>
+              <a:rPr lang="ko-KR" altLang="en-US"/>
               <a:t>다섯째 수준</a:t>
             </a:r>
-            <a:endParaRPr lang="ko-KR" altLang="en-US"/>
           </a:p>
         </p:txBody>
       </p:sp>
@@ -1216,38 +1558,37 @@
           <a:p>
             <a:pPr lvl="0"/>
             <a:r>
-              <a:rPr lang="ko-KR" altLang="en-US" smtClean="0"/>
+              <a:rPr lang="ko-KR" altLang="en-US"/>
               <a:t>마스터 텍스트 스타일을 편집합니다</a:t>
             </a:r>
           </a:p>
           <a:p>
             <a:pPr lvl="1"/>
             <a:r>
-              <a:rPr lang="ko-KR" altLang="en-US" smtClean="0"/>
+              <a:rPr lang="ko-KR" altLang="en-US"/>
               <a:t>둘째 수준</a:t>
             </a:r>
           </a:p>
           <a:p>
             <a:pPr lvl="2"/>
             <a:r>
-              <a:rPr lang="ko-KR" altLang="en-US" smtClean="0"/>
+              <a:rPr lang="ko-KR" altLang="en-US"/>
               <a:t>셋째 수준</a:t>
             </a:r>
           </a:p>
           <a:p>
             <a:pPr lvl="3"/>
             <a:r>
-              <a:rPr lang="ko-KR" altLang="en-US" smtClean="0"/>
+              <a:rPr lang="ko-KR" altLang="en-US"/>
               <a:t>넷째 수준</a:t>
             </a:r>
           </a:p>
           <a:p>
             <a:pPr lvl="4"/>
             <a:r>
-              <a:rPr lang="ko-KR" altLang="en-US" smtClean="0"/>
+              <a:rPr lang="ko-KR" altLang="en-US"/>
               <a:t>다섯째 수준</a:t>
             </a:r>
-            <a:endParaRPr lang="ko-KR" altLang="en-US"/>
           </a:p>
         </p:txBody>
       </p:sp>
@@ -1367,10 +1708,9 @@
           <a:lstStyle/>
           <a:p>
             <a:r>
-              <a:rPr lang="ko-KR" altLang="en-US" smtClean="0"/>
+              <a:rPr lang="ko-KR" altLang="en-US"/>
               <a:t>마스터 제목 스타일 편집</a:t>
             </a:r>
-            <a:endParaRPr lang="ko-KR" altLang="en-US"/>
           </a:p>
         </p:txBody>
       </p:sp>
@@ -1433,7 +1773,7 @@
           <a:p>
             <a:pPr lvl="0"/>
             <a:r>
-              <a:rPr lang="ko-KR" altLang="en-US" smtClean="0"/>
+              <a:rPr lang="ko-KR" altLang="en-US"/>
               <a:t>마스터 텍스트 스타일을 편집합니다</a:t>
             </a:r>
           </a:p>
@@ -1461,38 +1801,37 @@
           <a:p>
             <a:pPr lvl="0"/>
             <a:r>
-              <a:rPr lang="ko-KR" altLang="en-US" smtClean="0"/>
+              <a:rPr lang="ko-KR" altLang="en-US"/>
               <a:t>마스터 텍스트 스타일을 편집합니다</a:t>
             </a:r>
           </a:p>
           <a:p>
             <a:pPr lvl="1"/>
             <a:r>
-              <a:rPr lang="ko-KR" altLang="en-US" smtClean="0"/>
+              <a:rPr lang="ko-KR" altLang="en-US"/>
               <a:t>둘째 수준</a:t>
             </a:r>
           </a:p>
           <a:p>
             <a:pPr lvl="2"/>
             <a:r>
-              <a:rPr lang="ko-KR" altLang="en-US" smtClean="0"/>
+              <a:rPr lang="ko-KR" altLang="en-US"/>
               <a:t>셋째 수준</a:t>
             </a:r>
           </a:p>
           <a:p>
             <a:pPr lvl="3"/>
             <a:r>
-              <a:rPr lang="ko-KR" altLang="en-US" smtClean="0"/>
+              <a:rPr lang="ko-KR" altLang="en-US"/>
               <a:t>넷째 수준</a:t>
             </a:r>
           </a:p>
           <a:p>
             <a:pPr lvl="4"/>
             <a:r>
-              <a:rPr lang="ko-KR" altLang="en-US" smtClean="0"/>
+              <a:rPr lang="ko-KR" altLang="en-US"/>
               <a:t>다섯째 수준</a:t>
             </a:r>
-            <a:endParaRPr lang="ko-KR" altLang="en-US"/>
           </a:p>
         </p:txBody>
       </p:sp>
@@ -1555,7 +1894,7 @@
           <a:p>
             <a:pPr lvl="0"/>
             <a:r>
-              <a:rPr lang="ko-KR" altLang="en-US" smtClean="0"/>
+              <a:rPr lang="ko-KR" altLang="en-US"/>
               <a:t>마스터 텍스트 스타일을 편집합니다</a:t>
             </a:r>
           </a:p>
@@ -1583,38 +1922,37 @@
           <a:p>
             <a:pPr lvl="0"/>
             <a:r>
-              <a:rPr lang="ko-KR" altLang="en-US" smtClean="0"/>
+              <a:rPr lang="ko-KR" altLang="en-US"/>
               <a:t>마스터 텍스트 스타일을 편집합니다</a:t>
             </a:r>
           </a:p>
           <a:p>
             <a:pPr lvl="1"/>
             <a:r>
-              <a:rPr lang="ko-KR" altLang="en-US" smtClean="0"/>
+              <a:rPr lang="ko-KR" altLang="en-US"/>
               <a:t>둘째 수준</a:t>
             </a:r>
           </a:p>
           <a:p>
             <a:pPr lvl="2"/>
             <a:r>
-              <a:rPr lang="ko-KR" altLang="en-US" smtClean="0"/>
+              <a:rPr lang="ko-KR" altLang="en-US"/>
               <a:t>셋째 수준</a:t>
             </a:r>
           </a:p>
           <a:p>
             <a:pPr lvl="3"/>
             <a:r>
-              <a:rPr lang="ko-KR" altLang="en-US" smtClean="0"/>
+              <a:rPr lang="ko-KR" altLang="en-US"/>
               <a:t>넷째 수준</a:t>
             </a:r>
           </a:p>
           <a:p>
             <a:pPr lvl="4"/>
             <a:r>
-              <a:rPr lang="ko-KR" altLang="en-US" smtClean="0"/>
+              <a:rPr lang="ko-KR" altLang="en-US"/>
               <a:t>다섯째 수준</a:t>
             </a:r>
-            <a:endParaRPr lang="ko-KR" altLang="en-US"/>
           </a:p>
         </p:txBody>
       </p:sp>
@@ -1729,10 +2067,9 @@
           <a:lstStyle/>
           <a:p>
             <a:r>
-              <a:rPr lang="ko-KR" altLang="en-US" smtClean="0"/>
+              <a:rPr lang="ko-KR" altLang="en-US"/>
               <a:t>마스터 제목 스타일 편집</a:t>
             </a:r>
-            <a:endParaRPr lang="ko-KR" altLang="en-US"/>
           </a:p>
         </p:txBody>
       </p:sp>
@@ -1951,10 +2288,9 @@
           </a:lstStyle>
           <a:p>
             <a:r>
-              <a:rPr lang="ko-KR" altLang="en-US" smtClean="0"/>
+              <a:rPr lang="ko-KR" altLang="en-US"/>
               <a:t>마스터 제목 스타일 편집</a:t>
             </a:r>
-            <a:endParaRPr lang="ko-KR" altLang="en-US"/>
           </a:p>
         </p:txBody>
       </p:sp>
@@ -2008,38 +2344,37 @@
           <a:p>
             <a:pPr lvl="0"/>
             <a:r>
-              <a:rPr lang="ko-KR" altLang="en-US" smtClean="0"/>
+              <a:rPr lang="ko-KR" altLang="en-US"/>
               <a:t>마스터 텍스트 스타일을 편집합니다</a:t>
             </a:r>
           </a:p>
           <a:p>
             <a:pPr lvl="1"/>
             <a:r>
-              <a:rPr lang="ko-KR" altLang="en-US" smtClean="0"/>
+              <a:rPr lang="ko-KR" altLang="en-US"/>
               <a:t>둘째 수준</a:t>
             </a:r>
           </a:p>
           <a:p>
             <a:pPr lvl="2"/>
             <a:r>
-              <a:rPr lang="ko-KR" altLang="en-US" smtClean="0"/>
+              <a:rPr lang="ko-KR" altLang="en-US"/>
               <a:t>셋째 수준</a:t>
             </a:r>
           </a:p>
           <a:p>
             <a:pPr lvl="3"/>
             <a:r>
-              <a:rPr lang="ko-KR" altLang="en-US" smtClean="0"/>
+              <a:rPr lang="ko-KR" altLang="en-US"/>
               <a:t>넷째 수준</a:t>
             </a:r>
           </a:p>
           <a:p>
             <a:pPr lvl="4"/>
             <a:r>
-              <a:rPr lang="ko-KR" altLang="en-US" smtClean="0"/>
+              <a:rPr lang="ko-KR" altLang="en-US"/>
               <a:t>다섯째 수준</a:t>
             </a:r>
-            <a:endParaRPr lang="ko-KR" altLang="en-US"/>
           </a:p>
         </p:txBody>
       </p:sp>
@@ -2102,7 +2437,7 @@
           <a:p>
             <a:pPr lvl="0"/>
             <a:r>
-              <a:rPr lang="ko-KR" altLang="en-US" smtClean="0"/>
+              <a:rPr lang="ko-KR" altLang="en-US"/>
               <a:t>마스터 텍스트 스타일을 편집합니다</a:t>
             </a:r>
           </a:p>
@@ -2228,10 +2563,9 @@
           </a:lstStyle>
           <a:p>
             <a:r>
-              <a:rPr lang="ko-KR" altLang="en-US" smtClean="0"/>
+              <a:rPr lang="ko-KR" altLang="en-US"/>
               <a:t>마스터 제목 스타일 편집</a:t>
             </a:r>
-            <a:endParaRPr lang="ko-KR" altLang="en-US"/>
           </a:p>
         </p:txBody>
       </p:sp>
@@ -2355,7 +2689,7 @@
           <a:p>
             <a:pPr lvl="0"/>
             <a:r>
-              <a:rPr lang="ko-KR" altLang="en-US" smtClean="0"/>
+              <a:rPr lang="ko-KR" altLang="en-US"/>
               <a:t>마스터 텍스트 스타일을 편집합니다</a:t>
             </a:r>
           </a:p>
@@ -2487,10 +2821,9 @@
           <a:lstStyle/>
           <a:p>
             <a:r>
-              <a:rPr lang="ko-KR" altLang="en-US" smtClean="0"/>
+              <a:rPr lang="ko-KR" altLang="en-US"/>
               <a:t>마스터 제목 스타일 편집</a:t>
             </a:r>
-            <a:endParaRPr lang="ko-KR" altLang="en-US"/>
           </a:p>
         </p:txBody>
       </p:sp>
@@ -2521,38 +2854,37 @@
           <a:p>
             <a:pPr lvl="0"/>
             <a:r>
-              <a:rPr lang="ko-KR" altLang="en-US" smtClean="0"/>
+              <a:rPr lang="ko-KR" altLang="en-US"/>
               <a:t>마스터 텍스트 스타일을 편집합니다</a:t>
             </a:r>
           </a:p>
           <a:p>
             <a:pPr lvl="1"/>
             <a:r>
-              <a:rPr lang="ko-KR" altLang="en-US" smtClean="0"/>
+              <a:rPr lang="ko-KR" altLang="en-US"/>
               <a:t>둘째 수준</a:t>
             </a:r>
           </a:p>
           <a:p>
             <a:pPr lvl="2"/>
             <a:r>
-              <a:rPr lang="ko-KR" altLang="en-US" smtClean="0"/>
+              <a:rPr lang="ko-KR" altLang="en-US"/>
               <a:t>셋째 수준</a:t>
             </a:r>
           </a:p>
           <a:p>
             <a:pPr lvl="3"/>
             <a:r>
-              <a:rPr lang="ko-KR" altLang="en-US" smtClean="0"/>
+              <a:rPr lang="ko-KR" altLang="en-US"/>
               <a:t>넷째 수준</a:t>
             </a:r>
           </a:p>
           <a:p>
             <a:pPr lvl="4"/>
             <a:r>
-              <a:rPr lang="ko-KR" altLang="en-US" smtClean="0"/>
+              <a:rPr lang="ko-KR" altLang="en-US"/>
               <a:t>다섯째 수준</a:t>
             </a:r>
-            <a:endParaRPr lang="ko-KR" altLang="en-US"/>
           </a:p>
         </p:txBody>
       </p:sp>
@@ -3143,7 +3475,7 @@
           <a:lstStyle/>
           <a:p>
             <a:r>
-              <a:rPr lang="ko-KR" altLang="en-US" sz="2800" dirty="0" smtClean="0">
+              <a:rPr lang="ko-KR" altLang="en-US" sz="2800" dirty="0">
                 <a:solidFill>
                   <a:schemeClr val="accent4">
                     <a:lumMod val="60000"/>
@@ -3156,7 +3488,7 @@
               <a:t>류동우</a:t>
             </a:r>
             <a:r>
-              <a:rPr lang="en-US" altLang="ko-KR" sz="2800" dirty="0" smtClean="0">
+              <a:rPr lang="en-US" altLang="ko-KR" sz="2800" dirty="0">
                 <a:solidFill>
                   <a:schemeClr val="accent4">
                     <a:lumMod val="60000"/>
@@ -3169,7 +3501,7 @@
               <a:t>,</a:t>
             </a:r>
             <a:r>
-              <a:rPr lang="ko-KR" altLang="en-US" sz="2800" dirty="0" smtClean="0">
+              <a:rPr lang="ko-KR" altLang="en-US" sz="2800" dirty="0">
                 <a:solidFill>
                   <a:schemeClr val="accent4">
                     <a:lumMod val="60000"/>
@@ -3182,7 +3514,7 @@
               <a:t>윤유비</a:t>
             </a:r>
             <a:r>
-              <a:rPr lang="en-US" altLang="ko-KR" sz="2800" dirty="0" smtClean="0">
+              <a:rPr lang="en-US" altLang="ko-KR" sz="2800" dirty="0">
                 <a:solidFill>
                   <a:schemeClr val="accent4">
                     <a:lumMod val="60000"/>
@@ -3195,7 +3527,7 @@
               <a:t>,</a:t>
             </a:r>
             <a:r>
-              <a:rPr lang="ko-KR" altLang="en-US" sz="2800" dirty="0" smtClean="0">
+              <a:rPr lang="ko-KR" altLang="en-US" sz="2800" dirty="0">
                 <a:solidFill>
                   <a:schemeClr val="accent4">
                     <a:lumMod val="60000"/>
@@ -3207,7 +3539,7 @@
               </a:rPr>
               <a:t>강주현</a:t>
             </a:r>
-            <a:endParaRPr lang="en-US" altLang="ko-KR" sz="2800" dirty="0" smtClean="0">
+            <a:endParaRPr lang="en-US" altLang="ko-KR" sz="2800" dirty="0">
               <a:solidFill>
                 <a:schemeClr val="accent4">
                   <a:lumMod val="60000"/>
@@ -3244,7 +3576,7 @@
           <a:p>
             <a:pPr algn="ctr"/>
             <a:r>
-              <a:rPr lang="en-US" altLang="ko-KR" sz="4000" b="1" dirty="0" smtClean="0">
+              <a:rPr lang="en-US" altLang="ko-KR" sz="4000" b="1" dirty="0">
                 <a:solidFill>
                   <a:schemeClr val="bg1"/>
                 </a:solidFill>
@@ -3426,7 +3758,6 @@
               <a:srgbClr val="FFFFFF"/>
             </a:contourClr>
           </a:sp3d>
-          <a:extLst/>
         </p:spPr>
       </p:pic>
       <p:pic>
@@ -3490,7 +3821,6 @@
               <a:srgbClr val="969696"/>
             </a:contourClr>
           </a:sp3d>
-          <a:extLst/>
         </p:spPr>
       </p:pic>
       <p:sp>
@@ -3516,7 +3846,7 @@
           <a:lstStyle/>
           <a:p>
             <a:r>
-              <a:rPr lang="en-US" altLang="ko-KR" sz="3600" dirty="0" smtClean="0">
+              <a:rPr lang="en-US" altLang="ko-KR" sz="3600" dirty="0">
                 <a:gradFill flip="none" rotWithShape="1">
                   <a:gsLst>
                     <a:gs pos="0">
@@ -3546,7 +3876,7 @@
               <a:t>EDIYA </a:t>
             </a:r>
             <a:r>
-              <a:rPr lang="en-US" altLang="ko-KR" sz="3600" dirty="0" smtClean="0">
+              <a:rPr lang="en-US" altLang="ko-KR" sz="3600" dirty="0">
                 <a:gradFill>
                   <a:gsLst>
                     <a:gs pos="0">
@@ -3575,7 +3905,7 @@
               <a:t>COFFEE </a:t>
             </a:r>
             <a:r>
-              <a:rPr lang="en-US" altLang="ko-KR" sz="3600" dirty="0" smtClean="0">
+              <a:rPr lang="en-US" altLang="ko-KR" sz="3600" dirty="0">
                 <a:solidFill>
                   <a:schemeClr val="bg1"/>
                 </a:solidFill>
@@ -3617,7 +3947,7 @@
           <a:p>
             <a:pPr algn="r"/>
             <a:r>
-              <a:rPr lang="en-US" altLang="ko-KR" sz="3600" dirty="0" smtClean="0">
+              <a:rPr lang="en-US" altLang="ko-KR" sz="3600" dirty="0">
                 <a:solidFill>
                   <a:schemeClr val="accent4">
                     <a:lumMod val="40000"/>
@@ -3630,7 +3960,7 @@
               <a:t>WEB</a:t>
             </a:r>
             <a:r>
-              <a:rPr lang="en-US" altLang="ko-KR" sz="3600" dirty="0" smtClean="0">
+              <a:rPr lang="en-US" altLang="ko-KR" sz="3600" dirty="0">
                 <a:solidFill>
                   <a:schemeClr val="accent2">
                     <a:lumMod val="60000"/>
@@ -3643,7 +3973,7 @@
               <a:t> </a:t>
             </a:r>
             <a:r>
-              <a:rPr lang="en-US" altLang="ko-KR" sz="3600" dirty="0" smtClean="0">
+              <a:rPr lang="en-US" altLang="ko-KR" sz="3600" dirty="0">
                 <a:gradFill flip="none" rotWithShape="1">
                   <a:gsLst>
                     <a:gs pos="0">
@@ -4606,6 +4936,357 @@
           <a:chExt cx="0" cy="0"/>
         </a:xfrm>
       </p:grpSpPr>
+      <p:sp>
+        <p:nvSpPr>
+          <p:cNvPr id="2" name="제목 1"/>
+          <p:cNvSpPr>
+            <a:spLocks noGrp="1"/>
+          </p:cNvSpPr>
+          <p:nvPr>
+            <p:ph type="title"/>
+          </p:nvPr>
+        </p:nvSpPr>
+        <p:spPr/>
+        <p:txBody>
+          <a:bodyPr/>
+          <a:lstStyle/>
+          <a:p>
+            <a:endParaRPr lang="ko-KR" altLang="en-US"/>
+          </a:p>
+        </p:txBody>
+      </p:sp>
+      <p:sp>
+        <p:nvSpPr>
+          <p:cNvPr id="4" name="직사각형 3"/>
+          <p:cNvSpPr/>
+          <p:nvPr/>
+        </p:nvSpPr>
+        <p:spPr>
+          <a:xfrm>
+            <a:off x="0" y="-25492"/>
+            <a:ext cx="12192000" cy="6883492"/>
+          </a:xfrm>
+          <a:prstGeom prst="rect">
+            <a:avLst/>
+          </a:prstGeom>
+          <a:solidFill>
+            <a:schemeClr val="accent5">
+              <a:lumMod val="75000"/>
+            </a:schemeClr>
+          </a:solidFill>
+          <a:ln>
+            <a:noFill/>
+          </a:ln>
+        </p:spPr>
+        <p:style>
+          <a:lnRef idx="2">
+            <a:schemeClr val="accent1">
+              <a:shade val="50000"/>
+            </a:schemeClr>
+          </a:lnRef>
+          <a:fillRef idx="1">
+            <a:schemeClr val="accent1"/>
+          </a:fillRef>
+          <a:effectRef idx="0">
+            <a:schemeClr val="accent1"/>
+          </a:effectRef>
+          <a:fontRef idx="minor">
+            <a:schemeClr val="lt1"/>
+          </a:fontRef>
+        </p:style>
+        <p:txBody>
+          <a:bodyPr rtlCol="0" anchor="ctr"/>
+          <a:lstStyle/>
+          <a:p>
+            <a:pPr algn="ctr"/>
+            <a:endParaRPr lang="ko-KR" altLang="en-US" dirty="0"/>
+          </a:p>
+        </p:txBody>
+      </p:sp>
+      <p:pic>
+        <p:nvPicPr>
+          <p:cNvPr id="5" name="그림 4"/>
+          <p:cNvPicPr>
+            <a:picLocks noChangeAspect="1"/>
+          </p:cNvPicPr>
+          <p:nvPr/>
+        </p:nvPicPr>
+        <p:blipFill>
+          <a:blip r:embed="rId2">
+            <a:extLst>
+              <a:ext uri="{28A0092B-C50C-407E-A947-70E740481C1C}">
+                <a14:useLocalDpi xmlns:a14="http://schemas.microsoft.com/office/drawing/2010/main" val="0"/>
+              </a:ext>
+            </a:extLst>
+          </a:blip>
+          <a:stretch>
+            <a:fillRect/>
+          </a:stretch>
+        </p:blipFill>
+        <p:spPr>
+          <a:xfrm flipH="1">
+            <a:off x="8805950" y="-1593201"/>
+            <a:ext cx="4876800" cy="4876800"/>
+          </a:xfrm>
+          <a:prstGeom prst="rect">
+            <a:avLst/>
+          </a:prstGeom>
+        </p:spPr>
+      </p:pic>
+      <p:pic>
+        <p:nvPicPr>
+          <p:cNvPr id="7" name="Picture 6" descr="EDIYA COFFEE"/>
+          <p:cNvPicPr>
+            <a:picLocks noChangeAspect="1" noChangeArrowheads="1"/>
+          </p:cNvPicPr>
+          <p:nvPr/>
+        </p:nvPicPr>
+        <p:blipFill>
+          <a:blip r:embed="rId3">
+            <a:extLst>
+              <a:ext uri="{28A0092B-C50C-407E-A947-70E740481C1C}">
+                <a14:useLocalDpi xmlns:a14="http://schemas.microsoft.com/office/drawing/2010/main" val="0"/>
+              </a:ext>
+            </a:extLst>
+          </a:blip>
+          <a:srcRect/>
+          <a:stretch>
+            <a:fillRect/>
+          </a:stretch>
+        </p:blipFill>
+        <p:spPr bwMode="auto">
+          <a:xfrm>
+            <a:off x="406065" y="624706"/>
+            <a:ext cx="3124200" cy="3124201"/>
+          </a:xfrm>
+          <a:prstGeom prst="rect">
+            <a:avLst/>
+          </a:prstGeom>
+          <a:solidFill>
+            <a:srgbClr val="FFFFFF">
+              <a:shade val="85000"/>
+            </a:srgbClr>
+          </a:solidFill>
+          <a:ln w="190500" cap="sq">
+            <a:solidFill>
+              <a:srgbClr val="FFFFFF"/>
+            </a:solidFill>
+            <a:miter lim="800000"/>
+          </a:ln>
+          <a:effectLst>
+            <a:outerShdw blurRad="65000" dist="50800" dir="12900000" kx="195000" ky="145000" algn="tl" rotWithShape="0">
+              <a:srgbClr val="000000">
+                <a:alpha val="30000"/>
+              </a:srgbClr>
+            </a:outerShdw>
+          </a:effectLst>
+          <a:scene3d>
+            <a:camera prst="orthographicFront">
+              <a:rot lat="0" lon="0" rev="360000"/>
+            </a:camera>
+            <a:lightRig rig="twoPt" dir="t">
+              <a:rot lat="0" lon="0" rev="7200000"/>
+            </a:lightRig>
+          </a:scene3d>
+          <a:sp3d contourW="12700">
+            <a:bevelT w="25400" h="19050"/>
+            <a:contourClr>
+              <a:srgbClr val="969696"/>
+            </a:contourClr>
+          </a:sp3d>
+        </p:spPr>
+      </p:pic>
+      <p:pic>
+        <p:nvPicPr>
+          <p:cNvPr id="8" name="Picture 8" descr="EDIYA COFFEE"/>
+          <p:cNvPicPr>
+            <a:picLocks noChangeAspect="1" noChangeArrowheads="1"/>
+          </p:cNvPicPr>
+          <p:nvPr/>
+        </p:nvPicPr>
+        <p:blipFill>
+          <a:blip r:embed="rId4">
+            <a:extLst>
+              <a:ext uri="{28A0092B-C50C-407E-A947-70E740481C1C}">
+                <a14:useLocalDpi xmlns:a14="http://schemas.microsoft.com/office/drawing/2010/main" val="0"/>
+              </a:ext>
+            </a:extLst>
+          </a:blip>
+          <a:srcRect/>
+          <a:stretch>
+            <a:fillRect/>
+          </a:stretch>
+        </p:blipFill>
+        <p:spPr bwMode="auto">
+          <a:xfrm>
+            <a:off x="8567837" y="3416254"/>
+            <a:ext cx="3124200" cy="3124201"/>
+          </a:xfrm>
+          <a:prstGeom prst="snip2DiagRect">
+            <a:avLst/>
+          </a:prstGeom>
+          <a:solidFill>
+            <a:srgbClr val="FFFFFF">
+              <a:shade val="85000"/>
+            </a:srgbClr>
+          </a:solidFill>
+          <a:ln w="88900" cap="sq">
+            <a:solidFill>
+              <a:srgbClr val="FFFFFF"/>
+            </a:solidFill>
+            <a:miter lim="800000"/>
+          </a:ln>
+          <a:effectLst>
+            <a:outerShdw blurRad="88900" algn="tl" rotWithShape="0">
+              <a:srgbClr val="000000">
+                <a:alpha val="45000"/>
+              </a:srgbClr>
+            </a:outerShdw>
+          </a:effectLst>
+          <a:scene3d>
+            <a:camera prst="orthographicFront"/>
+            <a:lightRig rig="twoPt" dir="t">
+              <a:rot lat="0" lon="0" rev="7200000"/>
+            </a:lightRig>
+          </a:scene3d>
+          <a:sp3d>
+            <a:bevelT w="25400" h="19050"/>
+            <a:contourClr>
+              <a:srgbClr val="FFFFFF"/>
+            </a:contourClr>
+          </a:sp3d>
+        </p:spPr>
+      </p:pic>
+      <p:sp>
+        <p:nvSpPr>
+          <p:cNvPr id="10" name="TextBox 9"/>
+          <p:cNvSpPr txBox="1"/>
+          <p:nvPr/>
+        </p:nvSpPr>
+        <p:spPr>
+          <a:xfrm>
+            <a:off x="2801006" y="2594675"/>
+            <a:ext cx="5766831" cy="830997"/>
+          </a:xfrm>
+          <a:prstGeom prst="rect">
+            <a:avLst/>
+          </a:prstGeom>
+          <a:noFill/>
+          <a:effectLst/>
+        </p:spPr>
+        <p:txBody>
+          <a:bodyPr wrap="square" rtlCol="0">
+            <a:spAutoFit/>
+          </a:bodyPr>
+          <a:lstStyle/>
+          <a:p>
+            <a:pPr algn="ctr"/>
+            <a:r>
+              <a:rPr lang="ko-KR" altLang="en-US" sz="4800" dirty="0">
+                <a:solidFill>
+                  <a:schemeClr val="bg1"/>
+                </a:solidFill>
+                <a:effectLst>
+                  <a:glow rad="63500">
+                    <a:schemeClr val="accent5">
+                      <a:lumMod val="20000"/>
+                      <a:lumOff val="80000"/>
+                      <a:alpha val="40000"/>
+                    </a:schemeClr>
+                  </a:glow>
+                  <a:reflection blurRad="6350" stA="55000" endA="300" endPos="45500" dir="5400000" sy="-100000" algn="bl" rotWithShape="0"/>
+                </a:effectLst>
+                <a:latin typeface="HY견고딕" panose="02030600000101010101" pitchFamily="18" charset="-127"/>
+                <a:ea typeface="HY견고딕" panose="02030600000101010101" pitchFamily="18" charset="-127"/>
+              </a:rPr>
+              <a:t>윤유비</a:t>
+            </a:r>
+          </a:p>
+        </p:txBody>
+      </p:sp>
+      <p:sp>
+        <p:nvSpPr>
+          <p:cNvPr id="9" name="TextBox 8">
+            <a:extLst>
+              <a:ext uri="{FF2B5EF4-FFF2-40B4-BE49-F238E27FC236}">
+                <a16:creationId xmlns:a16="http://schemas.microsoft.com/office/drawing/2014/main" id="{BBBDD7D8-41B5-4C81-91AC-7068E08DD1E8}"/>
+              </a:ext>
+            </a:extLst>
+          </p:cNvPr>
+          <p:cNvSpPr txBox="1"/>
+          <p:nvPr/>
+        </p:nvSpPr>
+        <p:spPr>
+          <a:xfrm>
+            <a:off x="4168560" y="1727183"/>
+            <a:ext cx="5650558" cy="1015663"/>
+          </a:xfrm>
+          <a:prstGeom prst="rect">
+            <a:avLst/>
+          </a:prstGeom>
+          <a:noFill/>
+        </p:spPr>
+        <p:txBody>
+          <a:bodyPr wrap="square" rtlCol="0">
+            <a:spAutoFit/>
+          </a:bodyPr>
+          <a:lstStyle/>
+          <a:p>
+            <a:pPr algn="ctr"/>
+            <a:r>
+              <a:rPr lang="en-US" altLang="ko-KR" sz="6000" dirty="0">
+                <a:solidFill>
+                  <a:schemeClr val="bg1"/>
+                </a:solidFill>
+                <a:effectLst>
+                  <a:reflection blurRad="6350" stA="55000" endA="300" endPos="45500" dir="5400000" sy="-100000" algn="bl" rotWithShape="0"/>
+                </a:effectLst>
+                <a:latin typeface="Segoe UI Black" panose="020B0A02040204020203" pitchFamily="34" charset="0"/>
+              </a:rPr>
+              <a:t>FASTCAMPS</a:t>
+            </a:r>
+            <a:endParaRPr lang="ko-KR" altLang="en-US" sz="6000" dirty="0">
+              <a:solidFill>
+                <a:schemeClr val="bg1"/>
+              </a:solidFill>
+              <a:effectLst>
+                <a:reflection blurRad="6350" stA="55000" endA="300" endPos="45500" dir="5400000" sy="-100000" algn="bl" rotWithShape="0"/>
+              </a:effectLst>
+              <a:latin typeface="Segoe UI Black" panose="020B0A02040204020203" pitchFamily="34" charset="0"/>
+            </a:endParaRPr>
+          </a:p>
+        </p:txBody>
+      </p:sp>
+    </p:spTree>
+    <p:extLst>
+      <p:ext uri="{BB962C8B-B14F-4D97-AF65-F5344CB8AC3E}">
+        <p14:creationId xmlns:p14="http://schemas.microsoft.com/office/powerpoint/2010/main" val="157599368"/>
+      </p:ext>
+    </p:extLst>
+  </p:cSld>
+  <p:clrMapOvr>
+    <a:masterClrMapping/>
+  </p:clrMapOvr>
+</p:sld>
+</file>
+
+<file path=ppt/slides/slide11.xml><?xml version="1.0" encoding="utf-8"?>
+<p:sld xmlns:a="http://schemas.openxmlformats.org/drawingml/2006/main" xmlns:r="http://schemas.openxmlformats.org/officeDocument/2006/relationships" xmlns:p="http://schemas.openxmlformats.org/presentationml/2006/main">
+  <p:cSld>
+    <p:spTree>
+      <p:nvGrpSpPr>
+        <p:cNvPr id="1" name=""/>
+        <p:cNvGrpSpPr/>
+        <p:nvPr/>
+      </p:nvGrpSpPr>
+      <p:grpSpPr>
+        <a:xfrm>
+          <a:off x="0" y="0"/>
+          <a:ext cx="0" cy="0"/>
+          <a:chOff x="0" y="0"/>
+          <a:chExt cx="0" cy="0"/>
+        </a:xfrm>
+      </p:grpSpPr>
       <p:pic>
         <p:nvPicPr>
           <p:cNvPr id="4" name="그림 3"/>
@@ -4652,7 +5333,7 @@
           <a:lstStyle/>
           <a:p>
             <a:r>
-              <a:rPr lang="en-US" altLang="ko-KR" dirty="0" smtClean="0">
+              <a:rPr lang="en-US" altLang="ko-KR" dirty="0">
                 <a:hlinkClick r:id="rId3"/>
               </a:rPr>
               <a:t>https://cssicon.space/#/animate/bookmark/to/refresh</a:t>
@@ -4806,7 +5487,7 @@
 </p:sld>
 </file>
 
-<file path=ppt/slides/slide11.xml><?xml version="1.0" encoding="utf-8"?>
+<file path=ppt/slides/slide12.xml><?xml version="1.0" encoding="utf-8"?>
 <p:sld xmlns:a="http://schemas.openxmlformats.org/drawingml/2006/main" xmlns:r="http://schemas.openxmlformats.org/officeDocument/2006/relationships" xmlns:p="http://schemas.openxmlformats.org/presentationml/2006/main">
   <p:cSld>
     <p:spTree>
@@ -4869,7 +5550,7 @@
           <a:lstStyle/>
           <a:p>
             <a:r>
-              <a:rPr lang="en-US" altLang="ko-KR" dirty="0" smtClean="0">
+              <a:rPr lang="en-US" altLang="ko-KR" dirty="0">
                 <a:hlinkClick r:id="rId3"/>
               </a:rPr>
               <a:t>https://matthewlein.com/tools/ceaser</a:t>
@@ -5023,7 +5704,7 @@
 </p:sld>
 </file>
 
-<file path=ppt/slides/slide12.xml><?xml version="1.0" encoding="utf-8"?>
+<file path=ppt/slides/slide13.xml><?xml version="1.0" encoding="utf-8"?>
 <p:sld xmlns:a="http://schemas.openxmlformats.org/drawingml/2006/main" xmlns:r="http://schemas.openxmlformats.org/officeDocument/2006/relationships" xmlns:p="http://schemas.openxmlformats.org/presentationml/2006/main">
   <p:cSld>
     <p:spTree>
@@ -5086,7 +5767,7 @@
           <a:lstStyle/>
           <a:p>
             <a:r>
-              <a:rPr lang="en-US" altLang="ko-KR" dirty="0" smtClean="0">
+              <a:rPr lang="en-US" altLang="ko-KR" dirty="0">
                 <a:hlinkClick r:id="rId3"/>
               </a:rPr>
               <a:t>https://developer.mozilla.org/en-US/docs/Web/CSS/easing-function</a:t>
@@ -5415,7 +6096,6 @@
               <a:srgbClr val="969696"/>
             </a:contourClr>
           </a:sp3d>
-          <a:extLst/>
         </p:spPr>
       </p:pic>
       <p:pic>
@@ -5477,7 +6157,6 @@
               <a:srgbClr val="FFFFFF"/>
             </a:contourClr>
           </a:sp3d>
-          <a:extLst/>
         </p:spPr>
       </p:pic>
       <p:sp>
@@ -5505,7 +6184,7 @@
           <a:p>
             <a:pPr algn="ctr"/>
             <a:r>
-              <a:rPr lang="ko-KR" altLang="en-US" sz="4800" dirty="0" smtClean="0">
+              <a:rPr lang="ko-KR" altLang="en-US" sz="4800" dirty="0">
                 <a:solidFill>
                   <a:schemeClr val="bg1"/>
                 </a:solidFill>
@@ -5524,23 +6203,6 @@
               </a:rPr>
               <a:t>강주현</a:t>
             </a:r>
-            <a:endParaRPr lang="ko-KR" altLang="en-US" sz="4800" dirty="0">
-              <a:solidFill>
-                <a:schemeClr val="bg1"/>
-              </a:solidFill>
-              <a:effectLst>
-                <a:glow rad="63500">
-                  <a:schemeClr val="accent5">
-                    <a:lumMod val="20000"/>
-                    <a:lumOff val="80000"/>
-                    <a:alpha val="40000"/>
-                  </a:schemeClr>
-                </a:glow>
-                <a:reflection blurRad="6350" stA="55000" endA="300" endPos="45500" dir="5400000" sy="-100000" algn="bl" rotWithShape="0"/>
-              </a:effectLst>
-              <a:latin typeface="HY견고딕" panose="02030600000101010101" pitchFamily="18" charset="-127"/>
-              <a:ea typeface="HY견고딕" panose="02030600000101010101" pitchFamily="18" charset="-127"/>
-            </a:endParaRPr>
           </a:p>
         </p:txBody>
       </p:sp>
@@ -5553,7 +6215,7 @@
         <p:spPr>
           <a:xfrm>
             <a:off x="4168560" y="1727183"/>
-            <a:ext cx="4724814" cy="830997"/>
+            <a:ext cx="5650558" cy="1015663"/>
           </a:xfrm>
           <a:prstGeom prst="rect">
             <a:avLst/>
@@ -5568,7 +6230,7 @@
           <a:p>
             <a:pPr algn="ctr"/>
             <a:r>
-              <a:rPr lang="en-US" altLang="ko-KR" sz="4800" dirty="0" smtClean="0">
+              <a:rPr lang="en-US" altLang="ko-KR" sz="6000" dirty="0">
                 <a:solidFill>
                   <a:schemeClr val="bg1"/>
                 </a:solidFill>
@@ -5577,9 +6239,9 @@
                 </a:effectLst>
                 <a:latin typeface="Segoe UI Black" panose="020B0A02040204020203" pitchFamily="34" charset="0"/>
               </a:rPr>
-              <a:t>HTML+CSS+JS</a:t>
+              <a:t>FASTCAMPS</a:t>
             </a:r>
-            <a:endParaRPr lang="ko-KR" altLang="en-US" sz="4800" dirty="0">
+            <a:endParaRPr lang="ko-KR" altLang="en-US" sz="6000" dirty="0">
               <a:solidFill>
                 <a:schemeClr val="bg1"/>
               </a:solidFill>
@@ -5601,17 +6263,485 @@
   <p:clrMapOvr>
     <a:masterClrMapping/>
   </p:clrMapOvr>
+</p:sld>
+</file>
+
+<file path=ppt/slides/slide3.xml><?xml version="1.0" encoding="utf-8"?>
+<p:sld xmlns:a="http://schemas.openxmlformats.org/drawingml/2006/main" xmlns:r="http://schemas.openxmlformats.org/officeDocument/2006/relationships" xmlns:p="http://schemas.openxmlformats.org/presentationml/2006/main">
+  <p:cSld>
+    <p:spTree>
+      <p:nvGrpSpPr>
+        <p:cNvPr id="1" name=""/>
+        <p:cNvGrpSpPr/>
+        <p:nvPr/>
+      </p:nvGrpSpPr>
+      <p:grpSpPr>
+        <a:xfrm>
+          <a:off x="0" y="0"/>
+          <a:ext cx="0" cy="0"/>
+          <a:chOff x="0" y="0"/>
+          <a:chExt cx="0" cy="0"/>
+        </a:xfrm>
+      </p:grpSpPr>
+      <p:sp>
+        <p:nvSpPr>
+          <p:cNvPr id="6" name="직사각형 5">
+            <a:extLst>
+              <a:ext uri="{FF2B5EF4-FFF2-40B4-BE49-F238E27FC236}">
+                <a16:creationId xmlns:a16="http://schemas.microsoft.com/office/drawing/2014/main" id="{38EA09AD-8448-4FEB-9132-C27593BC4451}"/>
+              </a:ext>
+            </a:extLst>
+          </p:cNvPr>
+          <p:cNvSpPr/>
+          <p:nvPr/>
+        </p:nvSpPr>
+        <p:spPr>
+          <a:xfrm>
+            <a:off x="-4555" y="0"/>
+            <a:ext cx="12196555" cy="6858000"/>
+          </a:xfrm>
+          <a:prstGeom prst="rect">
+            <a:avLst/>
+          </a:prstGeom>
+          <a:solidFill>
+            <a:schemeClr val="bg1">
+              <a:lumMod val="95000"/>
+            </a:schemeClr>
+          </a:solidFill>
+          <a:ln>
+            <a:noFill/>
+          </a:ln>
+        </p:spPr>
+        <p:style>
+          <a:lnRef idx="2">
+            <a:schemeClr val="accent1">
+              <a:shade val="50000"/>
+            </a:schemeClr>
+          </a:lnRef>
+          <a:fillRef idx="1">
+            <a:schemeClr val="accent1"/>
+          </a:fillRef>
+          <a:effectRef idx="0">
+            <a:schemeClr val="accent1"/>
+          </a:effectRef>
+          <a:fontRef idx="minor">
+            <a:schemeClr val="lt1"/>
+          </a:fontRef>
+        </p:style>
+        <p:txBody>
+          <a:bodyPr rtlCol="0" anchor="ctr"/>
+          <a:lstStyle/>
+          <a:p>
+            <a:pPr algn="ctr"/>
+            <a:endParaRPr lang="ko-KR" altLang="en-US" dirty="0"/>
+          </a:p>
+        </p:txBody>
+      </p:sp>
+      <p:sp>
+        <p:nvSpPr>
+          <p:cNvPr id="7" name="직사각형 6">
+            <a:extLst>
+              <a:ext uri="{FF2B5EF4-FFF2-40B4-BE49-F238E27FC236}">
+                <a16:creationId xmlns:a16="http://schemas.microsoft.com/office/drawing/2014/main" id="{9BB8C114-7CC6-4A03-A3F9-8346B69DBAE3}"/>
+              </a:ext>
+            </a:extLst>
+          </p:cNvPr>
+          <p:cNvSpPr/>
+          <p:nvPr/>
+        </p:nvSpPr>
+        <p:spPr>
+          <a:xfrm flipV="1">
+            <a:off x="-205891" y="687896"/>
+            <a:ext cx="5306397" cy="45719"/>
+          </a:xfrm>
+          <a:prstGeom prst="rect">
+            <a:avLst/>
+          </a:prstGeom>
+          <a:solidFill>
+            <a:schemeClr val="tx1"/>
+          </a:solidFill>
+          <a:ln>
+            <a:noFill/>
+          </a:ln>
+        </p:spPr>
+        <p:style>
+          <a:lnRef idx="2">
+            <a:schemeClr val="accent1">
+              <a:shade val="50000"/>
+            </a:schemeClr>
+          </a:lnRef>
+          <a:fillRef idx="1">
+            <a:schemeClr val="accent1"/>
+          </a:fillRef>
+          <a:effectRef idx="0">
+            <a:schemeClr val="accent1"/>
+          </a:effectRef>
+          <a:fontRef idx="minor">
+            <a:schemeClr val="lt1"/>
+          </a:fontRef>
+        </p:style>
+        <p:txBody>
+          <a:bodyPr rtlCol="0" anchor="ctr"/>
+          <a:lstStyle/>
+          <a:p>
+            <a:pPr algn="ctr"/>
+            <a:endParaRPr lang="ko-KR" altLang="en-US"/>
+          </a:p>
+        </p:txBody>
+      </p:sp>
+      <p:sp>
+        <p:nvSpPr>
+          <p:cNvPr id="8" name="이등변 삼각형 7">
+            <a:extLst>
+              <a:ext uri="{FF2B5EF4-FFF2-40B4-BE49-F238E27FC236}">
+                <a16:creationId xmlns:a16="http://schemas.microsoft.com/office/drawing/2014/main" id="{81AAEB55-CCCC-4E59-B882-3905865808D9}"/>
+              </a:ext>
+            </a:extLst>
+          </p:cNvPr>
+          <p:cNvSpPr/>
+          <p:nvPr/>
+        </p:nvSpPr>
+        <p:spPr>
+          <a:xfrm>
+            <a:off x="-646493" y="0"/>
+            <a:ext cx="1283876" cy="733615"/>
+          </a:xfrm>
+          <a:prstGeom prst="triangle">
+            <a:avLst/>
+          </a:prstGeom>
+          <a:solidFill>
+            <a:schemeClr val="tx1"/>
+          </a:solidFill>
+          <a:ln>
+            <a:noFill/>
+          </a:ln>
+        </p:spPr>
+        <p:style>
+          <a:lnRef idx="2">
+            <a:schemeClr val="accent1">
+              <a:shade val="50000"/>
+            </a:schemeClr>
+          </a:lnRef>
+          <a:fillRef idx="1">
+            <a:schemeClr val="accent1"/>
+          </a:fillRef>
+          <a:effectRef idx="0">
+            <a:schemeClr val="accent1"/>
+          </a:effectRef>
+          <a:fontRef idx="minor">
+            <a:schemeClr val="lt1"/>
+          </a:fontRef>
+        </p:style>
+        <p:txBody>
+          <a:bodyPr rtlCol="0" anchor="ctr"/>
+          <a:lstStyle/>
+          <a:p>
+            <a:pPr algn="ctr"/>
+            <a:endParaRPr lang="ko-KR" altLang="en-US"/>
+          </a:p>
+        </p:txBody>
+      </p:sp>
+      <p:sp>
+        <p:nvSpPr>
+          <p:cNvPr id="9" name="TextBox 8">
+            <a:extLst>
+              <a:ext uri="{FF2B5EF4-FFF2-40B4-BE49-F238E27FC236}">
+                <a16:creationId xmlns:a16="http://schemas.microsoft.com/office/drawing/2014/main" id="{BB8BC1B1-E1C2-445B-A1D4-499CB13B74A7}"/>
+              </a:ext>
+            </a:extLst>
+          </p:cNvPr>
+          <p:cNvSpPr txBox="1"/>
+          <p:nvPr/>
+        </p:nvSpPr>
+        <p:spPr>
+          <a:xfrm>
+            <a:off x="616410" y="187535"/>
+            <a:ext cx="3481431" cy="523220"/>
+          </a:xfrm>
+          <a:prstGeom prst="rect">
+            <a:avLst/>
+          </a:prstGeom>
+          <a:noFill/>
+        </p:spPr>
+        <p:txBody>
+          <a:bodyPr wrap="square" rtlCol="0">
+            <a:spAutoFit/>
+          </a:bodyPr>
+          <a:lstStyle/>
+          <a:p>
+            <a:r>
+              <a:rPr lang="ko-KR" altLang="en-US" sz="2800" b="1" dirty="0">
+                <a:latin typeface="+mj-lt"/>
+              </a:rPr>
+              <a:t>목차</a:t>
+            </a:r>
+          </a:p>
+        </p:txBody>
+      </p:sp>
+      <p:pic>
+        <p:nvPicPr>
+          <p:cNvPr id="5" name="그림 4">
+            <a:extLst>
+              <a:ext uri="{FF2B5EF4-FFF2-40B4-BE49-F238E27FC236}">
+                <a16:creationId xmlns:a16="http://schemas.microsoft.com/office/drawing/2014/main" id="{8EA0B20A-A757-4BF7-85B8-CC5B72CD0491}"/>
+              </a:ext>
+            </a:extLst>
+          </p:cNvPr>
+          <p:cNvPicPr>
+            <a:picLocks noChangeAspect="1"/>
+          </p:cNvPicPr>
+          <p:nvPr/>
+        </p:nvPicPr>
+        <p:blipFill>
+          <a:blip r:embed="rId2">
+            <a:extLst>
+              <a:ext uri="{28A0092B-C50C-407E-A947-70E740481C1C}">
+                <a14:useLocalDpi xmlns:a14="http://schemas.microsoft.com/office/drawing/2010/main" val="0"/>
+              </a:ext>
+            </a:extLst>
+          </a:blip>
+          <a:stretch>
+            <a:fillRect/>
+          </a:stretch>
+        </p:blipFill>
+        <p:spPr>
+          <a:xfrm>
+            <a:off x="4589363" y="124088"/>
+            <a:ext cx="7432060" cy="6609823"/>
+          </a:xfrm>
+          <a:prstGeom prst="rect">
+            <a:avLst/>
+          </a:prstGeom>
+          <a:solidFill>
+            <a:srgbClr val="FFFFFF">
+              <a:shade val="85000"/>
+            </a:srgbClr>
+          </a:solidFill>
+          <a:ln w="88900" cap="sq">
+            <a:solidFill>
+              <a:srgbClr val="FFFFFF"/>
+            </a:solidFill>
+            <a:miter lim="800000"/>
+          </a:ln>
+          <a:effectLst>
+            <a:outerShdw blurRad="55000" dist="18000" dir="5400000" algn="tl" rotWithShape="0">
+              <a:srgbClr val="000000">
+                <a:alpha val="40000"/>
+              </a:srgbClr>
+            </a:outerShdw>
+          </a:effectLst>
+          <a:scene3d>
+            <a:camera prst="orthographicFront"/>
+            <a:lightRig rig="twoPt" dir="t">
+              <a:rot lat="0" lon="0" rev="7200000"/>
+            </a:lightRig>
+          </a:scene3d>
+          <a:sp3d>
+            <a:bevelT w="25400" h="19050"/>
+            <a:contourClr>
+              <a:srgbClr val="FFFFFF"/>
+            </a:contourClr>
+          </a:sp3d>
+        </p:spPr>
+      </p:pic>
+      <p:sp>
+        <p:nvSpPr>
+          <p:cNvPr id="10" name="직사각형 9">
+            <a:extLst>
+              <a:ext uri="{FF2B5EF4-FFF2-40B4-BE49-F238E27FC236}">
+                <a16:creationId xmlns:a16="http://schemas.microsoft.com/office/drawing/2014/main" id="{F8C96C1D-28C5-40B6-896E-02DD639971D3}"/>
+              </a:ext>
+            </a:extLst>
+          </p:cNvPr>
+          <p:cNvSpPr/>
+          <p:nvPr/>
+        </p:nvSpPr>
+        <p:spPr>
+          <a:xfrm flipV="1">
+            <a:off x="-39825" y="-78370"/>
+            <a:ext cx="12757535" cy="265903"/>
+          </a:xfrm>
+          <a:prstGeom prst="rect">
+            <a:avLst/>
+          </a:prstGeom>
+          <a:solidFill>
+            <a:schemeClr val="tx1"/>
+          </a:solidFill>
+          <a:ln>
+            <a:noFill/>
+          </a:ln>
+        </p:spPr>
+        <p:style>
+          <a:lnRef idx="2">
+            <a:schemeClr val="accent1">
+              <a:shade val="50000"/>
+            </a:schemeClr>
+          </a:lnRef>
+          <a:fillRef idx="1">
+            <a:schemeClr val="accent1"/>
+          </a:fillRef>
+          <a:effectRef idx="0">
+            <a:schemeClr val="accent1"/>
+          </a:effectRef>
+          <a:fontRef idx="minor">
+            <a:schemeClr val="lt1"/>
+          </a:fontRef>
+        </p:style>
+        <p:txBody>
+          <a:bodyPr rtlCol="0" anchor="ctr"/>
+          <a:lstStyle/>
+          <a:p>
+            <a:pPr algn="ctr"/>
+            <a:endParaRPr lang="ko-KR" altLang="en-US"/>
+          </a:p>
+        </p:txBody>
+      </p:sp>
+    </p:spTree>
+    <p:extLst>
+      <p:ext uri="{BB962C8B-B14F-4D97-AF65-F5344CB8AC3E}">
+        <p14:creationId xmlns:p14="http://schemas.microsoft.com/office/powerpoint/2010/main" val="284247110"/>
+      </p:ext>
+    </p:extLst>
+  </p:cSld>
+  <p:clrMapOvr>
+    <a:masterClrMapping/>
+  </p:clrMapOvr>
   <p:timing>
     <p:tnLst>
       <p:par>
-        <p:cTn id="1" dur="indefinite" restart="never" nodeType="tmRoot"/>
+        <p:cTn id="1" dur="indefinite" restart="never" nodeType="tmRoot">
+          <p:childTnLst>
+            <p:seq concurrent="1" nextAc="seek">
+              <p:cTn id="2" dur="indefinite" nodeType="mainSeq">
+                <p:childTnLst>
+                  <p:par>
+                    <p:cTn id="3" fill="hold">
+                      <p:stCondLst>
+                        <p:cond delay="indefinite"/>
+                        <p:cond evt="onBegin" delay="0">
+                          <p:tn val="2"/>
+                        </p:cond>
+                      </p:stCondLst>
+                      <p:childTnLst>
+                        <p:par>
+                          <p:cTn id="4" fill="hold">
+                            <p:stCondLst>
+                              <p:cond delay="0"/>
+                            </p:stCondLst>
+                            <p:childTnLst>
+                              <p:par>
+                                <p:cTn id="5" presetID="42" presetClass="entr" presetSubtype="0" fill="hold" nodeType="withEffect">
+                                  <p:stCondLst>
+                                    <p:cond delay="0"/>
+                                  </p:stCondLst>
+                                  <p:childTnLst>
+                                    <p:set>
+                                      <p:cBhvr>
+                                        <p:cTn id="6" dur="1" fill="hold">
+                                          <p:stCondLst>
+                                            <p:cond delay="0"/>
+                                          </p:stCondLst>
+                                        </p:cTn>
+                                        <p:tgtEl>
+                                          <p:spTgt spid="5"/>
+                                        </p:tgtEl>
+                                        <p:attrNameLst>
+                                          <p:attrName>style.visibility</p:attrName>
+                                        </p:attrNameLst>
+                                      </p:cBhvr>
+                                      <p:to>
+                                        <p:strVal val="visible"/>
+                                      </p:to>
+                                    </p:set>
+                                    <p:animEffect transition="in" filter="fade">
+                                      <p:cBhvr>
+                                        <p:cTn id="7" dur="1000"/>
+                                        <p:tgtEl>
+                                          <p:spTgt spid="5"/>
+                                        </p:tgtEl>
+                                      </p:cBhvr>
+                                    </p:animEffect>
+                                    <p:anim calcmode="lin" valueType="num">
+                                      <p:cBhvr>
+                                        <p:cTn id="8" dur="1000" fill="hold"/>
+                                        <p:tgtEl>
+                                          <p:spTgt spid="5"/>
+                                        </p:tgtEl>
+                                        <p:attrNameLst>
+                                          <p:attrName>ppt_x</p:attrName>
+                                        </p:attrNameLst>
+                                      </p:cBhvr>
+                                      <p:tavLst>
+                                        <p:tav tm="0">
+                                          <p:val>
+                                            <p:strVal val="#ppt_x"/>
+                                          </p:val>
+                                        </p:tav>
+                                        <p:tav tm="100000">
+                                          <p:val>
+                                            <p:strVal val="#ppt_x"/>
+                                          </p:val>
+                                        </p:tav>
+                                      </p:tavLst>
+                                    </p:anim>
+                                    <p:anim calcmode="lin" valueType="num">
+                                      <p:cBhvr>
+                                        <p:cTn id="9" dur="1000" fill="hold"/>
+                                        <p:tgtEl>
+                                          <p:spTgt spid="5"/>
+                                        </p:tgtEl>
+                                        <p:attrNameLst>
+                                          <p:attrName>ppt_y</p:attrName>
+                                        </p:attrNameLst>
+                                      </p:cBhvr>
+                                      <p:tavLst>
+                                        <p:tav tm="0">
+                                          <p:val>
+                                            <p:strVal val="#ppt_y+.1"/>
+                                          </p:val>
+                                        </p:tav>
+                                        <p:tav tm="100000">
+                                          <p:val>
+                                            <p:strVal val="#ppt_y"/>
+                                          </p:val>
+                                        </p:tav>
+                                      </p:tavLst>
+                                    </p:anim>
+                                  </p:childTnLst>
+                                </p:cTn>
+                              </p:par>
+                            </p:childTnLst>
+                          </p:cTn>
+                        </p:par>
+                      </p:childTnLst>
+                    </p:cTn>
+                  </p:par>
+                </p:childTnLst>
+              </p:cTn>
+              <p:prevCondLst>
+                <p:cond evt="onPrev" delay="0">
+                  <p:tgtEl>
+                    <p:sldTgt/>
+                  </p:tgtEl>
+                </p:cond>
+              </p:prevCondLst>
+              <p:nextCondLst>
+                <p:cond evt="onNext" delay="0">
+                  <p:tgtEl>
+                    <p:sldTgt/>
+                  </p:tgtEl>
+                </p:cond>
+              </p:nextCondLst>
+            </p:seq>
+          </p:childTnLst>
+        </p:cTn>
       </p:par>
     </p:tnLst>
   </p:timing>
 </p:sld>
 </file>
 
-<file path=ppt/slides/slide3.xml><?xml version="1.0" encoding="utf-8"?>
+<file path=ppt/slides/slide4.xml><?xml version="1.0" encoding="utf-8"?>
 <p:sld xmlns:a="http://schemas.openxmlformats.org/drawingml/2006/main" xmlns:r="http://schemas.openxmlformats.org/officeDocument/2006/relationships" xmlns:p="http://schemas.openxmlformats.org/presentationml/2006/main">
   <p:cSld>
     <p:spTree>
@@ -5715,76 +6845,119 @@
           </a:prstGeom>
         </p:spPr>
       </p:pic>
-    </p:spTree>
-    <p:extLst>
-      <p:ext uri="{BB962C8B-B14F-4D97-AF65-F5344CB8AC3E}">
-        <p14:creationId xmlns:p14="http://schemas.microsoft.com/office/powerpoint/2010/main" val="2776447545"/>
-      </p:ext>
-    </p:extLst>
-  </p:cSld>
-  <p:clrMapOvr>
-    <a:masterClrMapping/>
-  </p:clrMapOvr>
-  <p:timing>
-    <p:tnLst>
-      <p:par>
-        <p:cTn id="1" dur="indefinite" restart="never" nodeType="tmRoot"/>
-      </p:par>
-    </p:tnLst>
-  </p:timing>
-</p:sld>
-</file>
-
-<file path=ppt/slides/slide4.xml><?xml version="1.0" encoding="utf-8"?>
-<p:sld xmlns:a="http://schemas.openxmlformats.org/drawingml/2006/main" xmlns:r="http://schemas.openxmlformats.org/officeDocument/2006/relationships" xmlns:p="http://schemas.openxmlformats.org/presentationml/2006/main">
-  <p:cSld>
-    <p:spTree>
-      <p:nvGrpSpPr>
-        <p:cNvPr id="1" name=""/>
-        <p:cNvGrpSpPr/>
-        <p:nvPr/>
-      </p:nvGrpSpPr>
-      <p:grpSpPr>
-        <a:xfrm>
-          <a:off x="0" y="0"/>
-          <a:ext cx="0" cy="0"/>
-          <a:chOff x="0" y="0"/>
-          <a:chExt cx="0" cy="0"/>
-        </a:xfrm>
-      </p:grpSpPr>
-      <p:pic>
-        <p:nvPicPr>
-          <p:cNvPr id="5" name="그림 4"/>
-          <p:cNvPicPr>
-            <a:picLocks noChangeAspect="1"/>
-          </p:cNvPicPr>
-          <p:nvPr/>
-        </p:nvPicPr>
-        <p:blipFill>
-          <a:blip r:embed="rId2">
+      <p:sp>
+        <p:nvSpPr>
+          <p:cNvPr id="2" name="직사각형 1">
             <a:extLst>
-              <a:ext uri="{28A0092B-C50C-407E-A947-70E740481C1C}">
-                <a14:useLocalDpi xmlns:a14="http://schemas.microsoft.com/office/drawing/2010/main" val="0"/>
+              <a:ext uri="{FF2B5EF4-FFF2-40B4-BE49-F238E27FC236}">
+                <a16:creationId xmlns:a16="http://schemas.microsoft.com/office/drawing/2014/main" id="{4B5446D2-C87E-4BC2-A17E-F3CF496E3C04}"/>
               </a:ext>
             </a:extLst>
-          </a:blip>
-          <a:stretch>
-            <a:fillRect/>
-          </a:stretch>
-        </p:blipFill>
+          </p:cNvPr>
+          <p:cNvSpPr/>
+          <p:nvPr/>
+        </p:nvSpPr>
         <p:spPr>
-          <a:xfrm>
-            <a:off x="0" y="0"/>
-            <a:ext cx="6220586" cy="3937724"/>
+          <a:xfrm flipV="1">
+            <a:off x="-205891" y="687896"/>
+            <a:ext cx="5306397" cy="45719"/>
           </a:xfrm>
           <a:prstGeom prst="rect">
             <a:avLst/>
           </a:prstGeom>
-        </p:spPr>
-      </p:pic>
+          <a:solidFill>
+            <a:schemeClr val="tx1"/>
+          </a:solidFill>
+          <a:ln>
+            <a:noFill/>
+          </a:ln>
+        </p:spPr>
+        <p:style>
+          <a:lnRef idx="2">
+            <a:schemeClr val="accent1">
+              <a:shade val="50000"/>
+            </a:schemeClr>
+          </a:lnRef>
+          <a:fillRef idx="1">
+            <a:schemeClr val="accent1"/>
+          </a:fillRef>
+          <a:effectRef idx="0">
+            <a:schemeClr val="accent1"/>
+          </a:effectRef>
+          <a:fontRef idx="minor">
+            <a:schemeClr val="lt1"/>
+          </a:fontRef>
+        </p:style>
+        <p:txBody>
+          <a:bodyPr rtlCol="0" anchor="ctr"/>
+          <a:lstStyle/>
+          <a:p>
+            <a:pPr algn="ctr"/>
+            <a:endParaRPr lang="ko-KR" altLang="en-US"/>
+          </a:p>
+        </p:txBody>
+      </p:sp>
+      <p:sp>
+        <p:nvSpPr>
+          <p:cNvPr id="3" name="이등변 삼각형 2">
+            <a:extLst>
+              <a:ext uri="{FF2B5EF4-FFF2-40B4-BE49-F238E27FC236}">
+                <a16:creationId xmlns:a16="http://schemas.microsoft.com/office/drawing/2014/main" id="{996FD705-ECFB-46C2-9F8B-119CA31B449E}"/>
+              </a:ext>
+            </a:extLst>
+          </p:cNvPr>
+          <p:cNvSpPr/>
+          <p:nvPr/>
+        </p:nvSpPr>
+        <p:spPr>
+          <a:xfrm>
+            <a:off x="-646493" y="0"/>
+            <a:ext cx="1283876" cy="733615"/>
+          </a:xfrm>
+          <a:prstGeom prst="triangle">
+            <a:avLst/>
+          </a:prstGeom>
+          <a:solidFill>
+            <a:schemeClr val="tx1"/>
+          </a:solidFill>
+          <a:ln>
+            <a:noFill/>
+          </a:ln>
+        </p:spPr>
+        <p:style>
+          <a:lnRef idx="2">
+            <a:schemeClr val="accent1">
+              <a:shade val="50000"/>
+            </a:schemeClr>
+          </a:lnRef>
+          <a:fillRef idx="1">
+            <a:schemeClr val="accent1"/>
+          </a:fillRef>
+          <a:effectRef idx="0">
+            <a:schemeClr val="accent1"/>
+          </a:effectRef>
+          <a:fontRef idx="minor">
+            <a:schemeClr val="lt1"/>
+          </a:fontRef>
+        </p:style>
+        <p:txBody>
+          <a:bodyPr rtlCol="0" anchor="ctr"/>
+          <a:lstStyle/>
+          <a:p>
+            <a:pPr algn="ctr"/>
+            <a:endParaRPr lang="ko-KR" altLang="en-US"/>
+          </a:p>
+        </p:txBody>
+      </p:sp>
       <p:pic>
         <p:nvPicPr>
-          <p:cNvPr id="11" name="그림 10"/>
+          <p:cNvPr id="12" name="그림 11">
+            <a:extLst>
+              <a:ext uri="{FF2B5EF4-FFF2-40B4-BE49-F238E27FC236}">
+                <a16:creationId xmlns:a16="http://schemas.microsoft.com/office/drawing/2014/main" id="{44CB3ECB-8F82-4A91-8E45-E357EDAE9352}"/>
+              </a:ext>
+            </a:extLst>
+          </p:cNvPr>
           <p:cNvPicPr>
             <a:picLocks noChangeAspect="1"/>
           </p:cNvPicPr>
@@ -5804,18 +6977,149 @@
         </p:blipFill>
         <p:spPr>
           <a:xfrm>
-            <a:off x="6220586" y="0"/>
-            <a:ext cx="5971414" cy="3828874"/>
+            <a:off x="106662" y="1252058"/>
+            <a:ext cx="6168070" cy="4576615"/>
           </a:xfrm>
           <a:prstGeom prst="rect">
             <a:avLst/>
           </a:prstGeom>
+          <a:solidFill>
+            <a:srgbClr val="FFFFFF">
+              <a:shade val="85000"/>
+            </a:srgbClr>
+          </a:solidFill>
+          <a:ln w="88900" cap="sq">
+            <a:solidFill>
+              <a:srgbClr val="FFFFFF"/>
+            </a:solidFill>
+            <a:miter lim="800000"/>
+          </a:ln>
+          <a:effectLst>
+            <a:outerShdw blurRad="55000" dist="18000" dir="5400000" algn="tl" rotWithShape="0">
+              <a:srgbClr val="000000">
+                <a:alpha val="40000"/>
+              </a:srgbClr>
+            </a:outerShdw>
+          </a:effectLst>
+          <a:scene3d>
+            <a:camera prst="orthographicFront"/>
+            <a:lightRig rig="twoPt" dir="t">
+              <a:rot lat="0" lon="0" rev="7200000"/>
+            </a:lightRig>
+          </a:scene3d>
+          <a:sp3d>
+            <a:bevelT w="25400" h="19050"/>
+            <a:contourClr>
+              <a:srgbClr val="FFFFFF"/>
+            </a:contourClr>
+          </a:sp3d>
         </p:spPr>
       </p:pic>
+      <p:sp>
+        <p:nvSpPr>
+          <p:cNvPr id="14" name="TextBox 13">
+            <a:extLst>
+              <a:ext uri="{FF2B5EF4-FFF2-40B4-BE49-F238E27FC236}">
+                <a16:creationId xmlns:a16="http://schemas.microsoft.com/office/drawing/2014/main" id="{42A137DB-5455-4F20-9D36-B79BCC9A11B3}"/>
+              </a:ext>
+            </a:extLst>
+          </p:cNvPr>
+          <p:cNvSpPr txBox="1"/>
+          <p:nvPr/>
+        </p:nvSpPr>
+        <p:spPr>
+          <a:xfrm>
+            <a:off x="637383" y="318996"/>
+            <a:ext cx="3481431" cy="369332"/>
+          </a:xfrm>
+          <a:prstGeom prst="rect">
+            <a:avLst/>
+          </a:prstGeom>
+          <a:noFill/>
+        </p:spPr>
+        <p:txBody>
+          <a:bodyPr wrap="square" rtlCol="0">
+            <a:spAutoFit/>
+          </a:bodyPr>
+          <a:lstStyle/>
+          <a:p>
+            <a:r>
+              <a:rPr lang="ko-KR" altLang="en-US" b="1" dirty="0">
+                <a:latin typeface="+mj-lt"/>
+              </a:rPr>
+              <a:t>헤더 구조 및 </a:t>
+            </a:r>
+            <a:r>
+              <a:rPr lang="ko-KR" altLang="en-US" b="1" dirty="0" err="1">
+                <a:latin typeface="+mj-lt"/>
+              </a:rPr>
+              <a:t>네비</a:t>
+            </a:r>
+            <a:r>
+              <a:rPr lang="ko-KR" altLang="en-US" b="1" dirty="0">
+                <a:latin typeface="+mj-lt"/>
+              </a:rPr>
+              <a:t> 구조</a:t>
+            </a:r>
+          </a:p>
+        </p:txBody>
+      </p:sp>
+      <p:sp>
+        <p:nvSpPr>
+          <p:cNvPr id="15" name="직사각형 14">
+            <a:extLst>
+              <a:ext uri="{FF2B5EF4-FFF2-40B4-BE49-F238E27FC236}">
+                <a16:creationId xmlns:a16="http://schemas.microsoft.com/office/drawing/2014/main" id="{48A1B930-B924-4D86-8709-AF6EE2CDB5D0}"/>
+              </a:ext>
+            </a:extLst>
+          </p:cNvPr>
+          <p:cNvSpPr/>
+          <p:nvPr/>
+        </p:nvSpPr>
+        <p:spPr>
+          <a:xfrm flipV="1">
+            <a:off x="-39825" y="-78370"/>
+            <a:ext cx="12757535" cy="265903"/>
+          </a:xfrm>
+          <a:prstGeom prst="rect">
+            <a:avLst/>
+          </a:prstGeom>
+          <a:solidFill>
+            <a:schemeClr val="tx1"/>
+          </a:solidFill>
+          <a:ln>
+            <a:noFill/>
+          </a:ln>
+        </p:spPr>
+        <p:style>
+          <a:lnRef idx="2">
+            <a:schemeClr val="accent1">
+              <a:shade val="50000"/>
+            </a:schemeClr>
+          </a:lnRef>
+          <a:fillRef idx="1">
+            <a:schemeClr val="accent1"/>
+          </a:fillRef>
+          <a:effectRef idx="0">
+            <a:schemeClr val="accent1"/>
+          </a:effectRef>
+          <a:fontRef idx="minor">
+            <a:schemeClr val="lt1"/>
+          </a:fontRef>
+        </p:style>
+        <p:txBody>
+          <a:bodyPr rtlCol="0" anchor="ctr"/>
+          <a:lstStyle/>
+          <a:p>
+            <a:pPr algn="ctr"/>
+            <a:endParaRPr lang="ko-KR" altLang="en-US"/>
+          </a:p>
+        </p:txBody>
+      </p:sp>
     </p:spTree>
     <p:extLst>
       <p:ext uri="{BB962C8B-B14F-4D97-AF65-F5344CB8AC3E}">
-        <p14:creationId xmlns:p14="http://schemas.microsoft.com/office/powerpoint/2010/main" val="610386983"/>
+        <p14:creationId xmlns:p14="http://schemas.microsoft.com/office/powerpoint/2010/main" val="2776447545"/>
       </p:ext>
     </p:extLst>
   </p:cSld>
@@ -5825,7 +7129,213 @@
   <p:timing>
     <p:tnLst>
       <p:par>
-        <p:cTn id="1" dur="indefinite" restart="never" nodeType="tmRoot"/>
+        <p:cTn id="1" dur="indefinite" restart="never" nodeType="tmRoot">
+          <p:childTnLst>
+            <p:seq concurrent="1" nextAc="seek">
+              <p:cTn id="2" dur="indefinite" nodeType="mainSeq">
+                <p:childTnLst>
+                  <p:par>
+                    <p:cTn id="3" fill="hold">
+                      <p:stCondLst>
+                        <p:cond delay="indefinite"/>
+                        <p:cond evt="onBegin" delay="0">
+                          <p:tn val="2"/>
+                        </p:cond>
+                      </p:stCondLst>
+                      <p:childTnLst>
+                        <p:par>
+                          <p:cTn id="4" fill="hold">
+                            <p:stCondLst>
+                              <p:cond delay="0"/>
+                            </p:stCondLst>
+                            <p:childTnLst>
+                              <p:par>
+                                <p:cTn id="5" presetID="42" presetClass="entr" presetSubtype="0" fill="hold" nodeType="withEffect">
+                                  <p:stCondLst>
+                                    <p:cond delay="0"/>
+                                  </p:stCondLst>
+                                  <p:childTnLst>
+                                    <p:set>
+                                      <p:cBhvr>
+                                        <p:cTn id="6" dur="1" fill="hold">
+                                          <p:stCondLst>
+                                            <p:cond delay="0"/>
+                                          </p:stCondLst>
+                                        </p:cTn>
+                                        <p:tgtEl>
+                                          <p:spTgt spid="12"/>
+                                        </p:tgtEl>
+                                        <p:attrNameLst>
+                                          <p:attrName>style.visibility</p:attrName>
+                                        </p:attrNameLst>
+                                      </p:cBhvr>
+                                      <p:to>
+                                        <p:strVal val="visible"/>
+                                      </p:to>
+                                    </p:set>
+                                    <p:animEffect transition="in" filter="fade">
+                                      <p:cBhvr>
+                                        <p:cTn id="7" dur="1000"/>
+                                        <p:tgtEl>
+                                          <p:spTgt spid="12"/>
+                                        </p:tgtEl>
+                                      </p:cBhvr>
+                                    </p:animEffect>
+                                    <p:anim calcmode="lin" valueType="num">
+                                      <p:cBhvr>
+                                        <p:cTn id="8" dur="1000" fill="hold"/>
+                                        <p:tgtEl>
+                                          <p:spTgt spid="12"/>
+                                        </p:tgtEl>
+                                        <p:attrNameLst>
+                                          <p:attrName>ppt_x</p:attrName>
+                                        </p:attrNameLst>
+                                      </p:cBhvr>
+                                      <p:tavLst>
+                                        <p:tav tm="0">
+                                          <p:val>
+                                            <p:strVal val="#ppt_x"/>
+                                          </p:val>
+                                        </p:tav>
+                                        <p:tav tm="100000">
+                                          <p:val>
+                                            <p:strVal val="#ppt_x"/>
+                                          </p:val>
+                                        </p:tav>
+                                      </p:tavLst>
+                                    </p:anim>
+                                    <p:anim calcmode="lin" valueType="num">
+                                      <p:cBhvr>
+                                        <p:cTn id="9" dur="1000" fill="hold"/>
+                                        <p:tgtEl>
+                                          <p:spTgt spid="12"/>
+                                        </p:tgtEl>
+                                        <p:attrNameLst>
+                                          <p:attrName>ppt_y</p:attrName>
+                                        </p:attrNameLst>
+                                      </p:cBhvr>
+                                      <p:tavLst>
+                                        <p:tav tm="0">
+                                          <p:val>
+                                            <p:strVal val="#ppt_y+.1"/>
+                                          </p:val>
+                                        </p:tav>
+                                        <p:tav tm="100000">
+                                          <p:val>
+                                            <p:strVal val="#ppt_y"/>
+                                          </p:val>
+                                        </p:tav>
+                                      </p:tavLst>
+                                    </p:anim>
+                                  </p:childTnLst>
+                                </p:cTn>
+                              </p:par>
+                              <p:par>
+                                <p:cTn id="10" presetID="42" presetClass="entr" presetSubtype="0" fill="hold" nodeType="withEffect">
+                                  <p:stCondLst>
+                                    <p:cond delay="0"/>
+                                  </p:stCondLst>
+                                  <p:childTnLst>
+                                    <p:set>
+                                      <p:cBhvr>
+                                        <p:cTn id="11" dur="1" fill="hold">
+                                          <p:stCondLst>
+                                            <p:cond delay="0"/>
+                                          </p:stCondLst>
+                                        </p:cTn>
+                                        <p:tgtEl>
+                                          <p:spTgt spid="4"/>
+                                        </p:tgtEl>
+                                        <p:attrNameLst>
+                                          <p:attrName>style.visibility</p:attrName>
+                                        </p:attrNameLst>
+                                      </p:cBhvr>
+                                      <p:to>
+                                        <p:strVal val="visible"/>
+                                      </p:to>
+                                    </p:set>
+                                    <p:animEffect transition="in" filter="fade">
+                                      <p:cBhvr>
+                                        <p:cTn id="12" dur="1000"/>
+                                        <p:tgtEl>
+                                          <p:spTgt spid="4"/>
+                                        </p:tgtEl>
+                                      </p:cBhvr>
+                                    </p:animEffect>
+                                    <p:anim calcmode="lin" valueType="num">
+                                      <p:cBhvr>
+                                        <p:cTn id="13" dur="1000" fill="hold"/>
+                                        <p:tgtEl>
+                                          <p:spTgt spid="4"/>
+                                        </p:tgtEl>
+                                        <p:attrNameLst>
+                                          <p:attrName>ppt_x</p:attrName>
+                                        </p:attrNameLst>
+                                      </p:cBhvr>
+                                      <p:tavLst>
+                                        <p:tav tm="0">
+                                          <p:val>
+                                            <p:strVal val="#ppt_x"/>
+                                          </p:val>
+                                        </p:tav>
+                                        <p:tav tm="100000">
+                                          <p:val>
+                                            <p:strVal val="#ppt_x"/>
+                                          </p:val>
+                                        </p:tav>
+                                      </p:tavLst>
+                                    </p:anim>
+                                    <p:anim calcmode="lin" valueType="num">
+                                      <p:cBhvr>
+                                        <p:cTn id="14" dur="1000" fill="hold"/>
+                                        <p:tgtEl>
+                                          <p:spTgt spid="4"/>
+                                        </p:tgtEl>
+                                        <p:attrNameLst>
+                                          <p:attrName>ppt_y</p:attrName>
+                                        </p:attrNameLst>
+                                      </p:cBhvr>
+                                      <p:tavLst>
+                                        <p:tav tm="0">
+                                          <p:val>
+                                            <p:strVal val="#ppt_y+.1"/>
+                                          </p:val>
+                                        </p:tav>
+                                        <p:tav tm="100000">
+                                          <p:val>
+                                            <p:strVal val="#ppt_y"/>
+                                          </p:val>
+                                        </p:tav>
+                                      </p:tavLst>
+                                    </p:anim>
+                                  </p:childTnLst>
+                                </p:cTn>
+                              </p:par>
+                            </p:childTnLst>
+                          </p:cTn>
+                        </p:par>
+                      </p:childTnLst>
+                    </p:cTn>
+                  </p:par>
+                </p:childTnLst>
+              </p:cTn>
+              <p:prevCondLst>
+                <p:cond evt="onPrev" delay="0">
+                  <p:tgtEl>
+                    <p:sldTgt/>
+                  </p:tgtEl>
+                </p:cond>
+              </p:prevCondLst>
+              <p:nextCondLst>
+                <p:cond evt="onNext" delay="0">
+                  <p:tgtEl>
+                    <p:sldTgt/>
+                  </p:tgtEl>
+                </p:cond>
+              </p:nextCondLst>
+            </p:seq>
+          </p:childTnLst>
+        </p:cTn>
       </p:par>
     </p:tnLst>
   </p:timing>
@@ -5849,6 +7359,54 @@
           <a:chExt cx="0" cy="0"/>
         </a:xfrm>
       </p:grpSpPr>
+      <p:sp>
+        <p:nvSpPr>
+          <p:cNvPr id="29" name="직사각형 28"/>
+          <p:cNvSpPr/>
+          <p:nvPr/>
+        </p:nvSpPr>
+        <p:spPr>
+          <a:xfrm>
+            <a:off x="-4555" y="0"/>
+            <a:ext cx="12196555" cy="6858000"/>
+          </a:xfrm>
+          <a:prstGeom prst="rect">
+            <a:avLst/>
+          </a:prstGeom>
+          <a:solidFill>
+            <a:schemeClr val="bg1">
+              <a:lumMod val="95000"/>
+            </a:schemeClr>
+          </a:solidFill>
+          <a:ln>
+            <a:noFill/>
+          </a:ln>
+        </p:spPr>
+        <p:style>
+          <a:lnRef idx="2">
+            <a:schemeClr val="accent1">
+              <a:shade val="50000"/>
+            </a:schemeClr>
+          </a:lnRef>
+          <a:fillRef idx="1">
+            <a:schemeClr val="accent1"/>
+          </a:fillRef>
+          <a:effectRef idx="0">
+            <a:schemeClr val="accent1"/>
+          </a:effectRef>
+          <a:fontRef idx="minor">
+            <a:schemeClr val="lt1"/>
+          </a:fontRef>
+        </p:style>
+        <p:txBody>
+          <a:bodyPr rtlCol="0" anchor="ctr"/>
+          <a:lstStyle/>
+          <a:p>
+            <a:pPr algn="ctr"/>
+            <a:endParaRPr lang="ko-KR" altLang="en-US"/>
+          </a:p>
+        </p:txBody>
+      </p:sp>
       <p:pic>
         <p:nvPicPr>
           <p:cNvPr id="4" name="그림 3"/>
@@ -5857,37 +7415,156 @@
           </p:cNvPicPr>
           <p:nvPr/>
         </p:nvPicPr>
-        <p:blipFill>
-          <a:blip r:embed="rId2">
+        <p:blipFill rotWithShape="1">
+          <a:blip r:embed="rId2" cstate="print">
+            <a:clrChange>
+              <a:clrFrom>
+                <a:srgbClr val="FFFFFF"/>
+              </a:clrFrom>
+              <a:clrTo>
+                <a:srgbClr val="FFFFFF">
+                  <a:alpha val="0"/>
+                </a:srgbClr>
+              </a:clrTo>
+            </a:clrChange>
             <a:extLst>
               <a:ext uri="{28A0092B-C50C-407E-A947-70E740481C1C}">
                 <a14:useLocalDpi xmlns:a14="http://schemas.microsoft.com/office/drawing/2010/main" val="0"/>
               </a:ext>
             </a:extLst>
           </a:blip>
-          <a:stretch>
-            <a:fillRect/>
-          </a:stretch>
+          <a:srcRect r="11412"/>
+          <a:stretch/>
         </p:blipFill>
         <p:spPr>
           <a:xfrm>
-            <a:off x="0" y="0"/>
-            <a:ext cx="5943506" cy="3219061"/>
+            <a:off x="6375400" y="0"/>
+            <a:ext cx="5816600" cy="6858000"/>
           </a:xfrm>
           <a:prstGeom prst="rect">
             <a:avLst/>
           </a:prstGeom>
         </p:spPr>
       </p:pic>
+      <p:sp>
+        <p:nvSpPr>
+          <p:cNvPr id="2" name="직사각형 1">
+            <a:extLst>
+              <a:ext uri="{FF2B5EF4-FFF2-40B4-BE49-F238E27FC236}">
+                <a16:creationId xmlns:a16="http://schemas.microsoft.com/office/drawing/2014/main" id="{4B5446D2-C87E-4BC2-A17E-F3CF496E3C04}"/>
+              </a:ext>
+            </a:extLst>
+          </p:cNvPr>
+          <p:cNvSpPr/>
+          <p:nvPr/>
+        </p:nvSpPr>
+        <p:spPr>
+          <a:xfrm flipV="1">
+            <a:off x="-205891" y="687896"/>
+            <a:ext cx="5306397" cy="45719"/>
+          </a:xfrm>
+          <a:prstGeom prst="rect">
+            <a:avLst/>
+          </a:prstGeom>
+          <a:solidFill>
+            <a:schemeClr val="tx1"/>
+          </a:solidFill>
+          <a:ln>
+            <a:noFill/>
+          </a:ln>
+        </p:spPr>
+        <p:style>
+          <a:lnRef idx="2">
+            <a:schemeClr val="accent1">
+              <a:shade val="50000"/>
+            </a:schemeClr>
+          </a:lnRef>
+          <a:fillRef idx="1">
+            <a:schemeClr val="accent1"/>
+          </a:fillRef>
+          <a:effectRef idx="0">
+            <a:schemeClr val="accent1"/>
+          </a:effectRef>
+          <a:fontRef idx="minor">
+            <a:schemeClr val="lt1"/>
+          </a:fontRef>
+        </p:style>
+        <p:txBody>
+          <a:bodyPr rtlCol="0" anchor="ctr"/>
+          <a:lstStyle/>
+          <a:p>
+            <a:pPr algn="ctr"/>
+            <a:endParaRPr lang="ko-KR" altLang="en-US"/>
+          </a:p>
+        </p:txBody>
+      </p:sp>
+      <p:sp>
+        <p:nvSpPr>
+          <p:cNvPr id="3" name="이등변 삼각형 2">
+            <a:extLst>
+              <a:ext uri="{FF2B5EF4-FFF2-40B4-BE49-F238E27FC236}">
+                <a16:creationId xmlns:a16="http://schemas.microsoft.com/office/drawing/2014/main" id="{996FD705-ECFB-46C2-9F8B-119CA31B449E}"/>
+              </a:ext>
+            </a:extLst>
+          </p:cNvPr>
+          <p:cNvSpPr/>
+          <p:nvPr/>
+        </p:nvSpPr>
+        <p:spPr>
+          <a:xfrm>
+            <a:off x="-646493" y="0"/>
+            <a:ext cx="1283876" cy="733615"/>
+          </a:xfrm>
+          <a:prstGeom prst="triangle">
+            <a:avLst/>
+          </a:prstGeom>
+          <a:solidFill>
+            <a:schemeClr val="tx1"/>
+          </a:solidFill>
+          <a:ln>
+            <a:noFill/>
+          </a:ln>
+        </p:spPr>
+        <p:style>
+          <a:lnRef idx="2">
+            <a:schemeClr val="accent1">
+              <a:shade val="50000"/>
+            </a:schemeClr>
+          </a:lnRef>
+          <a:fillRef idx="1">
+            <a:schemeClr val="accent1"/>
+          </a:fillRef>
+          <a:effectRef idx="0">
+            <a:schemeClr val="accent1"/>
+          </a:effectRef>
+          <a:fontRef idx="minor">
+            <a:schemeClr val="lt1"/>
+          </a:fontRef>
+        </p:style>
+        <p:txBody>
+          <a:bodyPr rtlCol="0" anchor="ctr"/>
+          <a:lstStyle/>
+          <a:p>
+            <a:pPr algn="ctr"/>
+            <a:endParaRPr lang="ko-KR" altLang="en-US"/>
+          </a:p>
+        </p:txBody>
+      </p:sp>
       <p:pic>
         <p:nvPicPr>
-          <p:cNvPr id="5" name="그림 4"/>
+          <p:cNvPr id="8" name="그림 7">
+            <a:extLst>
+              <a:ext uri="{FF2B5EF4-FFF2-40B4-BE49-F238E27FC236}">
+                <a16:creationId xmlns:a16="http://schemas.microsoft.com/office/drawing/2014/main" id="{076A3B2D-571D-45A4-A512-1BF1CF1EA9FA}"/>
+              </a:ext>
+            </a:extLst>
+          </p:cNvPr>
           <p:cNvPicPr>
             <a:picLocks noChangeAspect="1"/>
           </p:cNvPicPr>
           <p:nvPr/>
         </p:nvPicPr>
-        <p:blipFill>
+        <p:blipFill rotWithShape="1">
           <a:blip r:embed="rId3">
             <a:extLst>
               <a:ext uri="{28A0092B-C50C-407E-A947-70E740481C1C}">
@@ -5895,24 +7572,163 @@
               </a:ext>
             </a:extLst>
           </a:blip>
-          <a:stretch>
-            <a:fillRect/>
-          </a:stretch>
+          <a:srcRect l="2097" r="2861"/>
+          <a:stretch/>
         </p:blipFill>
         <p:spPr>
           <a:xfrm>
-            <a:off x="5943506" y="-1"/>
-            <a:ext cx="6248494" cy="4654403"/>
+            <a:off x="134600" y="946491"/>
+            <a:ext cx="6081642" cy="5223613"/>
           </a:xfrm>
           <a:prstGeom prst="rect">
             <a:avLst/>
           </a:prstGeom>
+          <a:solidFill>
+            <a:srgbClr val="FFFFFF">
+              <a:shade val="85000"/>
+            </a:srgbClr>
+          </a:solidFill>
+          <a:ln w="88900" cap="sq">
+            <a:solidFill>
+              <a:srgbClr val="FFFFFF"/>
+            </a:solidFill>
+            <a:miter lim="800000"/>
+          </a:ln>
+          <a:effectLst>
+            <a:outerShdw blurRad="55000" dist="18000" dir="5400000" algn="tl" rotWithShape="0">
+              <a:srgbClr val="000000">
+                <a:alpha val="40000"/>
+              </a:srgbClr>
+            </a:outerShdw>
+          </a:effectLst>
+          <a:scene3d>
+            <a:camera prst="orthographicFront"/>
+            <a:lightRig rig="twoPt" dir="t">
+              <a:rot lat="0" lon="0" rev="7200000"/>
+            </a:lightRig>
+          </a:scene3d>
+          <a:sp3d>
+            <a:bevelT w="25400" h="19050"/>
+            <a:contourClr>
+              <a:srgbClr val="FFFFFF"/>
+            </a:contourClr>
+          </a:sp3d>
         </p:spPr>
       </p:pic>
+      <p:sp>
+        <p:nvSpPr>
+          <p:cNvPr id="12" name="TextBox 11">
+            <a:extLst>
+              <a:ext uri="{FF2B5EF4-FFF2-40B4-BE49-F238E27FC236}">
+                <a16:creationId xmlns:a16="http://schemas.microsoft.com/office/drawing/2014/main" id="{D81C34EC-940A-4FBE-AB3A-010C216C9D9B}"/>
+              </a:ext>
+            </a:extLst>
+          </p:cNvPr>
+          <p:cNvSpPr txBox="1"/>
+          <p:nvPr/>
+        </p:nvSpPr>
+        <p:spPr>
+          <a:xfrm>
+            <a:off x="637383" y="318996"/>
+            <a:ext cx="3481431" cy="369332"/>
+          </a:xfrm>
+          <a:prstGeom prst="rect">
+            <a:avLst/>
+          </a:prstGeom>
+          <a:noFill/>
+        </p:spPr>
+        <p:txBody>
+          <a:bodyPr wrap="square" rtlCol="0">
+            <a:spAutoFit/>
+          </a:bodyPr>
+          <a:lstStyle/>
+          <a:p>
+            <a:r>
+              <a:rPr lang="ko-KR" altLang="en-US" b="1" dirty="0">
+                <a:latin typeface="+mj-lt"/>
+              </a:rPr>
+              <a:t>메인 및 커피 리스트 구조</a:t>
+            </a:r>
+            <a:r>
+              <a:rPr lang="en-US" altLang="ko-KR" b="1" dirty="0">
+                <a:latin typeface="+mj-lt"/>
+              </a:rPr>
+              <a:t>(</a:t>
+            </a:r>
+            <a:r>
+              <a:rPr lang="ko-KR" altLang="en-US" b="1" dirty="0">
+                <a:latin typeface="+mj-lt"/>
+              </a:rPr>
+              <a:t>앞면</a:t>
+            </a:r>
+            <a:r>
+              <a:rPr lang="en-US" altLang="ko-KR" b="1" dirty="0">
+                <a:latin typeface="+mj-lt"/>
+              </a:rPr>
+              <a:t>)</a:t>
+            </a:r>
+            <a:endParaRPr lang="ko-KR" altLang="en-US" b="1" dirty="0">
+              <a:latin typeface="+mj-lt"/>
+            </a:endParaRPr>
+          </a:p>
+        </p:txBody>
+      </p:sp>
+      <p:sp>
+        <p:nvSpPr>
+          <p:cNvPr id="13" name="직사각형 12">
+            <a:extLst>
+              <a:ext uri="{FF2B5EF4-FFF2-40B4-BE49-F238E27FC236}">
+                <a16:creationId xmlns:a16="http://schemas.microsoft.com/office/drawing/2014/main" id="{840597EA-77FC-4240-9129-422BB1270AAD}"/>
+              </a:ext>
+            </a:extLst>
+          </p:cNvPr>
+          <p:cNvSpPr/>
+          <p:nvPr/>
+        </p:nvSpPr>
+        <p:spPr>
+          <a:xfrm flipV="1">
+            <a:off x="-39825" y="-78370"/>
+            <a:ext cx="12757535" cy="265903"/>
+          </a:xfrm>
+          <a:prstGeom prst="rect">
+            <a:avLst/>
+          </a:prstGeom>
+          <a:solidFill>
+            <a:schemeClr val="tx1"/>
+          </a:solidFill>
+          <a:ln>
+            <a:noFill/>
+          </a:ln>
+        </p:spPr>
+        <p:style>
+          <a:lnRef idx="2">
+            <a:schemeClr val="accent1">
+              <a:shade val="50000"/>
+            </a:schemeClr>
+          </a:lnRef>
+          <a:fillRef idx="1">
+            <a:schemeClr val="accent1"/>
+          </a:fillRef>
+          <a:effectRef idx="0">
+            <a:schemeClr val="accent1"/>
+          </a:effectRef>
+          <a:fontRef idx="minor">
+            <a:schemeClr val="lt1"/>
+          </a:fontRef>
+        </p:style>
+        <p:txBody>
+          <a:bodyPr rtlCol="0" anchor="ctr"/>
+          <a:lstStyle/>
+          <a:p>
+            <a:pPr algn="ctr"/>
+            <a:endParaRPr lang="ko-KR" altLang="en-US"/>
+          </a:p>
+        </p:txBody>
+      </p:sp>
     </p:spTree>
     <p:extLst>
       <p:ext uri="{BB962C8B-B14F-4D97-AF65-F5344CB8AC3E}">
-        <p14:creationId xmlns:p14="http://schemas.microsoft.com/office/powerpoint/2010/main" val="2881111559"/>
+        <p14:creationId xmlns:p14="http://schemas.microsoft.com/office/powerpoint/2010/main" val="2756194655"/>
       </p:ext>
     </p:extLst>
   </p:cSld>
@@ -5922,7 +7738,132 @@
   <p:timing>
     <p:tnLst>
       <p:par>
-        <p:cTn id="1" dur="indefinite" restart="never" nodeType="tmRoot"/>
+        <p:cTn id="1" dur="indefinite" restart="never" nodeType="tmRoot">
+          <p:childTnLst>
+            <p:seq concurrent="1" nextAc="seek">
+              <p:cTn id="2" dur="indefinite" nodeType="mainSeq">
+                <p:childTnLst>
+                  <p:par>
+                    <p:cTn id="3" fill="hold">
+                      <p:stCondLst>
+                        <p:cond delay="indefinite"/>
+                        <p:cond evt="onBegin" delay="0">
+                          <p:tn val="2"/>
+                        </p:cond>
+                      </p:stCondLst>
+                      <p:childTnLst>
+                        <p:par>
+                          <p:cTn id="4" fill="hold">
+                            <p:stCondLst>
+                              <p:cond delay="0"/>
+                            </p:stCondLst>
+                            <p:childTnLst>
+                              <p:par>
+                                <p:cTn id="5" presetID="42" presetClass="entr" presetSubtype="0" fill="hold" nodeType="withEffect">
+                                  <p:stCondLst>
+                                    <p:cond delay="0"/>
+                                  </p:stCondLst>
+                                  <p:childTnLst>
+                                    <p:set>
+                                      <p:cBhvr>
+                                        <p:cTn id="6" dur="1" fill="hold">
+                                          <p:stCondLst>
+                                            <p:cond delay="0"/>
+                                          </p:stCondLst>
+                                        </p:cTn>
+                                        <p:tgtEl>
+                                          <p:spTgt spid="8"/>
+                                        </p:tgtEl>
+                                        <p:attrNameLst>
+                                          <p:attrName>style.visibility</p:attrName>
+                                        </p:attrNameLst>
+                                      </p:cBhvr>
+                                      <p:to>
+                                        <p:strVal val="visible"/>
+                                      </p:to>
+                                    </p:set>
+                                    <p:animEffect transition="in" filter="fade">
+                                      <p:cBhvr>
+                                        <p:cTn id="7" dur="1000"/>
+                                        <p:tgtEl>
+                                          <p:spTgt spid="8"/>
+                                        </p:tgtEl>
+                                      </p:cBhvr>
+                                    </p:animEffect>
+                                    <p:anim calcmode="lin" valueType="num">
+                                      <p:cBhvr>
+                                        <p:cTn id="8" dur="1000" fill="hold"/>
+                                        <p:tgtEl>
+                                          <p:spTgt spid="8"/>
+                                        </p:tgtEl>
+                                        <p:attrNameLst>
+                                          <p:attrName>ppt_x</p:attrName>
+                                        </p:attrNameLst>
+                                      </p:cBhvr>
+                                      <p:tavLst>
+                                        <p:tav tm="0">
+                                          <p:val>
+                                            <p:strVal val="#ppt_x"/>
+                                          </p:val>
+                                        </p:tav>
+                                        <p:tav tm="100000">
+                                          <p:val>
+                                            <p:strVal val="#ppt_x"/>
+                                          </p:val>
+                                        </p:tav>
+                                      </p:tavLst>
+                                    </p:anim>
+                                    <p:anim calcmode="lin" valueType="num">
+                                      <p:cBhvr>
+                                        <p:cTn id="9" dur="1000" fill="hold"/>
+                                        <p:tgtEl>
+                                          <p:spTgt spid="8"/>
+                                        </p:tgtEl>
+                                        <p:attrNameLst>
+                                          <p:attrName>ppt_y</p:attrName>
+                                        </p:attrNameLst>
+                                      </p:cBhvr>
+                                      <p:tavLst>
+                                        <p:tav tm="0">
+                                          <p:val>
+                                            <p:strVal val="#ppt_y+.1"/>
+                                          </p:val>
+                                        </p:tav>
+                                        <p:tav tm="100000">
+                                          <p:val>
+                                            <p:strVal val="#ppt_y"/>
+                                          </p:val>
+                                        </p:tav>
+                                      </p:tavLst>
+                                    </p:anim>
+                                  </p:childTnLst>
+                                </p:cTn>
+                              </p:par>
+                            </p:childTnLst>
+                          </p:cTn>
+                        </p:par>
+                      </p:childTnLst>
+                    </p:cTn>
+                  </p:par>
+                </p:childTnLst>
+              </p:cTn>
+              <p:prevCondLst>
+                <p:cond evt="onPrev" delay="0">
+                  <p:tgtEl>
+                    <p:sldTgt/>
+                  </p:tgtEl>
+                </p:cond>
+              </p:prevCondLst>
+              <p:nextCondLst>
+                <p:cond evt="onNext" delay="0">
+                  <p:tgtEl>
+                    <p:sldTgt/>
+                  </p:tgtEl>
+                </p:cond>
+              </p:nextCondLst>
+            </p:seq>
+          </p:childTnLst>
+        </p:cTn>
       </p:par>
     </p:tnLst>
   </p:timing>
@@ -5946,39 +7887,206 @@
           <a:chExt cx="0" cy="0"/>
         </a:xfrm>
       </p:grpSpPr>
+      <p:sp>
+        <p:nvSpPr>
+          <p:cNvPr id="29" name="직사각형 28"/>
+          <p:cNvSpPr/>
+          <p:nvPr/>
+        </p:nvSpPr>
+        <p:spPr>
+          <a:xfrm>
+            <a:off x="-4555" y="0"/>
+            <a:ext cx="12196555" cy="6858000"/>
+          </a:xfrm>
+          <a:prstGeom prst="rect">
+            <a:avLst/>
+          </a:prstGeom>
+          <a:solidFill>
+            <a:schemeClr val="bg1">
+              <a:lumMod val="95000"/>
+            </a:schemeClr>
+          </a:solidFill>
+          <a:ln>
+            <a:noFill/>
+          </a:ln>
+        </p:spPr>
+        <p:style>
+          <a:lnRef idx="2">
+            <a:schemeClr val="accent1">
+              <a:shade val="50000"/>
+            </a:schemeClr>
+          </a:lnRef>
+          <a:fillRef idx="1">
+            <a:schemeClr val="accent1"/>
+          </a:fillRef>
+          <a:effectRef idx="0">
+            <a:schemeClr val="accent1"/>
+          </a:effectRef>
+          <a:fontRef idx="minor">
+            <a:schemeClr val="lt1"/>
+          </a:fontRef>
+        </p:style>
+        <p:txBody>
+          <a:bodyPr rtlCol="0" anchor="ctr"/>
+          <a:lstStyle/>
+          <a:p>
+            <a:pPr algn="ctr"/>
+            <a:endParaRPr lang="ko-KR" altLang="en-US"/>
+          </a:p>
+        </p:txBody>
+      </p:sp>
       <p:pic>
         <p:nvPicPr>
-          <p:cNvPr id="7" name="그림 6"/>
+          <p:cNvPr id="4" name="그림 3"/>
           <p:cNvPicPr>
             <a:picLocks noChangeAspect="1"/>
           </p:cNvPicPr>
           <p:nvPr/>
         </p:nvPicPr>
-        <p:blipFill>
-          <a:blip r:embed="rId2">
+        <p:blipFill rotWithShape="1">
+          <a:blip r:embed="rId2" cstate="print">
+            <a:clrChange>
+              <a:clrFrom>
+                <a:srgbClr val="FFFFFF"/>
+              </a:clrFrom>
+              <a:clrTo>
+                <a:srgbClr val="FFFFFF">
+                  <a:alpha val="0"/>
+                </a:srgbClr>
+              </a:clrTo>
+            </a:clrChange>
             <a:extLst>
               <a:ext uri="{28A0092B-C50C-407E-A947-70E740481C1C}">
                 <a14:useLocalDpi xmlns:a14="http://schemas.microsoft.com/office/drawing/2010/main" val="0"/>
               </a:ext>
             </a:extLst>
           </a:blip>
-          <a:stretch>
-            <a:fillRect/>
-          </a:stretch>
+          <a:srcRect r="11412"/>
+          <a:stretch/>
         </p:blipFill>
         <p:spPr>
           <a:xfrm>
-            <a:off x="576554" y="2176802"/>
-            <a:ext cx="6981825" cy="1133475"/>
+            <a:off x="6375400" y="0"/>
+            <a:ext cx="5816600" cy="6858000"/>
           </a:xfrm>
           <a:prstGeom prst="rect">
             <a:avLst/>
           </a:prstGeom>
         </p:spPr>
       </p:pic>
+      <p:sp>
+        <p:nvSpPr>
+          <p:cNvPr id="2" name="직사각형 1">
+            <a:extLst>
+              <a:ext uri="{FF2B5EF4-FFF2-40B4-BE49-F238E27FC236}">
+                <a16:creationId xmlns:a16="http://schemas.microsoft.com/office/drawing/2014/main" id="{4B5446D2-C87E-4BC2-A17E-F3CF496E3C04}"/>
+              </a:ext>
+            </a:extLst>
+          </p:cNvPr>
+          <p:cNvSpPr/>
+          <p:nvPr/>
+        </p:nvSpPr>
+        <p:spPr>
+          <a:xfrm flipV="1">
+            <a:off x="-205891" y="687896"/>
+            <a:ext cx="5306397" cy="45719"/>
+          </a:xfrm>
+          <a:prstGeom prst="rect">
+            <a:avLst/>
+          </a:prstGeom>
+          <a:solidFill>
+            <a:schemeClr val="tx1"/>
+          </a:solidFill>
+          <a:ln>
+            <a:noFill/>
+          </a:ln>
+        </p:spPr>
+        <p:style>
+          <a:lnRef idx="2">
+            <a:schemeClr val="accent1">
+              <a:shade val="50000"/>
+            </a:schemeClr>
+          </a:lnRef>
+          <a:fillRef idx="1">
+            <a:schemeClr val="accent1"/>
+          </a:fillRef>
+          <a:effectRef idx="0">
+            <a:schemeClr val="accent1"/>
+          </a:effectRef>
+          <a:fontRef idx="minor">
+            <a:schemeClr val="lt1"/>
+          </a:fontRef>
+        </p:style>
+        <p:txBody>
+          <a:bodyPr rtlCol="0" anchor="ctr"/>
+          <a:lstStyle/>
+          <a:p>
+            <a:pPr algn="ctr"/>
+            <a:endParaRPr lang="ko-KR" altLang="en-US"/>
+          </a:p>
+        </p:txBody>
+      </p:sp>
+      <p:sp>
+        <p:nvSpPr>
+          <p:cNvPr id="3" name="이등변 삼각형 2">
+            <a:extLst>
+              <a:ext uri="{FF2B5EF4-FFF2-40B4-BE49-F238E27FC236}">
+                <a16:creationId xmlns:a16="http://schemas.microsoft.com/office/drawing/2014/main" id="{996FD705-ECFB-46C2-9F8B-119CA31B449E}"/>
+              </a:ext>
+            </a:extLst>
+          </p:cNvPr>
+          <p:cNvSpPr/>
+          <p:nvPr/>
+        </p:nvSpPr>
+        <p:spPr>
+          <a:xfrm>
+            <a:off x="-646493" y="0"/>
+            <a:ext cx="1283876" cy="733615"/>
+          </a:xfrm>
+          <a:prstGeom prst="triangle">
+            <a:avLst/>
+          </a:prstGeom>
+          <a:solidFill>
+            <a:schemeClr val="tx1"/>
+          </a:solidFill>
+          <a:ln>
+            <a:noFill/>
+          </a:ln>
+        </p:spPr>
+        <p:style>
+          <a:lnRef idx="2">
+            <a:schemeClr val="accent1">
+              <a:shade val="50000"/>
+            </a:schemeClr>
+          </a:lnRef>
+          <a:fillRef idx="1">
+            <a:schemeClr val="accent1"/>
+          </a:fillRef>
+          <a:effectRef idx="0">
+            <a:schemeClr val="accent1"/>
+          </a:effectRef>
+          <a:fontRef idx="minor">
+            <a:schemeClr val="lt1"/>
+          </a:fontRef>
+        </p:style>
+        <p:txBody>
+          <a:bodyPr rtlCol="0" anchor="ctr"/>
+          <a:lstStyle/>
+          <a:p>
+            <a:pPr algn="ctr"/>
+            <a:endParaRPr lang="ko-KR" altLang="en-US"/>
+          </a:p>
+        </p:txBody>
+      </p:sp>
       <p:pic>
         <p:nvPicPr>
-          <p:cNvPr id="8" name="그림 7"/>
+          <p:cNvPr id="12" name="그림 11">
+            <a:extLst>
+              <a:ext uri="{FF2B5EF4-FFF2-40B4-BE49-F238E27FC236}">
+                <a16:creationId xmlns:a16="http://schemas.microsoft.com/office/drawing/2014/main" id="{E022972C-71B9-4CA8-A896-D42E787F56EE}"/>
+              </a:ext>
+            </a:extLst>
+          </p:cNvPr>
           <p:cNvPicPr>
             <a:picLocks noChangeAspect="1"/>
           </p:cNvPicPr>
@@ -5998,47 +8106,140 @@
         </p:blipFill>
         <p:spPr>
           <a:xfrm>
-            <a:off x="576554" y="131454"/>
-            <a:ext cx="6981825" cy="1466850"/>
+            <a:off x="150064" y="1509145"/>
+            <a:ext cx="5945936" cy="3193306"/>
           </a:xfrm>
           <a:prstGeom prst="rect">
             <a:avLst/>
           </a:prstGeom>
+          <a:solidFill>
+            <a:srgbClr val="FFFFFF">
+              <a:shade val="85000"/>
+            </a:srgbClr>
+          </a:solidFill>
+          <a:ln w="88900" cap="sq">
+            <a:solidFill>
+              <a:srgbClr val="FFFFFF"/>
+            </a:solidFill>
+            <a:miter lim="800000"/>
+          </a:ln>
+          <a:effectLst>
+            <a:outerShdw blurRad="55000" dist="18000" dir="5400000" algn="tl" rotWithShape="0">
+              <a:srgbClr val="000000">
+                <a:alpha val="40000"/>
+              </a:srgbClr>
+            </a:outerShdw>
+          </a:effectLst>
+          <a:scene3d>
+            <a:camera prst="orthographicFront"/>
+            <a:lightRig rig="twoPt" dir="t">
+              <a:rot lat="0" lon="0" rev="7200000"/>
+            </a:lightRig>
+          </a:scene3d>
+          <a:sp3d>
+            <a:bevelT w="25400" h="19050"/>
+            <a:contourClr>
+              <a:srgbClr val="FFFFFF"/>
+            </a:contourClr>
+          </a:sp3d>
         </p:spPr>
       </p:pic>
-      <p:pic>
-        <p:nvPicPr>
-          <p:cNvPr id="9" name="그림 8"/>
-          <p:cNvPicPr>
-            <a:picLocks noChangeAspect="1"/>
-          </p:cNvPicPr>
-          <p:nvPr/>
-        </p:nvPicPr>
-        <p:blipFill rotWithShape="1">
-          <a:blip r:embed="rId4">
+      <p:sp>
+        <p:nvSpPr>
+          <p:cNvPr id="16" name="TextBox 15">
             <a:extLst>
-              <a:ext uri="{28A0092B-C50C-407E-A947-70E740481C1C}">
-                <a14:useLocalDpi xmlns:a14="http://schemas.microsoft.com/office/drawing/2010/main" val="0"/>
+              <a:ext uri="{FF2B5EF4-FFF2-40B4-BE49-F238E27FC236}">
+                <a16:creationId xmlns:a16="http://schemas.microsoft.com/office/drawing/2014/main" id="{DABC962D-CE36-41D3-9A8F-AAA7203DEC3A}"/>
               </a:ext>
             </a:extLst>
-          </a:blip>
-          <a:srcRect r="33633"/>
-          <a:stretch/>
-        </p:blipFill>
+          </p:cNvPr>
+          <p:cNvSpPr txBox="1"/>
+          <p:nvPr/>
+        </p:nvSpPr>
         <p:spPr>
           <a:xfrm>
-            <a:off x="7558379" y="24152"/>
-            <a:ext cx="4633621" cy="6572250"/>
+            <a:off x="637383" y="318996"/>
+            <a:ext cx="3481431" cy="369332"/>
           </a:xfrm>
           <a:prstGeom prst="rect">
             <a:avLst/>
           </a:prstGeom>
-        </p:spPr>
-      </p:pic>
+          <a:noFill/>
+        </p:spPr>
+        <p:txBody>
+          <a:bodyPr wrap="square" rtlCol="0">
+            <a:spAutoFit/>
+          </a:bodyPr>
+          <a:lstStyle/>
+          <a:p>
+            <a:r>
+              <a:rPr lang="ko-KR" altLang="en-US" b="1">
+                <a:latin typeface="+mj-lt"/>
+              </a:rPr>
+              <a:t>뒷면 구조</a:t>
+            </a:r>
+            <a:endParaRPr lang="ko-KR" altLang="en-US" b="1" dirty="0">
+              <a:latin typeface="+mj-lt"/>
+            </a:endParaRPr>
+          </a:p>
+        </p:txBody>
+      </p:sp>
+      <p:sp>
+        <p:nvSpPr>
+          <p:cNvPr id="17" name="직사각형 16">
+            <a:extLst>
+              <a:ext uri="{FF2B5EF4-FFF2-40B4-BE49-F238E27FC236}">
+                <a16:creationId xmlns:a16="http://schemas.microsoft.com/office/drawing/2014/main" id="{9CBDA4BD-E14E-4B54-B1C9-F04DA59B0468}"/>
+              </a:ext>
+            </a:extLst>
+          </p:cNvPr>
+          <p:cNvSpPr/>
+          <p:nvPr/>
+        </p:nvSpPr>
+        <p:spPr>
+          <a:xfrm flipV="1">
+            <a:off x="-39825" y="-78370"/>
+            <a:ext cx="12757535" cy="265903"/>
+          </a:xfrm>
+          <a:prstGeom prst="rect">
+            <a:avLst/>
+          </a:prstGeom>
+          <a:solidFill>
+            <a:schemeClr val="tx1"/>
+          </a:solidFill>
+          <a:ln>
+            <a:noFill/>
+          </a:ln>
+        </p:spPr>
+        <p:style>
+          <a:lnRef idx="2">
+            <a:schemeClr val="accent1">
+              <a:shade val="50000"/>
+            </a:schemeClr>
+          </a:lnRef>
+          <a:fillRef idx="1">
+            <a:schemeClr val="accent1"/>
+          </a:fillRef>
+          <a:effectRef idx="0">
+            <a:schemeClr val="accent1"/>
+          </a:effectRef>
+          <a:fontRef idx="minor">
+            <a:schemeClr val="lt1"/>
+          </a:fontRef>
+        </p:style>
+        <p:txBody>
+          <a:bodyPr rtlCol="0" anchor="ctr"/>
+          <a:lstStyle/>
+          <a:p>
+            <a:pPr algn="ctr"/>
+            <a:endParaRPr lang="ko-KR" altLang="en-US"/>
+          </a:p>
+        </p:txBody>
+      </p:sp>
     </p:spTree>
     <p:extLst>
       <p:ext uri="{BB962C8B-B14F-4D97-AF65-F5344CB8AC3E}">
-        <p14:creationId xmlns:p14="http://schemas.microsoft.com/office/powerpoint/2010/main" val="4258433602"/>
+        <p14:creationId xmlns:p14="http://schemas.microsoft.com/office/powerpoint/2010/main" val="1009107957"/>
       </p:ext>
     </p:extLst>
   </p:cSld>
@@ -6048,7 +8249,132 @@
   <p:timing>
     <p:tnLst>
       <p:par>
-        <p:cTn id="1" dur="indefinite" restart="never" nodeType="tmRoot"/>
+        <p:cTn id="1" dur="indefinite" restart="never" nodeType="tmRoot">
+          <p:childTnLst>
+            <p:seq concurrent="1" nextAc="seek">
+              <p:cTn id="2" dur="indefinite" nodeType="mainSeq">
+                <p:childTnLst>
+                  <p:par>
+                    <p:cTn id="3" fill="hold">
+                      <p:stCondLst>
+                        <p:cond delay="indefinite"/>
+                        <p:cond evt="onBegin" delay="0">
+                          <p:tn val="2"/>
+                        </p:cond>
+                      </p:stCondLst>
+                      <p:childTnLst>
+                        <p:par>
+                          <p:cTn id="4" fill="hold">
+                            <p:stCondLst>
+                              <p:cond delay="0"/>
+                            </p:stCondLst>
+                            <p:childTnLst>
+                              <p:par>
+                                <p:cTn id="5" presetID="42" presetClass="entr" presetSubtype="0" fill="hold" nodeType="withEffect">
+                                  <p:stCondLst>
+                                    <p:cond delay="0"/>
+                                  </p:stCondLst>
+                                  <p:childTnLst>
+                                    <p:set>
+                                      <p:cBhvr>
+                                        <p:cTn id="6" dur="1" fill="hold">
+                                          <p:stCondLst>
+                                            <p:cond delay="0"/>
+                                          </p:stCondLst>
+                                        </p:cTn>
+                                        <p:tgtEl>
+                                          <p:spTgt spid="12"/>
+                                        </p:tgtEl>
+                                        <p:attrNameLst>
+                                          <p:attrName>style.visibility</p:attrName>
+                                        </p:attrNameLst>
+                                      </p:cBhvr>
+                                      <p:to>
+                                        <p:strVal val="visible"/>
+                                      </p:to>
+                                    </p:set>
+                                    <p:animEffect transition="in" filter="fade">
+                                      <p:cBhvr>
+                                        <p:cTn id="7" dur="1000"/>
+                                        <p:tgtEl>
+                                          <p:spTgt spid="12"/>
+                                        </p:tgtEl>
+                                      </p:cBhvr>
+                                    </p:animEffect>
+                                    <p:anim calcmode="lin" valueType="num">
+                                      <p:cBhvr>
+                                        <p:cTn id="8" dur="1000" fill="hold"/>
+                                        <p:tgtEl>
+                                          <p:spTgt spid="12"/>
+                                        </p:tgtEl>
+                                        <p:attrNameLst>
+                                          <p:attrName>ppt_x</p:attrName>
+                                        </p:attrNameLst>
+                                      </p:cBhvr>
+                                      <p:tavLst>
+                                        <p:tav tm="0">
+                                          <p:val>
+                                            <p:strVal val="#ppt_x"/>
+                                          </p:val>
+                                        </p:tav>
+                                        <p:tav tm="100000">
+                                          <p:val>
+                                            <p:strVal val="#ppt_x"/>
+                                          </p:val>
+                                        </p:tav>
+                                      </p:tavLst>
+                                    </p:anim>
+                                    <p:anim calcmode="lin" valueType="num">
+                                      <p:cBhvr>
+                                        <p:cTn id="9" dur="1000" fill="hold"/>
+                                        <p:tgtEl>
+                                          <p:spTgt spid="12"/>
+                                        </p:tgtEl>
+                                        <p:attrNameLst>
+                                          <p:attrName>ppt_y</p:attrName>
+                                        </p:attrNameLst>
+                                      </p:cBhvr>
+                                      <p:tavLst>
+                                        <p:tav tm="0">
+                                          <p:val>
+                                            <p:strVal val="#ppt_y+.1"/>
+                                          </p:val>
+                                        </p:tav>
+                                        <p:tav tm="100000">
+                                          <p:val>
+                                            <p:strVal val="#ppt_y"/>
+                                          </p:val>
+                                        </p:tav>
+                                      </p:tavLst>
+                                    </p:anim>
+                                  </p:childTnLst>
+                                </p:cTn>
+                              </p:par>
+                            </p:childTnLst>
+                          </p:cTn>
+                        </p:par>
+                      </p:childTnLst>
+                    </p:cTn>
+                  </p:par>
+                </p:childTnLst>
+              </p:cTn>
+              <p:prevCondLst>
+                <p:cond evt="onPrev" delay="0">
+                  <p:tgtEl>
+                    <p:sldTgt/>
+                  </p:tgtEl>
+                </p:cond>
+              </p:prevCondLst>
+              <p:nextCondLst>
+                <p:cond evt="onNext" delay="0">
+                  <p:tgtEl>
+                    <p:sldTgt/>
+                  </p:tgtEl>
+                </p:cond>
+              </p:nextCondLst>
+            </p:seq>
+          </p:childTnLst>
+        </p:cTn>
       </p:par>
     </p:tnLst>
   </p:timing>
@@ -6230,7 +8556,6 @@
               <a:srgbClr val="969696"/>
             </a:contourClr>
           </a:sp3d>
-          <a:extLst/>
         </p:spPr>
       </p:pic>
       <p:pic>
@@ -6292,56 +8617,8 @@
               <a:srgbClr val="FFFFFF"/>
             </a:contourClr>
           </a:sp3d>
-          <a:extLst/>
         </p:spPr>
       </p:pic>
-      <p:sp>
-        <p:nvSpPr>
-          <p:cNvPr id="9" name="TextBox 8"/>
-          <p:cNvSpPr txBox="1"/>
-          <p:nvPr/>
-        </p:nvSpPr>
-        <p:spPr>
-          <a:xfrm>
-            <a:off x="4168560" y="1727183"/>
-            <a:ext cx="4724814" cy="830997"/>
-          </a:xfrm>
-          <a:prstGeom prst="rect">
-            <a:avLst/>
-          </a:prstGeom>
-          <a:noFill/>
-        </p:spPr>
-        <p:txBody>
-          <a:bodyPr wrap="square" rtlCol="0">
-            <a:spAutoFit/>
-          </a:bodyPr>
-          <a:lstStyle/>
-          <a:p>
-            <a:pPr algn="ctr"/>
-            <a:r>
-              <a:rPr lang="en-US" altLang="ko-KR" sz="4800" dirty="0" smtClean="0">
-                <a:solidFill>
-                  <a:schemeClr val="bg1"/>
-                </a:solidFill>
-                <a:effectLst>
-                  <a:reflection blurRad="6350" stA="55000" endA="300" endPos="45500" dir="5400000" sy="-100000" algn="bl" rotWithShape="0"/>
-                </a:effectLst>
-                <a:latin typeface="Segoe UI Black" panose="020B0A02040204020203" pitchFamily="34" charset="0"/>
-              </a:rPr>
-              <a:t>HTML+CSS+JS</a:t>
-            </a:r>
-            <a:endParaRPr lang="ko-KR" altLang="en-US" sz="4800" dirty="0">
-              <a:solidFill>
-                <a:schemeClr val="bg1"/>
-              </a:solidFill>
-              <a:effectLst>
-                <a:reflection blurRad="6350" stA="55000" endA="300" endPos="45500" dir="5400000" sy="-100000" algn="bl" rotWithShape="0"/>
-              </a:effectLst>
-              <a:latin typeface="Segoe UI Black" panose="020B0A02040204020203" pitchFamily="34" charset="0"/>
-            </a:endParaRPr>
-          </a:p>
-        </p:txBody>
-      </p:sp>
       <p:sp>
         <p:nvSpPr>
           <p:cNvPr id="10" name="TextBox 9"/>
@@ -6367,7 +8644,7 @@
           <a:p>
             <a:pPr algn="ctr"/>
             <a:r>
-              <a:rPr lang="ko-KR" altLang="en-US" sz="4800" dirty="0" smtClean="0">
+              <a:rPr lang="ko-KR" altLang="en-US" sz="4800" dirty="0">
                 <a:solidFill>
                   <a:schemeClr val="bg1"/>
                 </a:solidFill>
@@ -6386,22 +8663,58 @@
               </a:rPr>
               <a:t>류동우</a:t>
             </a:r>
-            <a:endParaRPr lang="ko-KR" altLang="en-US" sz="4800" dirty="0">
+          </a:p>
+        </p:txBody>
+      </p:sp>
+      <p:sp>
+        <p:nvSpPr>
+          <p:cNvPr id="11" name="TextBox 10">
+            <a:extLst>
+              <a:ext uri="{FF2B5EF4-FFF2-40B4-BE49-F238E27FC236}">
+                <a16:creationId xmlns:a16="http://schemas.microsoft.com/office/drawing/2014/main" id="{BC0D9E20-8CDF-46A8-A7C4-1FD7742967F4}"/>
+              </a:ext>
+            </a:extLst>
+          </p:cNvPr>
+          <p:cNvSpPr txBox="1"/>
+          <p:nvPr/>
+        </p:nvSpPr>
+        <p:spPr>
+          <a:xfrm>
+            <a:off x="4168560" y="1727183"/>
+            <a:ext cx="5650558" cy="1015663"/>
+          </a:xfrm>
+          <a:prstGeom prst="rect">
+            <a:avLst/>
+          </a:prstGeom>
+          <a:noFill/>
+        </p:spPr>
+        <p:txBody>
+          <a:bodyPr wrap="square" rtlCol="0">
+            <a:spAutoFit/>
+          </a:bodyPr>
+          <a:lstStyle/>
+          <a:p>
+            <a:pPr algn="ctr"/>
+            <a:r>
+              <a:rPr lang="en-US" altLang="ko-KR" sz="6000" dirty="0">
+                <a:solidFill>
+                  <a:schemeClr val="bg1"/>
+                </a:solidFill>
+                <a:effectLst>
+                  <a:reflection blurRad="6350" stA="55000" endA="300" endPos="45500" dir="5400000" sy="-100000" algn="bl" rotWithShape="0"/>
+                </a:effectLst>
+                <a:latin typeface="Segoe UI Black" panose="020B0A02040204020203" pitchFamily="34" charset="0"/>
+              </a:rPr>
+              <a:t>FASTCAMPS</a:t>
+            </a:r>
+            <a:endParaRPr lang="ko-KR" altLang="en-US" sz="6000" dirty="0">
               <a:solidFill>
                 <a:schemeClr val="bg1"/>
               </a:solidFill>
               <a:effectLst>
-                <a:glow rad="63500">
-                  <a:schemeClr val="accent5">
-                    <a:lumMod val="20000"/>
-                    <a:lumOff val="80000"/>
-                    <a:alpha val="40000"/>
-                  </a:schemeClr>
-                </a:glow>
                 <a:reflection blurRad="6350" stA="55000" endA="300" endPos="45500" dir="5400000" sy="-100000" algn="bl" rotWithShape="0"/>
               </a:effectLst>
-              <a:latin typeface="HY견고딕" panose="02030600000101010101" pitchFamily="18" charset="-127"/>
-              <a:ea typeface="HY견고딕" panose="02030600000101010101" pitchFamily="18" charset="-127"/>
+              <a:latin typeface="Segoe UI Black" panose="020B0A02040204020203" pitchFamily="34" charset="0"/>
             </a:endParaRPr>
           </a:p>
         </p:txBody>
@@ -6416,13 +8729,6 @@
   <p:clrMapOvr>
     <a:masterClrMapping/>
   </p:clrMapOvr>
-  <p:timing>
-    <p:tnLst>
-      <p:par>
-        <p:cTn id="1" dur="indefinite" restart="never" nodeType="tmRoot"/>
-      </p:par>
-    </p:tnLst>
-  </p:timing>
 </p:sld>
 </file>
 
@@ -6445,38 +8751,316 @@
       </p:grpSpPr>
       <p:sp>
         <p:nvSpPr>
-          <p:cNvPr id="2" name="제목 1"/>
-          <p:cNvSpPr>
-            <a:spLocks noGrp="1"/>
-          </p:cNvSpPr>
-          <p:nvPr>
-            <p:ph type="title"/>
-          </p:nvPr>
-        </p:nvSpPr>
-        <p:spPr/>
-        <p:txBody>
-          <a:bodyPr/>
+          <p:cNvPr id="9" name="직사각형 8">
+            <a:extLst>
+              <a:ext uri="{FF2B5EF4-FFF2-40B4-BE49-F238E27FC236}">
+                <a16:creationId xmlns:a16="http://schemas.microsoft.com/office/drawing/2014/main" id="{39A510E2-D9D5-4D5A-A304-57829E4DA548}"/>
+              </a:ext>
+            </a:extLst>
+          </p:cNvPr>
+          <p:cNvSpPr/>
+          <p:nvPr/>
+        </p:nvSpPr>
+        <p:spPr>
+          <a:xfrm>
+            <a:off x="-4555" y="0"/>
+            <a:ext cx="12196555" cy="6858000"/>
+          </a:xfrm>
+          <a:prstGeom prst="rect">
+            <a:avLst/>
+          </a:prstGeom>
+          <a:solidFill>
+            <a:schemeClr val="bg1">
+              <a:lumMod val="95000"/>
+            </a:schemeClr>
+          </a:solidFill>
+          <a:ln>
+            <a:noFill/>
+          </a:ln>
+        </p:spPr>
+        <p:style>
+          <a:lnRef idx="2">
+            <a:schemeClr val="accent1">
+              <a:shade val="50000"/>
+            </a:schemeClr>
+          </a:lnRef>
+          <a:fillRef idx="1">
+            <a:schemeClr val="accent1"/>
+          </a:fillRef>
+          <a:effectRef idx="0">
+            <a:schemeClr val="accent1"/>
+          </a:effectRef>
+          <a:fontRef idx="minor">
+            <a:schemeClr val="lt1"/>
+          </a:fontRef>
+        </p:style>
+        <p:txBody>
+          <a:bodyPr rtlCol="0" anchor="ctr"/>
           <a:lstStyle/>
           <a:p>
+            <a:pPr algn="ctr"/>
             <a:endParaRPr lang="ko-KR" altLang="en-US"/>
           </a:p>
         </p:txBody>
       </p:sp>
       <p:sp>
         <p:nvSpPr>
-          <p:cNvPr id="3" name="내용 개체 틀 2"/>
-          <p:cNvSpPr>
-            <a:spLocks noGrp="1"/>
-          </p:cNvSpPr>
-          <p:nvPr>
-            <p:ph idx="1"/>
-          </p:nvPr>
-        </p:nvSpPr>
-        <p:spPr/>
-        <p:txBody>
-          <a:bodyPr/>
+          <p:cNvPr id="4" name="직사각형 3">
+            <a:extLst>
+              <a:ext uri="{FF2B5EF4-FFF2-40B4-BE49-F238E27FC236}">
+                <a16:creationId xmlns:a16="http://schemas.microsoft.com/office/drawing/2014/main" id="{905A6768-C509-40A1-8F38-868F5189A211}"/>
+              </a:ext>
+            </a:extLst>
+          </p:cNvPr>
+          <p:cNvSpPr/>
+          <p:nvPr/>
+        </p:nvSpPr>
+        <p:spPr>
+          <a:xfrm flipV="1">
+            <a:off x="-205891" y="687896"/>
+            <a:ext cx="5306397" cy="45719"/>
+          </a:xfrm>
+          <a:prstGeom prst="rect">
+            <a:avLst/>
+          </a:prstGeom>
+          <a:solidFill>
+            <a:schemeClr val="tx1"/>
+          </a:solidFill>
+          <a:ln>
+            <a:noFill/>
+          </a:ln>
+        </p:spPr>
+        <p:style>
+          <a:lnRef idx="2">
+            <a:schemeClr val="accent1">
+              <a:shade val="50000"/>
+            </a:schemeClr>
+          </a:lnRef>
+          <a:fillRef idx="1">
+            <a:schemeClr val="accent1"/>
+          </a:fillRef>
+          <a:effectRef idx="0">
+            <a:schemeClr val="accent1"/>
+          </a:effectRef>
+          <a:fontRef idx="minor">
+            <a:schemeClr val="lt1"/>
+          </a:fontRef>
+        </p:style>
+        <p:txBody>
+          <a:bodyPr rtlCol="0" anchor="ctr"/>
           <a:lstStyle/>
           <a:p>
+            <a:pPr algn="ctr"/>
+            <a:endParaRPr lang="ko-KR" altLang="en-US"/>
+          </a:p>
+        </p:txBody>
+      </p:sp>
+      <p:sp>
+        <p:nvSpPr>
+          <p:cNvPr id="5" name="이등변 삼각형 4">
+            <a:extLst>
+              <a:ext uri="{FF2B5EF4-FFF2-40B4-BE49-F238E27FC236}">
+                <a16:creationId xmlns:a16="http://schemas.microsoft.com/office/drawing/2014/main" id="{3D646951-F794-4A1A-A846-4AE70C9462AB}"/>
+              </a:ext>
+            </a:extLst>
+          </p:cNvPr>
+          <p:cNvSpPr/>
+          <p:nvPr/>
+        </p:nvSpPr>
+        <p:spPr>
+          <a:xfrm>
+            <a:off x="-646493" y="0"/>
+            <a:ext cx="1283876" cy="733615"/>
+          </a:xfrm>
+          <a:prstGeom prst="triangle">
+            <a:avLst/>
+          </a:prstGeom>
+          <a:solidFill>
+            <a:schemeClr val="tx1"/>
+          </a:solidFill>
+          <a:ln>
+            <a:noFill/>
+          </a:ln>
+        </p:spPr>
+        <p:style>
+          <a:lnRef idx="2">
+            <a:schemeClr val="accent1">
+              <a:shade val="50000"/>
+            </a:schemeClr>
+          </a:lnRef>
+          <a:fillRef idx="1">
+            <a:schemeClr val="accent1"/>
+          </a:fillRef>
+          <a:effectRef idx="0">
+            <a:schemeClr val="accent1"/>
+          </a:effectRef>
+          <a:fontRef idx="minor">
+            <a:schemeClr val="lt1"/>
+          </a:fontRef>
+        </p:style>
+        <p:txBody>
+          <a:bodyPr rtlCol="0" anchor="ctr"/>
+          <a:lstStyle/>
+          <a:p>
+            <a:pPr algn="ctr"/>
+            <a:endParaRPr lang="ko-KR" altLang="en-US"/>
+          </a:p>
+        </p:txBody>
+      </p:sp>
+      <p:pic>
+        <p:nvPicPr>
+          <p:cNvPr id="8" name="그림 7">
+            <a:extLst>
+              <a:ext uri="{FF2B5EF4-FFF2-40B4-BE49-F238E27FC236}">
+                <a16:creationId xmlns:a16="http://schemas.microsoft.com/office/drawing/2014/main" id="{DDAA8DC2-E931-4ED9-B7AA-3FF1930966FB}"/>
+              </a:ext>
+            </a:extLst>
+          </p:cNvPr>
+          <p:cNvPicPr>
+            <a:picLocks noChangeAspect="1"/>
+          </p:cNvPicPr>
+          <p:nvPr/>
+        </p:nvPicPr>
+        <p:blipFill>
+          <a:blip r:embed="rId2">
+            <a:extLst>
+              <a:ext uri="{28A0092B-C50C-407E-A947-70E740481C1C}">
+                <a14:useLocalDpi xmlns:a14="http://schemas.microsoft.com/office/drawing/2010/main" val="0"/>
+              </a:ext>
+            </a:extLst>
+          </a:blip>
+          <a:stretch>
+            <a:fillRect/>
+          </a:stretch>
+        </p:blipFill>
+        <p:spPr>
+          <a:xfrm>
+            <a:off x="494950" y="907928"/>
+            <a:ext cx="6613501" cy="5803685"/>
+          </a:xfrm>
+          <a:prstGeom prst="rect">
+            <a:avLst/>
+          </a:prstGeom>
+          <a:solidFill>
+            <a:srgbClr val="FFFFFF">
+              <a:shade val="85000"/>
+            </a:srgbClr>
+          </a:solidFill>
+          <a:ln w="88900" cap="sq">
+            <a:solidFill>
+              <a:srgbClr val="FFFFFF"/>
+            </a:solidFill>
+            <a:miter lim="800000"/>
+          </a:ln>
+          <a:effectLst>
+            <a:outerShdw blurRad="55000" dist="18000" dir="5400000" algn="tl" rotWithShape="0">
+              <a:srgbClr val="000000">
+                <a:alpha val="40000"/>
+              </a:srgbClr>
+            </a:outerShdw>
+          </a:effectLst>
+          <a:scene3d>
+            <a:camera prst="orthographicFront"/>
+            <a:lightRig rig="twoPt" dir="t">
+              <a:rot lat="0" lon="0" rev="7200000"/>
+            </a:lightRig>
+          </a:scene3d>
+          <a:sp3d>
+            <a:bevelT w="25400" h="19050"/>
+            <a:contourClr>
+              <a:srgbClr val="FFFFFF"/>
+            </a:contourClr>
+          </a:sp3d>
+        </p:spPr>
+      </p:pic>
+      <p:sp>
+        <p:nvSpPr>
+          <p:cNvPr id="12" name="TextBox 11">
+            <a:extLst>
+              <a:ext uri="{FF2B5EF4-FFF2-40B4-BE49-F238E27FC236}">
+                <a16:creationId xmlns:a16="http://schemas.microsoft.com/office/drawing/2014/main" id="{31E605E2-AEEC-499B-AFC5-D65ACDFD62AA}"/>
+              </a:ext>
+            </a:extLst>
+          </p:cNvPr>
+          <p:cNvSpPr txBox="1"/>
+          <p:nvPr/>
+        </p:nvSpPr>
+        <p:spPr>
+          <a:xfrm>
+            <a:off x="637383" y="318996"/>
+            <a:ext cx="4312122" cy="369332"/>
+          </a:xfrm>
+          <a:prstGeom prst="rect">
+            <a:avLst/>
+          </a:prstGeom>
+          <a:noFill/>
+        </p:spPr>
+        <p:txBody>
+          <a:bodyPr wrap="square" rtlCol="0">
+            <a:spAutoFit/>
+          </a:bodyPr>
+          <a:lstStyle/>
+          <a:p>
+            <a:r>
+              <a:rPr lang="ko-KR" altLang="en-US" b="1">
+                <a:latin typeface="+mj-lt"/>
+              </a:rPr>
+              <a:t>웹접근성 및 웹 콘텐츠 접근성 지침</a:t>
+            </a:r>
+            <a:endParaRPr lang="ko-KR" altLang="en-US" b="1" dirty="0">
+              <a:latin typeface="+mj-lt"/>
+            </a:endParaRPr>
+          </a:p>
+        </p:txBody>
+      </p:sp>
+      <p:sp>
+        <p:nvSpPr>
+          <p:cNvPr id="13" name="직사각형 12">
+            <a:extLst>
+              <a:ext uri="{FF2B5EF4-FFF2-40B4-BE49-F238E27FC236}">
+                <a16:creationId xmlns:a16="http://schemas.microsoft.com/office/drawing/2014/main" id="{A395A518-53D0-42C5-A0D6-7783705D54B1}"/>
+              </a:ext>
+            </a:extLst>
+          </p:cNvPr>
+          <p:cNvSpPr/>
+          <p:nvPr/>
+        </p:nvSpPr>
+        <p:spPr>
+          <a:xfrm flipV="1">
+            <a:off x="-39825" y="-78370"/>
+            <a:ext cx="12757535" cy="265903"/>
+          </a:xfrm>
+          <a:prstGeom prst="rect">
+            <a:avLst/>
+          </a:prstGeom>
+          <a:solidFill>
+            <a:schemeClr val="tx1"/>
+          </a:solidFill>
+          <a:ln>
+            <a:noFill/>
+          </a:ln>
+        </p:spPr>
+        <p:style>
+          <a:lnRef idx="2">
+            <a:schemeClr val="accent1">
+              <a:shade val="50000"/>
+            </a:schemeClr>
+          </a:lnRef>
+          <a:fillRef idx="1">
+            <a:schemeClr val="accent1"/>
+          </a:fillRef>
+          <a:effectRef idx="0">
+            <a:schemeClr val="accent1"/>
+          </a:effectRef>
+          <a:fontRef idx="minor">
+            <a:schemeClr val="lt1"/>
+          </a:fontRef>
+        </p:style>
+        <p:txBody>
+          <a:bodyPr rtlCol="0" anchor="ctr"/>
+          <a:lstStyle/>
+          <a:p>
+            <a:pPr algn="ctr"/>
             <a:endParaRPr lang="ko-KR" altLang="en-US"/>
           </a:p>
         </p:txBody>
@@ -6494,7 +9078,132 @@
   <p:timing>
     <p:tnLst>
       <p:par>
-        <p:cTn id="1" dur="indefinite" restart="never" nodeType="tmRoot"/>
+        <p:cTn id="1" dur="indefinite" restart="never" nodeType="tmRoot">
+          <p:childTnLst>
+            <p:seq concurrent="1" nextAc="seek">
+              <p:cTn id="2" dur="indefinite" nodeType="mainSeq">
+                <p:childTnLst>
+                  <p:par>
+                    <p:cTn id="3" fill="hold">
+                      <p:stCondLst>
+                        <p:cond delay="indefinite"/>
+                        <p:cond evt="onBegin" delay="0">
+                          <p:tn val="2"/>
+                        </p:cond>
+                      </p:stCondLst>
+                      <p:childTnLst>
+                        <p:par>
+                          <p:cTn id="4" fill="hold">
+                            <p:stCondLst>
+                              <p:cond delay="0"/>
+                            </p:stCondLst>
+                            <p:childTnLst>
+                              <p:par>
+                                <p:cTn id="5" presetID="42" presetClass="entr" presetSubtype="0" fill="hold" nodeType="withEffect">
+                                  <p:stCondLst>
+                                    <p:cond delay="0"/>
+                                  </p:stCondLst>
+                                  <p:childTnLst>
+                                    <p:set>
+                                      <p:cBhvr>
+                                        <p:cTn id="6" dur="1" fill="hold">
+                                          <p:stCondLst>
+                                            <p:cond delay="0"/>
+                                          </p:stCondLst>
+                                        </p:cTn>
+                                        <p:tgtEl>
+                                          <p:spTgt spid="8"/>
+                                        </p:tgtEl>
+                                        <p:attrNameLst>
+                                          <p:attrName>style.visibility</p:attrName>
+                                        </p:attrNameLst>
+                                      </p:cBhvr>
+                                      <p:to>
+                                        <p:strVal val="visible"/>
+                                      </p:to>
+                                    </p:set>
+                                    <p:animEffect transition="in" filter="fade">
+                                      <p:cBhvr>
+                                        <p:cTn id="7" dur="1000"/>
+                                        <p:tgtEl>
+                                          <p:spTgt spid="8"/>
+                                        </p:tgtEl>
+                                      </p:cBhvr>
+                                    </p:animEffect>
+                                    <p:anim calcmode="lin" valueType="num">
+                                      <p:cBhvr>
+                                        <p:cTn id="8" dur="1000" fill="hold"/>
+                                        <p:tgtEl>
+                                          <p:spTgt spid="8"/>
+                                        </p:tgtEl>
+                                        <p:attrNameLst>
+                                          <p:attrName>ppt_x</p:attrName>
+                                        </p:attrNameLst>
+                                      </p:cBhvr>
+                                      <p:tavLst>
+                                        <p:tav tm="0">
+                                          <p:val>
+                                            <p:strVal val="#ppt_x"/>
+                                          </p:val>
+                                        </p:tav>
+                                        <p:tav tm="100000">
+                                          <p:val>
+                                            <p:strVal val="#ppt_x"/>
+                                          </p:val>
+                                        </p:tav>
+                                      </p:tavLst>
+                                    </p:anim>
+                                    <p:anim calcmode="lin" valueType="num">
+                                      <p:cBhvr>
+                                        <p:cTn id="9" dur="1000" fill="hold"/>
+                                        <p:tgtEl>
+                                          <p:spTgt spid="8"/>
+                                        </p:tgtEl>
+                                        <p:attrNameLst>
+                                          <p:attrName>ppt_y</p:attrName>
+                                        </p:attrNameLst>
+                                      </p:cBhvr>
+                                      <p:tavLst>
+                                        <p:tav tm="0">
+                                          <p:val>
+                                            <p:strVal val="#ppt_y+.1"/>
+                                          </p:val>
+                                        </p:tav>
+                                        <p:tav tm="100000">
+                                          <p:val>
+                                            <p:strVal val="#ppt_y"/>
+                                          </p:val>
+                                        </p:tav>
+                                      </p:tavLst>
+                                    </p:anim>
+                                  </p:childTnLst>
+                                </p:cTn>
+                              </p:par>
+                            </p:childTnLst>
+                          </p:cTn>
+                        </p:par>
+                      </p:childTnLst>
+                    </p:cTn>
+                  </p:par>
+                </p:childTnLst>
+              </p:cTn>
+              <p:prevCondLst>
+                <p:cond evt="onPrev" delay="0">
+                  <p:tgtEl>
+                    <p:sldTgt/>
+                  </p:tgtEl>
+                </p:cond>
+              </p:prevCondLst>
+              <p:nextCondLst>
+                <p:cond evt="onNext" delay="0">
+                  <p:tgtEl>
+                    <p:sldTgt/>
+                  </p:tgtEl>
+                </p:cond>
+              </p:nextCondLst>
+            </p:seq>
+          </p:childTnLst>
+        </p:cTn>
       </p:par>
     </p:tnLst>
   </p:timing>
@@ -6520,40 +9229,27 @@
       </p:grpSpPr>
       <p:sp>
         <p:nvSpPr>
-          <p:cNvPr id="2" name="제목 1"/>
-          <p:cNvSpPr>
-            <a:spLocks noGrp="1"/>
-          </p:cNvSpPr>
-          <p:nvPr>
-            <p:ph type="title"/>
-          </p:nvPr>
-        </p:nvSpPr>
-        <p:spPr/>
-        <p:txBody>
-          <a:bodyPr/>
-          <a:lstStyle/>
-          <a:p>
-            <a:endParaRPr lang="ko-KR" altLang="en-US"/>
-          </a:p>
-        </p:txBody>
-      </p:sp>
-      <p:sp>
-        <p:nvSpPr>
-          <p:cNvPr id="4" name="직사각형 3"/>
+          <p:cNvPr id="9" name="직사각형 8">
+            <a:extLst>
+              <a:ext uri="{FF2B5EF4-FFF2-40B4-BE49-F238E27FC236}">
+                <a16:creationId xmlns:a16="http://schemas.microsoft.com/office/drawing/2014/main" id="{39A510E2-D9D5-4D5A-A304-57829E4DA548}"/>
+              </a:ext>
+            </a:extLst>
+          </p:cNvPr>
           <p:cNvSpPr/>
           <p:nvPr/>
         </p:nvSpPr>
         <p:spPr>
           <a:xfrm>
-            <a:off x="0" y="-25492"/>
-            <a:ext cx="12192000" cy="6883492"/>
+            <a:off x="-4555" y="0"/>
+            <a:ext cx="12196555" cy="6858000"/>
           </a:xfrm>
           <a:prstGeom prst="rect">
             <a:avLst/>
           </a:prstGeom>
           <a:solidFill>
-            <a:schemeClr val="accent5">
-              <a:lumMod val="75000"/>
+            <a:schemeClr val="bg1">
+              <a:lumMod val="95000"/>
             </a:schemeClr>
           </a:solidFill>
           <a:ln>
@@ -6581,13 +9277,160 @@
           <a:lstStyle/>
           <a:p>
             <a:pPr algn="ctr"/>
-            <a:endParaRPr lang="ko-KR" altLang="en-US" dirty="0"/>
+            <a:endParaRPr lang="ko-KR" altLang="en-US"/>
+          </a:p>
+        </p:txBody>
+      </p:sp>
+      <p:sp>
+        <p:nvSpPr>
+          <p:cNvPr id="4" name="직사각형 3">
+            <a:extLst>
+              <a:ext uri="{FF2B5EF4-FFF2-40B4-BE49-F238E27FC236}">
+                <a16:creationId xmlns:a16="http://schemas.microsoft.com/office/drawing/2014/main" id="{905A6768-C509-40A1-8F38-868F5189A211}"/>
+              </a:ext>
+            </a:extLst>
+          </p:cNvPr>
+          <p:cNvSpPr/>
+          <p:nvPr/>
+        </p:nvSpPr>
+        <p:spPr>
+          <a:xfrm flipV="1">
+            <a:off x="-205891" y="687896"/>
+            <a:ext cx="5306397" cy="45719"/>
+          </a:xfrm>
+          <a:prstGeom prst="rect">
+            <a:avLst/>
+          </a:prstGeom>
+          <a:solidFill>
+            <a:schemeClr val="tx1"/>
+          </a:solidFill>
+          <a:ln>
+            <a:noFill/>
+          </a:ln>
+        </p:spPr>
+        <p:style>
+          <a:lnRef idx="2">
+            <a:schemeClr val="accent1">
+              <a:shade val="50000"/>
+            </a:schemeClr>
+          </a:lnRef>
+          <a:fillRef idx="1">
+            <a:schemeClr val="accent1"/>
+          </a:fillRef>
+          <a:effectRef idx="0">
+            <a:schemeClr val="accent1"/>
+          </a:effectRef>
+          <a:fontRef idx="minor">
+            <a:schemeClr val="lt1"/>
+          </a:fontRef>
+        </p:style>
+        <p:txBody>
+          <a:bodyPr rtlCol="0" anchor="ctr"/>
+          <a:lstStyle/>
+          <a:p>
+            <a:pPr algn="ctr"/>
+            <a:endParaRPr lang="ko-KR" altLang="en-US"/>
+          </a:p>
+        </p:txBody>
+      </p:sp>
+      <p:sp>
+        <p:nvSpPr>
+          <p:cNvPr id="5" name="이등변 삼각형 4">
+            <a:extLst>
+              <a:ext uri="{FF2B5EF4-FFF2-40B4-BE49-F238E27FC236}">
+                <a16:creationId xmlns:a16="http://schemas.microsoft.com/office/drawing/2014/main" id="{3D646951-F794-4A1A-A846-4AE70C9462AB}"/>
+              </a:ext>
+            </a:extLst>
+          </p:cNvPr>
+          <p:cNvSpPr/>
+          <p:nvPr/>
+        </p:nvSpPr>
+        <p:spPr>
+          <a:xfrm>
+            <a:off x="-646493" y="0"/>
+            <a:ext cx="1283876" cy="733615"/>
+          </a:xfrm>
+          <a:prstGeom prst="triangle">
+            <a:avLst/>
+          </a:prstGeom>
+          <a:solidFill>
+            <a:schemeClr val="tx1"/>
+          </a:solidFill>
+          <a:ln>
+            <a:noFill/>
+          </a:ln>
+        </p:spPr>
+        <p:style>
+          <a:lnRef idx="2">
+            <a:schemeClr val="accent1">
+              <a:shade val="50000"/>
+            </a:schemeClr>
+          </a:lnRef>
+          <a:fillRef idx="1">
+            <a:schemeClr val="accent1"/>
+          </a:fillRef>
+          <a:effectRef idx="0">
+            <a:schemeClr val="accent1"/>
+          </a:effectRef>
+          <a:fontRef idx="minor">
+            <a:schemeClr val="lt1"/>
+          </a:fontRef>
+        </p:style>
+        <p:txBody>
+          <a:bodyPr rtlCol="0" anchor="ctr"/>
+          <a:lstStyle/>
+          <a:p>
+            <a:pPr algn="ctr"/>
+            <a:endParaRPr lang="ko-KR" altLang="en-US"/>
+          </a:p>
+        </p:txBody>
+      </p:sp>
+      <p:sp>
+        <p:nvSpPr>
+          <p:cNvPr id="6" name="TextBox 5">
+            <a:extLst>
+              <a:ext uri="{FF2B5EF4-FFF2-40B4-BE49-F238E27FC236}">
+                <a16:creationId xmlns:a16="http://schemas.microsoft.com/office/drawing/2014/main" id="{3F976487-C200-4E85-A920-C27A40CEEABD}"/>
+              </a:ext>
+            </a:extLst>
+          </p:cNvPr>
+          <p:cNvSpPr txBox="1"/>
+          <p:nvPr/>
+        </p:nvSpPr>
+        <p:spPr>
+          <a:xfrm>
+            <a:off x="637383" y="318996"/>
+            <a:ext cx="3481431" cy="369332"/>
+          </a:xfrm>
+          <a:prstGeom prst="rect">
+            <a:avLst/>
+          </a:prstGeom>
+          <a:noFill/>
+        </p:spPr>
+        <p:txBody>
+          <a:bodyPr wrap="square" rtlCol="0">
+            <a:spAutoFit/>
+          </a:bodyPr>
+          <a:lstStyle/>
+          <a:p>
+            <a:r>
+              <a:rPr lang="ko-KR" altLang="en-US" b="1" dirty="0">
+                <a:latin typeface="+mj-lt"/>
+              </a:rPr>
+              <a:t>웹접근성 체크리스트</a:t>
+            </a:r>
           </a:p>
         </p:txBody>
       </p:sp>
       <p:pic>
         <p:nvPicPr>
-          <p:cNvPr id="5" name="그림 4"/>
+          <p:cNvPr id="10" name="그림 9">
+            <a:extLst>
+              <a:ext uri="{FF2B5EF4-FFF2-40B4-BE49-F238E27FC236}">
+                <a16:creationId xmlns:a16="http://schemas.microsoft.com/office/drawing/2014/main" id="{25B0F55D-5A0A-469E-A30F-024542EB5AAB}"/>
+              </a:ext>
+            </a:extLst>
+          </p:cNvPr>
           <p:cNvPicPr>
             <a:picLocks noChangeAspect="1"/>
           </p:cNvPicPr>
@@ -6606,106 +9449,11 @@
           </a:stretch>
         </p:blipFill>
         <p:spPr>
-          <a:xfrm flipH="1">
-            <a:off x="8805950" y="-1593201"/>
-            <a:ext cx="4876800" cy="4876800"/>
+          <a:xfrm>
+            <a:off x="6093722" y="146387"/>
+            <a:ext cx="6046976" cy="2266804"/>
           </a:xfrm>
           <a:prstGeom prst="rect">
-            <a:avLst/>
-          </a:prstGeom>
-        </p:spPr>
-      </p:pic>
-      <p:pic>
-        <p:nvPicPr>
-          <p:cNvPr id="7" name="Picture 6" descr="EDIYA COFFEE"/>
-          <p:cNvPicPr>
-            <a:picLocks noChangeAspect="1" noChangeArrowheads="1"/>
-          </p:cNvPicPr>
-          <p:nvPr/>
-        </p:nvPicPr>
-        <p:blipFill>
-          <a:blip r:embed="rId3">
-            <a:extLst>
-              <a:ext uri="{28A0092B-C50C-407E-A947-70E740481C1C}">
-                <a14:useLocalDpi xmlns:a14="http://schemas.microsoft.com/office/drawing/2010/main" val="0"/>
-              </a:ext>
-            </a:extLst>
-          </a:blip>
-          <a:srcRect/>
-          <a:stretch>
-            <a:fillRect/>
-          </a:stretch>
-        </p:blipFill>
-        <p:spPr bwMode="auto">
-          <a:xfrm>
-            <a:off x="406065" y="624706"/>
-            <a:ext cx="3124200" cy="3124201"/>
-          </a:xfrm>
-          <a:prstGeom prst="rect">
-            <a:avLst/>
-          </a:prstGeom>
-          <a:solidFill>
-            <a:srgbClr val="FFFFFF">
-              <a:shade val="85000"/>
-            </a:srgbClr>
-          </a:solidFill>
-          <a:ln w="190500" cap="sq">
-            <a:solidFill>
-              <a:srgbClr val="FFFFFF"/>
-            </a:solidFill>
-            <a:miter lim="800000"/>
-          </a:ln>
-          <a:effectLst>
-            <a:outerShdw blurRad="65000" dist="50800" dir="12900000" kx="195000" ky="145000" algn="tl" rotWithShape="0">
-              <a:srgbClr val="000000">
-                <a:alpha val="30000"/>
-              </a:srgbClr>
-            </a:outerShdw>
-          </a:effectLst>
-          <a:scene3d>
-            <a:camera prst="orthographicFront">
-              <a:rot lat="0" lon="0" rev="360000"/>
-            </a:camera>
-            <a:lightRig rig="twoPt" dir="t">
-              <a:rot lat="0" lon="0" rev="7200000"/>
-            </a:lightRig>
-          </a:scene3d>
-          <a:sp3d contourW="12700">
-            <a:bevelT w="25400" h="19050"/>
-            <a:contourClr>
-              <a:srgbClr val="969696"/>
-            </a:contourClr>
-          </a:sp3d>
-          <a:extLst/>
-        </p:spPr>
-      </p:pic>
-      <p:pic>
-        <p:nvPicPr>
-          <p:cNvPr id="8" name="Picture 8" descr="EDIYA COFFEE"/>
-          <p:cNvPicPr>
-            <a:picLocks noChangeAspect="1" noChangeArrowheads="1"/>
-          </p:cNvPicPr>
-          <p:nvPr/>
-        </p:nvPicPr>
-        <p:blipFill>
-          <a:blip r:embed="rId4">
-            <a:extLst>
-              <a:ext uri="{28A0092B-C50C-407E-A947-70E740481C1C}">
-                <a14:useLocalDpi xmlns:a14="http://schemas.microsoft.com/office/drawing/2010/main" val="0"/>
-              </a:ext>
-            </a:extLst>
-          </a:blip>
-          <a:srcRect/>
-          <a:stretch>
-            <a:fillRect/>
-          </a:stretch>
-        </p:blipFill>
-        <p:spPr bwMode="auto">
-          <a:xfrm>
-            <a:off x="8567837" y="3416254"/>
-            <a:ext cx="3124200" cy="3124201"/>
-          </a:xfrm>
-          <a:prstGeom prst="snip2DiagRect">
             <a:avLst/>
           </a:prstGeom>
           <a:solidFill>
@@ -6720,9 +9468,9 @@
             <a:miter lim="800000"/>
           </a:ln>
           <a:effectLst>
-            <a:outerShdw blurRad="88900" algn="tl" rotWithShape="0">
+            <a:outerShdw blurRad="55000" dist="18000" dir="5400000" algn="tl" rotWithShape="0">
               <a:srgbClr val="000000">
-                <a:alpha val="45000"/>
+                <a:alpha val="40000"/>
               </a:srgbClr>
             </a:outerShdw>
           </a:effectLst>
@@ -6738,124 +9486,130 @@
               <a:srgbClr val="FFFFFF"/>
             </a:contourClr>
           </a:sp3d>
-          <a:extLst/>
         </p:spPr>
       </p:pic>
-      <p:sp>
-        <p:nvSpPr>
-          <p:cNvPr id="10" name="TextBox 9"/>
-          <p:cNvSpPr txBox="1"/>
+      <p:pic>
+        <p:nvPicPr>
+          <p:cNvPr id="3" name="그림 2">
+            <a:extLst>
+              <a:ext uri="{FF2B5EF4-FFF2-40B4-BE49-F238E27FC236}">
+                <a16:creationId xmlns:a16="http://schemas.microsoft.com/office/drawing/2014/main" id="{7E047C94-981D-4F26-B76B-A95FE0796666}"/>
+              </a:ext>
+            </a:extLst>
+          </p:cNvPr>
+          <p:cNvPicPr>
+            <a:picLocks noChangeAspect="1"/>
+          </p:cNvPicPr>
           <p:nvPr/>
-        </p:nvSpPr>
+        </p:nvPicPr>
+        <p:blipFill>
+          <a:blip r:embed="rId3">
+            <a:extLst>
+              <a:ext uri="{28A0092B-C50C-407E-A947-70E740481C1C}">
+                <a14:useLocalDpi xmlns:a14="http://schemas.microsoft.com/office/drawing/2010/main" val="0"/>
+              </a:ext>
+            </a:extLst>
+          </a:blip>
+          <a:stretch>
+            <a:fillRect/>
+          </a:stretch>
+        </p:blipFill>
         <p:spPr>
           <a:xfrm>
-            <a:off x="2801006" y="2594675"/>
-            <a:ext cx="5766831" cy="830997"/>
+            <a:off x="119439" y="1421511"/>
+            <a:ext cx="6048622" cy="5067589"/>
           </a:xfrm>
           <a:prstGeom prst="rect">
             <a:avLst/>
           </a:prstGeom>
-          <a:noFill/>
-          <a:effectLst/>
-        </p:spPr>
-        <p:txBody>
-          <a:bodyPr wrap="square" rtlCol="0">
-            <a:spAutoFit/>
-          </a:bodyPr>
-          <a:lstStyle/>
-          <a:p>
-            <a:pPr algn="ctr"/>
-            <a:r>
-              <a:rPr lang="ko-KR" altLang="en-US" sz="4800" dirty="0" smtClean="0">
-                <a:solidFill>
-                  <a:schemeClr val="bg1"/>
-                </a:solidFill>
-                <a:effectLst>
-                  <a:glow rad="63500">
-                    <a:schemeClr val="accent5">
-                      <a:lumMod val="20000"/>
-                      <a:lumOff val="80000"/>
-                      <a:alpha val="40000"/>
-                    </a:schemeClr>
-                  </a:glow>
-                  <a:reflection blurRad="6350" stA="55000" endA="300" endPos="45500" dir="5400000" sy="-100000" algn="bl" rotWithShape="0"/>
-                </a:effectLst>
-                <a:latin typeface="HY견고딕" panose="02030600000101010101" pitchFamily="18" charset="-127"/>
-                <a:ea typeface="HY견고딕" panose="02030600000101010101" pitchFamily="18" charset="-127"/>
-              </a:rPr>
-              <a:t>윤유비</a:t>
-            </a:r>
-            <a:endParaRPr lang="ko-KR" altLang="en-US" sz="4800" dirty="0">
-              <a:solidFill>
-                <a:schemeClr val="bg1"/>
-              </a:solidFill>
-              <a:effectLst>
-                <a:glow rad="63500">
-                  <a:schemeClr val="accent5">
-                    <a:lumMod val="20000"/>
-                    <a:lumOff val="80000"/>
-                    <a:alpha val="40000"/>
-                  </a:schemeClr>
-                </a:glow>
-                <a:reflection blurRad="6350" stA="55000" endA="300" endPos="45500" dir="5400000" sy="-100000" algn="bl" rotWithShape="0"/>
-              </a:effectLst>
-              <a:latin typeface="HY견고딕" panose="02030600000101010101" pitchFamily="18" charset="-127"/>
-              <a:ea typeface="HY견고딕" panose="02030600000101010101" pitchFamily="18" charset="-127"/>
-            </a:endParaRPr>
-          </a:p>
-        </p:txBody>
-      </p:sp>
-      <p:sp>
-        <p:nvSpPr>
-          <p:cNvPr id="11" name="TextBox 10"/>
-          <p:cNvSpPr txBox="1"/>
+          <a:solidFill>
+            <a:srgbClr val="FFFFFF">
+              <a:shade val="85000"/>
+            </a:srgbClr>
+          </a:solidFill>
+          <a:ln w="88900" cap="sq">
+            <a:solidFill>
+              <a:srgbClr val="FFFFFF"/>
+            </a:solidFill>
+            <a:miter lim="800000"/>
+          </a:ln>
+          <a:effectLst>
+            <a:outerShdw blurRad="55000" dist="18000" dir="5400000" algn="tl" rotWithShape="0">
+              <a:srgbClr val="000000">
+                <a:alpha val="40000"/>
+              </a:srgbClr>
+            </a:outerShdw>
+          </a:effectLst>
+          <a:scene3d>
+            <a:camera prst="orthographicFront"/>
+            <a:lightRig rig="twoPt" dir="t">
+              <a:rot lat="0" lon="0" rev="7200000"/>
+            </a:lightRig>
+          </a:scene3d>
+          <a:sp3d>
+            <a:bevelT w="25400" h="19050"/>
+            <a:contourClr>
+              <a:srgbClr val="FFFFFF"/>
+            </a:contourClr>
+          </a:sp3d>
+        </p:spPr>
+      </p:pic>
+      <p:sp>
+        <p:nvSpPr>
+          <p:cNvPr id="11" name="직사각형 10">
+            <a:extLst>
+              <a:ext uri="{FF2B5EF4-FFF2-40B4-BE49-F238E27FC236}">
+                <a16:creationId xmlns:a16="http://schemas.microsoft.com/office/drawing/2014/main" id="{5D8F33CB-56E7-4879-8DB1-7DFF1DDE3F7A}"/>
+              </a:ext>
+            </a:extLst>
+          </p:cNvPr>
+          <p:cNvSpPr/>
           <p:nvPr/>
         </p:nvSpPr>
         <p:spPr>
-          <a:xfrm>
-            <a:off x="4168560" y="1727183"/>
-            <a:ext cx="4724814" cy="830997"/>
+          <a:xfrm flipV="1">
+            <a:off x="-39825" y="-78370"/>
+            <a:ext cx="12757535" cy="265903"/>
           </a:xfrm>
           <a:prstGeom prst="rect">
             <a:avLst/>
           </a:prstGeom>
-          <a:noFill/>
-        </p:spPr>
-        <p:txBody>
-          <a:bodyPr wrap="square" rtlCol="0">
-            <a:spAutoFit/>
-          </a:bodyPr>
+          <a:solidFill>
+            <a:schemeClr val="tx1"/>
+          </a:solidFill>
+          <a:ln>
+            <a:noFill/>
+          </a:ln>
+        </p:spPr>
+        <p:style>
+          <a:lnRef idx="2">
+            <a:schemeClr val="accent1">
+              <a:shade val="50000"/>
+            </a:schemeClr>
+          </a:lnRef>
+          <a:fillRef idx="1">
+            <a:schemeClr val="accent1"/>
+          </a:fillRef>
+          <a:effectRef idx="0">
+            <a:schemeClr val="accent1"/>
+          </a:effectRef>
+          <a:fontRef idx="minor">
+            <a:schemeClr val="lt1"/>
+          </a:fontRef>
+        </p:style>
+        <p:txBody>
+          <a:bodyPr rtlCol="0" anchor="ctr"/>
           <a:lstStyle/>
           <a:p>
             <a:pPr algn="ctr"/>
-            <a:r>
-              <a:rPr lang="en-US" altLang="ko-KR" sz="4800" dirty="0" smtClean="0">
-                <a:solidFill>
-                  <a:schemeClr val="bg1"/>
-                </a:solidFill>
-                <a:effectLst>
-                  <a:reflection blurRad="6350" stA="55000" endA="300" endPos="45500" dir="5400000" sy="-100000" algn="bl" rotWithShape="0"/>
-                </a:effectLst>
-                <a:latin typeface="Segoe UI Black" panose="020B0A02040204020203" pitchFamily="34" charset="0"/>
-              </a:rPr>
-              <a:t>HTML+CSS+JS</a:t>
-            </a:r>
-            <a:endParaRPr lang="ko-KR" altLang="en-US" sz="4800" dirty="0">
-              <a:solidFill>
-                <a:schemeClr val="bg1"/>
-              </a:solidFill>
-              <a:effectLst>
-                <a:reflection blurRad="6350" stA="55000" endA="300" endPos="45500" dir="5400000" sy="-100000" algn="bl" rotWithShape="0"/>
-              </a:effectLst>
-              <a:latin typeface="Segoe UI Black" panose="020B0A02040204020203" pitchFamily="34" charset="0"/>
-            </a:endParaRPr>
+            <a:endParaRPr lang="ko-KR" altLang="en-US"/>
           </a:p>
         </p:txBody>
       </p:sp>
     </p:spTree>
     <p:extLst>
       <p:ext uri="{BB962C8B-B14F-4D97-AF65-F5344CB8AC3E}">
-        <p14:creationId xmlns:p14="http://schemas.microsoft.com/office/powerpoint/2010/main" val="157599368"/>
+        <p14:creationId xmlns:p14="http://schemas.microsoft.com/office/powerpoint/2010/main" val="456323170"/>
       </p:ext>
     </p:extLst>
   </p:cSld>
@@ -6865,7 +9619,213 @@
   <p:timing>
     <p:tnLst>
       <p:par>
-        <p:cTn id="1" dur="indefinite" restart="never" nodeType="tmRoot"/>
+        <p:cTn id="1" dur="indefinite" restart="never" nodeType="tmRoot">
+          <p:childTnLst>
+            <p:seq concurrent="1" nextAc="seek">
+              <p:cTn id="2" dur="indefinite" nodeType="mainSeq">
+                <p:childTnLst>
+                  <p:par>
+                    <p:cTn id="3" fill="hold">
+                      <p:stCondLst>
+                        <p:cond delay="indefinite"/>
+                        <p:cond evt="onBegin" delay="0">
+                          <p:tn val="2"/>
+                        </p:cond>
+                      </p:stCondLst>
+                      <p:childTnLst>
+                        <p:par>
+                          <p:cTn id="4" fill="hold">
+                            <p:stCondLst>
+                              <p:cond delay="0"/>
+                            </p:stCondLst>
+                            <p:childTnLst>
+                              <p:par>
+                                <p:cTn id="5" presetID="42" presetClass="entr" presetSubtype="0" fill="hold" nodeType="withEffect">
+                                  <p:stCondLst>
+                                    <p:cond delay="0"/>
+                                  </p:stCondLst>
+                                  <p:childTnLst>
+                                    <p:set>
+                                      <p:cBhvr>
+                                        <p:cTn id="6" dur="1" fill="hold">
+                                          <p:stCondLst>
+                                            <p:cond delay="0"/>
+                                          </p:stCondLst>
+                                        </p:cTn>
+                                        <p:tgtEl>
+                                          <p:spTgt spid="3"/>
+                                        </p:tgtEl>
+                                        <p:attrNameLst>
+                                          <p:attrName>style.visibility</p:attrName>
+                                        </p:attrNameLst>
+                                      </p:cBhvr>
+                                      <p:to>
+                                        <p:strVal val="visible"/>
+                                      </p:to>
+                                    </p:set>
+                                    <p:animEffect transition="in" filter="fade">
+                                      <p:cBhvr>
+                                        <p:cTn id="7" dur="1000"/>
+                                        <p:tgtEl>
+                                          <p:spTgt spid="3"/>
+                                        </p:tgtEl>
+                                      </p:cBhvr>
+                                    </p:animEffect>
+                                    <p:anim calcmode="lin" valueType="num">
+                                      <p:cBhvr>
+                                        <p:cTn id="8" dur="1000" fill="hold"/>
+                                        <p:tgtEl>
+                                          <p:spTgt spid="3"/>
+                                        </p:tgtEl>
+                                        <p:attrNameLst>
+                                          <p:attrName>ppt_x</p:attrName>
+                                        </p:attrNameLst>
+                                      </p:cBhvr>
+                                      <p:tavLst>
+                                        <p:tav tm="0">
+                                          <p:val>
+                                            <p:strVal val="#ppt_x"/>
+                                          </p:val>
+                                        </p:tav>
+                                        <p:tav tm="100000">
+                                          <p:val>
+                                            <p:strVal val="#ppt_x"/>
+                                          </p:val>
+                                        </p:tav>
+                                      </p:tavLst>
+                                    </p:anim>
+                                    <p:anim calcmode="lin" valueType="num">
+                                      <p:cBhvr>
+                                        <p:cTn id="9" dur="1000" fill="hold"/>
+                                        <p:tgtEl>
+                                          <p:spTgt spid="3"/>
+                                        </p:tgtEl>
+                                        <p:attrNameLst>
+                                          <p:attrName>ppt_y</p:attrName>
+                                        </p:attrNameLst>
+                                      </p:cBhvr>
+                                      <p:tavLst>
+                                        <p:tav tm="0">
+                                          <p:val>
+                                            <p:strVal val="#ppt_y+.1"/>
+                                          </p:val>
+                                        </p:tav>
+                                        <p:tav tm="100000">
+                                          <p:val>
+                                            <p:strVal val="#ppt_y"/>
+                                          </p:val>
+                                        </p:tav>
+                                      </p:tavLst>
+                                    </p:anim>
+                                  </p:childTnLst>
+                                </p:cTn>
+                              </p:par>
+                              <p:par>
+                                <p:cTn id="10" presetID="42" presetClass="entr" presetSubtype="0" fill="hold" nodeType="withEffect">
+                                  <p:stCondLst>
+                                    <p:cond delay="0"/>
+                                  </p:stCondLst>
+                                  <p:childTnLst>
+                                    <p:set>
+                                      <p:cBhvr>
+                                        <p:cTn id="11" dur="1" fill="hold">
+                                          <p:stCondLst>
+                                            <p:cond delay="0"/>
+                                          </p:stCondLst>
+                                        </p:cTn>
+                                        <p:tgtEl>
+                                          <p:spTgt spid="10"/>
+                                        </p:tgtEl>
+                                        <p:attrNameLst>
+                                          <p:attrName>style.visibility</p:attrName>
+                                        </p:attrNameLst>
+                                      </p:cBhvr>
+                                      <p:to>
+                                        <p:strVal val="visible"/>
+                                      </p:to>
+                                    </p:set>
+                                    <p:animEffect transition="in" filter="fade">
+                                      <p:cBhvr>
+                                        <p:cTn id="12" dur="1000"/>
+                                        <p:tgtEl>
+                                          <p:spTgt spid="10"/>
+                                        </p:tgtEl>
+                                      </p:cBhvr>
+                                    </p:animEffect>
+                                    <p:anim calcmode="lin" valueType="num">
+                                      <p:cBhvr>
+                                        <p:cTn id="13" dur="1000" fill="hold"/>
+                                        <p:tgtEl>
+                                          <p:spTgt spid="10"/>
+                                        </p:tgtEl>
+                                        <p:attrNameLst>
+                                          <p:attrName>ppt_x</p:attrName>
+                                        </p:attrNameLst>
+                                      </p:cBhvr>
+                                      <p:tavLst>
+                                        <p:tav tm="0">
+                                          <p:val>
+                                            <p:strVal val="#ppt_x"/>
+                                          </p:val>
+                                        </p:tav>
+                                        <p:tav tm="100000">
+                                          <p:val>
+                                            <p:strVal val="#ppt_x"/>
+                                          </p:val>
+                                        </p:tav>
+                                      </p:tavLst>
+                                    </p:anim>
+                                    <p:anim calcmode="lin" valueType="num">
+                                      <p:cBhvr>
+                                        <p:cTn id="14" dur="1000" fill="hold"/>
+                                        <p:tgtEl>
+                                          <p:spTgt spid="10"/>
+                                        </p:tgtEl>
+                                        <p:attrNameLst>
+                                          <p:attrName>ppt_y</p:attrName>
+                                        </p:attrNameLst>
+                                      </p:cBhvr>
+                                      <p:tavLst>
+                                        <p:tav tm="0">
+                                          <p:val>
+                                            <p:strVal val="#ppt_y+.1"/>
+                                          </p:val>
+                                        </p:tav>
+                                        <p:tav tm="100000">
+                                          <p:val>
+                                            <p:strVal val="#ppt_y"/>
+                                          </p:val>
+                                        </p:tav>
+                                      </p:tavLst>
+                                    </p:anim>
+                                  </p:childTnLst>
+                                </p:cTn>
+                              </p:par>
+                            </p:childTnLst>
+                          </p:cTn>
+                        </p:par>
+                      </p:childTnLst>
+                    </p:cTn>
+                  </p:par>
+                </p:childTnLst>
+              </p:cTn>
+              <p:prevCondLst>
+                <p:cond evt="onPrev" delay="0">
+                  <p:tgtEl>
+                    <p:sldTgt/>
+                  </p:tgtEl>
+                </p:cond>
+              </p:prevCondLst>
+              <p:nextCondLst>
+                <p:cond evt="onNext" delay="0">
+                  <p:tgtEl>
+                    <p:sldTgt/>
+                  </p:tgtEl>
+                </p:cond>
+              </p:nextCondLst>
+            </p:seq>
+          </p:childTnLst>
+        </p:cTn>
       </p:par>
     </p:tnLst>
   </p:timing>
@@ -7131,4 +10091,299 @@
     </a:ext>
   </a:extLst>
 </a:theme>
+</file>
+
+<file path=ppt/theme/theme2.xml><?xml version="1.0" encoding="utf-8"?>
+<a:theme xmlns:a="http://schemas.openxmlformats.org/drawingml/2006/main" name="Office 테마">
+  <a:themeElements>
+    <a:clrScheme name="Office">
+      <a:dk1>
+        <a:sysClr val="windowText" lastClr="000000"/>
+      </a:dk1>
+      <a:lt1>
+        <a:sysClr val="window" lastClr="FFFFFF"/>
+      </a:lt1>
+      <a:dk2>
+        <a:srgbClr val="44546A"/>
+      </a:dk2>
+      <a:lt2>
+        <a:srgbClr val="E7E6E6"/>
+      </a:lt2>
+      <a:accent1>
+        <a:srgbClr val="4472C4"/>
+      </a:accent1>
+      <a:accent2>
+        <a:srgbClr val="ED7D31"/>
+      </a:accent2>
+      <a:accent3>
+        <a:srgbClr val="A5A5A5"/>
+      </a:accent3>
+      <a:accent4>
+        <a:srgbClr val="FFC000"/>
+      </a:accent4>
+      <a:accent5>
+        <a:srgbClr val="5B9BD5"/>
+      </a:accent5>
+      <a:accent6>
+        <a:srgbClr val="70AD47"/>
+      </a:accent6>
+      <a:hlink>
+        <a:srgbClr val="0563C1"/>
+      </a:hlink>
+      <a:folHlink>
+        <a:srgbClr val="954F72"/>
+      </a:folHlink>
+    </a:clrScheme>
+    <a:fontScheme name="Office">
+      <a:majorFont>
+        <a:latin typeface="맑은 고딕" panose="020F0302020204030204"/>
+        <a:ea typeface=""/>
+        <a:cs typeface=""/>
+        <a:font script="Jpan" typeface="游ゴシック Light"/>
+        <a:font script="Hang" typeface="맑은 고딕"/>
+        <a:font script="Hans" typeface="等线 Light"/>
+        <a:font script="Hant" typeface="新細明體"/>
+        <a:font script="Arab" typeface="Times New Roman"/>
+        <a:font script="Hebr" typeface="Times New Roman"/>
+        <a:font script="Thai" typeface="Angsana New"/>
+        <a:font script="Ethi" typeface="Nyala"/>
+        <a:font script="Beng" typeface="Vrinda"/>
+        <a:font script="Gujr" typeface="Shruti"/>
+        <a:font script="Khmr" typeface="MoolBoran"/>
+        <a:font script="Knda" typeface="Tunga"/>
+        <a:font script="Guru" typeface="Raavi"/>
+        <a:font script="Cans" typeface="Euphemia"/>
+        <a:font script="Cher" typeface="Plantagenet Cherokee"/>
+        <a:font script="Yiii" typeface="Microsoft Yi Baiti"/>
+        <a:font script="Tibt" typeface="Microsoft Himalaya"/>
+        <a:font script="Thaa" typeface="MV Boli"/>
+        <a:font script="Deva" typeface="Mangal"/>
+        <a:font script="Telu" typeface="Gautami"/>
+        <a:font script="Taml" typeface="Latha"/>
+        <a:font script="Syrc" typeface="Estrangelo Edessa"/>
+        <a:font script="Orya" typeface="Kalinga"/>
+        <a:font script="Mlym" typeface="Kartika"/>
+        <a:font script="Laoo" typeface="DokChampa"/>
+        <a:font script="Sinh" typeface="Iskoola Pota"/>
+        <a:font script="Mong" typeface="Mongolian Baiti"/>
+        <a:font script="Viet" typeface="Times New Roman"/>
+        <a:font script="Uigh" typeface="Microsoft Uighur"/>
+        <a:font script="Geor" typeface="Sylfaen"/>
+        <a:font script="Armn" typeface="Arial"/>
+        <a:font script="Bugi" typeface="Leelawadee UI"/>
+        <a:font script="Bopo" typeface="Microsoft JhengHei"/>
+        <a:font script="Java" typeface="Javanese Text"/>
+        <a:font script="Lisu" typeface="Segoe UI"/>
+        <a:font script="Mymr" typeface="Myanmar Text"/>
+        <a:font script="Nkoo" typeface="Ebrima"/>
+        <a:font script="Olck" typeface="Nirmala UI"/>
+        <a:font script="Osma" typeface="Ebrima"/>
+        <a:font script="Phag" typeface="Phagspa"/>
+        <a:font script="Syrn" typeface="Estrangelo Edessa"/>
+        <a:font script="Syrj" typeface="Estrangelo Edessa"/>
+        <a:font script="Syre" typeface="Estrangelo Edessa"/>
+        <a:font script="Sora" typeface="Nirmala UI"/>
+        <a:font script="Tale" typeface="Microsoft Tai Le"/>
+        <a:font script="Talu" typeface="Microsoft New Tai Lue"/>
+        <a:font script="Tfng" typeface="Ebrima"/>
+      </a:majorFont>
+      <a:minorFont>
+        <a:latin typeface="맑은 고딕" panose="020F0502020204030204"/>
+        <a:ea typeface=""/>
+        <a:cs typeface=""/>
+        <a:font script="Jpan" typeface="游ゴシック"/>
+        <a:font script="Hang" typeface="맑은 고딕"/>
+        <a:font script="Hans" typeface="等线"/>
+        <a:font script="Hant" typeface="新細明體"/>
+        <a:font script="Arab" typeface="Arial"/>
+        <a:font script="Hebr" typeface="Arial"/>
+        <a:font script="Thai" typeface="Cordia New"/>
+        <a:font script="Ethi" typeface="Nyala"/>
+        <a:font script="Beng" typeface="Vrinda"/>
+        <a:font script="Gujr" typeface="Shruti"/>
+        <a:font script="Khmr" typeface="DaunPenh"/>
+        <a:font script="Knda" typeface="Tunga"/>
+        <a:font script="Guru" typeface="Raavi"/>
+        <a:font script="Cans" typeface="Euphemia"/>
+        <a:font script="Cher" typeface="Plantagenet Cherokee"/>
+        <a:font script="Yiii" typeface="Microsoft Yi Baiti"/>
+        <a:font script="Tibt" typeface="Microsoft Himalaya"/>
+        <a:font script="Thaa" typeface="MV Boli"/>
+        <a:font script="Deva" typeface="Mangal"/>
+        <a:font script="Telu" typeface="Gautami"/>
+        <a:font script="Taml" typeface="Latha"/>
+        <a:font script="Syrc" typeface="Estrangelo Edessa"/>
+        <a:font script="Orya" typeface="Kalinga"/>
+        <a:font script="Mlym" typeface="Kartika"/>
+        <a:font script="Laoo" typeface="DokChampa"/>
+        <a:font script="Sinh" typeface="Iskoola Pota"/>
+        <a:font script="Mong" typeface="Mongolian Baiti"/>
+        <a:font script="Viet" typeface="Arial"/>
+        <a:font script="Uigh" typeface="Microsoft Uighur"/>
+        <a:font script="Geor" typeface="Sylfaen"/>
+        <a:font script="Armn" typeface="Arial"/>
+        <a:font script="Bugi" typeface="Leelawadee UI"/>
+        <a:font script="Bopo" typeface="Microsoft JhengHei"/>
+        <a:font script="Java" typeface="Javanese Text"/>
+        <a:font script="Lisu" typeface="Segoe UI"/>
+        <a:font script="Mymr" typeface="Myanmar Text"/>
+        <a:font script="Nkoo" typeface="Ebrima"/>
+        <a:font script="Olck" typeface="Nirmala UI"/>
+        <a:font script="Osma" typeface="Ebrima"/>
+        <a:font script="Phag" typeface="Phagspa"/>
+        <a:font script="Syrn" typeface="Estrangelo Edessa"/>
+        <a:font script="Syrj" typeface="Estrangelo Edessa"/>
+        <a:font script="Syre" typeface="Estrangelo Edessa"/>
+        <a:font script="Sora" typeface="Nirmala UI"/>
+        <a:font script="Tale" typeface="Microsoft Tai Le"/>
+        <a:font script="Talu" typeface="Microsoft New Tai Lue"/>
+        <a:font script="Tfng" typeface="Ebrima"/>
+      </a:minorFont>
+    </a:fontScheme>
+    <a:fmtScheme name="Office">
+      <a:fillStyleLst>
+        <a:solidFill>
+          <a:schemeClr val="phClr"/>
+        </a:solidFill>
+        <a:gradFill rotWithShape="1">
+          <a:gsLst>
+            <a:gs pos="0">
+              <a:schemeClr val="phClr">
+                <a:lumMod val="110000"/>
+                <a:satMod val="105000"/>
+                <a:tint val="67000"/>
+              </a:schemeClr>
+            </a:gs>
+            <a:gs pos="50000">
+              <a:schemeClr val="phClr">
+                <a:lumMod val="105000"/>
+                <a:satMod val="103000"/>
+                <a:tint val="73000"/>
+              </a:schemeClr>
+            </a:gs>
+            <a:gs pos="100000">
+              <a:schemeClr val="phClr">
+                <a:lumMod val="105000"/>
+                <a:satMod val="109000"/>
+                <a:tint val="81000"/>
+              </a:schemeClr>
+            </a:gs>
+          </a:gsLst>
+          <a:lin ang="5400000" scaled="0"/>
+        </a:gradFill>
+        <a:gradFill rotWithShape="1">
+          <a:gsLst>
+            <a:gs pos="0">
+              <a:schemeClr val="phClr">
+                <a:satMod val="103000"/>
+                <a:lumMod val="102000"/>
+                <a:tint val="94000"/>
+              </a:schemeClr>
+            </a:gs>
+            <a:gs pos="50000">
+              <a:schemeClr val="phClr">
+                <a:satMod val="110000"/>
+                <a:lumMod val="100000"/>
+                <a:shade val="100000"/>
+              </a:schemeClr>
+            </a:gs>
+            <a:gs pos="100000">
+              <a:schemeClr val="phClr">
+                <a:lumMod val="99000"/>
+                <a:satMod val="120000"/>
+                <a:shade val="78000"/>
+              </a:schemeClr>
+            </a:gs>
+          </a:gsLst>
+          <a:lin ang="5400000" scaled="0"/>
+        </a:gradFill>
+      </a:fillStyleLst>
+      <a:lnStyleLst>
+        <a:ln w="6350" cap="flat" cmpd="sng" algn="ctr">
+          <a:solidFill>
+            <a:schemeClr val="phClr"/>
+          </a:solidFill>
+          <a:prstDash val="solid"/>
+          <a:miter lim="800000"/>
+        </a:ln>
+        <a:ln w="12700" cap="flat" cmpd="sng" algn="ctr">
+          <a:solidFill>
+            <a:schemeClr val="phClr"/>
+          </a:solidFill>
+          <a:prstDash val="solid"/>
+          <a:miter lim="800000"/>
+        </a:ln>
+        <a:ln w="19050" cap="flat" cmpd="sng" algn="ctr">
+          <a:solidFill>
+            <a:schemeClr val="phClr"/>
+          </a:solidFill>
+          <a:prstDash val="solid"/>
+          <a:miter lim="800000"/>
+        </a:ln>
+      </a:lnStyleLst>
+      <a:effectStyleLst>
+        <a:effectStyle>
+          <a:effectLst/>
+        </a:effectStyle>
+        <a:effectStyle>
+          <a:effectLst/>
+        </a:effectStyle>
+        <a:effectStyle>
+          <a:effectLst>
+            <a:outerShdw blurRad="57150" dist="19050" dir="5400000" algn="ctr" rotWithShape="0">
+              <a:srgbClr val="000000">
+                <a:alpha val="63000"/>
+              </a:srgbClr>
+            </a:outerShdw>
+          </a:effectLst>
+        </a:effectStyle>
+      </a:effectStyleLst>
+      <a:bgFillStyleLst>
+        <a:solidFill>
+          <a:schemeClr val="phClr"/>
+        </a:solidFill>
+        <a:solidFill>
+          <a:schemeClr val="phClr">
+            <a:tint val="95000"/>
+            <a:satMod val="170000"/>
+          </a:schemeClr>
+        </a:solidFill>
+        <a:gradFill rotWithShape="1">
+          <a:gsLst>
+            <a:gs pos="0">
+              <a:schemeClr val="phClr">
+                <a:tint val="93000"/>
+                <a:satMod val="150000"/>
+                <a:shade val="98000"/>
+                <a:lumMod val="102000"/>
+              </a:schemeClr>
+            </a:gs>
+            <a:gs pos="50000">
+              <a:schemeClr val="phClr">
+                <a:tint val="98000"/>
+                <a:satMod val="130000"/>
+                <a:shade val="90000"/>
+                <a:lumMod val="103000"/>
+              </a:schemeClr>
+            </a:gs>
+            <a:gs pos="100000">
+              <a:schemeClr val="phClr">
+                <a:shade val="63000"/>
+                <a:satMod val="120000"/>
+              </a:schemeClr>
+            </a:gs>
+          </a:gsLst>
+          <a:lin ang="5400000" scaled="0"/>
+        </a:gradFill>
+      </a:bgFillStyleLst>
+    </a:fmtScheme>
+  </a:themeElements>
+  <a:objectDefaults/>
+  <a:extraClrSchemeLst/>
+  <a:extLst>
+    <a:ext uri="{05A4C25C-085E-4340-85A3-A5531E510DB2}">
+      <thm15:themeFamily xmlns:thm15="http://schemas.microsoft.com/office/thememl/2012/main" name="Office Theme" id="{62F939B6-93AF-4DB8-9C6B-D6C7DFDC589F}" vid="{4A3C46E8-61CC-4603-A589-7422A47A8E4A}"/>
+    </a:ext>
+  </a:extLst>
+</a:theme>
 </file>
--- a/윤유비_발표자료.pptx
+++ b/윤유비_발표자료.pptx
@@ -5,7 +5,7 @@
     <p:sldMasterId id="2147483648" r:id="rId1"/>
   </p:sldMasterIdLst>
   <p:notesMasterIdLst>
-    <p:notesMasterId r:id="rId15"/>
+    <p:notesMasterId r:id="rId16"/>
   </p:notesMasterIdLst>
   <p:sldIdLst>
     <p:sldId id="259" r:id="rId2"/>
@@ -17,27 +17,28 @@
     <p:sldId id="271" r:id="rId8"/>
     <p:sldId id="270" r:id="rId9"/>
     <p:sldId id="278" r:id="rId10"/>
-    <p:sldId id="273" r:id="rId11"/>
-    <p:sldId id="256" r:id="rId12"/>
-    <p:sldId id="257" r:id="rId13"/>
-    <p:sldId id="258" r:id="rId14"/>
+    <p:sldId id="279" r:id="rId11"/>
+    <p:sldId id="273" r:id="rId12"/>
+    <p:sldId id="256" r:id="rId13"/>
+    <p:sldId id="257" r:id="rId14"/>
+    <p:sldId id="258" r:id="rId15"/>
   </p:sldIdLst>
   <p:sldSz cx="12192000" cy="6858000"/>
   <p:notesSz cx="6858000" cy="9144000"/>
   <p:embeddedFontLst>
     <p:embeddedFont>
       <p:font typeface="HY견고딕" panose="02030600000101010101" pitchFamily="18" charset="-127"/>
-      <p:regular r:id="rId16"/>
+      <p:regular r:id="rId17"/>
     </p:embeddedFont>
     <p:embeddedFont>
       <p:font typeface="Segoe UI Black" panose="020B0A02040204020203" pitchFamily="34" charset="0"/>
-      <p:bold r:id="rId17"/>
-      <p:boldItalic r:id="rId18"/>
+      <p:bold r:id="rId18"/>
+      <p:boldItalic r:id="rId19"/>
     </p:embeddedFont>
     <p:embeddedFont>
       <p:font typeface="맑은 고딕" panose="020B0503020000020004" pitchFamily="50" charset="-127"/>
-      <p:regular r:id="rId19"/>
-      <p:bold r:id="rId20"/>
+      <p:regular r:id="rId20"/>
+      <p:bold r:id="rId21"/>
     </p:embeddedFont>
   </p:embeddedFontLst>
   <p:defaultTextStyle>
@@ -138,6 +139,9 @@
   <p:extLst>
     <p:ext uri="{EFAFB233-063F-42B5-8137-9DF3F51BA10A}">
       <p15:sldGuideLst xmlns:p15="http://schemas.microsoft.com/office/powerpoint/2012/main"/>
+    </p:ext>
+    <p:ext uri="{2D200454-40CA-4A62-9FC3-DE9A4176ACB9}">
+      <p15:notesGuideLst xmlns:p15="http://schemas.microsoft.com/office/powerpoint/2012/main"/>
     </p:ext>
   </p:extLst>
 </p:presentation>
@@ -4936,6 +4940,96 @@
           <a:chExt cx="0" cy="0"/>
         </a:xfrm>
       </p:grpSpPr>
+      <p:pic>
+        <p:nvPicPr>
+          <p:cNvPr id="4" name="그림 3">
+            <a:extLst>
+              <a:ext uri="{FF2B5EF4-FFF2-40B4-BE49-F238E27FC236}">
+                <a16:creationId xmlns:a16="http://schemas.microsoft.com/office/drawing/2014/main" id="{246CA2C0-7167-42AE-9421-726D79E50E99}"/>
+              </a:ext>
+            </a:extLst>
+          </p:cNvPr>
+          <p:cNvPicPr>
+            <a:picLocks noChangeAspect="1"/>
+          </p:cNvPicPr>
+          <p:nvPr/>
+        </p:nvPicPr>
+        <p:blipFill>
+          <a:blip r:embed="rId2"/>
+          <a:stretch>
+            <a:fillRect/>
+          </a:stretch>
+        </p:blipFill>
+        <p:spPr>
+          <a:xfrm>
+            <a:off x="-59821" y="2697334"/>
+            <a:ext cx="12192000" cy="3958703"/>
+          </a:xfrm>
+          <a:prstGeom prst="rect">
+            <a:avLst/>
+          </a:prstGeom>
+        </p:spPr>
+      </p:pic>
+      <p:pic>
+        <p:nvPicPr>
+          <p:cNvPr id="5" name="그림 4">
+            <a:extLst>
+              <a:ext uri="{FF2B5EF4-FFF2-40B4-BE49-F238E27FC236}">
+                <a16:creationId xmlns:a16="http://schemas.microsoft.com/office/drawing/2014/main" id="{A0C8AF47-7D8D-4575-B9EF-4659FB931A2F}"/>
+              </a:ext>
+            </a:extLst>
+          </p:cNvPr>
+          <p:cNvPicPr>
+            <a:picLocks noChangeAspect="1"/>
+          </p:cNvPicPr>
+          <p:nvPr/>
+        </p:nvPicPr>
+        <p:blipFill>
+          <a:blip r:embed="rId3"/>
+          <a:stretch>
+            <a:fillRect/>
+          </a:stretch>
+        </p:blipFill>
+        <p:spPr>
+          <a:xfrm>
+            <a:off x="0" y="106694"/>
+            <a:ext cx="12192000" cy="3875773"/>
+          </a:xfrm>
+          <a:prstGeom prst="rect">
+            <a:avLst/>
+          </a:prstGeom>
+        </p:spPr>
+      </p:pic>
+    </p:spTree>
+    <p:extLst>
+      <p:ext uri="{BB962C8B-B14F-4D97-AF65-F5344CB8AC3E}">
+        <p14:creationId xmlns:p14="http://schemas.microsoft.com/office/powerpoint/2010/main" val="1147996509"/>
+      </p:ext>
+    </p:extLst>
+  </p:cSld>
+  <p:clrMapOvr>
+    <a:masterClrMapping/>
+  </p:clrMapOvr>
+</p:sld>
+</file>
+
+<file path=ppt/slides/slide11.xml><?xml version="1.0" encoding="utf-8"?>
+<p:sld xmlns:a="http://schemas.openxmlformats.org/drawingml/2006/main" xmlns:r="http://schemas.openxmlformats.org/officeDocument/2006/relationships" xmlns:p="http://schemas.openxmlformats.org/presentationml/2006/main">
+  <p:cSld>
+    <p:spTree>
+      <p:nvGrpSpPr>
+        <p:cNvPr id="1" name=""/>
+        <p:cNvGrpSpPr/>
+        <p:nvPr/>
+      </p:nvGrpSpPr>
+      <p:grpSpPr>
+        <a:xfrm>
+          <a:off x="0" y="0"/>
+          <a:ext cx="0" cy="0"/>
+          <a:chOff x="0" y="0"/>
+          <a:chExt cx="0" cy="0"/>
+        </a:xfrm>
+      </p:grpSpPr>
       <p:sp>
         <p:nvSpPr>
           <p:cNvPr id="2" name="제목 1"/>
@@ -5270,7 +5364,7 @@
 </p:sld>
 </file>
 
-<file path=ppt/slides/slide11.xml><?xml version="1.0" encoding="utf-8"?>
+<file path=ppt/slides/slide12.xml><?xml version="1.0" encoding="utf-8"?>
 <p:sld xmlns:a="http://schemas.openxmlformats.org/drawingml/2006/main" xmlns:r="http://schemas.openxmlformats.org/officeDocument/2006/relationships" xmlns:p="http://schemas.openxmlformats.org/presentationml/2006/main">
   <p:cSld>
     <p:spTree>
@@ -5309,6 +5403,36 @@
           <a:prstGeom prst="rect">
             <a:avLst/>
           </a:prstGeom>
+          <a:solidFill>
+            <a:srgbClr val="FFFFFF">
+              <a:shade val="85000"/>
+            </a:srgbClr>
+          </a:solidFill>
+          <a:ln w="88900" cap="sq">
+            <a:solidFill>
+              <a:srgbClr val="FFFFFF"/>
+            </a:solidFill>
+            <a:miter lim="800000"/>
+          </a:ln>
+          <a:effectLst>
+            <a:outerShdw blurRad="55000" dist="18000" dir="5400000" algn="tl" rotWithShape="0">
+              <a:srgbClr val="000000">
+                <a:alpha val="40000"/>
+              </a:srgbClr>
+            </a:outerShdw>
+          </a:effectLst>
+          <a:scene3d>
+            <a:camera prst="orthographicFront"/>
+            <a:lightRig rig="twoPt" dir="t">
+              <a:rot lat="0" lon="0" rev="7200000"/>
+            </a:lightRig>
+          </a:scene3d>
+          <a:sp3d>
+            <a:bevelT w="25400" h="19050"/>
+            <a:contourClr>
+              <a:srgbClr val="FFFFFF"/>
+            </a:contourClr>
+          </a:sp3d>
         </p:spPr>
       </p:pic>
       <p:sp>
@@ -5487,7 +5611,7 @@
 </p:sld>
 </file>
 
-<file path=ppt/slides/slide12.xml><?xml version="1.0" encoding="utf-8"?>
+<file path=ppt/slides/slide13.xml><?xml version="1.0" encoding="utf-8"?>
 <p:sld xmlns:a="http://schemas.openxmlformats.org/drawingml/2006/main" xmlns:r="http://schemas.openxmlformats.org/officeDocument/2006/relationships" xmlns:p="http://schemas.openxmlformats.org/presentationml/2006/main">
   <p:cSld>
     <p:spTree>
@@ -5526,6 +5650,36 @@
           <a:prstGeom prst="rect">
             <a:avLst/>
           </a:prstGeom>
+          <a:solidFill>
+            <a:srgbClr val="FFFFFF">
+              <a:shade val="85000"/>
+            </a:srgbClr>
+          </a:solidFill>
+          <a:ln w="88900" cap="sq">
+            <a:solidFill>
+              <a:srgbClr val="FFFFFF"/>
+            </a:solidFill>
+            <a:miter lim="800000"/>
+          </a:ln>
+          <a:effectLst>
+            <a:outerShdw blurRad="55000" dist="18000" dir="5400000" algn="tl" rotWithShape="0">
+              <a:srgbClr val="000000">
+                <a:alpha val="40000"/>
+              </a:srgbClr>
+            </a:outerShdw>
+          </a:effectLst>
+          <a:scene3d>
+            <a:camera prst="orthographicFront"/>
+            <a:lightRig rig="twoPt" dir="t">
+              <a:rot lat="0" lon="0" rev="7200000"/>
+            </a:lightRig>
+          </a:scene3d>
+          <a:sp3d>
+            <a:bevelT w="25400" h="19050"/>
+            <a:contourClr>
+              <a:srgbClr val="FFFFFF"/>
+            </a:contourClr>
+          </a:sp3d>
         </p:spPr>
       </p:pic>
       <p:sp>
@@ -5704,7 +5858,7 @@
 </p:sld>
 </file>
 
-<file path=ppt/slides/slide13.xml><?xml version="1.0" encoding="utf-8"?>
+<file path=ppt/slides/slide14.xml><?xml version="1.0" encoding="utf-8"?>
 <p:sld xmlns:a="http://schemas.openxmlformats.org/drawingml/2006/main" xmlns:r="http://schemas.openxmlformats.org/officeDocument/2006/relationships" xmlns:p="http://schemas.openxmlformats.org/presentationml/2006/main">
   <p:cSld>
     <p:spTree>
@@ -5743,6 +5897,36 @@
           <a:prstGeom prst="rect">
             <a:avLst/>
           </a:prstGeom>
+          <a:solidFill>
+            <a:srgbClr val="FFFFFF">
+              <a:shade val="85000"/>
+            </a:srgbClr>
+          </a:solidFill>
+          <a:ln w="88900" cap="sq">
+            <a:solidFill>
+              <a:srgbClr val="FFFFFF"/>
+            </a:solidFill>
+            <a:miter lim="800000"/>
+          </a:ln>
+          <a:effectLst>
+            <a:outerShdw blurRad="55000" dist="18000" dir="5400000" algn="tl" rotWithShape="0">
+              <a:srgbClr val="000000">
+                <a:alpha val="40000"/>
+              </a:srgbClr>
+            </a:outerShdw>
+          </a:effectLst>
+          <a:scene3d>
+            <a:camera prst="orthographicFront"/>
+            <a:lightRig rig="twoPt" dir="t">
+              <a:rot lat="0" lon="0" rev="7200000"/>
+            </a:lightRig>
+          </a:scene3d>
+          <a:sp3d>
+            <a:bevelT w="25400" h="19050"/>
+            <a:contourClr>
+              <a:srgbClr val="FFFFFF"/>
+            </a:contourClr>
+          </a:sp3d>
         </p:spPr>
       </p:pic>
       <p:sp>
@@ -9450,7 +9634,7 @@
         </p:blipFill>
         <p:spPr>
           <a:xfrm>
-            <a:off x="6093722" y="146387"/>
+            <a:off x="637383" y="1102515"/>
             <a:ext cx="6046976" cy="2266804"/>
           </a:xfrm>
           <a:prstGeom prst="rect">
@@ -9516,7 +9700,7 @@
         </p:blipFill>
         <p:spPr>
           <a:xfrm>
-            <a:off x="119439" y="1421511"/>
+            <a:off x="5505995" y="1647956"/>
             <a:ext cx="6048622" cy="5067589"/>
           </a:xfrm>
           <a:prstGeom prst="rect">

--- a/윤유비_발표자료.pptx
+++ b/윤유비_발표자료.pptx
@@ -5,40 +5,53 @@
     <p:sldMasterId id="2147483648" r:id="rId1"/>
   </p:sldMasterIdLst>
   <p:notesMasterIdLst>
-    <p:notesMasterId r:id="rId16"/>
+    <p:notesMasterId r:id="rId21"/>
   </p:notesMasterIdLst>
   <p:sldIdLst>
     <p:sldId id="259" r:id="rId2"/>
-    <p:sldId id="265" r:id="rId3"/>
-    <p:sldId id="277" r:id="rId4"/>
-    <p:sldId id="260" r:id="rId5"/>
-    <p:sldId id="274" r:id="rId6"/>
-    <p:sldId id="275" r:id="rId7"/>
-    <p:sldId id="271" r:id="rId8"/>
-    <p:sldId id="270" r:id="rId9"/>
-    <p:sldId id="278" r:id="rId10"/>
-    <p:sldId id="279" r:id="rId11"/>
-    <p:sldId id="273" r:id="rId12"/>
-    <p:sldId id="256" r:id="rId13"/>
-    <p:sldId id="257" r:id="rId14"/>
-    <p:sldId id="258" r:id="rId15"/>
+    <p:sldId id="277" r:id="rId3"/>
+    <p:sldId id="280" r:id="rId4"/>
+    <p:sldId id="265" r:id="rId5"/>
+    <p:sldId id="260" r:id="rId6"/>
+    <p:sldId id="274" r:id="rId7"/>
+    <p:sldId id="275" r:id="rId8"/>
+    <p:sldId id="271" r:id="rId9"/>
+    <p:sldId id="270" r:id="rId10"/>
+    <p:sldId id="278" r:id="rId11"/>
+    <p:sldId id="281" r:id="rId12"/>
+    <p:sldId id="282" r:id="rId13"/>
+    <p:sldId id="283" r:id="rId14"/>
+    <p:sldId id="285" r:id="rId15"/>
+    <p:sldId id="284" r:id="rId16"/>
+    <p:sldId id="273" r:id="rId17"/>
+    <p:sldId id="256" r:id="rId18"/>
+    <p:sldId id="257" r:id="rId19"/>
+    <p:sldId id="258" r:id="rId20"/>
   </p:sldIdLst>
   <p:sldSz cx="12192000" cy="6858000"/>
   <p:notesSz cx="6858000" cy="9144000"/>
   <p:embeddedFontLst>
     <p:embeddedFont>
+      <p:font typeface="HY헤드라인M" panose="02030600000101010101" pitchFamily="18" charset="-127"/>
+      <p:regular r:id="rId22"/>
+    </p:embeddedFont>
+    <p:embeddedFont>
+      <p:font typeface="Arial Black" panose="020B0A04020102020204" pitchFamily="34" charset="0"/>
+      <p:bold r:id="rId23"/>
+    </p:embeddedFont>
+    <p:embeddedFont>
       <p:font typeface="HY견고딕" panose="02030600000101010101" pitchFamily="18" charset="-127"/>
-      <p:regular r:id="rId17"/>
+      <p:regular r:id="rId24"/>
     </p:embeddedFont>
     <p:embeddedFont>
       <p:font typeface="Segoe UI Black" panose="020B0A02040204020203" pitchFamily="34" charset="0"/>
-      <p:bold r:id="rId18"/>
-      <p:boldItalic r:id="rId19"/>
+      <p:bold r:id="rId25"/>
+      <p:boldItalic r:id="rId26"/>
     </p:embeddedFont>
     <p:embeddedFont>
       <p:font typeface="맑은 고딕" panose="020B0503020000020004" pitchFamily="50" charset="-127"/>
-      <p:regular r:id="rId20"/>
-      <p:bold r:id="rId21"/>
+      <p:regular r:id="rId27"/>
+      <p:bold r:id="rId28"/>
     </p:embeddedFont>
   </p:embeddedFontLst>
   <p:defaultTextStyle>
@@ -4940,12 +4953,268 @@
           <a:chExt cx="0" cy="0"/>
         </a:xfrm>
       </p:grpSpPr>
+      <p:sp>
+        <p:nvSpPr>
+          <p:cNvPr id="9" name="직사각형 8">
+            <a:extLst>
+              <a:ext uri="{FF2B5EF4-FFF2-40B4-BE49-F238E27FC236}">
+                <a16:creationId xmlns:a16="http://schemas.microsoft.com/office/drawing/2014/main" id="{39A510E2-D9D5-4D5A-A304-57829E4DA548}"/>
+              </a:ext>
+            </a:extLst>
+          </p:cNvPr>
+          <p:cNvSpPr/>
+          <p:nvPr/>
+        </p:nvSpPr>
+        <p:spPr>
+          <a:xfrm>
+            <a:off x="-4555" y="0"/>
+            <a:ext cx="12196555" cy="6858000"/>
+          </a:xfrm>
+          <a:prstGeom prst="rect">
+            <a:avLst/>
+          </a:prstGeom>
+          <a:solidFill>
+            <a:schemeClr val="bg1">
+              <a:lumMod val="95000"/>
+            </a:schemeClr>
+          </a:solidFill>
+          <a:ln>
+            <a:noFill/>
+          </a:ln>
+        </p:spPr>
+        <p:style>
+          <a:lnRef idx="2">
+            <a:schemeClr val="accent1">
+              <a:shade val="50000"/>
+            </a:schemeClr>
+          </a:lnRef>
+          <a:fillRef idx="1">
+            <a:schemeClr val="accent1"/>
+          </a:fillRef>
+          <a:effectRef idx="0">
+            <a:schemeClr val="accent1"/>
+          </a:effectRef>
+          <a:fontRef idx="minor">
+            <a:schemeClr val="lt1"/>
+          </a:fontRef>
+        </p:style>
+        <p:txBody>
+          <a:bodyPr rtlCol="0" anchor="ctr"/>
+          <a:lstStyle/>
+          <a:p>
+            <a:pPr algn="ctr"/>
+            <a:endParaRPr lang="ko-KR" altLang="en-US"/>
+          </a:p>
+        </p:txBody>
+      </p:sp>
+      <p:sp>
+        <p:nvSpPr>
+          <p:cNvPr id="4" name="직사각형 3">
+            <a:extLst>
+              <a:ext uri="{FF2B5EF4-FFF2-40B4-BE49-F238E27FC236}">
+                <a16:creationId xmlns:a16="http://schemas.microsoft.com/office/drawing/2014/main" id="{905A6768-C509-40A1-8F38-868F5189A211}"/>
+              </a:ext>
+            </a:extLst>
+          </p:cNvPr>
+          <p:cNvSpPr/>
+          <p:nvPr/>
+        </p:nvSpPr>
+        <p:spPr>
+          <a:xfrm flipV="1">
+            <a:off x="-205891" y="687896"/>
+            <a:ext cx="5306397" cy="45719"/>
+          </a:xfrm>
+          <a:prstGeom prst="rect">
+            <a:avLst/>
+          </a:prstGeom>
+          <a:solidFill>
+            <a:schemeClr val="tx1"/>
+          </a:solidFill>
+          <a:ln>
+            <a:noFill/>
+          </a:ln>
+        </p:spPr>
+        <p:style>
+          <a:lnRef idx="2">
+            <a:schemeClr val="accent1">
+              <a:shade val="50000"/>
+            </a:schemeClr>
+          </a:lnRef>
+          <a:fillRef idx="1">
+            <a:schemeClr val="accent1"/>
+          </a:fillRef>
+          <a:effectRef idx="0">
+            <a:schemeClr val="accent1"/>
+          </a:effectRef>
+          <a:fontRef idx="minor">
+            <a:schemeClr val="lt1"/>
+          </a:fontRef>
+        </p:style>
+        <p:txBody>
+          <a:bodyPr rtlCol="0" anchor="ctr"/>
+          <a:lstStyle/>
+          <a:p>
+            <a:pPr algn="ctr"/>
+            <a:endParaRPr lang="ko-KR" altLang="en-US"/>
+          </a:p>
+        </p:txBody>
+      </p:sp>
+      <p:sp>
+        <p:nvSpPr>
+          <p:cNvPr id="5" name="이등변 삼각형 4">
+            <a:extLst>
+              <a:ext uri="{FF2B5EF4-FFF2-40B4-BE49-F238E27FC236}">
+                <a16:creationId xmlns:a16="http://schemas.microsoft.com/office/drawing/2014/main" id="{3D646951-F794-4A1A-A846-4AE70C9462AB}"/>
+              </a:ext>
+            </a:extLst>
+          </p:cNvPr>
+          <p:cNvSpPr/>
+          <p:nvPr/>
+        </p:nvSpPr>
+        <p:spPr>
+          <a:xfrm>
+            <a:off x="-646493" y="0"/>
+            <a:ext cx="1283876" cy="733615"/>
+          </a:xfrm>
+          <a:prstGeom prst="triangle">
+            <a:avLst/>
+          </a:prstGeom>
+          <a:solidFill>
+            <a:schemeClr val="tx1"/>
+          </a:solidFill>
+          <a:ln>
+            <a:noFill/>
+          </a:ln>
+        </p:spPr>
+        <p:style>
+          <a:lnRef idx="2">
+            <a:schemeClr val="accent1">
+              <a:shade val="50000"/>
+            </a:schemeClr>
+          </a:lnRef>
+          <a:fillRef idx="1">
+            <a:schemeClr val="accent1"/>
+          </a:fillRef>
+          <a:effectRef idx="0">
+            <a:schemeClr val="accent1"/>
+          </a:effectRef>
+          <a:fontRef idx="minor">
+            <a:schemeClr val="lt1"/>
+          </a:fontRef>
+        </p:style>
+        <p:txBody>
+          <a:bodyPr rtlCol="0" anchor="ctr"/>
+          <a:lstStyle/>
+          <a:p>
+            <a:pPr algn="ctr"/>
+            <a:endParaRPr lang="ko-KR" altLang="en-US"/>
+          </a:p>
+        </p:txBody>
+      </p:sp>
+      <p:sp>
+        <p:nvSpPr>
+          <p:cNvPr id="6" name="TextBox 5">
+            <a:extLst>
+              <a:ext uri="{FF2B5EF4-FFF2-40B4-BE49-F238E27FC236}">
+                <a16:creationId xmlns:a16="http://schemas.microsoft.com/office/drawing/2014/main" id="{3F976487-C200-4E85-A920-C27A40CEEABD}"/>
+              </a:ext>
+            </a:extLst>
+          </p:cNvPr>
+          <p:cNvSpPr txBox="1"/>
+          <p:nvPr/>
+        </p:nvSpPr>
+        <p:spPr>
+          <a:xfrm>
+            <a:off x="637383" y="318996"/>
+            <a:ext cx="3481431" cy="369332"/>
+          </a:xfrm>
+          <a:prstGeom prst="rect">
+            <a:avLst/>
+          </a:prstGeom>
+          <a:noFill/>
+        </p:spPr>
+        <p:txBody>
+          <a:bodyPr wrap="square" rtlCol="0">
+            <a:spAutoFit/>
+          </a:bodyPr>
+          <a:lstStyle/>
+          <a:p>
+            <a:r>
+              <a:rPr lang="ko-KR" altLang="en-US" b="1" dirty="0">
+                <a:latin typeface="+mj-lt"/>
+              </a:rPr>
+              <a:t>웹접근성 체크리스트 </a:t>
+            </a:r>
+            <a:r>
+              <a:rPr lang="en-US" altLang="ko-KR" b="1" dirty="0">
+                <a:latin typeface="+mj-lt"/>
+              </a:rPr>
+              <a:t>1</a:t>
+            </a:r>
+            <a:endParaRPr lang="ko-KR" altLang="en-US" b="1" dirty="0">
+              <a:latin typeface="+mj-lt"/>
+            </a:endParaRPr>
+          </a:p>
+        </p:txBody>
+      </p:sp>
+      <p:sp>
+        <p:nvSpPr>
+          <p:cNvPr id="11" name="직사각형 10">
+            <a:extLst>
+              <a:ext uri="{FF2B5EF4-FFF2-40B4-BE49-F238E27FC236}">
+                <a16:creationId xmlns:a16="http://schemas.microsoft.com/office/drawing/2014/main" id="{5D8F33CB-56E7-4879-8DB1-7DFF1DDE3F7A}"/>
+              </a:ext>
+            </a:extLst>
+          </p:cNvPr>
+          <p:cNvSpPr/>
+          <p:nvPr/>
+        </p:nvSpPr>
+        <p:spPr>
+          <a:xfrm flipV="1">
+            <a:off x="-39825" y="-78370"/>
+            <a:ext cx="12757535" cy="265903"/>
+          </a:xfrm>
+          <a:prstGeom prst="rect">
+            <a:avLst/>
+          </a:prstGeom>
+          <a:solidFill>
+            <a:schemeClr val="tx1"/>
+          </a:solidFill>
+          <a:ln>
+            <a:noFill/>
+          </a:ln>
+        </p:spPr>
+        <p:style>
+          <a:lnRef idx="2">
+            <a:schemeClr val="accent1">
+              <a:shade val="50000"/>
+            </a:schemeClr>
+          </a:lnRef>
+          <a:fillRef idx="1">
+            <a:schemeClr val="accent1"/>
+          </a:fillRef>
+          <a:effectRef idx="0">
+            <a:schemeClr val="accent1"/>
+          </a:effectRef>
+          <a:fontRef idx="minor">
+            <a:schemeClr val="lt1"/>
+          </a:fontRef>
+        </p:style>
+        <p:txBody>
+          <a:bodyPr rtlCol="0" anchor="ctr"/>
+          <a:lstStyle/>
+          <a:p>
+            <a:pPr algn="ctr"/>
+            <a:endParaRPr lang="ko-KR" altLang="en-US"/>
+          </a:p>
+        </p:txBody>
+      </p:sp>
       <p:pic>
         <p:nvPicPr>
-          <p:cNvPr id="4" name="그림 3">
+          <p:cNvPr id="7" name="그림 6">
             <a:extLst>
               <a:ext uri="{FF2B5EF4-FFF2-40B4-BE49-F238E27FC236}">
-                <a16:creationId xmlns:a16="http://schemas.microsoft.com/office/drawing/2014/main" id="{246CA2C0-7167-42AE-9421-726D79E50E99}"/>
+                <a16:creationId xmlns:a16="http://schemas.microsoft.com/office/drawing/2014/main" id="{F3E5B807-59A1-4004-BB80-D4650CA4EA93}"/>
               </a:ext>
             </a:extLst>
           </p:cNvPr>
@@ -4955,27 +5224,475 @@
           <p:nvPr/>
         </p:nvPicPr>
         <p:blipFill>
-          <a:blip r:embed="rId2"/>
+          <a:blip r:embed="rId2">
+            <a:extLst>
+              <a:ext uri="{28A0092B-C50C-407E-A947-70E740481C1C}">
+                <a14:useLocalDpi xmlns:a14="http://schemas.microsoft.com/office/drawing/2010/main" val="0"/>
+              </a:ext>
+            </a:extLst>
+          </a:blip>
           <a:stretch>
             <a:fillRect/>
           </a:stretch>
         </p:blipFill>
         <p:spPr>
           <a:xfrm>
-            <a:off x="-59821" y="2697334"/>
-            <a:ext cx="12192000" cy="3958703"/>
+            <a:off x="5050368" y="366807"/>
+            <a:ext cx="6045640" cy="6497326"/>
           </a:xfrm>
           <a:prstGeom prst="rect">
             <a:avLst/>
           </a:prstGeom>
+          <a:solidFill>
+            <a:srgbClr val="FFFFFF">
+              <a:shade val="85000"/>
+            </a:srgbClr>
+          </a:solidFill>
+          <a:ln w="88900" cap="sq">
+            <a:solidFill>
+              <a:srgbClr val="FFFFFF"/>
+            </a:solidFill>
+            <a:miter lim="800000"/>
+          </a:ln>
+          <a:effectLst>
+            <a:outerShdw blurRad="55000" dist="18000" dir="5400000" algn="tl" rotWithShape="0">
+              <a:srgbClr val="000000">
+                <a:alpha val="40000"/>
+              </a:srgbClr>
+            </a:outerShdw>
+          </a:effectLst>
+          <a:scene3d>
+            <a:camera prst="orthographicFront"/>
+            <a:lightRig rig="twoPt" dir="t">
+              <a:rot lat="0" lon="0" rev="7200000"/>
+            </a:lightRig>
+          </a:scene3d>
+          <a:sp3d>
+            <a:bevelT w="25400" h="19050"/>
+            <a:contourClr>
+              <a:srgbClr val="FFFFFF"/>
+            </a:contourClr>
+          </a:sp3d>
         </p:spPr>
       </p:pic>
+    </p:spTree>
+    <p:extLst>
+      <p:ext uri="{BB962C8B-B14F-4D97-AF65-F5344CB8AC3E}">
+        <p14:creationId xmlns:p14="http://schemas.microsoft.com/office/powerpoint/2010/main" val="456323170"/>
+      </p:ext>
+    </p:extLst>
+  </p:cSld>
+  <p:clrMapOvr>
+    <a:masterClrMapping/>
+  </p:clrMapOvr>
+  <p:timing>
+    <p:tnLst>
+      <p:par>
+        <p:cTn id="1" dur="indefinite" restart="never" nodeType="tmRoot">
+          <p:childTnLst>
+            <p:seq concurrent="1" nextAc="seek">
+              <p:cTn id="2" dur="indefinite" nodeType="mainSeq">
+                <p:childTnLst>
+                  <p:par>
+                    <p:cTn id="3" fill="hold">
+                      <p:stCondLst>
+                        <p:cond delay="indefinite"/>
+                        <p:cond evt="onBegin" delay="0">
+                          <p:tn val="2"/>
+                        </p:cond>
+                      </p:stCondLst>
+                      <p:childTnLst>
+                        <p:par>
+                          <p:cTn id="4" fill="hold">
+                            <p:stCondLst>
+                              <p:cond delay="0"/>
+                            </p:stCondLst>
+                            <p:childTnLst>
+                              <p:par>
+                                <p:cTn id="5" presetID="42" presetClass="entr" presetSubtype="0" fill="hold" nodeType="withEffect">
+                                  <p:stCondLst>
+                                    <p:cond delay="0"/>
+                                  </p:stCondLst>
+                                  <p:childTnLst>
+                                    <p:set>
+                                      <p:cBhvr>
+                                        <p:cTn id="6" dur="1" fill="hold">
+                                          <p:stCondLst>
+                                            <p:cond delay="0"/>
+                                          </p:stCondLst>
+                                        </p:cTn>
+                                        <p:tgtEl>
+                                          <p:spTgt spid="7"/>
+                                        </p:tgtEl>
+                                        <p:attrNameLst>
+                                          <p:attrName>style.visibility</p:attrName>
+                                        </p:attrNameLst>
+                                      </p:cBhvr>
+                                      <p:to>
+                                        <p:strVal val="visible"/>
+                                      </p:to>
+                                    </p:set>
+                                    <p:animEffect transition="in" filter="fade">
+                                      <p:cBhvr>
+                                        <p:cTn id="7" dur="1000"/>
+                                        <p:tgtEl>
+                                          <p:spTgt spid="7"/>
+                                        </p:tgtEl>
+                                      </p:cBhvr>
+                                    </p:animEffect>
+                                    <p:anim calcmode="lin" valueType="num">
+                                      <p:cBhvr>
+                                        <p:cTn id="8" dur="1000" fill="hold"/>
+                                        <p:tgtEl>
+                                          <p:spTgt spid="7"/>
+                                        </p:tgtEl>
+                                        <p:attrNameLst>
+                                          <p:attrName>ppt_x</p:attrName>
+                                        </p:attrNameLst>
+                                      </p:cBhvr>
+                                      <p:tavLst>
+                                        <p:tav tm="0">
+                                          <p:val>
+                                            <p:strVal val="#ppt_x"/>
+                                          </p:val>
+                                        </p:tav>
+                                        <p:tav tm="100000">
+                                          <p:val>
+                                            <p:strVal val="#ppt_x"/>
+                                          </p:val>
+                                        </p:tav>
+                                      </p:tavLst>
+                                    </p:anim>
+                                    <p:anim calcmode="lin" valueType="num">
+                                      <p:cBhvr>
+                                        <p:cTn id="9" dur="1000" fill="hold"/>
+                                        <p:tgtEl>
+                                          <p:spTgt spid="7"/>
+                                        </p:tgtEl>
+                                        <p:attrNameLst>
+                                          <p:attrName>ppt_y</p:attrName>
+                                        </p:attrNameLst>
+                                      </p:cBhvr>
+                                      <p:tavLst>
+                                        <p:tav tm="0">
+                                          <p:val>
+                                            <p:strVal val="#ppt_y+.1"/>
+                                          </p:val>
+                                        </p:tav>
+                                        <p:tav tm="100000">
+                                          <p:val>
+                                            <p:strVal val="#ppt_y"/>
+                                          </p:val>
+                                        </p:tav>
+                                      </p:tavLst>
+                                    </p:anim>
+                                  </p:childTnLst>
+                                </p:cTn>
+                              </p:par>
+                            </p:childTnLst>
+                          </p:cTn>
+                        </p:par>
+                      </p:childTnLst>
+                    </p:cTn>
+                  </p:par>
+                </p:childTnLst>
+              </p:cTn>
+              <p:prevCondLst>
+                <p:cond evt="onPrev" delay="0">
+                  <p:tgtEl>
+                    <p:sldTgt/>
+                  </p:tgtEl>
+                </p:cond>
+              </p:prevCondLst>
+              <p:nextCondLst>
+                <p:cond evt="onNext" delay="0">
+                  <p:tgtEl>
+                    <p:sldTgt/>
+                  </p:tgtEl>
+                </p:cond>
+              </p:nextCondLst>
+            </p:seq>
+          </p:childTnLst>
+        </p:cTn>
+      </p:par>
+    </p:tnLst>
+  </p:timing>
+</p:sld>
+</file>
+
+<file path=ppt/slides/slide11.xml><?xml version="1.0" encoding="utf-8"?>
+<p:sld xmlns:a="http://schemas.openxmlformats.org/drawingml/2006/main" xmlns:r="http://schemas.openxmlformats.org/officeDocument/2006/relationships" xmlns:p="http://schemas.openxmlformats.org/presentationml/2006/main">
+  <p:cSld>
+    <p:spTree>
+      <p:nvGrpSpPr>
+        <p:cNvPr id="1" name=""/>
+        <p:cNvGrpSpPr/>
+        <p:nvPr/>
+      </p:nvGrpSpPr>
+      <p:grpSpPr>
+        <a:xfrm>
+          <a:off x="0" y="0"/>
+          <a:ext cx="0" cy="0"/>
+          <a:chOff x="0" y="0"/>
+          <a:chExt cx="0" cy="0"/>
+        </a:xfrm>
+      </p:grpSpPr>
+      <p:sp>
+        <p:nvSpPr>
+          <p:cNvPr id="4" name="직사각형 3">
+            <a:extLst>
+              <a:ext uri="{FF2B5EF4-FFF2-40B4-BE49-F238E27FC236}">
+                <a16:creationId xmlns:a16="http://schemas.microsoft.com/office/drawing/2014/main" id="{395087A4-3F15-456C-9C64-EDA56DA34F9E}"/>
+              </a:ext>
+            </a:extLst>
+          </p:cNvPr>
+          <p:cNvSpPr/>
+          <p:nvPr/>
+        </p:nvSpPr>
+        <p:spPr>
+          <a:xfrm>
+            <a:off x="-4555" y="0"/>
+            <a:ext cx="12196555" cy="6858000"/>
+          </a:xfrm>
+          <a:prstGeom prst="rect">
+            <a:avLst/>
+          </a:prstGeom>
+          <a:solidFill>
+            <a:schemeClr val="bg1">
+              <a:lumMod val="95000"/>
+            </a:schemeClr>
+          </a:solidFill>
+          <a:ln>
+            <a:noFill/>
+          </a:ln>
+        </p:spPr>
+        <p:style>
+          <a:lnRef idx="2">
+            <a:schemeClr val="accent1">
+              <a:shade val="50000"/>
+            </a:schemeClr>
+          </a:lnRef>
+          <a:fillRef idx="1">
+            <a:schemeClr val="accent1"/>
+          </a:fillRef>
+          <a:effectRef idx="0">
+            <a:schemeClr val="accent1"/>
+          </a:effectRef>
+          <a:fontRef idx="minor">
+            <a:schemeClr val="lt1"/>
+          </a:fontRef>
+        </p:style>
+        <p:txBody>
+          <a:bodyPr rtlCol="0" anchor="ctr"/>
+          <a:lstStyle/>
+          <a:p>
+            <a:pPr algn="ctr"/>
+            <a:endParaRPr lang="ko-KR" altLang="en-US"/>
+          </a:p>
+        </p:txBody>
+      </p:sp>
+      <p:sp>
+        <p:nvSpPr>
+          <p:cNvPr id="5" name="직사각형 4">
+            <a:extLst>
+              <a:ext uri="{FF2B5EF4-FFF2-40B4-BE49-F238E27FC236}">
+                <a16:creationId xmlns:a16="http://schemas.microsoft.com/office/drawing/2014/main" id="{F30D7768-DD57-4F31-A37F-CAA802ADCDA7}"/>
+              </a:ext>
+            </a:extLst>
+          </p:cNvPr>
+          <p:cNvSpPr/>
+          <p:nvPr/>
+        </p:nvSpPr>
+        <p:spPr>
+          <a:xfrm flipV="1">
+            <a:off x="-205891" y="687896"/>
+            <a:ext cx="5306397" cy="45719"/>
+          </a:xfrm>
+          <a:prstGeom prst="rect">
+            <a:avLst/>
+          </a:prstGeom>
+          <a:solidFill>
+            <a:schemeClr val="tx1"/>
+          </a:solidFill>
+          <a:ln>
+            <a:noFill/>
+          </a:ln>
+        </p:spPr>
+        <p:style>
+          <a:lnRef idx="2">
+            <a:schemeClr val="accent1">
+              <a:shade val="50000"/>
+            </a:schemeClr>
+          </a:lnRef>
+          <a:fillRef idx="1">
+            <a:schemeClr val="accent1"/>
+          </a:fillRef>
+          <a:effectRef idx="0">
+            <a:schemeClr val="accent1"/>
+          </a:effectRef>
+          <a:fontRef idx="minor">
+            <a:schemeClr val="lt1"/>
+          </a:fontRef>
+        </p:style>
+        <p:txBody>
+          <a:bodyPr rtlCol="0" anchor="ctr"/>
+          <a:lstStyle/>
+          <a:p>
+            <a:pPr algn="ctr"/>
+            <a:endParaRPr lang="ko-KR" altLang="en-US"/>
+          </a:p>
+        </p:txBody>
+      </p:sp>
+      <p:sp>
+        <p:nvSpPr>
+          <p:cNvPr id="6" name="이등변 삼각형 5">
+            <a:extLst>
+              <a:ext uri="{FF2B5EF4-FFF2-40B4-BE49-F238E27FC236}">
+                <a16:creationId xmlns:a16="http://schemas.microsoft.com/office/drawing/2014/main" id="{8F9CF721-3D63-4C6D-8242-F5F707B1397D}"/>
+              </a:ext>
+            </a:extLst>
+          </p:cNvPr>
+          <p:cNvSpPr/>
+          <p:nvPr/>
+        </p:nvSpPr>
+        <p:spPr>
+          <a:xfrm>
+            <a:off x="-646493" y="0"/>
+            <a:ext cx="1283876" cy="733615"/>
+          </a:xfrm>
+          <a:prstGeom prst="triangle">
+            <a:avLst/>
+          </a:prstGeom>
+          <a:solidFill>
+            <a:schemeClr val="tx1"/>
+          </a:solidFill>
+          <a:ln>
+            <a:noFill/>
+          </a:ln>
+        </p:spPr>
+        <p:style>
+          <a:lnRef idx="2">
+            <a:schemeClr val="accent1">
+              <a:shade val="50000"/>
+            </a:schemeClr>
+          </a:lnRef>
+          <a:fillRef idx="1">
+            <a:schemeClr val="accent1"/>
+          </a:fillRef>
+          <a:effectRef idx="0">
+            <a:schemeClr val="accent1"/>
+          </a:effectRef>
+          <a:fontRef idx="minor">
+            <a:schemeClr val="lt1"/>
+          </a:fontRef>
+        </p:style>
+        <p:txBody>
+          <a:bodyPr rtlCol="0" anchor="ctr"/>
+          <a:lstStyle/>
+          <a:p>
+            <a:pPr algn="ctr"/>
+            <a:endParaRPr lang="ko-KR" altLang="en-US"/>
+          </a:p>
+        </p:txBody>
+      </p:sp>
+      <p:sp>
+        <p:nvSpPr>
+          <p:cNvPr id="7" name="TextBox 6">
+            <a:extLst>
+              <a:ext uri="{FF2B5EF4-FFF2-40B4-BE49-F238E27FC236}">
+                <a16:creationId xmlns:a16="http://schemas.microsoft.com/office/drawing/2014/main" id="{61CFD814-F7EF-4774-9C92-DB0C2CB68553}"/>
+              </a:ext>
+            </a:extLst>
+          </p:cNvPr>
+          <p:cNvSpPr txBox="1"/>
+          <p:nvPr/>
+        </p:nvSpPr>
+        <p:spPr>
+          <a:xfrm>
+            <a:off x="637383" y="318996"/>
+            <a:ext cx="4312122" cy="369332"/>
+          </a:xfrm>
+          <a:prstGeom prst="rect">
+            <a:avLst/>
+          </a:prstGeom>
+          <a:noFill/>
+        </p:spPr>
+        <p:txBody>
+          <a:bodyPr wrap="square" rtlCol="0">
+            <a:spAutoFit/>
+          </a:bodyPr>
+          <a:lstStyle/>
+          <a:p>
+            <a:r>
+              <a:rPr lang="ko-KR" altLang="en-US" b="1" dirty="0"/>
+              <a:t>웹접근성 체크리스트 </a:t>
+            </a:r>
+            <a:r>
+              <a:rPr lang="en-US" altLang="ko-KR" b="1" dirty="0"/>
+              <a:t>2</a:t>
+            </a:r>
+            <a:endParaRPr lang="ko-KR" altLang="en-US" b="1" dirty="0"/>
+          </a:p>
+        </p:txBody>
+      </p:sp>
+      <p:sp>
+        <p:nvSpPr>
+          <p:cNvPr id="8" name="직사각형 7">
+            <a:extLst>
+              <a:ext uri="{FF2B5EF4-FFF2-40B4-BE49-F238E27FC236}">
+                <a16:creationId xmlns:a16="http://schemas.microsoft.com/office/drawing/2014/main" id="{5A0424A4-D977-4C57-B6EB-62C47BC19EEC}"/>
+              </a:ext>
+            </a:extLst>
+          </p:cNvPr>
+          <p:cNvSpPr/>
+          <p:nvPr/>
+        </p:nvSpPr>
+        <p:spPr>
+          <a:xfrm flipV="1">
+            <a:off x="-39825" y="-78370"/>
+            <a:ext cx="12757535" cy="265903"/>
+          </a:xfrm>
+          <a:prstGeom prst="rect">
+            <a:avLst/>
+          </a:prstGeom>
+          <a:solidFill>
+            <a:schemeClr val="tx1"/>
+          </a:solidFill>
+          <a:ln>
+            <a:noFill/>
+          </a:ln>
+        </p:spPr>
+        <p:style>
+          <a:lnRef idx="2">
+            <a:schemeClr val="accent1">
+              <a:shade val="50000"/>
+            </a:schemeClr>
+          </a:lnRef>
+          <a:fillRef idx="1">
+            <a:schemeClr val="accent1"/>
+          </a:fillRef>
+          <a:effectRef idx="0">
+            <a:schemeClr val="accent1"/>
+          </a:effectRef>
+          <a:fontRef idx="minor">
+            <a:schemeClr val="lt1"/>
+          </a:fontRef>
+        </p:style>
+        <p:txBody>
+          <a:bodyPr rtlCol="0" anchor="ctr"/>
+          <a:lstStyle/>
+          <a:p>
+            <a:pPr algn="ctr"/>
+            <a:endParaRPr lang="ko-KR" altLang="en-US"/>
+          </a:p>
+        </p:txBody>
+      </p:sp>
       <p:pic>
         <p:nvPicPr>
-          <p:cNvPr id="5" name="그림 4">
+          <p:cNvPr id="10" name="그림 9">
             <a:extLst>
               <a:ext uri="{FF2B5EF4-FFF2-40B4-BE49-F238E27FC236}">
-                <a16:creationId xmlns:a16="http://schemas.microsoft.com/office/drawing/2014/main" id="{A0C8AF47-7D8D-4575-B9EF-4659FB931A2F}"/>
+                <a16:creationId xmlns:a16="http://schemas.microsoft.com/office/drawing/2014/main" id="{1F258291-B1F8-4EB2-B0D6-D84FEA58E997}"/>
               </a:ext>
             </a:extLst>
           </p:cNvPr>
@@ -4985,35 +5702,2075 @@
           <p:nvPr/>
         </p:nvPicPr>
         <p:blipFill>
-          <a:blip r:embed="rId3"/>
+          <a:blip r:embed="rId2">
+            <a:extLst>
+              <a:ext uri="{28A0092B-C50C-407E-A947-70E740481C1C}">
+                <a14:useLocalDpi xmlns:a14="http://schemas.microsoft.com/office/drawing/2010/main" val="0"/>
+              </a:ext>
+            </a:extLst>
+          </a:blip>
           <a:stretch>
             <a:fillRect/>
           </a:stretch>
         </p:blipFill>
         <p:spPr>
           <a:xfrm>
-            <a:off x="0" y="106694"/>
-            <a:ext cx="12192000" cy="3875773"/>
+            <a:off x="5135776" y="366807"/>
+            <a:ext cx="6197481" cy="6411187"/>
           </a:xfrm>
           <a:prstGeom prst="rect">
             <a:avLst/>
           </a:prstGeom>
+          <a:solidFill>
+            <a:srgbClr val="FFFFFF">
+              <a:shade val="85000"/>
+            </a:srgbClr>
+          </a:solidFill>
+          <a:ln w="88900" cap="sq">
+            <a:solidFill>
+              <a:srgbClr val="FFFFFF"/>
+            </a:solidFill>
+            <a:miter lim="800000"/>
+          </a:ln>
+          <a:effectLst>
+            <a:outerShdw blurRad="55000" dist="18000" dir="5400000" algn="tl" rotWithShape="0">
+              <a:srgbClr val="000000">
+                <a:alpha val="40000"/>
+              </a:srgbClr>
+            </a:outerShdw>
+          </a:effectLst>
+          <a:scene3d>
+            <a:camera prst="orthographicFront"/>
+            <a:lightRig rig="twoPt" dir="t">
+              <a:rot lat="0" lon="0" rev="7200000"/>
+            </a:lightRig>
+          </a:scene3d>
+          <a:sp3d>
+            <a:bevelT w="25400" h="19050"/>
+            <a:contourClr>
+              <a:srgbClr val="FFFFFF"/>
+            </a:contourClr>
+          </a:sp3d>
         </p:spPr>
       </p:pic>
     </p:spTree>
     <p:extLst>
       <p:ext uri="{BB962C8B-B14F-4D97-AF65-F5344CB8AC3E}">
-        <p14:creationId xmlns:p14="http://schemas.microsoft.com/office/powerpoint/2010/main" val="1147996509"/>
+        <p14:creationId xmlns:p14="http://schemas.microsoft.com/office/powerpoint/2010/main" val="1323184950"/>
       </p:ext>
     </p:extLst>
   </p:cSld>
   <p:clrMapOvr>
     <a:masterClrMapping/>
   </p:clrMapOvr>
+  <p:timing>
+    <p:tnLst>
+      <p:par>
+        <p:cTn id="1" dur="indefinite" restart="never" nodeType="tmRoot">
+          <p:childTnLst>
+            <p:seq concurrent="1" nextAc="seek">
+              <p:cTn id="2" dur="indefinite" nodeType="mainSeq">
+                <p:childTnLst>
+                  <p:par>
+                    <p:cTn id="3" fill="hold">
+                      <p:stCondLst>
+                        <p:cond delay="indefinite"/>
+                        <p:cond evt="onBegin" delay="0">
+                          <p:tn val="2"/>
+                        </p:cond>
+                      </p:stCondLst>
+                      <p:childTnLst>
+                        <p:par>
+                          <p:cTn id="4" fill="hold">
+                            <p:stCondLst>
+                              <p:cond delay="0"/>
+                            </p:stCondLst>
+                            <p:childTnLst>
+                              <p:par>
+                                <p:cTn id="5" presetID="42" presetClass="entr" presetSubtype="0" fill="hold" nodeType="withEffect">
+                                  <p:stCondLst>
+                                    <p:cond delay="0"/>
+                                  </p:stCondLst>
+                                  <p:childTnLst>
+                                    <p:set>
+                                      <p:cBhvr>
+                                        <p:cTn id="6" dur="1" fill="hold">
+                                          <p:stCondLst>
+                                            <p:cond delay="0"/>
+                                          </p:stCondLst>
+                                        </p:cTn>
+                                        <p:tgtEl>
+                                          <p:spTgt spid="10"/>
+                                        </p:tgtEl>
+                                        <p:attrNameLst>
+                                          <p:attrName>style.visibility</p:attrName>
+                                        </p:attrNameLst>
+                                      </p:cBhvr>
+                                      <p:to>
+                                        <p:strVal val="visible"/>
+                                      </p:to>
+                                    </p:set>
+                                    <p:animEffect transition="in" filter="fade">
+                                      <p:cBhvr>
+                                        <p:cTn id="7" dur="1000"/>
+                                        <p:tgtEl>
+                                          <p:spTgt spid="10"/>
+                                        </p:tgtEl>
+                                      </p:cBhvr>
+                                    </p:animEffect>
+                                    <p:anim calcmode="lin" valueType="num">
+                                      <p:cBhvr>
+                                        <p:cTn id="8" dur="1000" fill="hold"/>
+                                        <p:tgtEl>
+                                          <p:spTgt spid="10"/>
+                                        </p:tgtEl>
+                                        <p:attrNameLst>
+                                          <p:attrName>ppt_x</p:attrName>
+                                        </p:attrNameLst>
+                                      </p:cBhvr>
+                                      <p:tavLst>
+                                        <p:tav tm="0">
+                                          <p:val>
+                                            <p:strVal val="#ppt_x"/>
+                                          </p:val>
+                                        </p:tav>
+                                        <p:tav tm="100000">
+                                          <p:val>
+                                            <p:strVal val="#ppt_x"/>
+                                          </p:val>
+                                        </p:tav>
+                                      </p:tavLst>
+                                    </p:anim>
+                                    <p:anim calcmode="lin" valueType="num">
+                                      <p:cBhvr>
+                                        <p:cTn id="9" dur="1000" fill="hold"/>
+                                        <p:tgtEl>
+                                          <p:spTgt spid="10"/>
+                                        </p:tgtEl>
+                                        <p:attrNameLst>
+                                          <p:attrName>ppt_y</p:attrName>
+                                        </p:attrNameLst>
+                                      </p:cBhvr>
+                                      <p:tavLst>
+                                        <p:tav tm="0">
+                                          <p:val>
+                                            <p:strVal val="#ppt_y+.1"/>
+                                          </p:val>
+                                        </p:tav>
+                                        <p:tav tm="100000">
+                                          <p:val>
+                                            <p:strVal val="#ppt_y"/>
+                                          </p:val>
+                                        </p:tav>
+                                      </p:tavLst>
+                                    </p:anim>
+                                  </p:childTnLst>
+                                </p:cTn>
+                              </p:par>
+                            </p:childTnLst>
+                          </p:cTn>
+                        </p:par>
+                      </p:childTnLst>
+                    </p:cTn>
+                  </p:par>
+                </p:childTnLst>
+              </p:cTn>
+              <p:prevCondLst>
+                <p:cond evt="onPrev" delay="0">
+                  <p:tgtEl>
+                    <p:sldTgt/>
+                  </p:tgtEl>
+                </p:cond>
+              </p:prevCondLst>
+              <p:nextCondLst>
+                <p:cond evt="onNext" delay="0">
+                  <p:tgtEl>
+                    <p:sldTgt/>
+                  </p:tgtEl>
+                </p:cond>
+              </p:nextCondLst>
+            </p:seq>
+          </p:childTnLst>
+        </p:cTn>
+      </p:par>
+    </p:tnLst>
+  </p:timing>
 </p:sld>
 </file>
 
-<file path=ppt/slides/slide11.xml><?xml version="1.0" encoding="utf-8"?>
+<file path=ppt/slides/slide12.xml><?xml version="1.0" encoding="utf-8"?>
+<p:sld xmlns:a="http://schemas.openxmlformats.org/drawingml/2006/main" xmlns:r="http://schemas.openxmlformats.org/officeDocument/2006/relationships" xmlns:p="http://schemas.openxmlformats.org/presentationml/2006/main">
+  <p:cSld>
+    <p:spTree>
+      <p:nvGrpSpPr>
+        <p:cNvPr id="1" name=""/>
+        <p:cNvGrpSpPr/>
+        <p:nvPr/>
+      </p:nvGrpSpPr>
+      <p:grpSpPr>
+        <a:xfrm>
+          <a:off x="0" y="0"/>
+          <a:ext cx="0" cy="0"/>
+          <a:chOff x="0" y="0"/>
+          <a:chExt cx="0" cy="0"/>
+        </a:xfrm>
+      </p:grpSpPr>
+      <p:sp>
+        <p:nvSpPr>
+          <p:cNvPr id="4" name="직사각형 3">
+            <a:extLst>
+              <a:ext uri="{FF2B5EF4-FFF2-40B4-BE49-F238E27FC236}">
+                <a16:creationId xmlns:a16="http://schemas.microsoft.com/office/drawing/2014/main" id="{395087A4-3F15-456C-9C64-EDA56DA34F9E}"/>
+              </a:ext>
+            </a:extLst>
+          </p:cNvPr>
+          <p:cNvSpPr/>
+          <p:nvPr/>
+        </p:nvSpPr>
+        <p:spPr>
+          <a:xfrm>
+            <a:off x="-4555" y="0"/>
+            <a:ext cx="12196555" cy="6858000"/>
+          </a:xfrm>
+          <a:prstGeom prst="rect">
+            <a:avLst/>
+          </a:prstGeom>
+          <a:solidFill>
+            <a:schemeClr val="bg1">
+              <a:lumMod val="95000"/>
+            </a:schemeClr>
+          </a:solidFill>
+          <a:ln>
+            <a:noFill/>
+          </a:ln>
+        </p:spPr>
+        <p:style>
+          <a:lnRef idx="2">
+            <a:schemeClr val="accent1">
+              <a:shade val="50000"/>
+            </a:schemeClr>
+          </a:lnRef>
+          <a:fillRef idx="1">
+            <a:schemeClr val="accent1"/>
+          </a:fillRef>
+          <a:effectRef idx="0">
+            <a:schemeClr val="accent1"/>
+          </a:effectRef>
+          <a:fontRef idx="minor">
+            <a:schemeClr val="lt1"/>
+          </a:fontRef>
+        </p:style>
+        <p:txBody>
+          <a:bodyPr rtlCol="0" anchor="ctr"/>
+          <a:lstStyle/>
+          <a:p>
+            <a:pPr algn="ctr"/>
+            <a:endParaRPr lang="ko-KR" altLang="en-US"/>
+          </a:p>
+        </p:txBody>
+      </p:sp>
+      <p:sp>
+        <p:nvSpPr>
+          <p:cNvPr id="5" name="직사각형 4">
+            <a:extLst>
+              <a:ext uri="{FF2B5EF4-FFF2-40B4-BE49-F238E27FC236}">
+                <a16:creationId xmlns:a16="http://schemas.microsoft.com/office/drawing/2014/main" id="{F30D7768-DD57-4F31-A37F-CAA802ADCDA7}"/>
+              </a:ext>
+            </a:extLst>
+          </p:cNvPr>
+          <p:cNvSpPr/>
+          <p:nvPr/>
+        </p:nvSpPr>
+        <p:spPr>
+          <a:xfrm flipV="1">
+            <a:off x="-205891" y="687896"/>
+            <a:ext cx="5306397" cy="45719"/>
+          </a:xfrm>
+          <a:prstGeom prst="rect">
+            <a:avLst/>
+          </a:prstGeom>
+          <a:solidFill>
+            <a:schemeClr val="tx1"/>
+          </a:solidFill>
+          <a:ln>
+            <a:noFill/>
+          </a:ln>
+        </p:spPr>
+        <p:style>
+          <a:lnRef idx="2">
+            <a:schemeClr val="accent1">
+              <a:shade val="50000"/>
+            </a:schemeClr>
+          </a:lnRef>
+          <a:fillRef idx="1">
+            <a:schemeClr val="accent1"/>
+          </a:fillRef>
+          <a:effectRef idx="0">
+            <a:schemeClr val="accent1"/>
+          </a:effectRef>
+          <a:fontRef idx="minor">
+            <a:schemeClr val="lt1"/>
+          </a:fontRef>
+        </p:style>
+        <p:txBody>
+          <a:bodyPr rtlCol="0" anchor="ctr"/>
+          <a:lstStyle/>
+          <a:p>
+            <a:pPr algn="ctr"/>
+            <a:endParaRPr lang="ko-KR" altLang="en-US"/>
+          </a:p>
+        </p:txBody>
+      </p:sp>
+      <p:sp>
+        <p:nvSpPr>
+          <p:cNvPr id="6" name="이등변 삼각형 5">
+            <a:extLst>
+              <a:ext uri="{FF2B5EF4-FFF2-40B4-BE49-F238E27FC236}">
+                <a16:creationId xmlns:a16="http://schemas.microsoft.com/office/drawing/2014/main" id="{8F9CF721-3D63-4C6D-8242-F5F707B1397D}"/>
+              </a:ext>
+            </a:extLst>
+          </p:cNvPr>
+          <p:cNvSpPr/>
+          <p:nvPr/>
+        </p:nvSpPr>
+        <p:spPr>
+          <a:xfrm>
+            <a:off x="-646493" y="0"/>
+            <a:ext cx="1283876" cy="733615"/>
+          </a:xfrm>
+          <a:prstGeom prst="triangle">
+            <a:avLst/>
+          </a:prstGeom>
+          <a:solidFill>
+            <a:schemeClr val="tx1"/>
+          </a:solidFill>
+          <a:ln>
+            <a:noFill/>
+          </a:ln>
+        </p:spPr>
+        <p:style>
+          <a:lnRef idx="2">
+            <a:schemeClr val="accent1">
+              <a:shade val="50000"/>
+            </a:schemeClr>
+          </a:lnRef>
+          <a:fillRef idx="1">
+            <a:schemeClr val="accent1"/>
+          </a:fillRef>
+          <a:effectRef idx="0">
+            <a:schemeClr val="accent1"/>
+          </a:effectRef>
+          <a:fontRef idx="minor">
+            <a:schemeClr val="lt1"/>
+          </a:fontRef>
+        </p:style>
+        <p:txBody>
+          <a:bodyPr rtlCol="0" anchor="ctr"/>
+          <a:lstStyle/>
+          <a:p>
+            <a:pPr algn="ctr"/>
+            <a:endParaRPr lang="ko-KR" altLang="en-US"/>
+          </a:p>
+        </p:txBody>
+      </p:sp>
+      <p:sp>
+        <p:nvSpPr>
+          <p:cNvPr id="7" name="TextBox 6">
+            <a:extLst>
+              <a:ext uri="{FF2B5EF4-FFF2-40B4-BE49-F238E27FC236}">
+                <a16:creationId xmlns:a16="http://schemas.microsoft.com/office/drawing/2014/main" id="{61CFD814-F7EF-4774-9C92-DB0C2CB68553}"/>
+              </a:ext>
+            </a:extLst>
+          </p:cNvPr>
+          <p:cNvSpPr txBox="1"/>
+          <p:nvPr/>
+        </p:nvSpPr>
+        <p:spPr>
+          <a:xfrm>
+            <a:off x="637383" y="318996"/>
+            <a:ext cx="4312122" cy="369332"/>
+          </a:xfrm>
+          <a:prstGeom prst="rect">
+            <a:avLst/>
+          </a:prstGeom>
+          <a:noFill/>
+        </p:spPr>
+        <p:txBody>
+          <a:bodyPr wrap="square" rtlCol="0">
+            <a:spAutoFit/>
+          </a:bodyPr>
+          <a:lstStyle/>
+          <a:p>
+            <a:r>
+              <a:rPr lang="ko-KR" altLang="en-US" b="1" dirty="0"/>
+              <a:t>검색엔진 최적화 </a:t>
+            </a:r>
+            <a:r>
+              <a:rPr lang="en-US" altLang="ko-KR" b="1" dirty="0"/>
+              <a:t>(SEO)</a:t>
+            </a:r>
+            <a:endParaRPr lang="ko-KR" altLang="en-US" b="1" dirty="0"/>
+          </a:p>
+        </p:txBody>
+      </p:sp>
+      <p:sp>
+        <p:nvSpPr>
+          <p:cNvPr id="8" name="직사각형 7">
+            <a:extLst>
+              <a:ext uri="{FF2B5EF4-FFF2-40B4-BE49-F238E27FC236}">
+                <a16:creationId xmlns:a16="http://schemas.microsoft.com/office/drawing/2014/main" id="{5A0424A4-D977-4C57-B6EB-62C47BC19EEC}"/>
+              </a:ext>
+            </a:extLst>
+          </p:cNvPr>
+          <p:cNvSpPr/>
+          <p:nvPr/>
+        </p:nvSpPr>
+        <p:spPr>
+          <a:xfrm flipV="1">
+            <a:off x="-39825" y="-78370"/>
+            <a:ext cx="12757535" cy="265903"/>
+          </a:xfrm>
+          <a:prstGeom prst="rect">
+            <a:avLst/>
+          </a:prstGeom>
+          <a:solidFill>
+            <a:schemeClr val="tx1"/>
+          </a:solidFill>
+          <a:ln>
+            <a:noFill/>
+          </a:ln>
+        </p:spPr>
+        <p:style>
+          <a:lnRef idx="2">
+            <a:schemeClr val="accent1">
+              <a:shade val="50000"/>
+            </a:schemeClr>
+          </a:lnRef>
+          <a:fillRef idx="1">
+            <a:schemeClr val="accent1"/>
+          </a:fillRef>
+          <a:effectRef idx="0">
+            <a:schemeClr val="accent1"/>
+          </a:effectRef>
+          <a:fontRef idx="minor">
+            <a:schemeClr val="lt1"/>
+          </a:fontRef>
+        </p:style>
+        <p:txBody>
+          <a:bodyPr rtlCol="0" anchor="ctr"/>
+          <a:lstStyle/>
+          <a:p>
+            <a:pPr algn="ctr"/>
+            <a:endParaRPr lang="ko-KR" altLang="en-US"/>
+          </a:p>
+        </p:txBody>
+      </p:sp>
+      <p:pic>
+        <p:nvPicPr>
+          <p:cNvPr id="3" name="그림 2">
+            <a:extLst>
+              <a:ext uri="{FF2B5EF4-FFF2-40B4-BE49-F238E27FC236}">
+                <a16:creationId xmlns:a16="http://schemas.microsoft.com/office/drawing/2014/main" id="{3F08C939-00FC-48CC-B3CC-F877B3BC99D3}"/>
+              </a:ext>
+            </a:extLst>
+          </p:cNvPr>
+          <p:cNvPicPr>
+            <a:picLocks noChangeAspect="1"/>
+          </p:cNvPicPr>
+          <p:nvPr/>
+        </p:nvPicPr>
+        <p:blipFill>
+          <a:blip r:embed="rId2">
+            <a:extLst>
+              <a:ext uri="{28A0092B-C50C-407E-A947-70E740481C1C}">
+                <a14:useLocalDpi xmlns:a14="http://schemas.microsoft.com/office/drawing/2010/main" val="0"/>
+              </a:ext>
+            </a:extLst>
+          </a:blip>
+          <a:stretch>
+            <a:fillRect/>
+          </a:stretch>
+        </p:blipFill>
+        <p:spPr>
+          <a:xfrm>
+            <a:off x="4984775" y="366807"/>
+            <a:ext cx="6577197" cy="6236997"/>
+          </a:xfrm>
+          <a:prstGeom prst="rect">
+            <a:avLst/>
+          </a:prstGeom>
+          <a:solidFill>
+            <a:srgbClr val="FFFFFF">
+              <a:shade val="85000"/>
+            </a:srgbClr>
+          </a:solidFill>
+          <a:ln w="88900" cap="sq">
+            <a:solidFill>
+              <a:srgbClr val="FFFFFF"/>
+            </a:solidFill>
+            <a:miter lim="800000"/>
+          </a:ln>
+          <a:effectLst>
+            <a:outerShdw blurRad="55000" dist="18000" dir="5400000" algn="tl" rotWithShape="0">
+              <a:srgbClr val="000000">
+                <a:alpha val="40000"/>
+              </a:srgbClr>
+            </a:outerShdw>
+          </a:effectLst>
+          <a:scene3d>
+            <a:camera prst="orthographicFront"/>
+            <a:lightRig rig="twoPt" dir="t">
+              <a:rot lat="0" lon="0" rev="7200000"/>
+            </a:lightRig>
+          </a:scene3d>
+          <a:sp3d>
+            <a:bevelT w="25400" h="19050"/>
+            <a:contourClr>
+              <a:srgbClr val="FFFFFF"/>
+            </a:contourClr>
+          </a:sp3d>
+        </p:spPr>
+      </p:pic>
+    </p:spTree>
+    <p:extLst>
+      <p:ext uri="{BB962C8B-B14F-4D97-AF65-F5344CB8AC3E}">
+        <p14:creationId xmlns:p14="http://schemas.microsoft.com/office/powerpoint/2010/main" val="4205651990"/>
+      </p:ext>
+    </p:extLst>
+  </p:cSld>
+  <p:clrMapOvr>
+    <a:masterClrMapping/>
+  </p:clrMapOvr>
+  <p:timing>
+    <p:tnLst>
+      <p:par>
+        <p:cTn id="1" dur="indefinite" restart="never" nodeType="tmRoot">
+          <p:childTnLst>
+            <p:seq concurrent="1" nextAc="seek">
+              <p:cTn id="2" dur="indefinite" nodeType="mainSeq">
+                <p:childTnLst>
+                  <p:par>
+                    <p:cTn id="3" fill="hold">
+                      <p:stCondLst>
+                        <p:cond delay="indefinite"/>
+                        <p:cond evt="onBegin" delay="0">
+                          <p:tn val="2"/>
+                        </p:cond>
+                      </p:stCondLst>
+                      <p:childTnLst>
+                        <p:par>
+                          <p:cTn id="4" fill="hold">
+                            <p:stCondLst>
+                              <p:cond delay="0"/>
+                            </p:stCondLst>
+                            <p:childTnLst>
+                              <p:par>
+                                <p:cTn id="5" presetID="42" presetClass="entr" presetSubtype="0" fill="hold" nodeType="withEffect">
+                                  <p:stCondLst>
+                                    <p:cond delay="0"/>
+                                  </p:stCondLst>
+                                  <p:childTnLst>
+                                    <p:set>
+                                      <p:cBhvr>
+                                        <p:cTn id="6" dur="1" fill="hold">
+                                          <p:stCondLst>
+                                            <p:cond delay="0"/>
+                                          </p:stCondLst>
+                                        </p:cTn>
+                                        <p:tgtEl>
+                                          <p:spTgt spid="3"/>
+                                        </p:tgtEl>
+                                        <p:attrNameLst>
+                                          <p:attrName>style.visibility</p:attrName>
+                                        </p:attrNameLst>
+                                      </p:cBhvr>
+                                      <p:to>
+                                        <p:strVal val="visible"/>
+                                      </p:to>
+                                    </p:set>
+                                    <p:animEffect transition="in" filter="fade">
+                                      <p:cBhvr>
+                                        <p:cTn id="7" dur="1000"/>
+                                        <p:tgtEl>
+                                          <p:spTgt spid="3"/>
+                                        </p:tgtEl>
+                                      </p:cBhvr>
+                                    </p:animEffect>
+                                    <p:anim calcmode="lin" valueType="num">
+                                      <p:cBhvr>
+                                        <p:cTn id="8" dur="1000" fill="hold"/>
+                                        <p:tgtEl>
+                                          <p:spTgt spid="3"/>
+                                        </p:tgtEl>
+                                        <p:attrNameLst>
+                                          <p:attrName>ppt_x</p:attrName>
+                                        </p:attrNameLst>
+                                      </p:cBhvr>
+                                      <p:tavLst>
+                                        <p:tav tm="0">
+                                          <p:val>
+                                            <p:strVal val="#ppt_x"/>
+                                          </p:val>
+                                        </p:tav>
+                                        <p:tav tm="100000">
+                                          <p:val>
+                                            <p:strVal val="#ppt_x"/>
+                                          </p:val>
+                                        </p:tav>
+                                      </p:tavLst>
+                                    </p:anim>
+                                    <p:anim calcmode="lin" valueType="num">
+                                      <p:cBhvr>
+                                        <p:cTn id="9" dur="1000" fill="hold"/>
+                                        <p:tgtEl>
+                                          <p:spTgt spid="3"/>
+                                        </p:tgtEl>
+                                        <p:attrNameLst>
+                                          <p:attrName>ppt_y</p:attrName>
+                                        </p:attrNameLst>
+                                      </p:cBhvr>
+                                      <p:tavLst>
+                                        <p:tav tm="0">
+                                          <p:val>
+                                            <p:strVal val="#ppt_y+.1"/>
+                                          </p:val>
+                                        </p:tav>
+                                        <p:tav tm="100000">
+                                          <p:val>
+                                            <p:strVal val="#ppt_y"/>
+                                          </p:val>
+                                        </p:tav>
+                                      </p:tavLst>
+                                    </p:anim>
+                                  </p:childTnLst>
+                                </p:cTn>
+                              </p:par>
+                            </p:childTnLst>
+                          </p:cTn>
+                        </p:par>
+                      </p:childTnLst>
+                    </p:cTn>
+                  </p:par>
+                </p:childTnLst>
+              </p:cTn>
+              <p:prevCondLst>
+                <p:cond evt="onPrev" delay="0">
+                  <p:tgtEl>
+                    <p:sldTgt/>
+                  </p:tgtEl>
+                </p:cond>
+              </p:prevCondLst>
+              <p:nextCondLst>
+                <p:cond evt="onNext" delay="0">
+                  <p:tgtEl>
+                    <p:sldTgt/>
+                  </p:tgtEl>
+                </p:cond>
+              </p:nextCondLst>
+            </p:seq>
+          </p:childTnLst>
+        </p:cTn>
+      </p:par>
+    </p:tnLst>
+  </p:timing>
+</p:sld>
+</file>
+
+<file path=ppt/slides/slide13.xml><?xml version="1.0" encoding="utf-8"?>
+<p:sld xmlns:a="http://schemas.openxmlformats.org/drawingml/2006/main" xmlns:r="http://schemas.openxmlformats.org/officeDocument/2006/relationships" xmlns:p="http://schemas.openxmlformats.org/presentationml/2006/main">
+  <p:cSld>
+    <p:spTree>
+      <p:nvGrpSpPr>
+        <p:cNvPr id="1" name=""/>
+        <p:cNvGrpSpPr/>
+        <p:nvPr/>
+      </p:nvGrpSpPr>
+      <p:grpSpPr>
+        <a:xfrm>
+          <a:off x="0" y="0"/>
+          <a:ext cx="0" cy="0"/>
+          <a:chOff x="0" y="0"/>
+          <a:chExt cx="0" cy="0"/>
+        </a:xfrm>
+      </p:grpSpPr>
+      <p:sp>
+        <p:nvSpPr>
+          <p:cNvPr id="4" name="직사각형 3">
+            <a:extLst>
+              <a:ext uri="{FF2B5EF4-FFF2-40B4-BE49-F238E27FC236}">
+                <a16:creationId xmlns:a16="http://schemas.microsoft.com/office/drawing/2014/main" id="{395087A4-3F15-456C-9C64-EDA56DA34F9E}"/>
+              </a:ext>
+            </a:extLst>
+          </p:cNvPr>
+          <p:cNvSpPr/>
+          <p:nvPr/>
+        </p:nvSpPr>
+        <p:spPr>
+          <a:xfrm>
+            <a:off x="-4555" y="0"/>
+            <a:ext cx="12196555" cy="6858000"/>
+          </a:xfrm>
+          <a:prstGeom prst="rect">
+            <a:avLst/>
+          </a:prstGeom>
+          <a:solidFill>
+            <a:schemeClr val="bg1">
+              <a:lumMod val="95000"/>
+            </a:schemeClr>
+          </a:solidFill>
+          <a:ln>
+            <a:noFill/>
+          </a:ln>
+        </p:spPr>
+        <p:style>
+          <a:lnRef idx="2">
+            <a:schemeClr val="accent1">
+              <a:shade val="50000"/>
+            </a:schemeClr>
+          </a:lnRef>
+          <a:fillRef idx="1">
+            <a:schemeClr val="accent1"/>
+          </a:fillRef>
+          <a:effectRef idx="0">
+            <a:schemeClr val="accent1"/>
+          </a:effectRef>
+          <a:fontRef idx="minor">
+            <a:schemeClr val="lt1"/>
+          </a:fontRef>
+        </p:style>
+        <p:txBody>
+          <a:bodyPr rtlCol="0" anchor="ctr"/>
+          <a:lstStyle/>
+          <a:p>
+            <a:pPr algn="ctr"/>
+            <a:endParaRPr lang="ko-KR" altLang="en-US"/>
+          </a:p>
+        </p:txBody>
+      </p:sp>
+      <p:sp>
+        <p:nvSpPr>
+          <p:cNvPr id="5" name="직사각형 4">
+            <a:extLst>
+              <a:ext uri="{FF2B5EF4-FFF2-40B4-BE49-F238E27FC236}">
+                <a16:creationId xmlns:a16="http://schemas.microsoft.com/office/drawing/2014/main" id="{F30D7768-DD57-4F31-A37F-CAA802ADCDA7}"/>
+              </a:ext>
+            </a:extLst>
+          </p:cNvPr>
+          <p:cNvSpPr/>
+          <p:nvPr/>
+        </p:nvSpPr>
+        <p:spPr>
+          <a:xfrm flipV="1">
+            <a:off x="-205891" y="687896"/>
+            <a:ext cx="5306397" cy="45719"/>
+          </a:xfrm>
+          <a:prstGeom prst="rect">
+            <a:avLst/>
+          </a:prstGeom>
+          <a:solidFill>
+            <a:schemeClr val="tx1"/>
+          </a:solidFill>
+          <a:ln>
+            <a:noFill/>
+          </a:ln>
+        </p:spPr>
+        <p:style>
+          <a:lnRef idx="2">
+            <a:schemeClr val="accent1">
+              <a:shade val="50000"/>
+            </a:schemeClr>
+          </a:lnRef>
+          <a:fillRef idx="1">
+            <a:schemeClr val="accent1"/>
+          </a:fillRef>
+          <a:effectRef idx="0">
+            <a:schemeClr val="accent1"/>
+          </a:effectRef>
+          <a:fontRef idx="minor">
+            <a:schemeClr val="lt1"/>
+          </a:fontRef>
+        </p:style>
+        <p:txBody>
+          <a:bodyPr rtlCol="0" anchor="ctr"/>
+          <a:lstStyle/>
+          <a:p>
+            <a:pPr algn="ctr"/>
+            <a:endParaRPr lang="ko-KR" altLang="en-US"/>
+          </a:p>
+        </p:txBody>
+      </p:sp>
+      <p:sp>
+        <p:nvSpPr>
+          <p:cNvPr id="6" name="이등변 삼각형 5">
+            <a:extLst>
+              <a:ext uri="{FF2B5EF4-FFF2-40B4-BE49-F238E27FC236}">
+                <a16:creationId xmlns:a16="http://schemas.microsoft.com/office/drawing/2014/main" id="{8F9CF721-3D63-4C6D-8242-F5F707B1397D}"/>
+              </a:ext>
+            </a:extLst>
+          </p:cNvPr>
+          <p:cNvSpPr/>
+          <p:nvPr/>
+        </p:nvSpPr>
+        <p:spPr>
+          <a:xfrm>
+            <a:off x="-646493" y="0"/>
+            <a:ext cx="1283876" cy="733615"/>
+          </a:xfrm>
+          <a:prstGeom prst="triangle">
+            <a:avLst/>
+          </a:prstGeom>
+          <a:solidFill>
+            <a:schemeClr val="tx1"/>
+          </a:solidFill>
+          <a:ln>
+            <a:noFill/>
+          </a:ln>
+        </p:spPr>
+        <p:style>
+          <a:lnRef idx="2">
+            <a:schemeClr val="accent1">
+              <a:shade val="50000"/>
+            </a:schemeClr>
+          </a:lnRef>
+          <a:fillRef idx="1">
+            <a:schemeClr val="accent1"/>
+          </a:fillRef>
+          <a:effectRef idx="0">
+            <a:schemeClr val="accent1"/>
+          </a:effectRef>
+          <a:fontRef idx="minor">
+            <a:schemeClr val="lt1"/>
+          </a:fontRef>
+        </p:style>
+        <p:txBody>
+          <a:bodyPr rtlCol="0" anchor="ctr"/>
+          <a:lstStyle/>
+          <a:p>
+            <a:pPr algn="ctr"/>
+            <a:endParaRPr lang="ko-KR" altLang="en-US"/>
+          </a:p>
+        </p:txBody>
+      </p:sp>
+      <p:sp>
+        <p:nvSpPr>
+          <p:cNvPr id="7" name="TextBox 6">
+            <a:extLst>
+              <a:ext uri="{FF2B5EF4-FFF2-40B4-BE49-F238E27FC236}">
+                <a16:creationId xmlns:a16="http://schemas.microsoft.com/office/drawing/2014/main" id="{61CFD814-F7EF-4774-9C92-DB0C2CB68553}"/>
+              </a:ext>
+            </a:extLst>
+          </p:cNvPr>
+          <p:cNvSpPr txBox="1"/>
+          <p:nvPr/>
+        </p:nvSpPr>
+        <p:spPr>
+          <a:xfrm>
+            <a:off x="637383" y="318996"/>
+            <a:ext cx="4312122" cy="369332"/>
+          </a:xfrm>
+          <a:prstGeom prst="rect">
+            <a:avLst/>
+          </a:prstGeom>
+          <a:noFill/>
+        </p:spPr>
+        <p:txBody>
+          <a:bodyPr wrap="square" rtlCol="0">
+            <a:spAutoFit/>
+          </a:bodyPr>
+          <a:lstStyle/>
+          <a:p>
+            <a:r>
+              <a:rPr lang="ko-KR" altLang="en-US" b="1" dirty="0"/>
+              <a:t>메타 태그 및 </a:t>
+            </a:r>
+            <a:r>
+              <a:rPr lang="en-US" altLang="ko-KR" b="1" dirty="0"/>
+              <a:t>robots.txt &amp; sitemap</a:t>
+            </a:r>
+            <a:endParaRPr lang="ko-KR" altLang="en-US" b="1" dirty="0"/>
+          </a:p>
+        </p:txBody>
+      </p:sp>
+      <p:sp>
+        <p:nvSpPr>
+          <p:cNvPr id="8" name="직사각형 7">
+            <a:extLst>
+              <a:ext uri="{FF2B5EF4-FFF2-40B4-BE49-F238E27FC236}">
+                <a16:creationId xmlns:a16="http://schemas.microsoft.com/office/drawing/2014/main" id="{5A0424A4-D977-4C57-B6EB-62C47BC19EEC}"/>
+              </a:ext>
+            </a:extLst>
+          </p:cNvPr>
+          <p:cNvSpPr/>
+          <p:nvPr/>
+        </p:nvSpPr>
+        <p:spPr>
+          <a:xfrm flipV="1">
+            <a:off x="-39825" y="-78370"/>
+            <a:ext cx="12757535" cy="265903"/>
+          </a:xfrm>
+          <a:prstGeom prst="rect">
+            <a:avLst/>
+          </a:prstGeom>
+          <a:solidFill>
+            <a:schemeClr val="tx1"/>
+          </a:solidFill>
+          <a:ln>
+            <a:noFill/>
+          </a:ln>
+        </p:spPr>
+        <p:style>
+          <a:lnRef idx="2">
+            <a:schemeClr val="accent1">
+              <a:shade val="50000"/>
+            </a:schemeClr>
+          </a:lnRef>
+          <a:fillRef idx="1">
+            <a:schemeClr val="accent1"/>
+          </a:fillRef>
+          <a:effectRef idx="0">
+            <a:schemeClr val="accent1"/>
+          </a:effectRef>
+          <a:fontRef idx="minor">
+            <a:schemeClr val="lt1"/>
+          </a:fontRef>
+        </p:style>
+        <p:txBody>
+          <a:bodyPr rtlCol="0" anchor="ctr"/>
+          <a:lstStyle/>
+          <a:p>
+            <a:pPr algn="ctr"/>
+            <a:endParaRPr lang="ko-KR" altLang="en-US"/>
+          </a:p>
+        </p:txBody>
+      </p:sp>
+      <p:pic>
+        <p:nvPicPr>
+          <p:cNvPr id="9" name="그림 8">
+            <a:extLst>
+              <a:ext uri="{FF2B5EF4-FFF2-40B4-BE49-F238E27FC236}">
+                <a16:creationId xmlns:a16="http://schemas.microsoft.com/office/drawing/2014/main" id="{F734EAA8-350A-4CAD-8E4E-556204B69848}"/>
+              </a:ext>
+            </a:extLst>
+          </p:cNvPr>
+          <p:cNvPicPr>
+            <a:picLocks noChangeAspect="1"/>
+          </p:cNvPicPr>
+          <p:nvPr/>
+        </p:nvPicPr>
+        <p:blipFill>
+          <a:blip r:embed="rId2">
+            <a:extLst>
+              <a:ext uri="{28A0092B-C50C-407E-A947-70E740481C1C}">
+                <a14:useLocalDpi xmlns:a14="http://schemas.microsoft.com/office/drawing/2010/main" val="0"/>
+              </a:ext>
+            </a:extLst>
+          </a:blip>
+          <a:stretch>
+            <a:fillRect/>
+          </a:stretch>
+        </p:blipFill>
+        <p:spPr>
+          <a:xfrm>
+            <a:off x="5100506" y="362483"/>
+            <a:ext cx="6306364" cy="6320567"/>
+          </a:xfrm>
+          <a:prstGeom prst="rect">
+            <a:avLst/>
+          </a:prstGeom>
+          <a:solidFill>
+            <a:srgbClr val="FFFFFF">
+              <a:shade val="85000"/>
+            </a:srgbClr>
+          </a:solidFill>
+          <a:ln w="88900" cap="sq">
+            <a:solidFill>
+              <a:srgbClr val="FFFFFF"/>
+            </a:solidFill>
+            <a:miter lim="800000"/>
+          </a:ln>
+          <a:effectLst>
+            <a:outerShdw blurRad="55000" dist="18000" dir="5400000" algn="tl" rotWithShape="0">
+              <a:srgbClr val="000000">
+                <a:alpha val="40000"/>
+              </a:srgbClr>
+            </a:outerShdw>
+          </a:effectLst>
+          <a:scene3d>
+            <a:camera prst="orthographicFront"/>
+            <a:lightRig rig="twoPt" dir="t">
+              <a:rot lat="0" lon="0" rev="7200000"/>
+            </a:lightRig>
+          </a:scene3d>
+          <a:sp3d>
+            <a:bevelT w="25400" h="19050"/>
+            <a:contourClr>
+              <a:srgbClr val="FFFFFF"/>
+            </a:contourClr>
+          </a:sp3d>
+        </p:spPr>
+      </p:pic>
+    </p:spTree>
+    <p:extLst>
+      <p:ext uri="{BB962C8B-B14F-4D97-AF65-F5344CB8AC3E}">
+        <p14:creationId xmlns:p14="http://schemas.microsoft.com/office/powerpoint/2010/main" val="1038233595"/>
+      </p:ext>
+    </p:extLst>
+  </p:cSld>
+  <p:clrMapOvr>
+    <a:masterClrMapping/>
+  </p:clrMapOvr>
+  <p:timing>
+    <p:tnLst>
+      <p:par>
+        <p:cTn id="1" dur="indefinite" restart="never" nodeType="tmRoot">
+          <p:childTnLst>
+            <p:seq concurrent="1" nextAc="seek">
+              <p:cTn id="2" dur="indefinite" nodeType="mainSeq">
+                <p:childTnLst>
+                  <p:par>
+                    <p:cTn id="3" fill="hold">
+                      <p:stCondLst>
+                        <p:cond delay="indefinite"/>
+                        <p:cond evt="onBegin" delay="0">
+                          <p:tn val="2"/>
+                        </p:cond>
+                      </p:stCondLst>
+                      <p:childTnLst>
+                        <p:par>
+                          <p:cTn id="4" fill="hold">
+                            <p:stCondLst>
+                              <p:cond delay="0"/>
+                            </p:stCondLst>
+                            <p:childTnLst>
+                              <p:par>
+                                <p:cTn id="5" presetID="42" presetClass="entr" presetSubtype="0" fill="hold" nodeType="withEffect">
+                                  <p:stCondLst>
+                                    <p:cond delay="0"/>
+                                  </p:stCondLst>
+                                  <p:childTnLst>
+                                    <p:set>
+                                      <p:cBhvr>
+                                        <p:cTn id="6" dur="1" fill="hold">
+                                          <p:stCondLst>
+                                            <p:cond delay="0"/>
+                                          </p:stCondLst>
+                                        </p:cTn>
+                                        <p:tgtEl>
+                                          <p:spTgt spid="9"/>
+                                        </p:tgtEl>
+                                        <p:attrNameLst>
+                                          <p:attrName>style.visibility</p:attrName>
+                                        </p:attrNameLst>
+                                      </p:cBhvr>
+                                      <p:to>
+                                        <p:strVal val="visible"/>
+                                      </p:to>
+                                    </p:set>
+                                    <p:animEffect transition="in" filter="fade">
+                                      <p:cBhvr>
+                                        <p:cTn id="7" dur="1000"/>
+                                        <p:tgtEl>
+                                          <p:spTgt spid="9"/>
+                                        </p:tgtEl>
+                                      </p:cBhvr>
+                                    </p:animEffect>
+                                    <p:anim calcmode="lin" valueType="num">
+                                      <p:cBhvr>
+                                        <p:cTn id="8" dur="1000" fill="hold"/>
+                                        <p:tgtEl>
+                                          <p:spTgt spid="9"/>
+                                        </p:tgtEl>
+                                        <p:attrNameLst>
+                                          <p:attrName>ppt_x</p:attrName>
+                                        </p:attrNameLst>
+                                      </p:cBhvr>
+                                      <p:tavLst>
+                                        <p:tav tm="0">
+                                          <p:val>
+                                            <p:strVal val="#ppt_x"/>
+                                          </p:val>
+                                        </p:tav>
+                                        <p:tav tm="100000">
+                                          <p:val>
+                                            <p:strVal val="#ppt_x"/>
+                                          </p:val>
+                                        </p:tav>
+                                      </p:tavLst>
+                                    </p:anim>
+                                    <p:anim calcmode="lin" valueType="num">
+                                      <p:cBhvr>
+                                        <p:cTn id="9" dur="1000" fill="hold"/>
+                                        <p:tgtEl>
+                                          <p:spTgt spid="9"/>
+                                        </p:tgtEl>
+                                        <p:attrNameLst>
+                                          <p:attrName>ppt_y</p:attrName>
+                                        </p:attrNameLst>
+                                      </p:cBhvr>
+                                      <p:tavLst>
+                                        <p:tav tm="0">
+                                          <p:val>
+                                            <p:strVal val="#ppt_y+.1"/>
+                                          </p:val>
+                                        </p:tav>
+                                        <p:tav tm="100000">
+                                          <p:val>
+                                            <p:strVal val="#ppt_y"/>
+                                          </p:val>
+                                        </p:tav>
+                                      </p:tavLst>
+                                    </p:anim>
+                                  </p:childTnLst>
+                                </p:cTn>
+                              </p:par>
+                            </p:childTnLst>
+                          </p:cTn>
+                        </p:par>
+                      </p:childTnLst>
+                    </p:cTn>
+                  </p:par>
+                </p:childTnLst>
+              </p:cTn>
+              <p:prevCondLst>
+                <p:cond evt="onPrev" delay="0">
+                  <p:tgtEl>
+                    <p:sldTgt/>
+                  </p:tgtEl>
+                </p:cond>
+              </p:prevCondLst>
+              <p:nextCondLst>
+                <p:cond evt="onNext" delay="0">
+                  <p:tgtEl>
+                    <p:sldTgt/>
+                  </p:tgtEl>
+                </p:cond>
+              </p:nextCondLst>
+            </p:seq>
+          </p:childTnLst>
+        </p:cTn>
+      </p:par>
+    </p:tnLst>
+  </p:timing>
+</p:sld>
+</file>
+
+<file path=ppt/slides/slide14.xml><?xml version="1.0" encoding="utf-8"?>
+<p:sld xmlns:a="http://schemas.openxmlformats.org/drawingml/2006/main" xmlns:r="http://schemas.openxmlformats.org/officeDocument/2006/relationships" xmlns:p="http://schemas.openxmlformats.org/presentationml/2006/main">
+  <p:cSld>
+    <p:spTree>
+      <p:nvGrpSpPr>
+        <p:cNvPr id="1" name=""/>
+        <p:cNvGrpSpPr/>
+        <p:nvPr/>
+      </p:nvGrpSpPr>
+      <p:grpSpPr>
+        <a:xfrm>
+          <a:off x="0" y="0"/>
+          <a:ext cx="0" cy="0"/>
+          <a:chOff x="0" y="0"/>
+          <a:chExt cx="0" cy="0"/>
+        </a:xfrm>
+      </p:grpSpPr>
+      <p:sp>
+        <p:nvSpPr>
+          <p:cNvPr id="4" name="직사각형 3">
+            <a:extLst>
+              <a:ext uri="{FF2B5EF4-FFF2-40B4-BE49-F238E27FC236}">
+                <a16:creationId xmlns:a16="http://schemas.microsoft.com/office/drawing/2014/main" id="{395087A4-3F15-456C-9C64-EDA56DA34F9E}"/>
+              </a:ext>
+            </a:extLst>
+          </p:cNvPr>
+          <p:cNvSpPr/>
+          <p:nvPr/>
+        </p:nvSpPr>
+        <p:spPr>
+          <a:xfrm>
+            <a:off x="-4555" y="0"/>
+            <a:ext cx="12196555" cy="6858000"/>
+          </a:xfrm>
+          <a:prstGeom prst="rect">
+            <a:avLst/>
+          </a:prstGeom>
+          <a:solidFill>
+            <a:schemeClr val="bg1">
+              <a:lumMod val="95000"/>
+            </a:schemeClr>
+          </a:solidFill>
+          <a:ln>
+            <a:noFill/>
+          </a:ln>
+        </p:spPr>
+        <p:style>
+          <a:lnRef idx="2">
+            <a:schemeClr val="accent1">
+              <a:shade val="50000"/>
+            </a:schemeClr>
+          </a:lnRef>
+          <a:fillRef idx="1">
+            <a:schemeClr val="accent1"/>
+          </a:fillRef>
+          <a:effectRef idx="0">
+            <a:schemeClr val="accent1"/>
+          </a:effectRef>
+          <a:fontRef idx="minor">
+            <a:schemeClr val="lt1"/>
+          </a:fontRef>
+        </p:style>
+        <p:txBody>
+          <a:bodyPr rtlCol="0" anchor="ctr"/>
+          <a:lstStyle/>
+          <a:p>
+            <a:pPr algn="ctr"/>
+            <a:endParaRPr lang="ko-KR" altLang="en-US"/>
+          </a:p>
+        </p:txBody>
+      </p:sp>
+      <p:sp>
+        <p:nvSpPr>
+          <p:cNvPr id="5" name="직사각형 4">
+            <a:extLst>
+              <a:ext uri="{FF2B5EF4-FFF2-40B4-BE49-F238E27FC236}">
+                <a16:creationId xmlns:a16="http://schemas.microsoft.com/office/drawing/2014/main" id="{F30D7768-DD57-4F31-A37F-CAA802ADCDA7}"/>
+              </a:ext>
+            </a:extLst>
+          </p:cNvPr>
+          <p:cNvSpPr/>
+          <p:nvPr/>
+        </p:nvSpPr>
+        <p:spPr>
+          <a:xfrm flipV="1">
+            <a:off x="-205891" y="687896"/>
+            <a:ext cx="5306397" cy="45719"/>
+          </a:xfrm>
+          <a:prstGeom prst="rect">
+            <a:avLst/>
+          </a:prstGeom>
+          <a:solidFill>
+            <a:schemeClr val="tx1"/>
+          </a:solidFill>
+          <a:ln>
+            <a:noFill/>
+          </a:ln>
+        </p:spPr>
+        <p:style>
+          <a:lnRef idx="2">
+            <a:schemeClr val="accent1">
+              <a:shade val="50000"/>
+            </a:schemeClr>
+          </a:lnRef>
+          <a:fillRef idx="1">
+            <a:schemeClr val="accent1"/>
+          </a:fillRef>
+          <a:effectRef idx="0">
+            <a:schemeClr val="accent1"/>
+          </a:effectRef>
+          <a:fontRef idx="minor">
+            <a:schemeClr val="lt1"/>
+          </a:fontRef>
+        </p:style>
+        <p:txBody>
+          <a:bodyPr rtlCol="0" anchor="ctr"/>
+          <a:lstStyle/>
+          <a:p>
+            <a:pPr algn="ctr"/>
+            <a:endParaRPr lang="ko-KR" altLang="en-US"/>
+          </a:p>
+        </p:txBody>
+      </p:sp>
+      <p:sp>
+        <p:nvSpPr>
+          <p:cNvPr id="6" name="이등변 삼각형 5">
+            <a:extLst>
+              <a:ext uri="{FF2B5EF4-FFF2-40B4-BE49-F238E27FC236}">
+                <a16:creationId xmlns:a16="http://schemas.microsoft.com/office/drawing/2014/main" id="{8F9CF721-3D63-4C6D-8242-F5F707B1397D}"/>
+              </a:ext>
+            </a:extLst>
+          </p:cNvPr>
+          <p:cNvSpPr/>
+          <p:nvPr/>
+        </p:nvSpPr>
+        <p:spPr>
+          <a:xfrm>
+            <a:off x="-646493" y="0"/>
+            <a:ext cx="1283876" cy="733615"/>
+          </a:xfrm>
+          <a:prstGeom prst="triangle">
+            <a:avLst/>
+          </a:prstGeom>
+          <a:solidFill>
+            <a:schemeClr val="tx1"/>
+          </a:solidFill>
+          <a:ln>
+            <a:noFill/>
+          </a:ln>
+        </p:spPr>
+        <p:style>
+          <a:lnRef idx="2">
+            <a:schemeClr val="accent1">
+              <a:shade val="50000"/>
+            </a:schemeClr>
+          </a:lnRef>
+          <a:fillRef idx="1">
+            <a:schemeClr val="accent1"/>
+          </a:fillRef>
+          <a:effectRef idx="0">
+            <a:schemeClr val="accent1"/>
+          </a:effectRef>
+          <a:fontRef idx="minor">
+            <a:schemeClr val="lt1"/>
+          </a:fontRef>
+        </p:style>
+        <p:txBody>
+          <a:bodyPr rtlCol="0" anchor="ctr"/>
+          <a:lstStyle/>
+          <a:p>
+            <a:pPr algn="ctr"/>
+            <a:endParaRPr lang="ko-KR" altLang="en-US"/>
+          </a:p>
+        </p:txBody>
+      </p:sp>
+      <p:sp>
+        <p:nvSpPr>
+          <p:cNvPr id="7" name="TextBox 6">
+            <a:extLst>
+              <a:ext uri="{FF2B5EF4-FFF2-40B4-BE49-F238E27FC236}">
+                <a16:creationId xmlns:a16="http://schemas.microsoft.com/office/drawing/2014/main" id="{61CFD814-F7EF-4774-9C92-DB0C2CB68553}"/>
+              </a:ext>
+            </a:extLst>
+          </p:cNvPr>
+          <p:cNvSpPr txBox="1"/>
+          <p:nvPr/>
+        </p:nvSpPr>
+        <p:spPr>
+          <a:xfrm>
+            <a:off x="637383" y="318996"/>
+            <a:ext cx="4312122" cy="369332"/>
+          </a:xfrm>
+          <a:prstGeom prst="rect">
+            <a:avLst/>
+          </a:prstGeom>
+          <a:noFill/>
+        </p:spPr>
+        <p:txBody>
+          <a:bodyPr wrap="square" rtlCol="0">
+            <a:spAutoFit/>
+          </a:bodyPr>
+          <a:lstStyle/>
+          <a:p>
+            <a:r>
+              <a:rPr lang="ko-KR" altLang="en-US" b="1" dirty="0"/>
+              <a:t>구글 </a:t>
+            </a:r>
+            <a:r>
+              <a:rPr lang="en-US" altLang="ko-KR" b="1" dirty="0"/>
+              <a:t>SEO </a:t>
+            </a:r>
+            <a:r>
+              <a:rPr lang="ko-KR" altLang="en-US" b="1" dirty="0"/>
+              <a:t>랭킹 요소</a:t>
+            </a:r>
+          </a:p>
+        </p:txBody>
+      </p:sp>
+      <p:sp>
+        <p:nvSpPr>
+          <p:cNvPr id="8" name="직사각형 7">
+            <a:extLst>
+              <a:ext uri="{FF2B5EF4-FFF2-40B4-BE49-F238E27FC236}">
+                <a16:creationId xmlns:a16="http://schemas.microsoft.com/office/drawing/2014/main" id="{5A0424A4-D977-4C57-B6EB-62C47BC19EEC}"/>
+              </a:ext>
+            </a:extLst>
+          </p:cNvPr>
+          <p:cNvSpPr/>
+          <p:nvPr/>
+        </p:nvSpPr>
+        <p:spPr>
+          <a:xfrm flipV="1">
+            <a:off x="-39825" y="-78370"/>
+            <a:ext cx="12757535" cy="265903"/>
+          </a:xfrm>
+          <a:prstGeom prst="rect">
+            <a:avLst/>
+          </a:prstGeom>
+          <a:solidFill>
+            <a:schemeClr val="tx1"/>
+          </a:solidFill>
+          <a:ln>
+            <a:noFill/>
+          </a:ln>
+        </p:spPr>
+        <p:style>
+          <a:lnRef idx="2">
+            <a:schemeClr val="accent1">
+              <a:shade val="50000"/>
+            </a:schemeClr>
+          </a:lnRef>
+          <a:fillRef idx="1">
+            <a:schemeClr val="accent1"/>
+          </a:fillRef>
+          <a:effectRef idx="0">
+            <a:schemeClr val="accent1"/>
+          </a:effectRef>
+          <a:fontRef idx="minor">
+            <a:schemeClr val="lt1"/>
+          </a:fontRef>
+        </p:style>
+        <p:txBody>
+          <a:bodyPr rtlCol="0" anchor="ctr"/>
+          <a:lstStyle/>
+          <a:p>
+            <a:pPr algn="ctr"/>
+            <a:endParaRPr lang="ko-KR" altLang="en-US"/>
+          </a:p>
+        </p:txBody>
+      </p:sp>
+      <p:pic>
+        <p:nvPicPr>
+          <p:cNvPr id="9" name="그림 8">
+            <a:extLst>
+              <a:ext uri="{FF2B5EF4-FFF2-40B4-BE49-F238E27FC236}">
+                <a16:creationId xmlns:a16="http://schemas.microsoft.com/office/drawing/2014/main" id="{976EA6DC-F914-4D38-A521-DB177A047412}"/>
+              </a:ext>
+            </a:extLst>
+          </p:cNvPr>
+          <p:cNvPicPr>
+            <a:picLocks noChangeAspect="1"/>
+          </p:cNvPicPr>
+          <p:nvPr/>
+        </p:nvPicPr>
+        <p:blipFill>
+          <a:blip r:embed="rId2">
+            <a:extLst>
+              <a:ext uri="{28A0092B-C50C-407E-A947-70E740481C1C}">
+                <a14:useLocalDpi xmlns:a14="http://schemas.microsoft.com/office/drawing/2010/main" val="0"/>
+              </a:ext>
+            </a:extLst>
+          </a:blip>
+          <a:stretch>
+            <a:fillRect/>
+          </a:stretch>
+        </p:blipFill>
+        <p:spPr>
+          <a:xfrm>
+            <a:off x="1397147" y="1376224"/>
+            <a:ext cx="8286750" cy="3714750"/>
+          </a:xfrm>
+          <a:prstGeom prst="rect">
+            <a:avLst/>
+          </a:prstGeom>
+          <a:solidFill>
+            <a:srgbClr val="FFFFFF">
+              <a:shade val="85000"/>
+            </a:srgbClr>
+          </a:solidFill>
+          <a:ln w="88900" cap="sq">
+            <a:solidFill>
+              <a:srgbClr val="FFFFFF"/>
+            </a:solidFill>
+            <a:miter lim="800000"/>
+          </a:ln>
+          <a:effectLst>
+            <a:outerShdw blurRad="55000" dist="18000" dir="5400000" algn="tl" rotWithShape="0">
+              <a:srgbClr val="000000">
+                <a:alpha val="40000"/>
+              </a:srgbClr>
+            </a:outerShdw>
+          </a:effectLst>
+          <a:scene3d>
+            <a:camera prst="orthographicFront"/>
+            <a:lightRig rig="twoPt" dir="t">
+              <a:rot lat="0" lon="0" rev="7200000"/>
+            </a:lightRig>
+          </a:scene3d>
+          <a:sp3d>
+            <a:bevelT w="25400" h="19050"/>
+            <a:contourClr>
+              <a:srgbClr val="FFFFFF"/>
+            </a:contourClr>
+          </a:sp3d>
+        </p:spPr>
+      </p:pic>
+    </p:spTree>
+    <p:extLst>
+      <p:ext uri="{BB962C8B-B14F-4D97-AF65-F5344CB8AC3E}">
+        <p14:creationId xmlns:p14="http://schemas.microsoft.com/office/powerpoint/2010/main" val="2646745790"/>
+      </p:ext>
+    </p:extLst>
+  </p:cSld>
+  <p:clrMapOvr>
+    <a:masterClrMapping/>
+  </p:clrMapOvr>
+  <p:timing>
+    <p:tnLst>
+      <p:par>
+        <p:cTn id="1" dur="indefinite" restart="never" nodeType="tmRoot">
+          <p:childTnLst>
+            <p:seq concurrent="1" nextAc="seek">
+              <p:cTn id="2" dur="indefinite" nodeType="mainSeq">
+                <p:childTnLst>
+                  <p:par>
+                    <p:cTn id="3" fill="hold">
+                      <p:stCondLst>
+                        <p:cond delay="indefinite"/>
+                        <p:cond evt="onBegin" delay="0">
+                          <p:tn val="2"/>
+                        </p:cond>
+                      </p:stCondLst>
+                      <p:childTnLst>
+                        <p:par>
+                          <p:cTn id="4" fill="hold">
+                            <p:stCondLst>
+                              <p:cond delay="0"/>
+                            </p:stCondLst>
+                            <p:childTnLst>
+                              <p:par>
+                                <p:cTn id="5" presetID="22" presetClass="entr" presetSubtype="4" fill="hold" nodeType="withEffect">
+                                  <p:stCondLst>
+                                    <p:cond delay="0"/>
+                                  </p:stCondLst>
+                                  <p:childTnLst>
+                                    <p:set>
+                                      <p:cBhvr>
+                                        <p:cTn id="6" dur="1" fill="hold">
+                                          <p:stCondLst>
+                                            <p:cond delay="0"/>
+                                          </p:stCondLst>
+                                        </p:cTn>
+                                        <p:tgtEl>
+                                          <p:spTgt spid="9"/>
+                                        </p:tgtEl>
+                                        <p:attrNameLst>
+                                          <p:attrName>style.visibility</p:attrName>
+                                        </p:attrNameLst>
+                                      </p:cBhvr>
+                                      <p:to>
+                                        <p:strVal val="visible"/>
+                                      </p:to>
+                                    </p:set>
+                                    <p:animEffect transition="in" filter="wipe(down)">
+                                      <p:cBhvr>
+                                        <p:cTn id="7" dur="500"/>
+                                        <p:tgtEl>
+                                          <p:spTgt spid="9"/>
+                                        </p:tgtEl>
+                                      </p:cBhvr>
+                                    </p:animEffect>
+                                  </p:childTnLst>
+                                </p:cTn>
+                              </p:par>
+                            </p:childTnLst>
+                          </p:cTn>
+                        </p:par>
+                      </p:childTnLst>
+                    </p:cTn>
+                  </p:par>
+                </p:childTnLst>
+              </p:cTn>
+              <p:prevCondLst>
+                <p:cond evt="onPrev" delay="0">
+                  <p:tgtEl>
+                    <p:sldTgt/>
+                  </p:tgtEl>
+                </p:cond>
+              </p:prevCondLst>
+              <p:nextCondLst>
+                <p:cond evt="onNext" delay="0">
+                  <p:tgtEl>
+                    <p:sldTgt/>
+                  </p:tgtEl>
+                </p:cond>
+              </p:nextCondLst>
+            </p:seq>
+          </p:childTnLst>
+        </p:cTn>
+      </p:par>
+    </p:tnLst>
+  </p:timing>
+</p:sld>
+</file>
+
+<file path=ppt/slides/slide15.xml><?xml version="1.0" encoding="utf-8"?>
+<p:sld xmlns:a="http://schemas.openxmlformats.org/drawingml/2006/main" xmlns:r="http://schemas.openxmlformats.org/officeDocument/2006/relationships" xmlns:p="http://schemas.openxmlformats.org/presentationml/2006/main">
+  <p:cSld>
+    <p:spTree>
+      <p:nvGrpSpPr>
+        <p:cNvPr id="1" name=""/>
+        <p:cNvGrpSpPr/>
+        <p:nvPr/>
+      </p:nvGrpSpPr>
+      <p:grpSpPr>
+        <a:xfrm>
+          <a:off x="0" y="0"/>
+          <a:ext cx="0" cy="0"/>
+          <a:chOff x="0" y="0"/>
+          <a:chExt cx="0" cy="0"/>
+        </a:xfrm>
+      </p:grpSpPr>
+      <p:sp>
+        <p:nvSpPr>
+          <p:cNvPr id="4" name="직사각형 3">
+            <a:extLst>
+              <a:ext uri="{FF2B5EF4-FFF2-40B4-BE49-F238E27FC236}">
+                <a16:creationId xmlns:a16="http://schemas.microsoft.com/office/drawing/2014/main" id="{395087A4-3F15-456C-9C64-EDA56DA34F9E}"/>
+              </a:ext>
+            </a:extLst>
+          </p:cNvPr>
+          <p:cNvSpPr/>
+          <p:nvPr/>
+        </p:nvSpPr>
+        <p:spPr>
+          <a:xfrm>
+            <a:off x="-4555" y="0"/>
+            <a:ext cx="12196555" cy="6858000"/>
+          </a:xfrm>
+          <a:prstGeom prst="rect">
+            <a:avLst/>
+          </a:prstGeom>
+          <a:solidFill>
+            <a:schemeClr val="bg1">
+              <a:lumMod val="95000"/>
+            </a:schemeClr>
+          </a:solidFill>
+          <a:ln>
+            <a:noFill/>
+          </a:ln>
+        </p:spPr>
+        <p:style>
+          <a:lnRef idx="2">
+            <a:schemeClr val="accent1">
+              <a:shade val="50000"/>
+            </a:schemeClr>
+          </a:lnRef>
+          <a:fillRef idx="1">
+            <a:schemeClr val="accent1"/>
+          </a:fillRef>
+          <a:effectRef idx="0">
+            <a:schemeClr val="accent1"/>
+          </a:effectRef>
+          <a:fontRef idx="minor">
+            <a:schemeClr val="lt1"/>
+          </a:fontRef>
+        </p:style>
+        <p:txBody>
+          <a:bodyPr rtlCol="0" anchor="ctr"/>
+          <a:lstStyle/>
+          <a:p>
+            <a:pPr algn="ctr"/>
+            <a:endParaRPr lang="ko-KR" altLang="en-US"/>
+          </a:p>
+        </p:txBody>
+      </p:sp>
+      <p:sp>
+        <p:nvSpPr>
+          <p:cNvPr id="5" name="직사각형 4">
+            <a:extLst>
+              <a:ext uri="{FF2B5EF4-FFF2-40B4-BE49-F238E27FC236}">
+                <a16:creationId xmlns:a16="http://schemas.microsoft.com/office/drawing/2014/main" id="{F30D7768-DD57-4F31-A37F-CAA802ADCDA7}"/>
+              </a:ext>
+            </a:extLst>
+          </p:cNvPr>
+          <p:cNvSpPr/>
+          <p:nvPr/>
+        </p:nvSpPr>
+        <p:spPr>
+          <a:xfrm flipV="1">
+            <a:off x="-205891" y="687896"/>
+            <a:ext cx="5306397" cy="45719"/>
+          </a:xfrm>
+          <a:prstGeom prst="rect">
+            <a:avLst/>
+          </a:prstGeom>
+          <a:solidFill>
+            <a:schemeClr val="tx1"/>
+          </a:solidFill>
+          <a:ln>
+            <a:noFill/>
+          </a:ln>
+        </p:spPr>
+        <p:style>
+          <a:lnRef idx="2">
+            <a:schemeClr val="accent1">
+              <a:shade val="50000"/>
+            </a:schemeClr>
+          </a:lnRef>
+          <a:fillRef idx="1">
+            <a:schemeClr val="accent1"/>
+          </a:fillRef>
+          <a:effectRef idx="0">
+            <a:schemeClr val="accent1"/>
+          </a:effectRef>
+          <a:fontRef idx="minor">
+            <a:schemeClr val="lt1"/>
+          </a:fontRef>
+        </p:style>
+        <p:txBody>
+          <a:bodyPr rtlCol="0" anchor="ctr"/>
+          <a:lstStyle/>
+          <a:p>
+            <a:pPr algn="ctr"/>
+            <a:endParaRPr lang="ko-KR" altLang="en-US"/>
+          </a:p>
+        </p:txBody>
+      </p:sp>
+      <p:sp>
+        <p:nvSpPr>
+          <p:cNvPr id="6" name="이등변 삼각형 5">
+            <a:extLst>
+              <a:ext uri="{FF2B5EF4-FFF2-40B4-BE49-F238E27FC236}">
+                <a16:creationId xmlns:a16="http://schemas.microsoft.com/office/drawing/2014/main" id="{8F9CF721-3D63-4C6D-8242-F5F707B1397D}"/>
+              </a:ext>
+            </a:extLst>
+          </p:cNvPr>
+          <p:cNvSpPr/>
+          <p:nvPr/>
+        </p:nvSpPr>
+        <p:spPr>
+          <a:xfrm>
+            <a:off x="-646493" y="0"/>
+            <a:ext cx="1283876" cy="733615"/>
+          </a:xfrm>
+          <a:prstGeom prst="triangle">
+            <a:avLst/>
+          </a:prstGeom>
+          <a:solidFill>
+            <a:schemeClr val="tx1"/>
+          </a:solidFill>
+          <a:ln>
+            <a:noFill/>
+          </a:ln>
+        </p:spPr>
+        <p:style>
+          <a:lnRef idx="2">
+            <a:schemeClr val="accent1">
+              <a:shade val="50000"/>
+            </a:schemeClr>
+          </a:lnRef>
+          <a:fillRef idx="1">
+            <a:schemeClr val="accent1"/>
+          </a:fillRef>
+          <a:effectRef idx="0">
+            <a:schemeClr val="accent1"/>
+          </a:effectRef>
+          <a:fontRef idx="minor">
+            <a:schemeClr val="lt1"/>
+          </a:fontRef>
+        </p:style>
+        <p:txBody>
+          <a:bodyPr rtlCol="0" anchor="ctr"/>
+          <a:lstStyle/>
+          <a:p>
+            <a:pPr algn="ctr"/>
+            <a:endParaRPr lang="ko-KR" altLang="en-US"/>
+          </a:p>
+        </p:txBody>
+      </p:sp>
+      <p:sp>
+        <p:nvSpPr>
+          <p:cNvPr id="7" name="TextBox 6">
+            <a:extLst>
+              <a:ext uri="{FF2B5EF4-FFF2-40B4-BE49-F238E27FC236}">
+                <a16:creationId xmlns:a16="http://schemas.microsoft.com/office/drawing/2014/main" id="{61CFD814-F7EF-4774-9C92-DB0C2CB68553}"/>
+              </a:ext>
+            </a:extLst>
+          </p:cNvPr>
+          <p:cNvSpPr txBox="1"/>
+          <p:nvPr/>
+        </p:nvSpPr>
+        <p:spPr>
+          <a:xfrm>
+            <a:off x="637383" y="318996"/>
+            <a:ext cx="4312122" cy="369332"/>
+          </a:xfrm>
+          <a:prstGeom prst="rect">
+            <a:avLst/>
+          </a:prstGeom>
+          <a:noFill/>
+        </p:spPr>
+        <p:txBody>
+          <a:bodyPr wrap="square" rtlCol="0">
+            <a:spAutoFit/>
+          </a:bodyPr>
+          <a:lstStyle/>
+          <a:p>
+            <a:r>
+              <a:rPr lang="ko-KR" altLang="en-US" b="1" dirty="0"/>
+              <a:t>문제 발견</a:t>
+            </a:r>
+            <a:r>
+              <a:rPr lang="en-US" altLang="ko-KR" b="1" dirty="0"/>
+              <a:t> / </a:t>
+            </a:r>
+            <a:r>
+              <a:rPr lang="ko-KR" altLang="en-US" b="1" dirty="0"/>
+              <a:t>해결 토론</a:t>
+            </a:r>
+          </a:p>
+        </p:txBody>
+      </p:sp>
+      <p:sp>
+        <p:nvSpPr>
+          <p:cNvPr id="8" name="직사각형 7">
+            <a:extLst>
+              <a:ext uri="{FF2B5EF4-FFF2-40B4-BE49-F238E27FC236}">
+                <a16:creationId xmlns:a16="http://schemas.microsoft.com/office/drawing/2014/main" id="{5A0424A4-D977-4C57-B6EB-62C47BC19EEC}"/>
+              </a:ext>
+            </a:extLst>
+          </p:cNvPr>
+          <p:cNvSpPr/>
+          <p:nvPr/>
+        </p:nvSpPr>
+        <p:spPr>
+          <a:xfrm flipV="1">
+            <a:off x="-39825" y="-78370"/>
+            <a:ext cx="12757535" cy="265903"/>
+          </a:xfrm>
+          <a:prstGeom prst="rect">
+            <a:avLst/>
+          </a:prstGeom>
+          <a:solidFill>
+            <a:schemeClr val="tx1"/>
+          </a:solidFill>
+          <a:ln>
+            <a:noFill/>
+          </a:ln>
+        </p:spPr>
+        <p:style>
+          <a:lnRef idx="2">
+            <a:schemeClr val="accent1">
+              <a:shade val="50000"/>
+            </a:schemeClr>
+          </a:lnRef>
+          <a:fillRef idx="1">
+            <a:schemeClr val="accent1"/>
+          </a:fillRef>
+          <a:effectRef idx="0">
+            <a:schemeClr val="accent1"/>
+          </a:effectRef>
+          <a:fontRef idx="minor">
+            <a:schemeClr val="lt1"/>
+          </a:fontRef>
+        </p:style>
+        <p:txBody>
+          <a:bodyPr rtlCol="0" anchor="ctr"/>
+          <a:lstStyle/>
+          <a:p>
+            <a:pPr algn="ctr"/>
+            <a:endParaRPr lang="ko-KR" altLang="en-US"/>
+          </a:p>
+        </p:txBody>
+      </p:sp>
+      <p:pic>
+        <p:nvPicPr>
+          <p:cNvPr id="3" name="그림 2">
+            <a:extLst>
+              <a:ext uri="{FF2B5EF4-FFF2-40B4-BE49-F238E27FC236}">
+                <a16:creationId xmlns:a16="http://schemas.microsoft.com/office/drawing/2014/main" id="{C7F3C8B2-C21D-4B3A-9DF3-DC34064E78D1}"/>
+              </a:ext>
+            </a:extLst>
+          </p:cNvPr>
+          <p:cNvPicPr>
+            <a:picLocks noChangeAspect="1"/>
+          </p:cNvPicPr>
+          <p:nvPr/>
+        </p:nvPicPr>
+        <p:blipFill>
+          <a:blip r:embed="rId2">
+            <a:extLst>
+              <a:ext uri="{28A0092B-C50C-407E-A947-70E740481C1C}">
+                <a14:useLocalDpi xmlns:a14="http://schemas.microsoft.com/office/drawing/2010/main" val="0"/>
+              </a:ext>
+            </a:extLst>
+          </a:blip>
+          <a:stretch>
+            <a:fillRect/>
+          </a:stretch>
+        </p:blipFill>
+        <p:spPr>
+          <a:xfrm>
+            <a:off x="4089073" y="489989"/>
+            <a:ext cx="7740588" cy="6201368"/>
+          </a:xfrm>
+          <a:prstGeom prst="rect">
+            <a:avLst/>
+          </a:prstGeom>
+          <a:solidFill>
+            <a:srgbClr val="FFFFFF">
+              <a:shade val="85000"/>
+            </a:srgbClr>
+          </a:solidFill>
+          <a:ln w="88900" cap="sq">
+            <a:solidFill>
+              <a:srgbClr val="FFFFFF"/>
+            </a:solidFill>
+            <a:miter lim="800000"/>
+          </a:ln>
+          <a:effectLst>
+            <a:outerShdw blurRad="55000" dist="18000" dir="5400000" algn="tl" rotWithShape="0">
+              <a:srgbClr val="000000">
+                <a:alpha val="40000"/>
+              </a:srgbClr>
+            </a:outerShdw>
+          </a:effectLst>
+          <a:scene3d>
+            <a:camera prst="orthographicFront"/>
+            <a:lightRig rig="twoPt" dir="t">
+              <a:rot lat="0" lon="0" rev="7200000"/>
+            </a:lightRig>
+          </a:scene3d>
+          <a:sp3d>
+            <a:bevelT w="25400" h="19050"/>
+            <a:contourClr>
+              <a:srgbClr val="FFFFFF"/>
+            </a:contourClr>
+          </a:sp3d>
+        </p:spPr>
+      </p:pic>
+    </p:spTree>
+    <p:extLst>
+      <p:ext uri="{BB962C8B-B14F-4D97-AF65-F5344CB8AC3E}">
+        <p14:creationId xmlns:p14="http://schemas.microsoft.com/office/powerpoint/2010/main" val="2804740551"/>
+      </p:ext>
+    </p:extLst>
+  </p:cSld>
+  <p:clrMapOvr>
+    <a:masterClrMapping/>
+  </p:clrMapOvr>
+  <p:timing>
+    <p:tnLst>
+      <p:par>
+        <p:cTn id="1" dur="indefinite" restart="never" nodeType="tmRoot">
+          <p:childTnLst>
+            <p:seq concurrent="1" nextAc="seek">
+              <p:cTn id="2" dur="indefinite" nodeType="mainSeq">
+                <p:childTnLst>
+                  <p:par>
+                    <p:cTn id="3" fill="hold">
+                      <p:stCondLst>
+                        <p:cond delay="indefinite"/>
+                        <p:cond evt="onBegin" delay="0">
+                          <p:tn val="2"/>
+                        </p:cond>
+                      </p:stCondLst>
+                      <p:childTnLst>
+                        <p:par>
+                          <p:cTn id="4" fill="hold">
+                            <p:stCondLst>
+                              <p:cond delay="0"/>
+                            </p:stCondLst>
+                            <p:childTnLst>
+                              <p:par>
+                                <p:cTn id="5" presetID="42" presetClass="entr" presetSubtype="0" fill="hold" nodeType="withEffect">
+                                  <p:stCondLst>
+                                    <p:cond delay="0"/>
+                                  </p:stCondLst>
+                                  <p:childTnLst>
+                                    <p:set>
+                                      <p:cBhvr>
+                                        <p:cTn id="6" dur="1" fill="hold">
+                                          <p:stCondLst>
+                                            <p:cond delay="0"/>
+                                          </p:stCondLst>
+                                        </p:cTn>
+                                        <p:tgtEl>
+                                          <p:spTgt spid="3"/>
+                                        </p:tgtEl>
+                                        <p:attrNameLst>
+                                          <p:attrName>style.visibility</p:attrName>
+                                        </p:attrNameLst>
+                                      </p:cBhvr>
+                                      <p:to>
+                                        <p:strVal val="visible"/>
+                                      </p:to>
+                                    </p:set>
+                                    <p:animEffect transition="in" filter="fade">
+                                      <p:cBhvr>
+                                        <p:cTn id="7" dur="1000"/>
+                                        <p:tgtEl>
+                                          <p:spTgt spid="3"/>
+                                        </p:tgtEl>
+                                      </p:cBhvr>
+                                    </p:animEffect>
+                                    <p:anim calcmode="lin" valueType="num">
+                                      <p:cBhvr>
+                                        <p:cTn id="8" dur="1000" fill="hold"/>
+                                        <p:tgtEl>
+                                          <p:spTgt spid="3"/>
+                                        </p:tgtEl>
+                                        <p:attrNameLst>
+                                          <p:attrName>ppt_x</p:attrName>
+                                        </p:attrNameLst>
+                                      </p:cBhvr>
+                                      <p:tavLst>
+                                        <p:tav tm="0">
+                                          <p:val>
+                                            <p:strVal val="#ppt_x"/>
+                                          </p:val>
+                                        </p:tav>
+                                        <p:tav tm="100000">
+                                          <p:val>
+                                            <p:strVal val="#ppt_x"/>
+                                          </p:val>
+                                        </p:tav>
+                                      </p:tavLst>
+                                    </p:anim>
+                                    <p:anim calcmode="lin" valueType="num">
+                                      <p:cBhvr>
+                                        <p:cTn id="9" dur="1000" fill="hold"/>
+                                        <p:tgtEl>
+                                          <p:spTgt spid="3"/>
+                                        </p:tgtEl>
+                                        <p:attrNameLst>
+                                          <p:attrName>ppt_y</p:attrName>
+                                        </p:attrNameLst>
+                                      </p:cBhvr>
+                                      <p:tavLst>
+                                        <p:tav tm="0">
+                                          <p:val>
+                                            <p:strVal val="#ppt_y+.1"/>
+                                          </p:val>
+                                        </p:tav>
+                                        <p:tav tm="100000">
+                                          <p:val>
+                                            <p:strVal val="#ppt_y"/>
+                                          </p:val>
+                                        </p:tav>
+                                      </p:tavLst>
+                                    </p:anim>
+                                  </p:childTnLst>
+                                </p:cTn>
+                              </p:par>
+                            </p:childTnLst>
+                          </p:cTn>
+                        </p:par>
+                      </p:childTnLst>
+                    </p:cTn>
+                  </p:par>
+                </p:childTnLst>
+              </p:cTn>
+              <p:prevCondLst>
+                <p:cond evt="onPrev" delay="0">
+                  <p:tgtEl>
+                    <p:sldTgt/>
+                  </p:tgtEl>
+                </p:cond>
+              </p:prevCondLst>
+              <p:nextCondLst>
+                <p:cond evt="onNext" delay="0">
+                  <p:tgtEl>
+                    <p:sldTgt/>
+                  </p:tgtEl>
+                </p:cond>
+              </p:nextCondLst>
+            </p:seq>
+          </p:childTnLst>
+        </p:cTn>
+      </p:par>
+    </p:tnLst>
+  </p:timing>
+</p:sld>
+</file>
+
+<file path=ppt/slides/slide16.xml><?xml version="1.0" encoding="utf-8"?>
 <p:sld xmlns:a="http://schemas.openxmlformats.org/drawingml/2006/main" xmlns:r="http://schemas.openxmlformats.org/officeDocument/2006/relationships" xmlns:p="http://schemas.openxmlformats.org/presentationml/2006/main">
   <p:cSld>
     <p:spTree>
@@ -5351,6 +8108,59 @@
           </a:p>
         </p:txBody>
       </p:sp>
+      <p:sp>
+        <p:nvSpPr>
+          <p:cNvPr id="11" name="TextBox 10">
+            <a:extLst>
+              <a:ext uri="{FF2B5EF4-FFF2-40B4-BE49-F238E27FC236}">
+                <a16:creationId xmlns:a16="http://schemas.microsoft.com/office/drawing/2014/main" id="{1ED194D1-FCD8-4547-9570-EDC4AC3462B9}"/>
+              </a:ext>
+            </a:extLst>
+          </p:cNvPr>
+          <p:cNvSpPr txBox="1"/>
+          <p:nvPr/>
+        </p:nvSpPr>
+        <p:spPr>
+          <a:xfrm>
+            <a:off x="1502013" y="4287790"/>
+            <a:ext cx="5650558" cy="1015663"/>
+          </a:xfrm>
+          <a:prstGeom prst="rect">
+            <a:avLst/>
+          </a:prstGeom>
+          <a:noFill/>
+        </p:spPr>
+        <p:txBody>
+          <a:bodyPr wrap="square" rtlCol="0">
+            <a:spAutoFit/>
+          </a:bodyPr>
+          <a:lstStyle/>
+          <a:p>
+            <a:pPr algn="ctr"/>
+            <a:r>
+              <a:rPr lang="en-US" altLang="ko-KR" sz="6000" dirty="0">
+                <a:solidFill>
+                  <a:schemeClr val="bg1"/>
+                </a:solidFill>
+                <a:effectLst>
+                  <a:reflection blurRad="6350" stA="55000" endA="300" endPos="45500" dir="5400000" sy="-100000" algn="bl" rotWithShape="0"/>
+                </a:effectLst>
+                <a:latin typeface="Segoe UI Black" panose="020B0A02040204020203" pitchFamily="34" charset="0"/>
+              </a:rPr>
+              <a:t>Animation</a:t>
+            </a:r>
+            <a:endParaRPr lang="ko-KR" altLang="en-US" sz="6000" dirty="0">
+              <a:solidFill>
+                <a:schemeClr val="bg1"/>
+              </a:solidFill>
+              <a:effectLst>
+                <a:reflection blurRad="6350" stA="55000" endA="300" endPos="45500" dir="5400000" sy="-100000" algn="bl" rotWithShape="0"/>
+              </a:effectLst>
+              <a:latin typeface="Segoe UI Black" panose="020B0A02040204020203" pitchFamily="34" charset="0"/>
+            </a:endParaRPr>
+          </a:p>
+        </p:txBody>
+      </p:sp>
     </p:spTree>
     <p:extLst>
       <p:ext uri="{BB962C8B-B14F-4D97-AF65-F5344CB8AC3E}">
@@ -5364,7 +8174,7 @@
 </p:sld>
 </file>
 
-<file path=ppt/slides/slide12.xml><?xml version="1.0" encoding="utf-8"?>
+<file path=ppt/slides/slide17.xml><?xml version="1.0" encoding="utf-8"?>
 <p:sld xmlns:a="http://schemas.openxmlformats.org/drawingml/2006/main" xmlns:r="http://schemas.openxmlformats.org/officeDocument/2006/relationships" xmlns:p="http://schemas.openxmlformats.org/presentationml/2006/main">
   <p:cSld>
     <p:spTree>
@@ -5611,7 +8421,7 @@
 </p:sld>
 </file>
 
-<file path=ppt/slides/slide13.xml><?xml version="1.0" encoding="utf-8"?>
+<file path=ppt/slides/slide18.xml><?xml version="1.0" encoding="utf-8"?>
 <p:sld xmlns:a="http://schemas.openxmlformats.org/drawingml/2006/main" xmlns:r="http://schemas.openxmlformats.org/officeDocument/2006/relationships" xmlns:p="http://schemas.openxmlformats.org/presentationml/2006/main">
   <p:cSld>
     <p:spTree>
@@ -5858,7 +8668,7 @@
 </p:sld>
 </file>
 
-<file path=ppt/slides/slide14.xml><?xml version="1.0" encoding="utf-8"?>
+<file path=ppt/slides/slide19.xml><?xml version="1.0" encoding="utf-8"?>
 <p:sld xmlns:a="http://schemas.openxmlformats.org/drawingml/2006/main" xmlns:r="http://schemas.openxmlformats.org/officeDocument/2006/relationships" xmlns:p="http://schemas.openxmlformats.org/presentationml/2006/main">
   <p:cSld>
     <p:spTree>
@@ -6124,40 +8934,27 @@
       </p:grpSpPr>
       <p:sp>
         <p:nvSpPr>
-          <p:cNvPr id="2" name="제목 1"/>
-          <p:cNvSpPr>
-            <a:spLocks noGrp="1"/>
-          </p:cNvSpPr>
-          <p:nvPr>
-            <p:ph type="title"/>
-          </p:nvPr>
-        </p:nvSpPr>
-        <p:spPr/>
-        <p:txBody>
-          <a:bodyPr/>
-          <a:lstStyle/>
-          <a:p>
-            <a:endParaRPr lang="ko-KR" altLang="en-US"/>
-          </a:p>
-        </p:txBody>
-      </p:sp>
-      <p:sp>
-        <p:nvSpPr>
-          <p:cNvPr id="4" name="직사각형 3"/>
+          <p:cNvPr id="6" name="직사각형 5">
+            <a:extLst>
+              <a:ext uri="{FF2B5EF4-FFF2-40B4-BE49-F238E27FC236}">
+                <a16:creationId xmlns:a16="http://schemas.microsoft.com/office/drawing/2014/main" id="{38EA09AD-8448-4FEB-9132-C27593BC4451}"/>
+              </a:ext>
+            </a:extLst>
+          </p:cNvPr>
           <p:cNvSpPr/>
           <p:nvPr/>
         </p:nvSpPr>
         <p:spPr>
           <a:xfrm>
-            <a:off x="0" y="-25492"/>
-            <a:ext cx="12192000" cy="6883492"/>
+            <a:off x="-4555" y="0"/>
+            <a:ext cx="12196555" cy="6858000"/>
           </a:xfrm>
           <a:prstGeom prst="rect">
             <a:avLst/>
           </a:prstGeom>
           <a:solidFill>
-            <a:schemeClr val="accent5">
-              <a:lumMod val="75000"/>
+            <a:schemeClr val="bg1">
+              <a:lumMod val="95000"/>
             </a:schemeClr>
           </a:solidFill>
           <a:ln>
@@ -6189,9 +8986,994 @@
           </a:p>
         </p:txBody>
       </p:sp>
+      <p:sp>
+        <p:nvSpPr>
+          <p:cNvPr id="7" name="직사각형 6">
+            <a:extLst>
+              <a:ext uri="{FF2B5EF4-FFF2-40B4-BE49-F238E27FC236}">
+                <a16:creationId xmlns:a16="http://schemas.microsoft.com/office/drawing/2014/main" id="{9BB8C114-7CC6-4A03-A3F9-8346B69DBAE3}"/>
+              </a:ext>
+            </a:extLst>
+          </p:cNvPr>
+          <p:cNvSpPr/>
+          <p:nvPr/>
+        </p:nvSpPr>
+        <p:spPr>
+          <a:xfrm flipV="1">
+            <a:off x="-205891" y="687896"/>
+            <a:ext cx="5306397" cy="45719"/>
+          </a:xfrm>
+          <a:prstGeom prst="rect">
+            <a:avLst/>
+          </a:prstGeom>
+          <a:solidFill>
+            <a:schemeClr val="tx1"/>
+          </a:solidFill>
+          <a:ln>
+            <a:noFill/>
+          </a:ln>
+        </p:spPr>
+        <p:style>
+          <a:lnRef idx="2">
+            <a:schemeClr val="accent1">
+              <a:shade val="50000"/>
+            </a:schemeClr>
+          </a:lnRef>
+          <a:fillRef idx="1">
+            <a:schemeClr val="accent1"/>
+          </a:fillRef>
+          <a:effectRef idx="0">
+            <a:schemeClr val="accent1"/>
+          </a:effectRef>
+          <a:fontRef idx="minor">
+            <a:schemeClr val="lt1"/>
+          </a:fontRef>
+        </p:style>
+        <p:txBody>
+          <a:bodyPr rtlCol="0" anchor="ctr"/>
+          <a:lstStyle/>
+          <a:p>
+            <a:pPr algn="ctr"/>
+            <a:endParaRPr lang="ko-KR" altLang="en-US"/>
+          </a:p>
+        </p:txBody>
+      </p:sp>
+      <p:sp>
+        <p:nvSpPr>
+          <p:cNvPr id="8" name="이등변 삼각형 7">
+            <a:extLst>
+              <a:ext uri="{FF2B5EF4-FFF2-40B4-BE49-F238E27FC236}">
+                <a16:creationId xmlns:a16="http://schemas.microsoft.com/office/drawing/2014/main" id="{81AAEB55-CCCC-4E59-B882-3905865808D9}"/>
+              </a:ext>
+            </a:extLst>
+          </p:cNvPr>
+          <p:cNvSpPr/>
+          <p:nvPr/>
+        </p:nvSpPr>
+        <p:spPr>
+          <a:xfrm>
+            <a:off x="-646493" y="0"/>
+            <a:ext cx="1283876" cy="733615"/>
+          </a:xfrm>
+          <a:prstGeom prst="triangle">
+            <a:avLst/>
+          </a:prstGeom>
+          <a:solidFill>
+            <a:schemeClr val="tx1"/>
+          </a:solidFill>
+          <a:ln>
+            <a:noFill/>
+          </a:ln>
+        </p:spPr>
+        <p:style>
+          <a:lnRef idx="2">
+            <a:schemeClr val="accent1">
+              <a:shade val="50000"/>
+            </a:schemeClr>
+          </a:lnRef>
+          <a:fillRef idx="1">
+            <a:schemeClr val="accent1"/>
+          </a:fillRef>
+          <a:effectRef idx="0">
+            <a:schemeClr val="accent1"/>
+          </a:effectRef>
+          <a:fontRef idx="minor">
+            <a:schemeClr val="lt1"/>
+          </a:fontRef>
+        </p:style>
+        <p:txBody>
+          <a:bodyPr rtlCol="0" anchor="ctr"/>
+          <a:lstStyle/>
+          <a:p>
+            <a:pPr algn="ctr"/>
+            <a:endParaRPr lang="ko-KR" altLang="en-US"/>
+          </a:p>
+        </p:txBody>
+      </p:sp>
+      <p:sp>
+        <p:nvSpPr>
+          <p:cNvPr id="9" name="TextBox 8">
+            <a:extLst>
+              <a:ext uri="{FF2B5EF4-FFF2-40B4-BE49-F238E27FC236}">
+                <a16:creationId xmlns:a16="http://schemas.microsoft.com/office/drawing/2014/main" id="{BB8BC1B1-E1C2-445B-A1D4-499CB13B74A7}"/>
+              </a:ext>
+            </a:extLst>
+          </p:cNvPr>
+          <p:cNvSpPr txBox="1"/>
+          <p:nvPr/>
+        </p:nvSpPr>
+        <p:spPr>
+          <a:xfrm>
+            <a:off x="616410" y="187535"/>
+            <a:ext cx="3481431" cy="523220"/>
+          </a:xfrm>
+          <a:prstGeom prst="rect">
+            <a:avLst/>
+          </a:prstGeom>
+          <a:noFill/>
+        </p:spPr>
+        <p:txBody>
+          <a:bodyPr wrap="square" rtlCol="0">
+            <a:spAutoFit/>
+          </a:bodyPr>
+          <a:lstStyle/>
+          <a:p>
+            <a:r>
+              <a:rPr lang="ko-KR" altLang="en-US" sz="2800" b="1" dirty="0">
+                <a:latin typeface="+mj-lt"/>
+              </a:rPr>
+              <a:t>목차</a:t>
+            </a:r>
+          </a:p>
+        </p:txBody>
+      </p:sp>
+      <p:sp>
+        <p:nvSpPr>
+          <p:cNvPr id="10" name="직사각형 9">
+            <a:extLst>
+              <a:ext uri="{FF2B5EF4-FFF2-40B4-BE49-F238E27FC236}">
+                <a16:creationId xmlns:a16="http://schemas.microsoft.com/office/drawing/2014/main" id="{F8C96C1D-28C5-40B6-896E-02DD639971D3}"/>
+              </a:ext>
+            </a:extLst>
+          </p:cNvPr>
+          <p:cNvSpPr/>
+          <p:nvPr/>
+        </p:nvSpPr>
+        <p:spPr>
+          <a:xfrm flipV="1">
+            <a:off x="-39825" y="-78370"/>
+            <a:ext cx="12757535" cy="265903"/>
+          </a:xfrm>
+          <a:prstGeom prst="rect">
+            <a:avLst/>
+          </a:prstGeom>
+          <a:solidFill>
+            <a:schemeClr val="tx1"/>
+          </a:solidFill>
+          <a:ln>
+            <a:noFill/>
+          </a:ln>
+        </p:spPr>
+        <p:style>
+          <a:lnRef idx="2">
+            <a:schemeClr val="accent1">
+              <a:shade val="50000"/>
+            </a:schemeClr>
+          </a:lnRef>
+          <a:fillRef idx="1">
+            <a:schemeClr val="accent1"/>
+          </a:fillRef>
+          <a:effectRef idx="0">
+            <a:schemeClr val="accent1"/>
+          </a:effectRef>
+          <a:fontRef idx="minor">
+            <a:schemeClr val="lt1"/>
+          </a:fontRef>
+        </p:style>
+        <p:txBody>
+          <a:bodyPr rtlCol="0" anchor="ctr"/>
+          <a:lstStyle/>
+          <a:p>
+            <a:pPr algn="ctr"/>
+            <a:endParaRPr lang="ko-KR" altLang="en-US"/>
+          </a:p>
+        </p:txBody>
+      </p:sp>
+      <p:cxnSp>
+        <p:nvCxnSpPr>
+          <p:cNvPr id="3" name="연결선: 꺾임 2">
+            <a:extLst>
+              <a:ext uri="{FF2B5EF4-FFF2-40B4-BE49-F238E27FC236}">
+                <a16:creationId xmlns:a16="http://schemas.microsoft.com/office/drawing/2014/main" id="{8B888FED-4E20-4922-BEB4-7F0049B4D3A8}"/>
+              </a:ext>
+            </a:extLst>
+          </p:cNvPr>
+          <p:cNvCxnSpPr>
+            <a:cxnSpLocks/>
+          </p:cNvCxnSpPr>
+          <p:nvPr/>
+        </p:nvCxnSpPr>
+        <p:spPr>
+          <a:xfrm>
+            <a:off x="-957130" y="904493"/>
+            <a:ext cx="4658603" cy="759177"/>
+          </a:xfrm>
+          <a:prstGeom prst="bentConnector3">
+            <a:avLst/>
+          </a:prstGeom>
+          <a:ln>
+            <a:tailEnd type="triangle"/>
+          </a:ln>
+        </p:spPr>
+        <p:style>
+          <a:lnRef idx="1">
+            <a:schemeClr val="dk1"/>
+          </a:lnRef>
+          <a:fillRef idx="0">
+            <a:schemeClr val="dk1"/>
+          </a:fillRef>
+          <a:effectRef idx="0">
+            <a:schemeClr val="dk1"/>
+          </a:effectRef>
+          <a:fontRef idx="minor">
+            <a:schemeClr val="tx1"/>
+          </a:fontRef>
+        </p:style>
+      </p:cxnSp>
+      <p:cxnSp>
+        <p:nvCxnSpPr>
+          <p:cNvPr id="11" name="연결선: 꺾임 10">
+            <a:extLst>
+              <a:ext uri="{FF2B5EF4-FFF2-40B4-BE49-F238E27FC236}">
+                <a16:creationId xmlns:a16="http://schemas.microsoft.com/office/drawing/2014/main" id="{2D4DA461-473C-45A5-AED1-729C135163C5}"/>
+              </a:ext>
+            </a:extLst>
+          </p:cNvPr>
+          <p:cNvCxnSpPr>
+            <a:cxnSpLocks/>
+          </p:cNvCxnSpPr>
+          <p:nvPr/>
+        </p:nvCxnSpPr>
+        <p:spPr>
+          <a:xfrm>
+            <a:off x="-957130" y="1398651"/>
+            <a:ext cx="5682615" cy="1477556"/>
+          </a:xfrm>
+          <a:prstGeom prst="bentConnector3">
+            <a:avLst>
+              <a:gd name="adj1" fmla="val 36917"/>
+            </a:avLst>
+          </a:prstGeom>
+          <a:ln>
+            <a:tailEnd type="triangle"/>
+          </a:ln>
+        </p:spPr>
+        <p:style>
+          <a:lnRef idx="1">
+            <a:schemeClr val="dk1"/>
+          </a:lnRef>
+          <a:fillRef idx="0">
+            <a:schemeClr val="dk1"/>
+          </a:fillRef>
+          <a:effectRef idx="0">
+            <a:schemeClr val="dk1"/>
+          </a:effectRef>
+          <a:fontRef idx="minor">
+            <a:schemeClr val="tx1"/>
+          </a:fontRef>
+        </p:style>
+      </p:cxnSp>
+      <p:sp>
+        <p:nvSpPr>
+          <p:cNvPr id="17" name="TextBox 16">
+            <a:extLst>
+              <a:ext uri="{FF2B5EF4-FFF2-40B4-BE49-F238E27FC236}">
+                <a16:creationId xmlns:a16="http://schemas.microsoft.com/office/drawing/2014/main" id="{9ADCC94F-14EF-4148-81AE-BE28F894040C}"/>
+              </a:ext>
+            </a:extLst>
+          </p:cNvPr>
+          <p:cNvSpPr txBox="1"/>
+          <p:nvPr/>
+        </p:nvSpPr>
+        <p:spPr>
+          <a:xfrm>
+            <a:off x="3701473" y="1219262"/>
+            <a:ext cx="6134736" cy="769441"/>
+          </a:xfrm>
+          <a:prstGeom prst="rect">
+            <a:avLst/>
+          </a:prstGeom>
+          <a:noFill/>
+        </p:spPr>
+        <p:txBody>
+          <a:bodyPr wrap="square" rtlCol="0">
+            <a:spAutoFit/>
+          </a:bodyPr>
+          <a:lstStyle/>
+          <a:p>
+            <a:r>
+              <a:rPr lang="ko-KR" altLang="en-US" sz="4400" dirty="0">
+                <a:latin typeface="HY헤드라인M" panose="02030600000101010101" pitchFamily="18" charset="-127"/>
+                <a:ea typeface="HY헤드라인M" panose="02030600000101010101" pitchFamily="18" charset="-127"/>
+              </a:rPr>
+              <a:t>프로젝트 구성 요약</a:t>
+            </a:r>
+          </a:p>
+        </p:txBody>
+      </p:sp>
+      <p:sp>
+        <p:nvSpPr>
+          <p:cNvPr id="18" name="TextBox 17">
+            <a:extLst>
+              <a:ext uri="{FF2B5EF4-FFF2-40B4-BE49-F238E27FC236}">
+                <a16:creationId xmlns:a16="http://schemas.microsoft.com/office/drawing/2014/main" id="{39A8AF12-E09C-4A02-B2DF-B98213415EE1}"/>
+              </a:ext>
+            </a:extLst>
+          </p:cNvPr>
+          <p:cNvSpPr txBox="1"/>
+          <p:nvPr/>
+        </p:nvSpPr>
+        <p:spPr>
+          <a:xfrm>
+            <a:off x="4891551" y="2514653"/>
+            <a:ext cx="4657740" cy="2554545"/>
+          </a:xfrm>
+          <a:prstGeom prst="rect">
+            <a:avLst/>
+          </a:prstGeom>
+          <a:noFill/>
+        </p:spPr>
+        <p:txBody>
+          <a:bodyPr wrap="square" rtlCol="0">
+            <a:spAutoFit/>
+          </a:bodyPr>
+          <a:lstStyle/>
+          <a:p>
+            <a:r>
+              <a:rPr lang="en-US" altLang="ko-KR" sz="3200" dirty="0">
+                <a:latin typeface="Arial Black" panose="020B0A04020102020204" pitchFamily="34" charset="0"/>
+              </a:rPr>
+              <a:t>Part1. </a:t>
+            </a:r>
+            <a:r>
+              <a:rPr lang="en-US" altLang="ko-KR" sz="3200" dirty="0" err="1">
+                <a:latin typeface="Arial Black" panose="020B0A04020102020204" pitchFamily="34" charset="0"/>
+              </a:rPr>
+              <a:t>MarkUp</a:t>
+            </a:r>
+            <a:endParaRPr lang="en-US" altLang="ko-KR" sz="3200" dirty="0">
+              <a:latin typeface="Arial Black" panose="020B0A04020102020204" pitchFamily="34" charset="0"/>
+            </a:endParaRPr>
+          </a:p>
+          <a:p>
+            <a:endParaRPr lang="en-US" altLang="ko-KR" sz="3200" dirty="0">
+              <a:latin typeface="Arial Black" panose="020B0A04020102020204" pitchFamily="34" charset="0"/>
+            </a:endParaRPr>
+          </a:p>
+          <a:p>
+            <a:r>
+              <a:rPr lang="en-US" altLang="ko-KR" sz="3200" dirty="0">
+                <a:latin typeface="Arial Black" panose="020B0A04020102020204" pitchFamily="34" charset="0"/>
+              </a:rPr>
+              <a:t>Part2. W3C WCAG</a:t>
+            </a:r>
+          </a:p>
+          <a:p>
+            <a:endParaRPr lang="en-US" altLang="ko-KR" sz="3200" dirty="0">
+              <a:latin typeface="Arial Black" panose="020B0A04020102020204" pitchFamily="34" charset="0"/>
+            </a:endParaRPr>
+          </a:p>
+          <a:p>
+            <a:r>
+              <a:rPr lang="en-US" altLang="ko-KR" sz="3200" dirty="0">
+                <a:latin typeface="Arial Black" panose="020B0A04020102020204" pitchFamily="34" charset="0"/>
+              </a:rPr>
+              <a:t>Part3.</a:t>
+            </a:r>
+            <a:r>
+              <a:rPr lang="ko-KR" altLang="en-US" sz="3200" dirty="0">
+                <a:latin typeface="Arial Black" panose="020B0A04020102020204" pitchFamily="34" charset="0"/>
+              </a:rPr>
+              <a:t> </a:t>
+            </a:r>
+            <a:r>
+              <a:rPr lang="en-US" altLang="ko-KR" sz="3200" dirty="0">
+                <a:latin typeface="Arial Black" panose="020B0A04020102020204" pitchFamily="34" charset="0"/>
+              </a:rPr>
+              <a:t>Animation</a:t>
+            </a:r>
+          </a:p>
+        </p:txBody>
+      </p:sp>
+      <p:cxnSp>
+        <p:nvCxnSpPr>
+          <p:cNvPr id="27" name="연결선: 꺾임 26">
+            <a:extLst>
+              <a:ext uri="{FF2B5EF4-FFF2-40B4-BE49-F238E27FC236}">
+                <a16:creationId xmlns:a16="http://schemas.microsoft.com/office/drawing/2014/main" id="{846DA0D2-5210-4C1A-8CC0-500D2FAA07D1}"/>
+              </a:ext>
+            </a:extLst>
+          </p:cNvPr>
+          <p:cNvCxnSpPr>
+            <a:cxnSpLocks/>
+          </p:cNvCxnSpPr>
+          <p:nvPr/>
+        </p:nvCxnSpPr>
+        <p:spPr>
+          <a:xfrm>
+            <a:off x="-1123196" y="2425545"/>
+            <a:ext cx="5883951" cy="1366380"/>
+          </a:xfrm>
+          <a:prstGeom prst="bentConnector3">
+            <a:avLst>
+              <a:gd name="adj1" fmla="val 43319"/>
+            </a:avLst>
+          </a:prstGeom>
+          <a:ln>
+            <a:tailEnd type="triangle"/>
+          </a:ln>
+        </p:spPr>
+        <p:style>
+          <a:lnRef idx="1">
+            <a:schemeClr val="dk1"/>
+          </a:lnRef>
+          <a:fillRef idx="0">
+            <a:schemeClr val="dk1"/>
+          </a:fillRef>
+          <a:effectRef idx="0">
+            <a:schemeClr val="dk1"/>
+          </a:effectRef>
+          <a:fontRef idx="minor">
+            <a:schemeClr val="tx1"/>
+          </a:fontRef>
+        </p:style>
+      </p:cxnSp>
+      <p:cxnSp>
+        <p:nvCxnSpPr>
+          <p:cNvPr id="28" name="연결선: 꺾임 27">
+            <a:extLst>
+              <a:ext uri="{FF2B5EF4-FFF2-40B4-BE49-F238E27FC236}">
+                <a16:creationId xmlns:a16="http://schemas.microsoft.com/office/drawing/2014/main" id="{3F8B6295-B269-4BBA-9500-D68A424D953E}"/>
+              </a:ext>
+            </a:extLst>
+          </p:cNvPr>
+          <p:cNvCxnSpPr>
+            <a:cxnSpLocks/>
+          </p:cNvCxnSpPr>
+          <p:nvPr/>
+        </p:nvCxnSpPr>
+        <p:spPr>
+          <a:xfrm>
+            <a:off x="-1266052" y="3354957"/>
+            <a:ext cx="6026807" cy="1421861"/>
+          </a:xfrm>
+          <a:prstGeom prst="bentConnector3">
+            <a:avLst>
+              <a:gd name="adj1" fmla="val 50000"/>
+            </a:avLst>
+          </a:prstGeom>
+          <a:ln>
+            <a:tailEnd type="triangle"/>
+          </a:ln>
+        </p:spPr>
+        <p:style>
+          <a:lnRef idx="1">
+            <a:schemeClr val="dk1"/>
+          </a:lnRef>
+          <a:fillRef idx="0">
+            <a:schemeClr val="dk1"/>
+          </a:fillRef>
+          <a:effectRef idx="0">
+            <a:schemeClr val="dk1"/>
+          </a:effectRef>
+          <a:fontRef idx="minor">
+            <a:schemeClr val="tx1"/>
+          </a:fontRef>
+        </p:style>
+      </p:cxnSp>
+    </p:spTree>
+    <p:extLst>
+      <p:ext uri="{BB962C8B-B14F-4D97-AF65-F5344CB8AC3E}">
+        <p14:creationId xmlns:p14="http://schemas.microsoft.com/office/powerpoint/2010/main" val="284247110"/>
+      </p:ext>
+    </p:extLst>
+  </p:cSld>
+  <p:clrMapOvr>
+    <a:masterClrMapping/>
+  </p:clrMapOvr>
+  <p:timing>
+    <p:tnLst>
+      <p:par>
+        <p:cTn id="1" dur="indefinite" restart="never" nodeType="tmRoot">
+          <p:childTnLst>
+            <p:seq concurrent="1" nextAc="seek">
+              <p:cTn id="2" dur="indefinite" nodeType="mainSeq">
+                <p:childTnLst>
+                  <p:par>
+                    <p:cTn id="3" fill="hold">
+                      <p:stCondLst>
+                        <p:cond delay="indefinite"/>
+                        <p:cond evt="onBegin" delay="0">
+                          <p:tn val="2"/>
+                        </p:cond>
+                      </p:stCondLst>
+                      <p:childTnLst>
+                        <p:par>
+                          <p:cTn id="4" fill="hold">
+                            <p:stCondLst>
+                              <p:cond delay="0"/>
+                            </p:stCondLst>
+                            <p:childTnLst>
+                              <p:par>
+                                <p:cTn id="5" presetID="53" presetClass="entr" presetSubtype="16" fill="hold" grpId="0" nodeType="withEffect">
+                                  <p:stCondLst>
+                                    <p:cond delay="0"/>
+                                  </p:stCondLst>
+                                  <p:childTnLst>
+                                    <p:set>
+                                      <p:cBhvr>
+                                        <p:cTn id="6" dur="1" fill="hold">
+                                          <p:stCondLst>
+                                            <p:cond delay="0"/>
+                                          </p:stCondLst>
+                                        </p:cTn>
+                                        <p:tgtEl>
+                                          <p:spTgt spid="17"/>
+                                        </p:tgtEl>
+                                        <p:attrNameLst>
+                                          <p:attrName>style.visibility</p:attrName>
+                                        </p:attrNameLst>
+                                      </p:cBhvr>
+                                      <p:to>
+                                        <p:strVal val="visible"/>
+                                      </p:to>
+                                    </p:set>
+                                    <p:anim calcmode="lin" valueType="num">
+                                      <p:cBhvr>
+                                        <p:cTn id="7" dur="500" fill="hold"/>
+                                        <p:tgtEl>
+                                          <p:spTgt spid="17"/>
+                                        </p:tgtEl>
+                                        <p:attrNameLst>
+                                          <p:attrName>ppt_w</p:attrName>
+                                        </p:attrNameLst>
+                                      </p:cBhvr>
+                                      <p:tavLst>
+                                        <p:tav tm="0">
+                                          <p:val>
+                                            <p:fltVal val="0"/>
+                                          </p:val>
+                                        </p:tav>
+                                        <p:tav tm="100000">
+                                          <p:val>
+                                            <p:strVal val="#ppt_w"/>
+                                          </p:val>
+                                        </p:tav>
+                                      </p:tavLst>
+                                    </p:anim>
+                                    <p:anim calcmode="lin" valueType="num">
+                                      <p:cBhvr>
+                                        <p:cTn id="8" dur="500" fill="hold"/>
+                                        <p:tgtEl>
+                                          <p:spTgt spid="17"/>
+                                        </p:tgtEl>
+                                        <p:attrNameLst>
+                                          <p:attrName>ppt_h</p:attrName>
+                                        </p:attrNameLst>
+                                      </p:cBhvr>
+                                      <p:tavLst>
+                                        <p:tav tm="0">
+                                          <p:val>
+                                            <p:fltVal val="0"/>
+                                          </p:val>
+                                        </p:tav>
+                                        <p:tav tm="100000">
+                                          <p:val>
+                                            <p:strVal val="#ppt_h"/>
+                                          </p:val>
+                                        </p:tav>
+                                      </p:tavLst>
+                                    </p:anim>
+                                    <p:animEffect transition="in" filter="fade">
+                                      <p:cBhvr>
+                                        <p:cTn id="9" dur="500"/>
+                                        <p:tgtEl>
+                                          <p:spTgt spid="17"/>
+                                        </p:tgtEl>
+                                      </p:cBhvr>
+                                    </p:animEffect>
+                                  </p:childTnLst>
+                                </p:cTn>
+                              </p:par>
+                              <p:par>
+                                <p:cTn id="10" presetID="53" presetClass="entr" presetSubtype="16" fill="hold" grpId="0" nodeType="withEffect">
+                                  <p:stCondLst>
+                                    <p:cond delay="0"/>
+                                  </p:stCondLst>
+                                  <p:childTnLst>
+                                    <p:set>
+                                      <p:cBhvr>
+                                        <p:cTn id="11" dur="1" fill="hold">
+                                          <p:stCondLst>
+                                            <p:cond delay="0"/>
+                                          </p:stCondLst>
+                                        </p:cTn>
+                                        <p:tgtEl>
+                                          <p:spTgt spid="18"/>
+                                        </p:tgtEl>
+                                        <p:attrNameLst>
+                                          <p:attrName>style.visibility</p:attrName>
+                                        </p:attrNameLst>
+                                      </p:cBhvr>
+                                      <p:to>
+                                        <p:strVal val="visible"/>
+                                      </p:to>
+                                    </p:set>
+                                    <p:anim calcmode="lin" valueType="num">
+                                      <p:cBhvr>
+                                        <p:cTn id="12" dur="500" fill="hold"/>
+                                        <p:tgtEl>
+                                          <p:spTgt spid="18"/>
+                                        </p:tgtEl>
+                                        <p:attrNameLst>
+                                          <p:attrName>ppt_w</p:attrName>
+                                        </p:attrNameLst>
+                                      </p:cBhvr>
+                                      <p:tavLst>
+                                        <p:tav tm="0">
+                                          <p:val>
+                                            <p:fltVal val="0"/>
+                                          </p:val>
+                                        </p:tav>
+                                        <p:tav tm="100000">
+                                          <p:val>
+                                            <p:strVal val="#ppt_w"/>
+                                          </p:val>
+                                        </p:tav>
+                                      </p:tavLst>
+                                    </p:anim>
+                                    <p:anim calcmode="lin" valueType="num">
+                                      <p:cBhvr>
+                                        <p:cTn id="13" dur="500" fill="hold"/>
+                                        <p:tgtEl>
+                                          <p:spTgt spid="18"/>
+                                        </p:tgtEl>
+                                        <p:attrNameLst>
+                                          <p:attrName>ppt_h</p:attrName>
+                                        </p:attrNameLst>
+                                      </p:cBhvr>
+                                      <p:tavLst>
+                                        <p:tav tm="0">
+                                          <p:val>
+                                            <p:fltVal val="0"/>
+                                          </p:val>
+                                        </p:tav>
+                                        <p:tav tm="100000">
+                                          <p:val>
+                                            <p:strVal val="#ppt_h"/>
+                                          </p:val>
+                                        </p:tav>
+                                      </p:tavLst>
+                                    </p:anim>
+                                    <p:animEffect transition="in" filter="fade">
+                                      <p:cBhvr>
+                                        <p:cTn id="14" dur="500"/>
+                                        <p:tgtEl>
+                                          <p:spTgt spid="18"/>
+                                        </p:tgtEl>
+                                      </p:cBhvr>
+                                    </p:animEffect>
+                                  </p:childTnLst>
+                                </p:cTn>
+                              </p:par>
+                            </p:childTnLst>
+                          </p:cTn>
+                        </p:par>
+                      </p:childTnLst>
+                    </p:cTn>
+                  </p:par>
+                </p:childTnLst>
+              </p:cTn>
+              <p:prevCondLst>
+                <p:cond evt="onPrev" delay="0">
+                  <p:tgtEl>
+                    <p:sldTgt/>
+                  </p:tgtEl>
+                </p:cond>
+              </p:prevCondLst>
+              <p:nextCondLst>
+                <p:cond evt="onNext" delay="0">
+                  <p:tgtEl>
+                    <p:sldTgt/>
+                  </p:tgtEl>
+                </p:cond>
+              </p:nextCondLst>
+            </p:seq>
+          </p:childTnLst>
+        </p:cTn>
+      </p:par>
+    </p:tnLst>
+    <p:bldLst>
+      <p:bldP spid="17" grpId="0"/>
+      <p:bldP spid="18" grpId="0"/>
+    </p:bldLst>
+  </p:timing>
+</p:sld>
+</file>
+
+<file path=ppt/slides/slide3.xml><?xml version="1.0" encoding="utf-8"?>
+<p:sld xmlns:a="http://schemas.openxmlformats.org/drawingml/2006/main" xmlns:r="http://schemas.openxmlformats.org/officeDocument/2006/relationships" xmlns:p="http://schemas.openxmlformats.org/presentationml/2006/main">
+  <p:cSld>
+    <p:spTree>
+      <p:nvGrpSpPr>
+        <p:cNvPr id="1" name=""/>
+        <p:cNvGrpSpPr/>
+        <p:nvPr/>
+      </p:nvGrpSpPr>
+      <p:grpSpPr>
+        <a:xfrm>
+          <a:off x="0" y="0"/>
+          <a:ext cx="0" cy="0"/>
+          <a:chOff x="0" y="0"/>
+          <a:chExt cx="0" cy="0"/>
+        </a:xfrm>
+      </p:grpSpPr>
+      <p:sp>
+        <p:nvSpPr>
+          <p:cNvPr id="6" name="직사각형 5">
+            <a:extLst>
+              <a:ext uri="{FF2B5EF4-FFF2-40B4-BE49-F238E27FC236}">
+                <a16:creationId xmlns:a16="http://schemas.microsoft.com/office/drawing/2014/main" id="{38EA09AD-8448-4FEB-9132-C27593BC4451}"/>
+              </a:ext>
+            </a:extLst>
+          </p:cNvPr>
+          <p:cNvSpPr/>
+          <p:nvPr/>
+        </p:nvSpPr>
+        <p:spPr>
+          <a:xfrm>
+            <a:off x="-4555" y="0"/>
+            <a:ext cx="12196555" cy="6858000"/>
+          </a:xfrm>
+          <a:prstGeom prst="rect">
+            <a:avLst/>
+          </a:prstGeom>
+          <a:solidFill>
+            <a:schemeClr val="bg1">
+              <a:lumMod val="95000"/>
+            </a:schemeClr>
+          </a:solidFill>
+          <a:ln>
+            <a:noFill/>
+          </a:ln>
+        </p:spPr>
+        <p:style>
+          <a:lnRef idx="2">
+            <a:schemeClr val="accent1">
+              <a:shade val="50000"/>
+            </a:schemeClr>
+          </a:lnRef>
+          <a:fillRef idx="1">
+            <a:schemeClr val="accent1"/>
+          </a:fillRef>
+          <a:effectRef idx="0">
+            <a:schemeClr val="accent1"/>
+          </a:effectRef>
+          <a:fontRef idx="minor">
+            <a:schemeClr val="lt1"/>
+          </a:fontRef>
+        </p:style>
+        <p:txBody>
+          <a:bodyPr rtlCol="0" anchor="ctr"/>
+          <a:lstStyle/>
+          <a:p>
+            <a:pPr algn="ctr"/>
+            <a:endParaRPr lang="ko-KR" altLang="en-US" dirty="0"/>
+          </a:p>
+        </p:txBody>
+      </p:sp>
+      <p:sp>
+        <p:nvSpPr>
+          <p:cNvPr id="7" name="직사각형 6">
+            <a:extLst>
+              <a:ext uri="{FF2B5EF4-FFF2-40B4-BE49-F238E27FC236}">
+                <a16:creationId xmlns:a16="http://schemas.microsoft.com/office/drawing/2014/main" id="{9BB8C114-7CC6-4A03-A3F9-8346B69DBAE3}"/>
+              </a:ext>
+            </a:extLst>
+          </p:cNvPr>
+          <p:cNvSpPr/>
+          <p:nvPr/>
+        </p:nvSpPr>
+        <p:spPr>
+          <a:xfrm flipV="1">
+            <a:off x="-205891" y="687896"/>
+            <a:ext cx="5306397" cy="45719"/>
+          </a:xfrm>
+          <a:prstGeom prst="rect">
+            <a:avLst/>
+          </a:prstGeom>
+          <a:solidFill>
+            <a:schemeClr val="tx1"/>
+          </a:solidFill>
+          <a:ln>
+            <a:noFill/>
+          </a:ln>
+        </p:spPr>
+        <p:style>
+          <a:lnRef idx="2">
+            <a:schemeClr val="accent1">
+              <a:shade val="50000"/>
+            </a:schemeClr>
+          </a:lnRef>
+          <a:fillRef idx="1">
+            <a:schemeClr val="accent1"/>
+          </a:fillRef>
+          <a:effectRef idx="0">
+            <a:schemeClr val="accent1"/>
+          </a:effectRef>
+          <a:fontRef idx="minor">
+            <a:schemeClr val="lt1"/>
+          </a:fontRef>
+        </p:style>
+        <p:txBody>
+          <a:bodyPr rtlCol="0" anchor="ctr"/>
+          <a:lstStyle/>
+          <a:p>
+            <a:pPr algn="ctr"/>
+            <a:endParaRPr lang="ko-KR" altLang="en-US"/>
+          </a:p>
+        </p:txBody>
+      </p:sp>
+      <p:sp>
+        <p:nvSpPr>
+          <p:cNvPr id="8" name="이등변 삼각형 7">
+            <a:extLst>
+              <a:ext uri="{FF2B5EF4-FFF2-40B4-BE49-F238E27FC236}">
+                <a16:creationId xmlns:a16="http://schemas.microsoft.com/office/drawing/2014/main" id="{81AAEB55-CCCC-4E59-B882-3905865808D9}"/>
+              </a:ext>
+            </a:extLst>
+          </p:cNvPr>
+          <p:cNvSpPr/>
+          <p:nvPr/>
+        </p:nvSpPr>
+        <p:spPr>
+          <a:xfrm>
+            <a:off x="-646493" y="0"/>
+            <a:ext cx="1283876" cy="733615"/>
+          </a:xfrm>
+          <a:prstGeom prst="triangle">
+            <a:avLst/>
+          </a:prstGeom>
+          <a:solidFill>
+            <a:schemeClr val="tx1"/>
+          </a:solidFill>
+          <a:ln>
+            <a:noFill/>
+          </a:ln>
+        </p:spPr>
+        <p:style>
+          <a:lnRef idx="2">
+            <a:schemeClr val="accent1">
+              <a:shade val="50000"/>
+            </a:schemeClr>
+          </a:lnRef>
+          <a:fillRef idx="1">
+            <a:schemeClr val="accent1"/>
+          </a:fillRef>
+          <a:effectRef idx="0">
+            <a:schemeClr val="accent1"/>
+          </a:effectRef>
+          <a:fontRef idx="minor">
+            <a:schemeClr val="lt1"/>
+          </a:fontRef>
+        </p:style>
+        <p:txBody>
+          <a:bodyPr rtlCol="0" anchor="ctr"/>
+          <a:lstStyle/>
+          <a:p>
+            <a:pPr algn="ctr"/>
+            <a:endParaRPr lang="ko-KR" altLang="en-US"/>
+          </a:p>
+        </p:txBody>
+      </p:sp>
+      <p:sp>
+        <p:nvSpPr>
+          <p:cNvPr id="9" name="TextBox 8">
+            <a:extLst>
+              <a:ext uri="{FF2B5EF4-FFF2-40B4-BE49-F238E27FC236}">
+                <a16:creationId xmlns:a16="http://schemas.microsoft.com/office/drawing/2014/main" id="{BB8BC1B1-E1C2-445B-A1D4-499CB13B74A7}"/>
+              </a:ext>
+            </a:extLst>
+          </p:cNvPr>
+          <p:cNvSpPr txBox="1"/>
+          <p:nvPr/>
+        </p:nvSpPr>
+        <p:spPr>
+          <a:xfrm>
+            <a:off x="616410" y="187535"/>
+            <a:ext cx="3481431" cy="523220"/>
+          </a:xfrm>
+          <a:prstGeom prst="rect">
+            <a:avLst/>
+          </a:prstGeom>
+          <a:noFill/>
+        </p:spPr>
+        <p:txBody>
+          <a:bodyPr wrap="square" rtlCol="0">
+            <a:spAutoFit/>
+          </a:bodyPr>
+          <a:lstStyle/>
+          <a:p>
+            <a:r>
+              <a:rPr lang="ko-KR" altLang="en-US" sz="2800" b="1" dirty="0">
+                <a:latin typeface="+mj-lt"/>
+              </a:rPr>
+              <a:t>프로젝트 구성 요약</a:t>
+            </a:r>
+          </a:p>
+        </p:txBody>
+      </p:sp>
+      <p:sp>
+        <p:nvSpPr>
+          <p:cNvPr id="10" name="직사각형 9">
+            <a:extLst>
+              <a:ext uri="{FF2B5EF4-FFF2-40B4-BE49-F238E27FC236}">
+                <a16:creationId xmlns:a16="http://schemas.microsoft.com/office/drawing/2014/main" id="{F8C96C1D-28C5-40B6-896E-02DD639971D3}"/>
+              </a:ext>
+            </a:extLst>
+          </p:cNvPr>
+          <p:cNvSpPr/>
+          <p:nvPr/>
+        </p:nvSpPr>
+        <p:spPr>
+          <a:xfrm flipV="1">
+            <a:off x="-39825" y="-78370"/>
+            <a:ext cx="12757535" cy="265903"/>
+          </a:xfrm>
+          <a:prstGeom prst="rect">
+            <a:avLst/>
+          </a:prstGeom>
+          <a:solidFill>
+            <a:schemeClr val="tx1"/>
+          </a:solidFill>
+          <a:ln>
+            <a:noFill/>
+          </a:ln>
+        </p:spPr>
+        <p:style>
+          <a:lnRef idx="2">
+            <a:schemeClr val="accent1">
+              <a:shade val="50000"/>
+            </a:schemeClr>
+          </a:lnRef>
+          <a:fillRef idx="1">
+            <a:schemeClr val="accent1"/>
+          </a:fillRef>
+          <a:effectRef idx="0">
+            <a:schemeClr val="accent1"/>
+          </a:effectRef>
+          <a:fontRef idx="minor">
+            <a:schemeClr val="lt1"/>
+          </a:fontRef>
+        </p:style>
+        <p:txBody>
+          <a:bodyPr rtlCol="0" anchor="ctr"/>
+          <a:lstStyle/>
+          <a:p>
+            <a:pPr algn="ctr"/>
+            <a:endParaRPr lang="ko-KR" altLang="en-US"/>
+          </a:p>
+        </p:txBody>
+      </p:sp>
       <p:pic>
         <p:nvPicPr>
-          <p:cNvPr id="5" name="그림 4"/>
+          <p:cNvPr id="13" name="그림 12">
+            <a:extLst>
+              <a:ext uri="{FF2B5EF4-FFF2-40B4-BE49-F238E27FC236}">
+                <a16:creationId xmlns:a16="http://schemas.microsoft.com/office/drawing/2014/main" id="{850E1F78-7CD1-4D6B-857C-1E02FF0A9EA2}"/>
+              </a:ext>
+            </a:extLst>
+          </p:cNvPr>
           <p:cNvPicPr>
             <a:picLocks noChangeAspect="1"/>
           </p:cNvPicPr>
@@ -6210,40 +9992,68 @@
           </a:stretch>
         </p:blipFill>
         <p:spPr>
-          <a:xfrm flipH="1">
-            <a:off x="8805950" y="-1593201"/>
-            <a:ext cx="4876800" cy="4876800"/>
+          <a:xfrm>
+            <a:off x="4739779" y="366807"/>
+            <a:ext cx="6601494" cy="6282800"/>
           </a:xfrm>
           <a:prstGeom prst="rect">
             <a:avLst/>
           </a:prstGeom>
+          <a:solidFill>
+            <a:srgbClr val="FFFFFF">
+              <a:shade val="85000"/>
+            </a:srgbClr>
+          </a:solidFill>
+          <a:ln w="88900" cap="sq">
+            <a:solidFill>
+              <a:srgbClr val="FFFFFF"/>
+            </a:solidFill>
+            <a:miter lim="800000"/>
+          </a:ln>
+          <a:effectLst>
+            <a:outerShdw blurRad="55000" dist="18000" dir="5400000" algn="tl" rotWithShape="0">
+              <a:srgbClr val="000000">
+                <a:alpha val="40000"/>
+              </a:srgbClr>
+            </a:outerShdw>
+          </a:effectLst>
+          <a:scene3d>
+            <a:camera prst="orthographicFront"/>
+            <a:lightRig rig="twoPt" dir="t">
+              <a:rot lat="0" lon="0" rev="7200000"/>
+            </a:lightRig>
+          </a:scene3d>
+          <a:sp3d>
+            <a:bevelT w="25400" h="19050"/>
+            <a:contourClr>
+              <a:srgbClr val="FFFFFF"/>
+            </a:contourClr>
+          </a:sp3d>
         </p:spPr>
       </p:pic>
       <p:pic>
         <p:nvPicPr>
-          <p:cNvPr id="7" name="Picture 6" descr="EDIYA COFFEE"/>
+          <p:cNvPr id="15" name="그림 14">
+            <a:extLst>
+              <a:ext uri="{FF2B5EF4-FFF2-40B4-BE49-F238E27FC236}">
+                <a16:creationId xmlns:a16="http://schemas.microsoft.com/office/drawing/2014/main" id="{7E3768D6-5F27-4C5C-BED4-F683CACEE922}"/>
+              </a:ext>
+            </a:extLst>
+          </p:cNvPr>
           <p:cNvPicPr>
-            <a:picLocks noChangeAspect="1" noChangeArrowheads="1"/>
+            <a:picLocks noChangeAspect="1"/>
           </p:cNvPicPr>
           <p:nvPr/>
         </p:nvPicPr>
-        <p:blipFill>
-          <a:blip r:embed="rId3">
-            <a:extLst>
-              <a:ext uri="{28A0092B-C50C-407E-A947-70E740481C1C}">
-                <a14:useLocalDpi xmlns:a14="http://schemas.microsoft.com/office/drawing/2010/main" val="0"/>
-              </a:ext>
-            </a:extLst>
-          </a:blip>
-          <a:srcRect/>
-          <a:stretch>
-            <a:fillRect/>
-          </a:stretch>
+        <p:blipFill rotWithShape="1">
+          <a:blip r:embed="rId3"/>
+          <a:srcRect l="-267" r="80014"/>
+          <a:stretch/>
         </p:blipFill>
-        <p:spPr bwMode="auto">
+        <p:spPr>
           <a:xfrm>
-            <a:off x="406065" y="624706"/>
-            <a:ext cx="3124200" cy="3124201"/>
+            <a:off x="616410" y="1054704"/>
+            <a:ext cx="3396552" cy="5331204"/>
           </a:xfrm>
           <a:prstGeom prst="rect">
             <a:avLst/>
@@ -6282,197 +10092,13 @@
           </a:sp3d>
         </p:spPr>
       </p:pic>
-      <p:pic>
-        <p:nvPicPr>
-          <p:cNvPr id="8" name="Picture 8" descr="EDIYA COFFEE"/>
-          <p:cNvPicPr>
-            <a:picLocks noChangeAspect="1" noChangeArrowheads="1"/>
-          </p:cNvPicPr>
-          <p:nvPr/>
-        </p:nvPicPr>
-        <p:blipFill>
-          <a:blip r:embed="rId4">
-            <a:extLst>
-              <a:ext uri="{28A0092B-C50C-407E-A947-70E740481C1C}">
-                <a14:useLocalDpi xmlns:a14="http://schemas.microsoft.com/office/drawing/2010/main" val="0"/>
-              </a:ext>
-            </a:extLst>
-          </a:blip>
-          <a:srcRect/>
-          <a:stretch>
-            <a:fillRect/>
-          </a:stretch>
-        </p:blipFill>
-        <p:spPr bwMode="auto">
-          <a:xfrm>
-            <a:off x="8567837" y="3416254"/>
-            <a:ext cx="3124200" cy="3124201"/>
-          </a:xfrm>
-          <a:prstGeom prst="snip2DiagRect">
-            <a:avLst/>
-          </a:prstGeom>
-          <a:solidFill>
-            <a:srgbClr val="FFFFFF">
-              <a:shade val="85000"/>
-            </a:srgbClr>
-          </a:solidFill>
-          <a:ln w="88900" cap="sq">
-            <a:solidFill>
-              <a:srgbClr val="FFFFFF"/>
-            </a:solidFill>
-            <a:miter lim="800000"/>
-          </a:ln>
-          <a:effectLst>
-            <a:outerShdw blurRad="88900" algn="tl" rotWithShape="0">
-              <a:srgbClr val="000000">
-                <a:alpha val="45000"/>
-              </a:srgbClr>
-            </a:outerShdw>
-          </a:effectLst>
-          <a:scene3d>
-            <a:camera prst="orthographicFront"/>
-            <a:lightRig rig="twoPt" dir="t">
-              <a:rot lat="0" lon="0" rev="7200000"/>
-            </a:lightRig>
-          </a:scene3d>
-          <a:sp3d>
-            <a:bevelT w="25400" h="19050"/>
-            <a:contourClr>
-              <a:srgbClr val="FFFFFF"/>
-            </a:contourClr>
-          </a:sp3d>
-        </p:spPr>
-      </p:pic>
-      <p:sp>
-        <p:nvSpPr>
-          <p:cNvPr id="10" name="TextBox 9"/>
-          <p:cNvSpPr txBox="1"/>
-          <p:nvPr/>
-        </p:nvSpPr>
-        <p:spPr>
-          <a:xfrm>
-            <a:off x="2801006" y="2594675"/>
-            <a:ext cx="5766831" cy="830997"/>
-          </a:xfrm>
-          <a:prstGeom prst="rect">
-            <a:avLst/>
-          </a:prstGeom>
-          <a:noFill/>
-          <a:effectLst/>
-        </p:spPr>
-        <p:txBody>
-          <a:bodyPr wrap="square" rtlCol="0">
-            <a:spAutoFit/>
-          </a:bodyPr>
-          <a:lstStyle/>
-          <a:p>
-            <a:pPr algn="ctr"/>
-            <a:r>
-              <a:rPr lang="ko-KR" altLang="en-US" sz="4800" dirty="0">
-                <a:solidFill>
-                  <a:schemeClr val="bg1"/>
-                </a:solidFill>
-                <a:effectLst>
-                  <a:glow rad="63500">
-                    <a:schemeClr val="accent5">
-                      <a:lumMod val="20000"/>
-                      <a:lumOff val="80000"/>
-                      <a:alpha val="40000"/>
-                    </a:schemeClr>
-                  </a:glow>
-                  <a:reflection blurRad="6350" stA="55000" endA="300" endPos="45500" dir="5400000" sy="-100000" algn="bl" rotWithShape="0"/>
-                </a:effectLst>
-                <a:latin typeface="HY견고딕" panose="02030600000101010101" pitchFamily="18" charset="-127"/>
-                <a:ea typeface="HY견고딕" panose="02030600000101010101" pitchFamily="18" charset="-127"/>
-              </a:rPr>
-              <a:t>강주현</a:t>
-            </a:r>
-          </a:p>
-        </p:txBody>
-      </p:sp>
-      <p:sp>
-        <p:nvSpPr>
-          <p:cNvPr id="18" name="TextBox 17"/>
-          <p:cNvSpPr txBox="1"/>
-          <p:nvPr/>
-        </p:nvSpPr>
-        <p:spPr>
-          <a:xfrm>
-            <a:off x="4168560" y="1727183"/>
-            <a:ext cx="5650558" cy="1015663"/>
-          </a:xfrm>
-          <a:prstGeom prst="rect">
-            <a:avLst/>
-          </a:prstGeom>
-          <a:noFill/>
-        </p:spPr>
-        <p:txBody>
-          <a:bodyPr wrap="square" rtlCol="0">
-            <a:spAutoFit/>
-          </a:bodyPr>
-          <a:lstStyle/>
-          <a:p>
-            <a:pPr algn="ctr"/>
-            <a:r>
-              <a:rPr lang="en-US" altLang="ko-KR" sz="6000" dirty="0">
-                <a:solidFill>
-                  <a:schemeClr val="bg1"/>
-                </a:solidFill>
-                <a:effectLst>
-                  <a:reflection blurRad="6350" stA="55000" endA="300" endPos="45500" dir="5400000" sy="-100000" algn="bl" rotWithShape="0"/>
-                </a:effectLst>
-                <a:latin typeface="Segoe UI Black" panose="020B0A02040204020203" pitchFamily="34" charset="0"/>
-              </a:rPr>
-              <a:t>FASTCAMPS</a:t>
-            </a:r>
-            <a:endParaRPr lang="ko-KR" altLang="en-US" sz="6000" dirty="0">
-              <a:solidFill>
-                <a:schemeClr val="bg1"/>
-              </a:solidFill>
-              <a:effectLst>
-                <a:reflection blurRad="6350" stA="55000" endA="300" endPos="45500" dir="5400000" sy="-100000" algn="bl" rotWithShape="0"/>
-              </a:effectLst>
-              <a:latin typeface="Segoe UI Black" panose="020B0A02040204020203" pitchFamily="34" charset="0"/>
-            </a:endParaRPr>
-          </a:p>
-        </p:txBody>
-      </p:sp>
-    </p:spTree>
-    <p:extLst>
-      <p:ext uri="{BB962C8B-B14F-4D97-AF65-F5344CB8AC3E}">
-        <p14:creationId xmlns:p14="http://schemas.microsoft.com/office/powerpoint/2010/main" val="1492163749"/>
-      </p:ext>
-    </p:extLst>
-  </p:cSld>
-  <p:clrMapOvr>
-    <a:masterClrMapping/>
-  </p:clrMapOvr>
-</p:sld>
-</file>
-
-<file path=ppt/slides/slide3.xml><?xml version="1.0" encoding="utf-8"?>
-<p:sld xmlns:a="http://schemas.openxmlformats.org/drawingml/2006/main" xmlns:r="http://schemas.openxmlformats.org/officeDocument/2006/relationships" xmlns:p="http://schemas.openxmlformats.org/presentationml/2006/main">
-  <p:cSld>
-    <p:spTree>
-      <p:nvGrpSpPr>
-        <p:cNvPr id="1" name=""/>
-        <p:cNvGrpSpPr/>
-        <p:nvPr/>
-      </p:nvGrpSpPr>
-      <p:grpSpPr>
-        <a:xfrm>
-          <a:off x="0" y="0"/>
-          <a:ext cx="0" cy="0"/>
-          <a:chOff x="0" y="0"/>
-          <a:chExt cx="0" cy="0"/>
-        </a:xfrm>
-      </p:grpSpPr>
-      <p:sp>
-        <p:nvSpPr>
-          <p:cNvPr id="6" name="직사각형 5">
+      <p:sp>
+        <p:nvSpPr>
+          <p:cNvPr id="18" name="직사각형 17">
+            <a:hlinkClick r:id="rId4"/>
             <a:extLst>
               <a:ext uri="{FF2B5EF4-FFF2-40B4-BE49-F238E27FC236}">
-                <a16:creationId xmlns:a16="http://schemas.microsoft.com/office/drawing/2014/main" id="{38EA09AD-8448-4FEB-9132-C27593BC4451}"/>
+                <a16:creationId xmlns:a16="http://schemas.microsoft.com/office/drawing/2014/main" id="{DB2F42D4-7E95-4A2D-9E65-D745869EBD5D}"/>
               </a:ext>
             </a:extLst>
           </p:cNvPr>
@@ -6481,19 +10107,19 @@
         </p:nvSpPr>
         <p:spPr>
           <a:xfrm>
-            <a:off x="-4555" y="0"/>
-            <a:ext cx="12196555" cy="6858000"/>
+            <a:off x="11220628" y="6491193"/>
+            <a:ext cx="294242" cy="236784"/>
           </a:xfrm>
           <a:prstGeom prst="rect">
             <a:avLst/>
           </a:prstGeom>
           <a:solidFill>
-            <a:schemeClr val="bg1">
-              <a:lumMod val="95000"/>
-            </a:schemeClr>
+            <a:schemeClr val="bg1"/>
           </a:solidFill>
           <a:ln>
-            <a:noFill/>
+            <a:solidFill>
+              <a:schemeClr val="tx1"/>
+            </a:solidFill>
           </a:ln>
         </p:spPr>
         <p:style>
@@ -6517,273 +10143,18 @@
           <a:lstStyle/>
           <a:p>
             <a:pPr algn="ctr"/>
+            <a:r>
+              <a:rPr lang="en-US" altLang="ko-KR" dirty="0"/>
+              <a:t> </a:t>
+            </a:r>
             <a:endParaRPr lang="ko-KR" altLang="en-US" dirty="0"/>
-          </a:p>
-        </p:txBody>
-      </p:sp>
-      <p:sp>
-        <p:nvSpPr>
-          <p:cNvPr id="7" name="직사각형 6">
-            <a:extLst>
-              <a:ext uri="{FF2B5EF4-FFF2-40B4-BE49-F238E27FC236}">
-                <a16:creationId xmlns:a16="http://schemas.microsoft.com/office/drawing/2014/main" id="{9BB8C114-7CC6-4A03-A3F9-8346B69DBAE3}"/>
-              </a:ext>
-            </a:extLst>
-          </p:cNvPr>
-          <p:cNvSpPr/>
-          <p:nvPr/>
-        </p:nvSpPr>
-        <p:spPr>
-          <a:xfrm flipV="1">
-            <a:off x="-205891" y="687896"/>
-            <a:ext cx="5306397" cy="45719"/>
-          </a:xfrm>
-          <a:prstGeom prst="rect">
-            <a:avLst/>
-          </a:prstGeom>
-          <a:solidFill>
-            <a:schemeClr val="tx1"/>
-          </a:solidFill>
-          <a:ln>
-            <a:noFill/>
-          </a:ln>
-        </p:spPr>
-        <p:style>
-          <a:lnRef idx="2">
-            <a:schemeClr val="accent1">
-              <a:shade val="50000"/>
-            </a:schemeClr>
-          </a:lnRef>
-          <a:fillRef idx="1">
-            <a:schemeClr val="accent1"/>
-          </a:fillRef>
-          <a:effectRef idx="0">
-            <a:schemeClr val="accent1"/>
-          </a:effectRef>
-          <a:fontRef idx="minor">
-            <a:schemeClr val="lt1"/>
-          </a:fontRef>
-        </p:style>
-        <p:txBody>
-          <a:bodyPr rtlCol="0" anchor="ctr"/>
-          <a:lstStyle/>
-          <a:p>
-            <a:pPr algn="ctr"/>
-            <a:endParaRPr lang="ko-KR" altLang="en-US"/>
-          </a:p>
-        </p:txBody>
-      </p:sp>
-      <p:sp>
-        <p:nvSpPr>
-          <p:cNvPr id="8" name="이등변 삼각형 7">
-            <a:extLst>
-              <a:ext uri="{FF2B5EF4-FFF2-40B4-BE49-F238E27FC236}">
-                <a16:creationId xmlns:a16="http://schemas.microsoft.com/office/drawing/2014/main" id="{81AAEB55-CCCC-4E59-B882-3905865808D9}"/>
-              </a:ext>
-            </a:extLst>
-          </p:cNvPr>
-          <p:cNvSpPr/>
-          <p:nvPr/>
-        </p:nvSpPr>
-        <p:spPr>
-          <a:xfrm>
-            <a:off x="-646493" y="0"/>
-            <a:ext cx="1283876" cy="733615"/>
-          </a:xfrm>
-          <a:prstGeom prst="triangle">
-            <a:avLst/>
-          </a:prstGeom>
-          <a:solidFill>
-            <a:schemeClr val="tx1"/>
-          </a:solidFill>
-          <a:ln>
-            <a:noFill/>
-          </a:ln>
-        </p:spPr>
-        <p:style>
-          <a:lnRef idx="2">
-            <a:schemeClr val="accent1">
-              <a:shade val="50000"/>
-            </a:schemeClr>
-          </a:lnRef>
-          <a:fillRef idx="1">
-            <a:schemeClr val="accent1"/>
-          </a:fillRef>
-          <a:effectRef idx="0">
-            <a:schemeClr val="accent1"/>
-          </a:effectRef>
-          <a:fontRef idx="minor">
-            <a:schemeClr val="lt1"/>
-          </a:fontRef>
-        </p:style>
-        <p:txBody>
-          <a:bodyPr rtlCol="0" anchor="ctr"/>
-          <a:lstStyle/>
-          <a:p>
-            <a:pPr algn="ctr"/>
-            <a:endParaRPr lang="ko-KR" altLang="en-US"/>
-          </a:p>
-        </p:txBody>
-      </p:sp>
-      <p:sp>
-        <p:nvSpPr>
-          <p:cNvPr id="9" name="TextBox 8">
-            <a:extLst>
-              <a:ext uri="{FF2B5EF4-FFF2-40B4-BE49-F238E27FC236}">
-                <a16:creationId xmlns:a16="http://schemas.microsoft.com/office/drawing/2014/main" id="{BB8BC1B1-E1C2-445B-A1D4-499CB13B74A7}"/>
-              </a:ext>
-            </a:extLst>
-          </p:cNvPr>
-          <p:cNvSpPr txBox="1"/>
-          <p:nvPr/>
-        </p:nvSpPr>
-        <p:spPr>
-          <a:xfrm>
-            <a:off x="616410" y="187535"/>
-            <a:ext cx="3481431" cy="523220"/>
-          </a:xfrm>
-          <a:prstGeom prst="rect">
-            <a:avLst/>
-          </a:prstGeom>
-          <a:noFill/>
-        </p:spPr>
-        <p:txBody>
-          <a:bodyPr wrap="square" rtlCol="0">
-            <a:spAutoFit/>
-          </a:bodyPr>
-          <a:lstStyle/>
-          <a:p>
-            <a:r>
-              <a:rPr lang="ko-KR" altLang="en-US" sz="2800" b="1" dirty="0">
-                <a:latin typeface="+mj-lt"/>
-              </a:rPr>
-              <a:t>목차</a:t>
-            </a:r>
-          </a:p>
-        </p:txBody>
-      </p:sp>
-      <p:pic>
-        <p:nvPicPr>
-          <p:cNvPr id="5" name="그림 4">
-            <a:extLst>
-              <a:ext uri="{FF2B5EF4-FFF2-40B4-BE49-F238E27FC236}">
-                <a16:creationId xmlns:a16="http://schemas.microsoft.com/office/drawing/2014/main" id="{8EA0B20A-A757-4BF7-85B8-CC5B72CD0491}"/>
-              </a:ext>
-            </a:extLst>
-          </p:cNvPr>
-          <p:cNvPicPr>
-            <a:picLocks noChangeAspect="1"/>
-          </p:cNvPicPr>
-          <p:nvPr/>
-        </p:nvPicPr>
-        <p:blipFill>
-          <a:blip r:embed="rId2">
-            <a:extLst>
-              <a:ext uri="{28A0092B-C50C-407E-A947-70E740481C1C}">
-                <a14:useLocalDpi xmlns:a14="http://schemas.microsoft.com/office/drawing/2010/main" val="0"/>
-              </a:ext>
-            </a:extLst>
-          </a:blip>
-          <a:stretch>
-            <a:fillRect/>
-          </a:stretch>
-        </p:blipFill>
-        <p:spPr>
-          <a:xfrm>
-            <a:off x="4589363" y="124088"/>
-            <a:ext cx="7432060" cy="6609823"/>
-          </a:xfrm>
-          <a:prstGeom prst="rect">
-            <a:avLst/>
-          </a:prstGeom>
-          <a:solidFill>
-            <a:srgbClr val="FFFFFF">
-              <a:shade val="85000"/>
-            </a:srgbClr>
-          </a:solidFill>
-          <a:ln w="88900" cap="sq">
-            <a:solidFill>
-              <a:srgbClr val="FFFFFF"/>
-            </a:solidFill>
-            <a:miter lim="800000"/>
-          </a:ln>
-          <a:effectLst>
-            <a:outerShdw blurRad="55000" dist="18000" dir="5400000" algn="tl" rotWithShape="0">
-              <a:srgbClr val="000000">
-                <a:alpha val="40000"/>
-              </a:srgbClr>
-            </a:outerShdw>
-          </a:effectLst>
-          <a:scene3d>
-            <a:camera prst="orthographicFront"/>
-            <a:lightRig rig="twoPt" dir="t">
-              <a:rot lat="0" lon="0" rev="7200000"/>
-            </a:lightRig>
-          </a:scene3d>
-          <a:sp3d>
-            <a:bevelT w="25400" h="19050"/>
-            <a:contourClr>
-              <a:srgbClr val="FFFFFF"/>
-            </a:contourClr>
-          </a:sp3d>
-        </p:spPr>
-      </p:pic>
-      <p:sp>
-        <p:nvSpPr>
-          <p:cNvPr id="10" name="직사각형 9">
-            <a:extLst>
-              <a:ext uri="{FF2B5EF4-FFF2-40B4-BE49-F238E27FC236}">
-                <a16:creationId xmlns:a16="http://schemas.microsoft.com/office/drawing/2014/main" id="{F8C96C1D-28C5-40B6-896E-02DD639971D3}"/>
-              </a:ext>
-            </a:extLst>
-          </p:cNvPr>
-          <p:cNvSpPr/>
-          <p:nvPr/>
-        </p:nvSpPr>
-        <p:spPr>
-          <a:xfrm flipV="1">
-            <a:off x="-39825" y="-78370"/>
-            <a:ext cx="12757535" cy="265903"/>
-          </a:xfrm>
-          <a:prstGeom prst="rect">
-            <a:avLst/>
-          </a:prstGeom>
-          <a:solidFill>
-            <a:schemeClr val="tx1"/>
-          </a:solidFill>
-          <a:ln>
-            <a:noFill/>
-          </a:ln>
-        </p:spPr>
-        <p:style>
-          <a:lnRef idx="2">
-            <a:schemeClr val="accent1">
-              <a:shade val="50000"/>
-            </a:schemeClr>
-          </a:lnRef>
-          <a:fillRef idx="1">
-            <a:schemeClr val="accent1"/>
-          </a:fillRef>
-          <a:effectRef idx="0">
-            <a:schemeClr val="accent1"/>
-          </a:effectRef>
-          <a:fontRef idx="minor">
-            <a:schemeClr val="lt1"/>
-          </a:fontRef>
-        </p:style>
-        <p:txBody>
-          <a:bodyPr rtlCol="0" anchor="ctr"/>
-          <a:lstStyle/>
-          <a:p>
-            <a:pPr algn="ctr"/>
-            <a:endParaRPr lang="ko-KR" altLang="en-US"/>
           </a:p>
         </p:txBody>
       </p:sp>
     </p:spTree>
     <p:extLst>
       <p:ext uri="{BB962C8B-B14F-4D97-AF65-F5344CB8AC3E}">
-        <p14:creationId xmlns:p14="http://schemas.microsoft.com/office/powerpoint/2010/main" val="284247110"/>
+        <p14:creationId xmlns:p14="http://schemas.microsoft.com/office/powerpoint/2010/main" val="810964746"/>
       </p:ext>
     </p:extLst>
   </p:cSld>
@@ -6814,7 +10185,7 @@
                             </p:stCondLst>
                             <p:childTnLst>
                               <p:par>
-                                <p:cTn id="5" presetID="42" presetClass="entr" presetSubtype="0" fill="hold" nodeType="withEffect">
+                                <p:cTn id="5" presetID="2" presetClass="entr" presetSubtype="4" fill="hold" nodeType="withEffect">
                                   <p:stCondLst>
                                     <p:cond delay="0"/>
                                   </p:stCondLst>
@@ -6827,7 +10198,7 @@
                                           </p:stCondLst>
                                         </p:cTn>
                                         <p:tgtEl>
-                                          <p:spTgt spid="5"/>
+                                          <p:spTgt spid="13"/>
                                         </p:tgtEl>
                                         <p:attrNameLst>
                                           <p:attrName>style.visibility</p:attrName>
@@ -6837,19 +10208,11 @@
                                         <p:strVal val="visible"/>
                                       </p:to>
                                     </p:set>
-                                    <p:animEffect transition="in" filter="fade">
-                                      <p:cBhvr>
-                                        <p:cTn id="7" dur="1000"/>
+                                    <p:anim calcmode="lin" valueType="num">
+                                      <p:cBhvr additive="base">
+                                        <p:cTn id="7" dur="500" fill="hold"/>
                                         <p:tgtEl>
-                                          <p:spTgt spid="5"/>
-                                        </p:tgtEl>
-                                      </p:cBhvr>
-                                    </p:animEffect>
-                                    <p:anim calcmode="lin" valueType="num">
-                                      <p:cBhvr>
-                                        <p:cTn id="8" dur="1000" fill="hold"/>
-                                        <p:tgtEl>
-                                          <p:spTgt spid="5"/>
+                                          <p:spTgt spid="13"/>
                                         </p:tgtEl>
                                         <p:attrNameLst>
                                           <p:attrName>ppt_x</p:attrName>
@@ -6869,10 +10232,10 @@
                                       </p:tavLst>
                                     </p:anim>
                                     <p:anim calcmode="lin" valueType="num">
-                                      <p:cBhvr>
-                                        <p:cTn id="9" dur="1000" fill="hold"/>
+                                      <p:cBhvr additive="base">
+                                        <p:cTn id="8" dur="500" fill="hold"/>
                                         <p:tgtEl>
-                                          <p:spTgt spid="5"/>
+                                          <p:spTgt spid="13"/>
                                         </p:tgtEl>
                                         <p:attrNameLst>
                                           <p:attrName>ppt_y</p:attrName>
@@ -6881,7 +10244,7 @@
                                       <p:tavLst>
                                         <p:tav tm="0">
                                           <p:val>
-                                            <p:strVal val="#ppt_y+.1"/>
+                                            <p:strVal val="1+#ppt_h/2"/>
                                           </p:val>
                                         </p:tav>
                                         <p:tav tm="100000">
@@ -6891,6 +10254,59 @@
                                         </p:tav>
                                       </p:tavLst>
                                     </p:anim>
+                                  </p:childTnLst>
+                                </p:cTn>
+                              </p:par>
+                            </p:childTnLst>
+                          </p:cTn>
+                        </p:par>
+                      </p:childTnLst>
+                    </p:cTn>
+                  </p:par>
+                  <p:par>
+                    <p:cTn id="9" fill="hold">
+                      <p:stCondLst>
+                        <p:cond delay="indefinite"/>
+                      </p:stCondLst>
+                      <p:childTnLst>
+                        <p:par>
+                          <p:cTn id="10" fill="hold">
+                            <p:stCondLst>
+                              <p:cond delay="0"/>
+                            </p:stCondLst>
+                            <p:childTnLst>
+                              <p:par>
+                                <p:cTn id="11" presetID="14" presetClass="entr" presetSubtype="10" fill="hold" nodeType="clickEffect">
+                                  <p:stCondLst>
+                                    <p:cond delay="0"/>
+                                  </p:stCondLst>
+                                  <p:childTnLst>
+                                    <p:set>
+                                      <p:cBhvr>
+                                        <p:cTn id="12" dur="1" fill="hold">
+                                          <p:stCondLst>
+                                            <p:cond delay="0"/>
+                                          </p:stCondLst>
+                                        </p:cTn>
+                                        <p:tgtEl>
+                                          <p:spTgt spid="15"/>
+                                        </p:tgtEl>
+                                        <p:attrNameLst>
+                                          <p:attrName>style.visibility</p:attrName>
+                                        </p:attrNameLst>
+                                      </p:cBhvr>
+                                      <p:to>
+                                        <p:strVal val="visible"/>
+                                      </p:to>
+                                    </p:set>
+                                    <p:animEffect transition="in" filter="randombar(horizontal)">
+                                      <p:cBhvr>
+                                        <p:cTn id="13" dur="500"/>
+                                        <p:tgtEl>
+                                          <p:spTgt spid="15"/>
+                                        </p:tgtEl>
+                                      </p:cBhvr>
+                                    </p:animEffect>
                                   </p:childTnLst>
                                 </p:cTn>
                               </p:par>
@@ -6944,6 +10360,404 @@
       </p:grpSpPr>
       <p:sp>
         <p:nvSpPr>
+          <p:cNvPr id="2" name="제목 1"/>
+          <p:cNvSpPr>
+            <a:spLocks noGrp="1"/>
+          </p:cNvSpPr>
+          <p:nvPr>
+            <p:ph type="title"/>
+          </p:nvPr>
+        </p:nvSpPr>
+        <p:spPr/>
+        <p:txBody>
+          <a:bodyPr/>
+          <a:lstStyle/>
+          <a:p>
+            <a:endParaRPr lang="ko-KR" altLang="en-US"/>
+          </a:p>
+        </p:txBody>
+      </p:sp>
+      <p:sp>
+        <p:nvSpPr>
+          <p:cNvPr id="4" name="직사각형 3"/>
+          <p:cNvSpPr/>
+          <p:nvPr/>
+        </p:nvSpPr>
+        <p:spPr>
+          <a:xfrm>
+            <a:off x="0" y="-25492"/>
+            <a:ext cx="12192000" cy="6883492"/>
+          </a:xfrm>
+          <a:prstGeom prst="rect">
+            <a:avLst/>
+          </a:prstGeom>
+          <a:solidFill>
+            <a:schemeClr val="accent5">
+              <a:lumMod val="75000"/>
+            </a:schemeClr>
+          </a:solidFill>
+          <a:ln>
+            <a:noFill/>
+          </a:ln>
+        </p:spPr>
+        <p:style>
+          <a:lnRef idx="2">
+            <a:schemeClr val="accent1">
+              <a:shade val="50000"/>
+            </a:schemeClr>
+          </a:lnRef>
+          <a:fillRef idx="1">
+            <a:schemeClr val="accent1"/>
+          </a:fillRef>
+          <a:effectRef idx="0">
+            <a:schemeClr val="accent1"/>
+          </a:effectRef>
+          <a:fontRef idx="minor">
+            <a:schemeClr val="lt1"/>
+          </a:fontRef>
+        </p:style>
+        <p:txBody>
+          <a:bodyPr rtlCol="0" anchor="ctr"/>
+          <a:lstStyle/>
+          <a:p>
+            <a:pPr algn="ctr"/>
+            <a:endParaRPr lang="ko-KR" altLang="en-US" dirty="0"/>
+          </a:p>
+        </p:txBody>
+      </p:sp>
+      <p:pic>
+        <p:nvPicPr>
+          <p:cNvPr id="5" name="그림 4"/>
+          <p:cNvPicPr>
+            <a:picLocks noChangeAspect="1"/>
+          </p:cNvPicPr>
+          <p:nvPr/>
+        </p:nvPicPr>
+        <p:blipFill>
+          <a:blip r:embed="rId2">
+            <a:extLst>
+              <a:ext uri="{28A0092B-C50C-407E-A947-70E740481C1C}">
+                <a14:useLocalDpi xmlns:a14="http://schemas.microsoft.com/office/drawing/2010/main" val="0"/>
+              </a:ext>
+            </a:extLst>
+          </a:blip>
+          <a:stretch>
+            <a:fillRect/>
+          </a:stretch>
+        </p:blipFill>
+        <p:spPr>
+          <a:xfrm flipH="1">
+            <a:off x="8805950" y="-1593201"/>
+            <a:ext cx="4876800" cy="4876800"/>
+          </a:xfrm>
+          <a:prstGeom prst="rect">
+            <a:avLst/>
+          </a:prstGeom>
+        </p:spPr>
+      </p:pic>
+      <p:pic>
+        <p:nvPicPr>
+          <p:cNvPr id="7" name="Picture 6" descr="EDIYA COFFEE"/>
+          <p:cNvPicPr>
+            <a:picLocks noChangeAspect="1" noChangeArrowheads="1"/>
+          </p:cNvPicPr>
+          <p:nvPr/>
+        </p:nvPicPr>
+        <p:blipFill>
+          <a:blip r:embed="rId3">
+            <a:extLst>
+              <a:ext uri="{28A0092B-C50C-407E-A947-70E740481C1C}">
+                <a14:useLocalDpi xmlns:a14="http://schemas.microsoft.com/office/drawing/2010/main" val="0"/>
+              </a:ext>
+            </a:extLst>
+          </a:blip>
+          <a:srcRect/>
+          <a:stretch>
+            <a:fillRect/>
+          </a:stretch>
+        </p:blipFill>
+        <p:spPr bwMode="auto">
+          <a:xfrm>
+            <a:off x="406065" y="624706"/>
+            <a:ext cx="3124200" cy="3124201"/>
+          </a:xfrm>
+          <a:prstGeom prst="rect">
+            <a:avLst/>
+          </a:prstGeom>
+          <a:solidFill>
+            <a:srgbClr val="FFFFFF">
+              <a:shade val="85000"/>
+            </a:srgbClr>
+          </a:solidFill>
+          <a:ln w="190500" cap="sq">
+            <a:solidFill>
+              <a:srgbClr val="FFFFFF"/>
+            </a:solidFill>
+            <a:miter lim="800000"/>
+          </a:ln>
+          <a:effectLst>
+            <a:outerShdw blurRad="65000" dist="50800" dir="12900000" kx="195000" ky="145000" algn="tl" rotWithShape="0">
+              <a:srgbClr val="000000">
+                <a:alpha val="30000"/>
+              </a:srgbClr>
+            </a:outerShdw>
+          </a:effectLst>
+          <a:scene3d>
+            <a:camera prst="orthographicFront">
+              <a:rot lat="0" lon="0" rev="360000"/>
+            </a:camera>
+            <a:lightRig rig="twoPt" dir="t">
+              <a:rot lat="0" lon="0" rev="7200000"/>
+            </a:lightRig>
+          </a:scene3d>
+          <a:sp3d contourW="12700">
+            <a:bevelT w="25400" h="19050"/>
+            <a:contourClr>
+              <a:srgbClr val="969696"/>
+            </a:contourClr>
+          </a:sp3d>
+        </p:spPr>
+      </p:pic>
+      <p:pic>
+        <p:nvPicPr>
+          <p:cNvPr id="8" name="Picture 8" descr="EDIYA COFFEE"/>
+          <p:cNvPicPr>
+            <a:picLocks noChangeAspect="1" noChangeArrowheads="1"/>
+          </p:cNvPicPr>
+          <p:nvPr/>
+        </p:nvPicPr>
+        <p:blipFill>
+          <a:blip r:embed="rId4">
+            <a:extLst>
+              <a:ext uri="{28A0092B-C50C-407E-A947-70E740481C1C}">
+                <a14:useLocalDpi xmlns:a14="http://schemas.microsoft.com/office/drawing/2010/main" val="0"/>
+              </a:ext>
+            </a:extLst>
+          </a:blip>
+          <a:srcRect/>
+          <a:stretch>
+            <a:fillRect/>
+          </a:stretch>
+        </p:blipFill>
+        <p:spPr bwMode="auto">
+          <a:xfrm>
+            <a:off x="8567837" y="3416254"/>
+            <a:ext cx="3124200" cy="3124201"/>
+          </a:xfrm>
+          <a:prstGeom prst="snip2DiagRect">
+            <a:avLst/>
+          </a:prstGeom>
+          <a:solidFill>
+            <a:srgbClr val="FFFFFF">
+              <a:shade val="85000"/>
+            </a:srgbClr>
+          </a:solidFill>
+          <a:ln w="88900" cap="sq">
+            <a:solidFill>
+              <a:srgbClr val="FFFFFF"/>
+            </a:solidFill>
+            <a:miter lim="800000"/>
+          </a:ln>
+          <a:effectLst>
+            <a:outerShdw blurRad="88900" algn="tl" rotWithShape="0">
+              <a:srgbClr val="000000">
+                <a:alpha val="45000"/>
+              </a:srgbClr>
+            </a:outerShdw>
+          </a:effectLst>
+          <a:scene3d>
+            <a:camera prst="orthographicFront"/>
+            <a:lightRig rig="twoPt" dir="t">
+              <a:rot lat="0" lon="0" rev="7200000"/>
+            </a:lightRig>
+          </a:scene3d>
+          <a:sp3d>
+            <a:bevelT w="25400" h="19050"/>
+            <a:contourClr>
+              <a:srgbClr val="FFFFFF"/>
+            </a:contourClr>
+          </a:sp3d>
+        </p:spPr>
+      </p:pic>
+      <p:sp>
+        <p:nvSpPr>
+          <p:cNvPr id="10" name="TextBox 9"/>
+          <p:cNvSpPr txBox="1"/>
+          <p:nvPr/>
+        </p:nvSpPr>
+        <p:spPr>
+          <a:xfrm>
+            <a:off x="2801006" y="2594675"/>
+            <a:ext cx="5766831" cy="830997"/>
+          </a:xfrm>
+          <a:prstGeom prst="rect">
+            <a:avLst/>
+          </a:prstGeom>
+          <a:noFill/>
+          <a:effectLst/>
+        </p:spPr>
+        <p:txBody>
+          <a:bodyPr wrap="square" rtlCol="0">
+            <a:spAutoFit/>
+          </a:bodyPr>
+          <a:lstStyle/>
+          <a:p>
+            <a:pPr algn="ctr"/>
+            <a:r>
+              <a:rPr lang="ko-KR" altLang="en-US" sz="4800" dirty="0">
+                <a:solidFill>
+                  <a:schemeClr val="bg1"/>
+                </a:solidFill>
+                <a:effectLst>
+                  <a:glow rad="63500">
+                    <a:schemeClr val="accent5">
+                      <a:lumMod val="20000"/>
+                      <a:lumOff val="80000"/>
+                      <a:alpha val="40000"/>
+                    </a:schemeClr>
+                  </a:glow>
+                  <a:reflection blurRad="6350" stA="55000" endA="300" endPos="45500" dir="5400000" sy="-100000" algn="bl" rotWithShape="0"/>
+                </a:effectLst>
+                <a:latin typeface="HY견고딕" panose="02030600000101010101" pitchFamily="18" charset="-127"/>
+                <a:ea typeface="HY견고딕" panose="02030600000101010101" pitchFamily="18" charset="-127"/>
+              </a:rPr>
+              <a:t>강주현</a:t>
+            </a:r>
+          </a:p>
+        </p:txBody>
+      </p:sp>
+      <p:sp>
+        <p:nvSpPr>
+          <p:cNvPr id="18" name="TextBox 17"/>
+          <p:cNvSpPr txBox="1"/>
+          <p:nvPr/>
+        </p:nvSpPr>
+        <p:spPr>
+          <a:xfrm>
+            <a:off x="4168560" y="1727183"/>
+            <a:ext cx="5650558" cy="1015663"/>
+          </a:xfrm>
+          <a:prstGeom prst="rect">
+            <a:avLst/>
+          </a:prstGeom>
+          <a:noFill/>
+        </p:spPr>
+        <p:txBody>
+          <a:bodyPr wrap="square" rtlCol="0">
+            <a:spAutoFit/>
+          </a:bodyPr>
+          <a:lstStyle/>
+          <a:p>
+            <a:pPr algn="ctr"/>
+            <a:r>
+              <a:rPr lang="en-US" altLang="ko-KR" sz="6000" dirty="0">
+                <a:solidFill>
+                  <a:schemeClr val="bg1"/>
+                </a:solidFill>
+                <a:effectLst>
+                  <a:reflection blurRad="6350" stA="55000" endA="300" endPos="45500" dir="5400000" sy="-100000" algn="bl" rotWithShape="0"/>
+                </a:effectLst>
+                <a:latin typeface="Segoe UI Black" panose="020B0A02040204020203" pitchFamily="34" charset="0"/>
+              </a:rPr>
+              <a:t>FASTCAMPS</a:t>
+            </a:r>
+            <a:endParaRPr lang="ko-KR" altLang="en-US" sz="6000" dirty="0">
+              <a:solidFill>
+                <a:schemeClr val="bg1"/>
+              </a:solidFill>
+              <a:effectLst>
+                <a:reflection blurRad="6350" stA="55000" endA="300" endPos="45500" dir="5400000" sy="-100000" algn="bl" rotWithShape="0"/>
+              </a:effectLst>
+              <a:latin typeface="Segoe UI Black" panose="020B0A02040204020203" pitchFamily="34" charset="0"/>
+            </a:endParaRPr>
+          </a:p>
+        </p:txBody>
+      </p:sp>
+      <p:sp>
+        <p:nvSpPr>
+          <p:cNvPr id="9" name="TextBox 8">
+            <a:extLst>
+              <a:ext uri="{FF2B5EF4-FFF2-40B4-BE49-F238E27FC236}">
+                <a16:creationId xmlns:a16="http://schemas.microsoft.com/office/drawing/2014/main" id="{642FD864-D7FD-450D-B714-FB9DE1204AA1}"/>
+              </a:ext>
+            </a:extLst>
+          </p:cNvPr>
+          <p:cNvSpPr txBox="1"/>
+          <p:nvPr/>
+        </p:nvSpPr>
+        <p:spPr>
+          <a:xfrm>
+            <a:off x="1502013" y="4287790"/>
+            <a:ext cx="5650558" cy="1015663"/>
+          </a:xfrm>
+          <a:prstGeom prst="rect">
+            <a:avLst/>
+          </a:prstGeom>
+          <a:noFill/>
+        </p:spPr>
+        <p:txBody>
+          <a:bodyPr wrap="square" rtlCol="0">
+            <a:spAutoFit/>
+          </a:bodyPr>
+          <a:lstStyle/>
+          <a:p>
+            <a:pPr algn="ctr"/>
+            <a:r>
+              <a:rPr lang="en-US" altLang="ko-KR" sz="6000" dirty="0" err="1">
+                <a:solidFill>
+                  <a:schemeClr val="bg1"/>
+                </a:solidFill>
+                <a:effectLst>
+                  <a:reflection blurRad="6350" stA="55000" endA="300" endPos="45500" dir="5400000" sy="-100000" algn="bl" rotWithShape="0"/>
+                </a:effectLst>
+                <a:latin typeface="Segoe UI Black" panose="020B0A02040204020203" pitchFamily="34" charset="0"/>
+              </a:rPr>
+              <a:t>MarkUp</a:t>
+            </a:r>
+            <a:endParaRPr lang="ko-KR" altLang="en-US" sz="6000" dirty="0">
+              <a:solidFill>
+                <a:schemeClr val="bg1"/>
+              </a:solidFill>
+              <a:effectLst>
+                <a:reflection blurRad="6350" stA="55000" endA="300" endPos="45500" dir="5400000" sy="-100000" algn="bl" rotWithShape="0"/>
+              </a:effectLst>
+              <a:latin typeface="Segoe UI Black" panose="020B0A02040204020203" pitchFamily="34" charset="0"/>
+            </a:endParaRPr>
+          </a:p>
+        </p:txBody>
+      </p:sp>
+    </p:spTree>
+    <p:extLst>
+      <p:ext uri="{BB962C8B-B14F-4D97-AF65-F5344CB8AC3E}">
+        <p14:creationId xmlns:p14="http://schemas.microsoft.com/office/powerpoint/2010/main" val="1492163749"/>
+      </p:ext>
+    </p:extLst>
+  </p:cSld>
+  <p:clrMapOvr>
+    <a:masterClrMapping/>
+  </p:clrMapOvr>
+</p:sld>
+</file>
+
+<file path=ppt/slides/slide5.xml><?xml version="1.0" encoding="utf-8"?>
+<p:sld xmlns:a="http://schemas.openxmlformats.org/drawingml/2006/main" xmlns:r="http://schemas.openxmlformats.org/officeDocument/2006/relationships" xmlns:p="http://schemas.openxmlformats.org/presentationml/2006/main">
+  <p:cSld>
+    <p:spTree>
+      <p:nvGrpSpPr>
+        <p:cNvPr id="1" name=""/>
+        <p:cNvGrpSpPr/>
+        <p:nvPr/>
+      </p:nvGrpSpPr>
+      <p:grpSpPr>
+        <a:xfrm>
+          <a:off x="0" y="0"/>
+          <a:ext cx="0" cy="0"/>
+          <a:chOff x="0" y="0"/>
+          <a:chExt cx="0" cy="0"/>
+        </a:xfrm>
+      </p:grpSpPr>
+      <p:sp>
+        <p:nvSpPr>
           <p:cNvPr id="29" name="직사각형 28"/>
           <p:cNvSpPr/>
           <p:nvPr/>
@@ -7021,7 +10835,7 @@
         </p:blipFill>
         <p:spPr>
           <a:xfrm>
-            <a:off x="6375400" y="0"/>
+            <a:off x="6409584" y="265903"/>
             <a:ext cx="5816600" cy="6858000"/>
           </a:xfrm>
           <a:prstGeom prst="rect">
@@ -7133,12 +10947,113 @@
           </a:p>
         </p:txBody>
       </p:sp>
+      <p:sp>
+        <p:nvSpPr>
+          <p:cNvPr id="14" name="TextBox 13">
+            <a:extLst>
+              <a:ext uri="{FF2B5EF4-FFF2-40B4-BE49-F238E27FC236}">
+                <a16:creationId xmlns:a16="http://schemas.microsoft.com/office/drawing/2014/main" id="{42A137DB-5455-4F20-9D36-B79BCC9A11B3}"/>
+              </a:ext>
+            </a:extLst>
+          </p:cNvPr>
+          <p:cNvSpPr txBox="1"/>
+          <p:nvPr/>
+        </p:nvSpPr>
+        <p:spPr>
+          <a:xfrm>
+            <a:off x="637383" y="318996"/>
+            <a:ext cx="3481431" cy="369332"/>
+          </a:xfrm>
+          <a:prstGeom prst="rect">
+            <a:avLst/>
+          </a:prstGeom>
+          <a:noFill/>
+        </p:spPr>
+        <p:txBody>
+          <a:bodyPr wrap="square" rtlCol="0">
+            <a:spAutoFit/>
+          </a:bodyPr>
+          <a:lstStyle/>
+          <a:p>
+            <a:r>
+              <a:rPr lang="ko-KR" altLang="en-US" b="1" dirty="0">
+                <a:latin typeface="+mj-lt"/>
+              </a:rPr>
+              <a:t>헤더 구조 및 </a:t>
+            </a:r>
+            <a:r>
+              <a:rPr lang="ko-KR" altLang="en-US" b="1" dirty="0" err="1">
+                <a:latin typeface="+mj-lt"/>
+              </a:rPr>
+              <a:t>네비</a:t>
+            </a:r>
+            <a:r>
+              <a:rPr lang="ko-KR" altLang="en-US" b="1" dirty="0">
+                <a:latin typeface="+mj-lt"/>
+              </a:rPr>
+              <a:t> 구조</a:t>
+            </a:r>
+          </a:p>
+        </p:txBody>
+      </p:sp>
+      <p:sp>
+        <p:nvSpPr>
+          <p:cNvPr id="15" name="직사각형 14">
+            <a:extLst>
+              <a:ext uri="{FF2B5EF4-FFF2-40B4-BE49-F238E27FC236}">
+                <a16:creationId xmlns:a16="http://schemas.microsoft.com/office/drawing/2014/main" id="{48A1B930-B924-4D86-8709-AF6EE2CDB5D0}"/>
+              </a:ext>
+            </a:extLst>
+          </p:cNvPr>
+          <p:cNvSpPr/>
+          <p:nvPr/>
+        </p:nvSpPr>
+        <p:spPr>
+          <a:xfrm flipV="1">
+            <a:off x="-39825" y="-78370"/>
+            <a:ext cx="12757535" cy="265903"/>
+          </a:xfrm>
+          <a:prstGeom prst="rect">
+            <a:avLst/>
+          </a:prstGeom>
+          <a:solidFill>
+            <a:schemeClr val="tx1"/>
+          </a:solidFill>
+          <a:ln>
+            <a:noFill/>
+          </a:ln>
+        </p:spPr>
+        <p:style>
+          <a:lnRef idx="2">
+            <a:schemeClr val="accent1">
+              <a:shade val="50000"/>
+            </a:schemeClr>
+          </a:lnRef>
+          <a:fillRef idx="1">
+            <a:schemeClr val="accent1"/>
+          </a:fillRef>
+          <a:effectRef idx="0">
+            <a:schemeClr val="accent1"/>
+          </a:effectRef>
+          <a:fontRef idx="minor">
+            <a:schemeClr val="lt1"/>
+          </a:fontRef>
+        </p:style>
+        <p:txBody>
+          <a:bodyPr rtlCol="0" anchor="ctr"/>
+          <a:lstStyle/>
+          <a:p>
+            <a:pPr algn="ctr"/>
+            <a:endParaRPr lang="ko-KR" altLang="en-US"/>
+          </a:p>
+        </p:txBody>
+      </p:sp>
       <p:pic>
         <p:nvPicPr>
-          <p:cNvPr id="12" name="그림 11">
+          <p:cNvPr id="6" name="그림 5">
             <a:extLst>
               <a:ext uri="{FF2B5EF4-FFF2-40B4-BE49-F238E27FC236}">
-                <a16:creationId xmlns:a16="http://schemas.microsoft.com/office/drawing/2014/main" id="{44CB3ECB-8F82-4A91-8E45-E357EDAE9352}"/>
+                <a16:creationId xmlns:a16="http://schemas.microsoft.com/office/drawing/2014/main" id="{13576E14-EB4F-4626-814B-D22369297134}"/>
               </a:ext>
             </a:extLst>
           </p:cNvPr>
@@ -7161,8 +11076,8 @@
         </p:blipFill>
         <p:spPr>
           <a:xfrm>
-            <a:off x="106662" y="1252058"/>
-            <a:ext cx="6168070" cy="4576615"/>
+            <a:off x="153824" y="890514"/>
+            <a:ext cx="6093152" cy="5831135"/>
           </a:xfrm>
           <a:prstGeom prst="rect">
             <a:avLst/>
@@ -7199,107 +11114,6 @@
           </a:sp3d>
         </p:spPr>
       </p:pic>
-      <p:sp>
-        <p:nvSpPr>
-          <p:cNvPr id="14" name="TextBox 13">
-            <a:extLst>
-              <a:ext uri="{FF2B5EF4-FFF2-40B4-BE49-F238E27FC236}">
-                <a16:creationId xmlns:a16="http://schemas.microsoft.com/office/drawing/2014/main" id="{42A137DB-5455-4F20-9D36-B79BCC9A11B3}"/>
-              </a:ext>
-            </a:extLst>
-          </p:cNvPr>
-          <p:cNvSpPr txBox="1"/>
-          <p:nvPr/>
-        </p:nvSpPr>
-        <p:spPr>
-          <a:xfrm>
-            <a:off x="637383" y="318996"/>
-            <a:ext cx="3481431" cy="369332"/>
-          </a:xfrm>
-          <a:prstGeom prst="rect">
-            <a:avLst/>
-          </a:prstGeom>
-          <a:noFill/>
-        </p:spPr>
-        <p:txBody>
-          <a:bodyPr wrap="square" rtlCol="0">
-            <a:spAutoFit/>
-          </a:bodyPr>
-          <a:lstStyle/>
-          <a:p>
-            <a:r>
-              <a:rPr lang="ko-KR" altLang="en-US" b="1" dirty="0">
-                <a:latin typeface="+mj-lt"/>
-              </a:rPr>
-              <a:t>헤더 구조 및 </a:t>
-            </a:r>
-            <a:r>
-              <a:rPr lang="ko-KR" altLang="en-US" b="1" dirty="0" err="1">
-                <a:latin typeface="+mj-lt"/>
-              </a:rPr>
-              <a:t>네비</a:t>
-            </a:r>
-            <a:r>
-              <a:rPr lang="ko-KR" altLang="en-US" b="1" dirty="0">
-                <a:latin typeface="+mj-lt"/>
-              </a:rPr>
-              <a:t> 구조</a:t>
-            </a:r>
-          </a:p>
-        </p:txBody>
-      </p:sp>
-      <p:sp>
-        <p:nvSpPr>
-          <p:cNvPr id="15" name="직사각형 14">
-            <a:extLst>
-              <a:ext uri="{FF2B5EF4-FFF2-40B4-BE49-F238E27FC236}">
-                <a16:creationId xmlns:a16="http://schemas.microsoft.com/office/drawing/2014/main" id="{48A1B930-B924-4D86-8709-AF6EE2CDB5D0}"/>
-              </a:ext>
-            </a:extLst>
-          </p:cNvPr>
-          <p:cNvSpPr/>
-          <p:nvPr/>
-        </p:nvSpPr>
-        <p:spPr>
-          <a:xfrm flipV="1">
-            <a:off x="-39825" y="-78370"/>
-            <a:ext cx="12757535" cy="265903"/>
-          </a:xfrm>
-          <a:prstGeom prst="rect">
-            <a:avLst/>
-          </a:prstGeom>
-          <a:solidFill>
-            <a:schemeClr val="tx1"/>
-          </a:solidFill>
-          <a:ln>
-            <a:noFill/>
-          </a:ln>
-        </p:spPr>
-        <p:style>
-          <a:lnRef idx="2">
-            <a:schemeClr val="accent1">
-              <a:shade val="50000"/>
-            </a:schemeClr>
-          </a:lnRef>
-          <a:fillRef idx="1">
-            <a:schemeClr val="accent1"/>
-          </a:fillRef>
-          <a:effectRef idx="0">
-            <a:schemeClr val="accent1"/>
-          </a:effectRef>
-          <a:fontRef idx="minor">
-            <a:schemeClr val="lt1"/>
-          </a:fontRef>
-        </p:style>
-        <p:txBody>
-          <a:bodyPr rtlCol="0" anchor="ctr"/>
-          <a:lstStyle/>
-          <a:p>
-            <a:pPr algn="ctr"/>
-            <a:endParaRPr lang="ko-KR" altLang="en-US"/>
-          </a:p>
-        </p:txBody>
-      </p:sp>
     </p:spTree>
     <p:extLst>
       <p:ext uri="{BB962C8B-B14F-4D97-AF65-F5344CB8AC3E}">
@@ -7347,7 +11161,7 @@
                                           </p:stCondLst>
                                         </p:cTn>
                                         <p:tgtEl>
-                                          <p:spTgt spid="12"/>
+                                          <p:spTgt spid="4"/>
                                         </p:tgtEl>
                                         <p:attrNameLst>
                                           <p:attrName>style.visibility</p:attrName>
@@ -7361,7 +11175,7 @@
                                       <p:cBhvr>
                                         <p:cTn id="7" dur="1000"/>
                                         <p:tgtEl>
-                                          <p:spTgt spid="12"/>
+                                          <p:spTgt spid="4"/>
                                         </p:tgtEl>
                                       </p:cBhvr>
                                     </p:animEffect>
@@ -7369,7 +11183,7 @@
                                       <p:cBhvr>
                                         <p:cTn id="8" dur="1000" fill="hold"/>
                                         <p:tgtEl>
-                                          <p:spTgt spid="12"/>
+                                          <p:spTgt spid="4"/>
                                         </p:tgtEl>
                                         <p:attrNameLst>
                                           <p:attrName>ppt_x</p:attrName>
@@ -7392,7 +11206,7 @@
                                       <p:cBhvr>
                                         <p:cTn id="9" dur="1000" fill="hold"/>
                                         <p:tgtEl>
-                                          <p:spTgt spid="12"/>
+                                          <p:spTgt spid="4"/>
                                         </p:tgtEl>
                                         <p:attrNameLst>
                                           <p:attrName>ppt_y</p:attrName>
@@ -7428,7 +11242,7 @@
                                           </p:stCondLst>
                                         </p:cTn>
                                         <p:tgtEl>
-                                          <p:spTgt spid="4"/>
+                                          <p:spTgt spid="6"/>
                                         </p:tgtEl>
                                         <p:attrNameLst>
                                           <p:attrName>style.visibility</p:attrName>
@@ -7442,7 +11256,7 @@
                                       <p:cBhvr>
                                         <p:cTn id="12" dur="1000"/>
                                         <p:tgtEl>
-                                          <p:spTgt spid="4"/>
+                                          <p:spTgt spid="6"/>
                                         </p:tgtEl>
                                       </p:cBhvr>
                                     </p:animEffect>
@@ -7450,7 +11264,7 @@
                                       <p:cBhvr>
                                         <p:cTn id="13" dur="1000" fill="hold"/>
                                         <p:tgtEl>
-                                          <p:spTgt spid="4"/>
+                                          <p:spTgt spid="6"/>
                                         </p:tgtEl>
                                         <p:attrNameLst>
                                           <p:attrName>ppt_x</p:attrName>
@@ -7473,535 +11287,7 @@
                                       <p:cBhvr>
                                         <p:cTn id="14" dur="1000" fill="hold"/>
                                         <p:tgtEl>
-                                          <p:spTgt spid="4"/>
-                                        </p:tgtEl>
-                                        <p:attrNameLst>
-                                          <p:attrName>ppt_y</p:attrName>
-                                        </p:attrNameLst>
-                                      </p:cBhvr>
-                                      <p:tavLst>
-                                        <p:tav tm="0">
-                                          <p:val>
-                                            <p:strVal val="#ppt_y+.1"/>
-                                          </p:val>
-                                        </p:tav>
-                                        <p:tav tm="100000">
-                                          <p:val>
-                                            <p:strVal val="#ppt_y"/>
-                                          </p:val>
-                                        </p:tav>
-                                      </p:tavLst>
-                                    </p:anim>
-                                  </p:childTnLst>
-                                </p:cTn>
-                              </p:par>
-                            </p:childTnLst>
-                          </p:cTn>
-                        </p:par>
-                      </p:childTnLst>
-                    </p:cTn>
-                  </p:par>
-                </p:childTnLst>
-              </p:cTn>
-              <p:prevCondLst>
-                <p:cond evt="onPrev" delay="0">
-                  <p:tgtEl>
-                    <p:sldTgt/>
-                  </p:tgtEl>
-                </p:cond>
-              </p:prevCondLst>
-              <p:nextCondLst>
-                <p:cond evt="onNext" delay="0">
-                  <p:tgtEl>
-                    <p:sldTgt/>
-                  </p:tgtEl>
-                </p:cond>
-              </p:nextCondLst>
-            </p:seq>
-          </p:childTnLst>
-        </p:cTn>
-      </p:par>
-    </p:tnLst>
-  </p:timing>
-</p:sld>
-</file>
-
-<file path=ppt/slides/slide5.xml><?xml version="1.0" encoding="utf-8"?>
-<p:sld xmlns:a="http://schemas.openxmlformats.org/drawingml/2006/main" xmlns:r="http://schemas.openxmlformats.org/officeDocument/2006/relationships" xmlns:p="http://schemas.openxmlformats.org/presentationml/2006/main">
-  <p:cSld>
-    <p:spTree>
-      <p:nvGrpSpPr>
-        <p:cNvPr id="1" name=""/>
-        <p:cNvGrpSpPr/>
-        <p:nvPr/>
-      </p:nvGrpSpPr>
-      <p:grpSpPr>
-        <a:xfrm>
-          <a:off x="0" y="0"/>
-          <a:ext cx="0" cy="0"/>
-          <a:chOff x="0" y="0"/>
-          <a:chExt cx="0" cy="0"/>
-        </a:xfrm>
-      </p:grpSpPr>
-      <p:sp>
-        <p:nvSpPr>
-          <p:cNvPr id="29" name="직사각형 28"/>
-          <p:cNvSpPr/>
-          <p:nvPr/>
-        </p:nvSpPr>
-        <p:spPr>
-          <a:xfrm>
-            <a:off x="-4555" y="0"/>
-            <a:ext cx="12196555" cy="6858000"/>
-          </a:xfrm>
-          <a:prstGeom prst="rect">
-            <a:avLst/>
-          </a:prstGeom>
-          <a:solidFill>
-            <a:schemeClr val="bg1">
-              <a:lumMod val="95000"/>
-            </a:schemeClr>
-          </a:solidFill>
-          <a:ln>
-            <a:noFill/>
-          </a:ln>
-        </p:spPr>
-        <p:style>
-          <a:lnRef idx="2">
-            <a:schemeClr val="accent1">
-              <a:shade val="50000"/>
-            </a:schemeClr>
-          </a:lnRef>
-          <a:fillRef idx="1">
-            <a:schemeClr val="accent1"/>
-          </a:fillRef>
-          <a:effectRef idx="0">
-            <a:schemeClr val="accent1"/>
-          </a:effectRef>
-          <a:fontRef idx="minor">
-            <a:schemeClr val="lt1"/>
-          </a:fontRef>
-        </p:style>
-        <p:txBody>
-          <a:bodyPr rtlCol="0" anchor="ctr"/>
-          <a:lstStyle/>
-          <a:p>
-            <a:pPr algn="ctr"/>
-            <a:endParaRPr lang="ko-KR" altLang="en-US"/>
-          </a:p>
-        </p:txBody>
-      </p:sp>
-      <p:pic>
-        <p:nvPicPr>
-          <p:cNvPr id="4" name="그림 3"/>
-          <p:cNvPicPr>
-            <a:picLocks noChangeAspect="1"/>
-          </p:cNvPicPr>
-          <p:nvPr/>
-        </p:nvPicPr>
-        <p:blipFill rotWithShape="1">
-          <a:blip r:embed="rId2" cstate="print">
-            <a:clrChange>
-              <a:clrFrom>
-                <a:srgbClr val="FFFFFF"/>
-              </a:clrFrom>
-              <a:clrTo>
-                <a:srgbClr val="FFFFFF">
-                  <a:alpha val="0"/>
-                </a:srgbClr>
-              </a:clrTo>
-            </a:clrChange>
-            <a:extLst>
-              <a:ext uri="{28A0092B-C50C-407E-A947-70E740481C1C}">
-                <a14:useLocalDpi xmlns:a14="http://schemas.microsoft.com/office/drawing/2010/main" val="0"/>
-              </a:ext>
-            </a:extLst>
-          </a:blip>
-          <a:srcRect r="11412"/>
-          <a:stretch/>
-        </p:blipFill>
-        <p:spPr>
-          <a:xfrm>
-            <a:off x="6375400" y="0"/>
-            <a:ext cx="5816600" cy="6858000"/>
-          </a:xfrm>
-          <a:prstGeom prst="rect">
-            <a:avLst/>
-          </a:prstGeom>
-        </p:spPr>
-      </p:pic>
-      <p:sp>
-        <p:nvSpPr>
-          <p:cNvPr id="2" name="직사각형 1">
-            <a:extLst>
-              <a:ext uri="{FF2B5EF4-FFF2-40B4-BE49-F238E27FC236}">
-                <a16:creationId xmlns:a16="http://schemas.microsoft.com/office/drawing/2014/main" id="{4B5446D2-C87E-4BC2-A17E-F3CF496E3C04}"/>
-              </a:ext>
-            </a:extLst>
-          </p:cNvPr>
-          <p:cNvSpPr/>
-          <p:nvPr/>
-        </p:nvSpPr>
-        <p:spPr>
-          <a:xfrm flipV="1">
-            <a:off x="-205891" y="687896"/>
-            <a:ext cx="5306397" cy="45719"/>
-          </a:xfrm>
-          <a:prstGeom prst="rect">
-            <a:avLst/>
-          </a:prstGeom>
-          <a:solidFill>
-            <a:schemeClr val="tx1"/>
-          </a:solidFill>
-          <a:ln>
-            <a:noFill/>
-          </a:ln>
-        </p:spPr>
-        <p:style>
-          <a:lnRef idx="2">
-            <a:schemeClr val="accent1">
-              <a:shade val="50000"/>
-            </a:schemeClr>
-          </a:lnRef>
-          <a:fillRef idx="1">
-            <a:schemeClr val="accent1"/>
-          </a:fillRef>
-          <a:effectRef idx="0">
-            <a:schemeClr val="accent1"/>
-          </a:effectRef>
-          <a:fontRef idx="minor">
-            <a:schemeClr val="lt1"/>
-          </a:fontRef>
-        </p:style>
-        <p:txBody>
-          <a:bodyPr rtlCol="0" anchor="ctr"/>
-          <a:lstStyle/>
-          <a:p>
-            <a:pPr algn="ctr"/>
-            <a:endParaRPr lang="ko-KR" altLang="en-US"/>
-          </a:p>
-        </p:txBody>
-      </p:sp>
-      <p:sp>
-        <p:nvSpPr>
-          <p:cNvPr id="3" name="이등변 삼각형 2">
-            <a:extLst>
-              <a:ext uri="{FF2B5EF4-FFF2-40B4-BE49-F238E27FC236}">
-                <a16:creationId xmlns:a16="http://schemas.microsoft.com/office/drawing/2014/main" id="{996FD705-ECFB-46C2-9F8B-119CA31B449E}"/>
-              </a:ext>
-            </a:extLst>
-          </p:cNvPr>
-          <p:cNvSpPr/>
-          <p:nvPr/>
-        </p:nvSpPr>
-        <p:spPr>
-          <a:xfrm>
-            <a:off x="-646493" y="0"/>
-            <a:ext cx="1283876" cy="733615"/>
-          </a:xfrm>
-          <a:prstGeom prst="triangle">
-            <a:avLst/>
-          </a:prstGeom>
-          <a:solidFill>
-            <a:schemeClr val="tx1"/>
-          </a:solidFill>
-          <a:ln>
-            <a:noFill/>
-          </a:ln>
-        </p:spPr>
-        <p:style>
-          <a:lnRef idx="2">
-            <a:schemeClr val="accent1">
-              <a:shade val="50000"/>
-            </a:schemeClr>
-          </a:lnRef>
-          <a:fillRef idx="1">
-            <a:schemeClr val="accent1"/>
-          </a:fillRef>
-          <a:effectRef idx="0">
-            <a:schemeClr val="accent1"/>
-          </a:effectRef>
-          <a:fontRef idx="minor">
-            <a:schemeClr val="lt1"/>
-          </a:fontRef>
-        </p:style>
-        <p:txBody>
-          <a:bodyPr rtlCol="0" anchor="ctr"/>
-          <a:lstStyle/>
-          <a:p>
-            <a:pPr algn="ctr"/>
-            <a:endParaRPr lang="ko-KR" altLang="en-US"/>
-          </a:p>
-        </p:txBody>
-      </p:sp>
-      <p:pic>
-        <p:nvPicPr>
-          <p:cNvPr id="8" name="그림 7">
-            <a:extLst>
-              <a:ext uri="{FF2B5EF4-FFF2-40B4-BE49-F238E27FC236}">
-                <a16:creationId xmlns:a16="http://schemas.microsoft.com/office/drawing/2014/main" id="{076A3B2D-571D-45A4-A512-1BF1CF1EA9FA}"/>
-              </a:ext>
-            </a:extLst>
-          </p:cNvPr>
-          <p:cNvPicPr>
-            <a:picLocks noChangeAspect="1"/>
-          </p:cNvPicPr>
-          <p:nvPr/>
-        </p:nvPicPr>
-        <p:blipFill rotWithShape="1">
-          <a:blip r:embed="rId3">
-            <a:extLst>
-              <a:ext uri="{28A0092B-C50C-407E-A947-70E740481C1C}">
-                <a14:useLocalDpi xmlns:a14="http://schemas.microsoft.com/office/drawing/2010/main" val="0"/>
-              </a:ext>
-            </a:extLst>
-          </a:blip>
-          <a:srcRect l="2097" r="2861"/>
-          <a:stretch/>
-        </p:blipFill>
-        <p:spPr>
-          <a:xfrm>
-            <a:off x="134600" y="946491"/>
-            <a:ext cx="6081642" cy="5223613"/>
-          </a:xfrm>
-          <a:prstGeom prst="rect">
-            <a:avLst/>
-          </a:prstGeom>
-          <a:solidFill>
-            <a:srgbClr val="FFFFFF">
-              <a:shade val="85000"/>
-            </a:srgbClr>
-          </a:solidFill>
-          <a:ln w="88900" cap="sq">
-            <a:solidFill>
-              <a:srgbClr val="FFFFFF"/>
-            </a:solidFill>
-            <a:miter lim="800000"/>
-          </a:ln>
-          <a:effectLst>
-            <a:outerShdw blurRad="55000" dist="18000" dir="5400000" algn="tl" rotWithShape="0">
-              <a:srgbClr val="000000">
-                <a:alpha val="40000"/>
-              </a:srgbClr>
-            </a:outerShdw>
-          </a:effectLst>
-          <a:scene3d>
-            <a:camera prst="orthographicFront"/>
-            <a:lightRig rig="twoPt" dir="t">
-              <a:rot lat="0" lon="0" rev="7200000"/>
-            </a:lightRig>
-          </a:scene3d>
-          <a:sp3d>
-            <a:bevelT w="25400" h="19050"/>
-            <a:contourClr>
-              <a:srgbClr val="FFFFFF"/>
-            </a:contourClr>
-          </a:sp3d>
-        </p:spPr>
-      </p:pic>
-      <p:sp>
-        <p:nvSpPr>
-          <p:cNvPr id="12" name="TextBox 11">
-            <a:extLst>
-              <a:ext uri="{FF2B5EF4-FFF2-40B4-BE49-F238E27FC236}">
-                <a16:creationId xmlns:a16="http://schemas.microsoft.com/office/drawing/2014/main" id="{D81C34EC-940A-4FBE-AB3A-010C216C9D9B}"/>
-              </a:ext>
-            </a:extLst>
-          </p:cNvPr>
-          <p:cNvSpPr txBox="1"/>
-          <p:nvPr/>
-        </p:nvSpPr>
-        <p:spPr>
-          <a:xfrm>
-            <a:off x="637383" y="318996"/>
-            <a:ext cx="3481431" cy="369332"/>
-          </a:xfrm>
-          <a:prstGeom prst="rect">
-            <a:avLst/>
-          </a:prstGeom>
-          <a:noFill/>
-        </p:spPr>
-        <p:txBody>
-          <a:bodyPr wrap="square" rtlCol="0">
-            <a:spAutoFit/>
-          </a:bodyPr>
-          <a:lstStyle/>
-          <a:p>
-            <a:r>
-              <a:rPr lang="ko-KR" altLang="en-US" b="1" dirty="0">
-                <a:latin typeface="+mj-lt"/>
-              </a:rPr>
-              <a:t>메인 및 커피 리스트 구조</a:t>
-            </a:r>
-            <a:r>
-              <a:rPr lang="en-US" altLang="ko-KR" b="1" dirty="0">
-                <a:latin typeface="+mj-lt"/>
-              </a:rPr>
-              <a:t>(</a:t>
-            </a:r>
-            <a:r>
-              <a:rPr lang="ko-KR" altLang="en-US" b="1" dirty="0">
-                <a:latin typeface="+mj-lt"/>
-              </a:rPr>
-              <a:t>앞면</a:t>
-            </a:r>
-            <a:r>
-              <a:rPr lang="en-US" altLang="ko-KR" b="1" dirty="0">
-                <a:latin typeface="+mj-lt"/>
-              </a:rPr>
-              <a:t>)</a:t>
-            </a:r>
-            <a:endParaRPr lang="ko-KR" altLang="en-US" b="1" dirty="0">
-              <a:latin typeface="+mj-lt"/>
-            </a:endParaRPr>
-          </a:p>
-        </p:txBody>
-      </p:sp>
-      <p:sp>
-        <p:nvSpPr>
-          <p:cNvPr id="13" name="직사각형 12">
-            <a:extLst>
-              <a:ext uri="{FF2B5EF4-FFF2-40B4-BE49-F238E27FC236}">
-                <a16:creationId xmlns:a16="http://schemas.microsoft.com/office/drawing/2014/main" id="{840597EA-77FC-4240-9129-422BB1270AAD}"/>
-              </a:ext>
-            </a:extLst>
-          </p:cNvPr>
-          <p:cNvSpPr/>
-          <p:nvPr/>
-        </p:nvSpPr>
-        <p:spPr>
-          <a:xfrm flipV="1">
-            <a:off x="-39825" y="-78370"/>
-            <a:ext cx="12757535" cy="265903"/>
-          </a:xfrm>
-          <a:prstGeom prst="rect">
-            <a:avLst/>
-          </a:prstGeom>
-          <a:solidFill>
-            <a:schemeClr val="tx1"/>
-          </a:solidFill>
-          <a:ln>
-            <a:noFill/>
-          </a:ln>
-        </p:spPr>
-        <p:style>
-          <a:lnRef idx="2">
-            <a:schemeClr val="accent1">
-              <a:shade val="50000"/>
-            </a:schemeClr>
-          </a:lnRef>
-          <a:fillRef idx="1">
-            <a:schemeClr val="accent1"/>
-          </a:fillRef>
-          <a:effectRef idx="0">
-            <a:schemeClr val="accent1"/>
-          </a:effectRef>
-          <a:fontRef idx="minor">
-            <a:schemeClr val="lt1"/>
-          </a:fontRef>
-        </p:style>
-        <p:txBody>
-          <a:bodyPr rtlCol="0" anchor="ctr"/>
-          <a:lstStyle/>
-          <a:p>
-            <a:pPr algn="ctr"/>
-            <a:endParaRPr lang="ko-KR" altLang="en-US"/>
-          </a:p>
-        </p:txBody>
-      </p:sp>
-    </p:spTree>
-    <p:extLst>
-      <p:ext uri="{BB962C8B-B14F-4D97-AF65-F5344CB8AC3E}">
-        <p14:creationId xmlns:p14="http://schemas.microsoft.com/office/powerpoint/2010/main" val="2756194655"/>
-      </p:ext>
-    </p:extLst>
-  </p:cSld>
-  <p:clrMapOvr>
-    <a:masterClrMapping/>
-  </p:clrMapOvr>
-  <p:timing>
-    <p:tnLst>
-      <p:par>
-        <p:cTn id="1" dur="indefinite" restart="never" nodeType="tmRoot">
-          <p:childTnLst>
-            <p:seq concurrent="1" nextAc="seek">
-              <p:cTn id="2" dur="indefinite" nodeType="mainSeq">
-                <p:childTnLst>
-                  <p:par>
-                    <p:cTn id="3" fill="hold">
-                      <p:stCondLst>
-                        <p:cond delay="indefinite"/>
-                        <p:cond evt="onBegin" delay="0">
-                          <p:tn val="2"/>
-                        </p:cond>
-                      </p:stCondLst>
-                      <p:childTnLst>
-                        <p:par>
-                          <p:cTn id="4" fill="hold">
-                            <p:stCondLst>
-                              <p:cond delay="0"/>
-                            </p:stCondLst>
-                            <p:childTnLst>
-                              <p:par>
-                                <p:cTn id="5" presetID="42" presetClass="entr" presetSubtype="0" fill="hold" nodeType="withEffect">
-                                  <p:stCondLst>
-                                    <p:cond delay="0"/>
-                                  </p:stCondLst>
-                                  <p:childTnLst>
-                                    <p:set>
-                                      <p:cBhvr>
-                                        <p:cTn id="6" dur="1" fill="hold">
-                                          <p:stCondLst>
-                                            <p:cond delay="0"/>
-                                          </p:stCondLst>
-                                        </p:cTn>
-                                        <p:tgtEl>
-                                          <p:spTgt spid="8"/>
-                                        </p:tgtEl>
-                                        <p:attrNameLst>
-                                          <p:attrName>style.visibility</p:attrName>
-                                        </p:attrNameLst>
-                                      </p:cBhvr>
-                                      <p:to>
-                                        <p:strVal val="visible"/>
-                                      </p:to>
-                                    </p:set>
-                                    <p:animEffect transition="in" filter="fade">
-                                      <p:cBhvr>
-                                        <p:cTn id="7" dur="1000"/>
-                                        <p:tgtEl>
-                                          <p:spTgt spid="8"/>
-                                        </p:tgtEl>
-                                      </p:cBhvr>
-                                    </p:animEffect>
-                                    <p:anim calcmode="lin" valueType="num">
-                                      <p:cBhvr>
-                                        <p:cTn id="8" dur="1000" fill="hold"/>
-                                        <p:tgtEl>
-                                          <p:spTgt spid="8"/>
-                                        </p:tgtEl>
-                                        <p:attrNameLst>
-                                          <p:attrName>ppt_x</p:attrName>
-                                        </p:attrNameLst>
-                                      </p:cBhvr>
-                                      <p:tavLst>
-                                        <p:tav tm="0">
-                                          <p:val>
-                                            <p:strVal val="#ppt_x"/>
-                                          </p:val>
-                                        </p:tav>
-                                        <p:tav tm="100000">
-                                          <p:val>
-                                            <p:strVal val="#ppt_x"/>
-                                          </p:val>
-                                        </p:tav>
-                                      </p:tavLst>
-                                    </p:anim>
-                                    <p:anim calcmode="lin" valueType="num">
-                                      <p:cBhvr>
-                                        <p:cTn id="9" dur="1000" fill="hold"/>
-                                        <p:tgtEl>
-                                          <p:spTgt spid="8"/>
+                                          <p:spTgt spid="6"/>
                                         </p:tgtEl>
                                         <p:attrNameLst>
                                           <p:attrName>ppt_y</p:attrName>
@@ -8119,6 +11405,541 @@
           </a:p>
         </p:txBody>
       </p:sp>
+      <p:sp>
+        <p:nvSpPr>
+          <p:cNvPr id="2" name="직사각형 1">
+            <a:extLst>
+              <a:ext uri="{FF2B5EF4-FFF2-40B4-BE49-F238E27FC236}">
+                <a16:creationId xmlns:a16="http://schemas.microsoft.com/office/drawing/2014/main" id="{4B5446D2-C87E-4BC2-A17E-F3CF496E3C04}"/>
+              </a:ext>
+            </a:extLst>
+          </p:cNvPr>
+          <p:cNvSpPr/>
+          <p:nvPr/>
+        </p:nvSpPr>
+        <p:spPr>
+          <a:xfrm flipV="1">
+            <a:off x="-205891" y="687896"/>
+            <a:ext cx="5306397" cy="45719"/>
+          </a:xfrm>
+          <a:prstGeom prst="rect">
+            <a:avLst/>
+          </a:prstGeom>
+          <a:solidFill>
+            <a:schemeClr val="tx1"/>
+          </a:solidFill>
+          <a:ln>
+            <a:noFill/>
+          </a:ln>
+        </p:spPr>
+        <p:style>
+          <a:lnRef idx="2">
+            <a:schemeClr val="accent1">
+              <a:shade val="50000"/>
+            </a:schemeClr>
+          </a:lnRef>
+          <a:fillRef idx="1">
+            <a:schemeClr val="accent1"/>
+          </a:fillRef>
+          <a:effectRef idx="0">
+            <a:schemeClr val="accent1"/>
+          </a:effectRef>
+          <a:fontRef idx="minor">
+            <a:schemeClr val="lt1"/>
+          </a:fontRef>
+        </p:style>
+        <p:txBody>
+          <a:bodyPr rtlCol="0" anchor="ctr"/>
+          <a:lstStyle/>
+          <a:p>
+            <a:pPr algn="ctr"/>
+            <a:endParaRPr lang="ko-KR" altLang="en-US"/>
+          </a:p>
+        </p:txBody>
+      </p:sp>
+      <p:sp>
+        <p:nvSpPr>
+          <p:cNvPr id="3" name="이등변 삼각형 2">
+            <a:extLst>
+              <a:ext uri="{FF2B5EF4-FFF2-40B4-BE49-F238E27FC236}">
+                <a16:creationId xmlns:a16="http://schemas.microsoft.com/office/drawing/2014/main" id="{996FD705-ECFB-46C2-9F8B-119CA31B449E}"/>
+              </a:ext>
+            </a:extLst>
+          </p:cNvPr>
+          <p:cNvSpPr/>
+          <p:nvPr/>
+        </p:nvSpPr>
+        <p:spPr>
+          <a:xfrm>
+            <a:off x="-646493" y="0"/>
+            <a:ext cx="1283876" cy="733615"/>
+          </a:xfrm>
+          <a:prstGeom prst="triangle">
+            <a:avLst/>
+          </a:prstGeom>
+          <a:solidFill>
+            <a:schemeClr val="tx1"/>
+          </a:solidFill>
+          <a:ln>
+            <a:noFill/>
+          </a:ln>
+        </p:spPr>
+        <p:style>
+          <a:lnRef idx="2">
+            <a:schemeClr val="accent1">
+              <a:shade val="50000"/>
+            </a:schemeClr>
+          </a:lnRef>
+          <a:fillRef idx="1">
+            <a:schemeClr val="accent1"/>
+          </a:fillRef>
+          <a:effectRef idx="0">
+            <a:schemeClr val="accent1"/>
+          </a:effectRef>
+          <a:fontRef idx="minor">
+            <a:schemeClr val="lt1"/>
+          </a:fontRef>
+        </p:style>
+        <p:txBody>
+          <a:bodyPr rtlCol="0" anchor="ctr"/>
+          <a:lstStyle/>
+          <a:p>
+            <a:pPr algn="ctr"/>
+            <a:endParaRPr lang="ko-KR" altLang="en-US"/>
+          </a:p>
+        </p:txBody>
+      </p:sp>
+      <p:sp>
+        <p:nvSpPr>
+          <p:cNvPr id="12" name="TextBox 11">
+            <a:extLst>
+              <a:ext uri="{FF2B5EF4-FFF2-40B4-BE49-F238E27FC236}">
+                <a16:creationId xmlns:a16="http://schemas.microsoft.com/office/drawing/2014/main" id="{D81C34EC-940A-4FBE-AB3A-010C216C9D9B}"/>
+              </a:ext>
+            </a:extLst>
+          </p:cNvPr>
+          <p:cNvSpPr txBox="1"/>
+          <p:nvPr/>
+        </p:nvSpPr>
+        <p:spPr>
+          <a:xfrm>
+            <a:off x="637383" y="318996"/>
+            <a:ext cx="3481431" cy="369332"/>
+          </a:xfrm>
+          <a:prstGeom prst="rect">
+            <a:avLst/>
+          </a:prstGeom>
+          <a:noFill/>
+        </p:spPr>
+        <p:txBody>
+          <a:bodyPr wrap="square" rtlCol="0">
+            <a:spAutoFit/>
+          </a:bodyPr>
+          <a:lstStyle/>
+          <a:p>
+            <a:r>
+              <a:rPr lang="ko-KR" altLang="en-US" b="1" dirty="0">
+                <a:latin typeface="+mj-lt"/>
+              </a:rPr>
+              <a:t>메인 및 커피 리스트 구조</a:t>
+            </a:r>
+            <a:r>
+              <a:rPr lang="en-US" altLang="ko-KR" b="1" dirty="0">
+                <a:latin typeface="+mj-lt"/>
+              </a:rPr>
+              <a:t>(</a:t>
+            </a:r>
+            <a:r>
+              <a:rPr lang="ko-KR" altLang="en-US" b="1" dirty="0">
+                <a:latin typeface="+mj-lt"/>
+              </a:rPr>
+              <a:t>앞면</a:t>
+            </a:r>
+            <a:r>
+              <a:rPr lang="en-US" altLang="ko-KR" b="1" dirty="0">
+                <a:latin typeface="+mj-lt"/>
+              </a:rPr>
+              <a:t>)</a:t>
+            </a:r>
+            <a:endParaRPr lang="ko-KR" altLang="en-US" b="1" dirty="0">
+              <a:latin typeface="+mj-lt"/>
+            </a:endParaRPr>
+          </a:p>
+        </p:txBody>
+      </p:sp>
+      <p:sp>
+        <p:nvSpPr>
+          <p:cNvPr id="13" name="직사각형 12">
+            <a:extLst>
+              <a:ext uri="{FF2B5EF4-FFF2-40B4-BE49-F238E27FC236}">
+                <a16:creationId xmlns:a16="http://schemas.microsoft.com/office/drawing/2014/main" id="{840597EA-77FC-4240-9129-422BB1270AAD}"/>
+              </a:ext>
+            </a:extLst>
+          </p:cNvPr>
+          <p:cNvSpPr/>
+          <p:nvPr/>
+        </p:nvSpPr>
+        <p:spPr>
+          <a:xfrm flipV="1">
+            <a:off x="-39825" y="-78370"/>
+            <a:ext cx="12757535" cy="265903"/>
+          </a:xfrm>
+          <a:prstGeom prst="rect">
+            <a:avLst/>
+          </a:prstGeom>
+          <a:solidFill>
+            <a:schemeClr val="tx1"/>
+          </a:solidFill>
+          <a:ln>
+            <a:noFill/>
+          </a:ln>
+        </p:spPr>
+        <p:style>
+          <a:lnRef idx="2">
+            <a:schemeClr val="accent1">
+              <a:shade val="50000"/>
+            </a:schemeClr>
+          </a:lnRef>
+          <a:fillRef idx="1">
+            <a:schemeClr val="accent1"/>
+          </a:fillRef>
+          <a:effectRef idx="0">
+            <a:schemeClr val="accent1"/>
+          </a:effectRef>
+          <a:fontRef idx="minor">
+            <a:schemeClr val="lt1"/>
+          </a:fontRef>
+        </p:style>
+        <p:txBody>
+          <a:bodyPr rtlCol="0" anchor="ctr"/>
+          <a:lstStyle/>
+          <a:p>
+            <a:pPr algn="ctr"/>
+            <a:endParaRPr lang="ko-KR" altLang="en-US"/>
+          </a:p>
+        </p:txBody>
+      </p:sp>
+      <p:pic>
+        <p:nvPicPr>
+          <p:cNvPr id="9" name="그림 8">
+            <a:extLst>
+              <a:ext uri="{FF2B5EF4-FFF2-40B4-BE49-F238E27FC236}">
+                <a16:creationId xmlns:a16="http://schemas.microsoft.com/office/drawing/2014/main" id="{5AE332CB-A1E1-4EDA-BB3E-666536EFD807}"/>
+              </a:ext>
+            </a:extLst>
+          </p:cNvPr>
+          <p:cNvPicPr>
+            <a:picLocks noChangeAspect="1"/>
+          </p:cNvPicPr>
+          <p:nvPr/>
+        </p:nvPicPr>
+        <p:blipFill rotWithShape="1">
+          <a:blip r:embed="rId2" cstate="print">
+            <a:clrChange>
+              <a:clrFrom>
+                <a:srgbClr val="FFFFFF"/>
+              </a:clrFrom>
+              <a:clrTo>
+                <a:srgbClr val="FFFFFF">
+                  <a:alpha val="0"/>
+                </a:srgbClr>
+              </a:clrTo>
+            </a:clrChange>
+            <a:extLst>
+              <a:ext uri="{28A0092B-C50C-407E-A947-70E740481C1C}">
+                <a14:useLocalDpi xmlns:a14="http://schemas.microsoft.com/office/drawing/2010/main" val="0"/>
+              </a:ext>
+            </a:extLst>
+          </a:blip>
+          <a:srcRect r="11412"/>
+          <a:stretch/>
+        </p:blipFill>
+        <p:spPr>
+          <a:xfrm>
+            <a:off x="6410670" y="252486"/>
+            <a:ext cx="5816600" cy="6858000"/>
+          </a:xfrm>
+          <a:prstGeom prst="rect">
+            <a:avLst/>
+          </a:prstGeom>
+        </p:spPr>
+      </p:pic>
+      <p:pic>
+        <p:nvPicPr>
+          <p:cNvPr id="6" name="그림 5">
+            <a:extLst>
+              <a:ext uri="{FF2B5EF4-FFF2-40B4-BE49-F238E27FC236}">
+                <a16:creationId xmlns:a16="http://schemas.microsoft.com/office/drawing/2014/main" id="{E416A58F-3363-43E2-8EB8-E605FB9044A3}"/>
+              </a:ext>
+            </a:extLst>
+          </p:cNvPr>
+          <p:cNvPicPr>
+            <a:picLocks noChangeAspect="1"/>
+          </p:cNvPicPr>
+          <p:nvPr/>
+        </p:nvPicPr>
+        <p:blipFill>
+          <a:blip r:embed="rId3">
+            <a:extLst>
+              <a:ext uri="{28A0092B-C50C-407E-A947-70E740481C1C}">
+                <a14:useLocalDpi xmlns:a14="http://schemas.microsoft.com/office/drawing/2010/main" val="0"/>
+              </a:ext>
+            </a:extLst>
+          </a:blip>
+          <a:stretch>
+            <a:fillRect/>
+          </a:stretch>
+        </p:blipFill>
+        <p:spPr>
+          <a:xfrm>
+            <a:off x="88651" y="998466"/>
+            <a:ext cx="6228814" cy="5366040"/>
+          </a:xfrm>
+          <a:prstGeom prst="rect">
+            <a:avLst/>
+          </a:prstGeom>
+          <a:solidFill>
+            <a:srgbClr val="FFFFFF">
+              <a:shade val="85000"/>
+            </a:srgbClr>
+          </a:solidFill>
+          <a:ln w="88900" cap="sq">
+            <a:solidFill>
+              <a:srgbClr val="FFFFFF"/>
+            </a:solidFill>
+            <a:miter lim="800000"/>
+          </a:ln>
+          <a:effectLst>
+            <a:outerShdw blurRad="55000" dist="18000" dir="5400000" algn="tl" rotWithShape="0">
+              <a:srgbClr val="000000">
+                <a:alpha val="40000"/>
+              </a:srgbClr>
+            </a:outerShdw>
+          </a:effectLst>
+          <a:scene3d>
+            <a:camera prst="orthographicFront"/>
+            <a:lightRig rig="twoPt" dir="t">
+              <a:rot lat="0" lon="0" rev="7200000"/>
+            </a:lightRig>
+          </a:scene3d>
+          <a:sp3d>
+            <a:bevelT w="25400" h="19050"/>
+            <a:contourClr>
+              <a:srgbClr val="FFFFFF"/>
+            </a:contourClr>
+          </a:sp3d>
+        </p:spPr>
+      </p:pic>
+    </p:spTree>
+    <p:extLst>
+      <p:ext uri="{BB962C8B-B14F-4D97-AF65-F5344CB8AC3E}">
+        <p14:creationId xmlns:p14="http://schemas.microsoft.com/office/powerpoint/2010/main" val="2756194655"/>
+      </p:ext>
+    </p:extLst>
+  </p:cSld>
+  <p:clrMapOvr>
+    <a:masterClrMapping/>
+  </p:clrMapOvr>
+  <p:timing>
+    <p:tnLst>
+      <p:par>
+        <p:cTn id="1" dur="indefinite" restart="never" nodeType="tmRoot">
+          <p:childTnLst>
+            <p:seq concurrent="1" nextAc="seek">
+              <p:cTn id="2" dur="indefinite" nodeType="mainSeq">
+                <p:childTnLst>
+                  <p:par>
+                    <p:cTn id="3" fill="hold">
+                      <p:stCondLst>
+                        <p:cond delay="indefinite"/>
+                        <p:cond evt="onBegin" delay="0">
+                          <p:tn val="2"/>
+                        </p:cond>
+                      </p:stCondLst>
+                      <p:childTnLst>
+                        <p:par>
+                          <p:cTn id="4" fill="hold">
+                            <p:stCondLst>
+                              <p:cond delay="0"/>
+                            </p:stCondLst>
+                            <p:childTnLst>
+                              <p:par>
+                                <p:cTn id="5" presetID="42" presetClass="entr" presetSubtype="0" fill="hold" nodeType="withEffect">
+                                  <p:stCondLst>
+                                    <p:cond delay="0"/>
+                                  </p:stCondLst>
+                                  <p:childTnLst>
+                                    <p:set>
+                                      <p:cBhvr>
+                                        <p:cTn id="6" dur="1" fill="hold">
+                                          <p:stCondLst>
+                                            <p:cond delay="0"/>
+                                          </p:stCondLst>
+                                        </p:cTn>
+                                        <p:tgtEl>
+                                          <p:spTgt spid="6"/>
+                                        </p:tgtEl>
+                                        <p:attrNameLst>
+                                          <p:attrName>style.visibility</p:attrName>
+                                        </p:attrNameLst>
+                                      </p:cBhvr>
+                                      <p:to>
+                                        <p:strVal val="visible"/>
+                                      </p:to>
+                                    </p:set>
+                                    <p:animEffect transition="in" filter="fade">
+                                      <p:cBhvr>
+                                        <p:cTn id="7" dur="1000"/>
+                                        <p:tgtEl>
+                                          <p:spTgt spid="6"/>
+                                        </p:tgtEl>
+                                      </p:cBhvr>
+                                    </p:animEffect>
+                                    <p:anim calcmode="lin" valueType="num">
+                                      <p:cBhvr>
+                                        <p:cTn id="8" dur="1000" fill="hold"/>
+                                        <p:tgtEl>
+                                          <p:spTgt spid="6"/>
+                                        </p:tgtEl>
+                                        <p:attrNameLst>
+                                          <p:attrName>ppt_x</p:attrName>
+                                        </p:attrNameLst>
+                                      </p:cBhvr>
+                                      <p:tavLst>
+                                        <p:tav tm="0">
+                                          <p:val>
+                                            <p:strVal val="#ppt_x"/>
+                                          </p:val>
+                                        </p:tav>
+                                        <p:tav tm="100000">
+                                          <p:val>
+                                            <p:strVal val="#ppt_x"/>
+                                          </p:val>
+                                        </p:tav>
+                                      </p:tavLst>
+                                    </p:anim>
+                                    <p:anim calcmode="lin" valueType="num">
+                                      <p:cBhvr>
+                                        <p:cTn id="9" dur="1000" fill="hold"/>
+                                        <p:tgtEl>
+                                          <p:spTgt spid="6"/>
+                                        </p:tgtEl>
+                                        <p:attrNameLst>
+                                          <p:attrName>ppt_y</p:attrName>
+                                        </p:attrNameLst>
+                                      </p:cBhvr>
+                                      <p:tavLst>
+                                        <p:tav tm="0">
+                                          <p:val>
+                                            <p:strVal val="#ppt_y+.1"/>
+                                          </p:val>
+                                        </p:tav>
+                                        <p:tav tm="100000">
+                                          <p:val>
+                                            <p:strVal val="#ppt_y"/>
+                                          </p:val>
+                                        </p:tav>
+                                      </p:tavLst>
+                                    </p:anim>
+                                  </p:childTnLst>
+                                </p:cTn>
+                              </p:par>
+                            </p:childTnLst>
+                          </p:cTn>
+                        </p:par>
+                      </p:childTnLst>
+                    </p:cTn>
+                  </p:par>
+                </p:childTnLst>
+              </p:cTn>
+              <p:prevCondLst>
+                <p:cond evt="onPrev" delay="0">
+                  <p:tgtEl>
+                    <p:sldTgt/>
+                  </p:tgtEl>
+                </p:cond>
+              </p:prevCondLst>
+              <p:nextCondLst>
+                <p:cond evt="onNext" delay="0">
+                  <p:tgtEl>
+                    <p:sldTgt/>
+                  </p:tgtEl>
+                </p:cond>
+              </p:nextCondLst>
+            </p:seq>
+          </p:childTnLst>
+        </p:cTn>
+      </p:par>
+    </p:tnLst>
+  </p:timing>
+</p:sld>
+</file>
+
+<file path=ppt/slides/slide7.xml><?xml version="1.0" encoding="utf-8"?>
+<p:sld xmlns:a="http://schemas.openxmlformats.org/drawingml/2006/main" xmlns:r="http://schemas.openxmlformats.org/officeDocument/2006/relationships" xmlns:p="http://schemas.openxmlformats.org/presentationml/2006/main">
+  <p:cSld>
+    <p:spTree>
+      <p:nvGrpSpPr>
+        <p:cNvPr id="1" name=""/>
+        <p:cNvGrpSpPr/>
+        <p:nvPr/>
+      </p:nvGrpSpPr>
+      <p:grpSpPr>
+        <a:xfrm>
+          <a:off x="0" y="0"/>
+          <a:ext cx="0" cy="0"/>
+          <a:chOff x="0" y="0"/>
+          <a:chExt cx="0" cy="0"/>
+        </a:xfrm>
+      </p:grpSpPr>
+      <p:sp>
+        <p:nvSpPr>
+          <p:cNvPr id="29" name="직사각형 28"/>
+          <p:cNvSpPr/>
+          <p:nvPr/>
+        </p:nvSpPr>
+        <p:spPr>
+          <a:xfrm>
+            <a:off x="-4555" y="0"/>
+            <a:ext cx="12196555" cy="6858000"/>
+          </a:xfrm>
+          <a:prstGeom prst="rect">
+            <a:avLst/>
+          </a:prstGeom>
+          <a:solidFill>
+            <a:schemeClr val="bg1">
+              <a:lumMod val="95000"/>
+            </a:schemeClr>
+          </a:solidFill>
+          <a:ln>
+            <a:noFill/>
+          </a:ln>
+        </p:spPr>
+        <p:style>
+          <a:lnRef idx="2">
+            <a:schemeClr val="accent1">
+              <a:shade val="50000"/>
+            </a:schemeClr>
+          </a:lnRef>
+          <a:fillRef idx="1">
+            <a:schemeClr val="accent1"/>
+          </a:fillRef>
+          <a:effectRef idx="0">
+            <a:schemeClr val="accent1"/>
+          </a:effectRef>
+          <a:fontRef idx="minor">
+            <a:schemeClr val="lt1"/>
+          </a:fontRef>
+        </p:style>
+        <p:txBody>
+          <a:bodyPr rtlCol="0" anchor="ctr"/>
+          <a:lstStyle/>
+          <a:p>
+            <a:pPr algn="ctr"/>
+            <a:endParaRPr lang="ko-KR" altLang="en-US"/>
+          </a:p>
+        </p:txBody>
+      </p:sp>
       <p:pic>
         <p:nvPicPr>
           <p:cNvPr id="4" name="그림 3"/>
@@ -8150,7 +11971,7 @@
         </p:blipFill>
         <p:spPr>
           <a:xfrm>
-            <a:off x="6375400" y="0"/>
+            <a:off x="6410670" y="252486"/>
             <a:ext cx="5816600" cy="6858000"/>
           </a:xfrm>
           <a:prstGeom prst="rect">
@@ -8565,7 +12386,7 @@
 </p:sld>
 </file>
 
-<file path=ppt/slides/slide7.xml><?xml version="1.0" encoding="utf-8"?>
+<file path=ppt/slides/slide8.xml><?xml version="1.0" encoding="utf-8"?>
 <p:sld xmlns:a="http://schemas.openxmlformats.org/drawingml/2006/main" xmlns:r="http://schemas.openxmlformats.org/officeDocument/2006/relationships" xmlns:p="http://schemas.openxmlformats.org/presentationml/2006/main">
   <p:cSld>
     <p:spTree>
@@ -8903,6 +12724,59 @@
           </a:p>
         </p:txBody>
       </p:sp>
+      <p:sp>
+        <p:nvSpPr>
+          <p:cNvPr id="9" name="TextBox 8">
+            <a:extLst>
+              <a:ext uri="{FF2B5EF4-FFF2-40B4-BE49-F238E27FC236}">
+                <a16:creationId xmlns:a16="http://schemas.microsoft.com/office/drawing/2014/main" id="{8A6FC747-4E04-4BC0-A361-D40F02BD18C0}"/>
+              </a:ext>
+            </a:extLst>
+          </p:cNvPr>
+          <p:cNvSpPr txBox="1"/>
+          <p:nvPr/>
+        </p:nvSpPr>
+        <p:spPr>
+          <a:xfrm>
+            <a:off x="1502013" y="4287790"/>
+            <a:ext cx="5650558" cy="1015663"/>
+          </a:xfrm>
+          <a:prstGeom prst="rect">
+            <a:avLst/>
+          </a:prstGeom>
+          <a:noFill/>
+        </p:spPr>
+        <p:txBody>
+          <a:bodyPr wrap="square" rtlCol="0">
+            <a:spAutoFit/>
+          </a:bodyPr>
+          <a:lstStyle/>
+          <a:p>
+            <a:pPr algn="ctr"/>
+            <a:r>
+              <a:rPr lang="en-US" altLang="ko-KR" sz="6000" dirty="0">
+                <a:solidFill>
+                  <a:schemeClr val="bg1"/>
+                </a:solidFill>
+                <a:effectLst>
+                  <a:reflection blurRad="6350" stA="55000" endA="300" endPos="45500" dir="5400000" sy="-100000" algn="bl" rotWithShape="0"/>
+                </a:effectLst>
+                <a:latin typeface="Segoe UI Black" panose="020B0A02040204020203" pitchFamily="34" charset="0"/>
+              </a:rPr>
+              <a:t>W3C WCAG</a:t>
+            </a:r>
+            <a:endParaRPr lang="ko-KR" altLang="en-US" sz="6000" dirty="0">
+              <a:solidFill>
+                <a:schemeClr val="bg1"/>
+              </a:solidFill>
+              <a:effectLst>
+                <a:reflection blurRad="6350" stA="55000" endA="300" endPos="45500" dir="5400000" sy="-100000" algn="bl" rotWithShape="0"/>
+              </a:effectLst>
+              <a:latin typeface="Segoe UI Black" panose="020B0A02040204020203" pitchFamily="34" charset="0"/>
+            </a:endParaRPr>
+          </a:p>
+        </p:txBody>
+      </p:sp>
     </p:spTree>
     <p:extLst>
       <p:ext uri="{BB962C8B-B14F-4D97-AF65-F5344CB8AC3E}">
@@ -8916,7 +12790,7 @@
 </p:sld>
 </file>
 
-<file path=ppt/slides/slide8.xml><?xml version="1.0" encoding="utf-8"?>
+<file path=ppt/slides/slide9.xml><?xml version="1.0" encoding="utf-8"?>
 <p:sld xmlns:a="http://schemas.openxmlformats.org/drawingml/2006/main" xmlns:r="http://schemas.openxmlformats.org/officeDocument/2006/relationships" xmlns:p="http://schemas.openxmlformats.org/presentationml/2006/main">
   <p:cSld>
     <p:spTree>
@@ -9091,12 +12965,104 @@
           </a:p>
         </p:txBody>
       </p:sp>
+      <p:sp>
+        <p:nvSpPr>
+          <p:cNvPr id="12" name="TextBox 11">
+            <a:extLst>
+              <a:ext uri="{FF2B5EF4-FFF2-40B4-BE49-F238E27FC236}">
+                <a16:creationId xmlns:a16="http://schemas.microsoft.com/office/drawing/2014/main" id="{31E605E2-AEEC-499B-AFC5-D65ACDFD62AA}"/>
+              </a:ext>
+            </a:extLst>
+          </p:cNvPr>
+          <p:cNvSpPr txBox="1"/>
+          <p:nvPr/>
+        </p:nvSpPr>
+        <p:spPr>
+          <a:xfrm>
+            <a:off x="637383" y="318996"/>
+            <a:ext cx="4312122" cy="369332"/>
+          </a:xfrm>
+          <a:prstGeom prst="rect">
+            <a:avLst/>
+          </a:prstGeom>
+          <a:noFill/>
+        </p:spPr>
+        <p:txBody>
+          <a:bodyPr wrap="square" rtlCol="0">
+            <a:spAutoFit/>
+          </a:bodyPr>
+          <a:lstStyle/>
+          <a:p>
+            <a:r>
+              <a:rPr lang="ko-KR" altLang="en-US" b="1">
+                <a:latin typeface="+mj-lt"/>
+              </a:rPr>
+              <a:t>웹접근성 및 웹 콘텐츠 접근성 지침</a:t>
+            </a:r>
+            <a:endParaRPr lang="ko-KR" altLang="en-US" b="1" dirty="0">
+              <a:latin typeface="+mj-lt"/>
+            </a:endParaRPr>
+          </a:p>
+        </p:txBody>
+      </p:sp>
+      <p:sp>
+        <p:nvSpPr>
+          <p:cNvPr id="13" name="직사각형 12">
+            <a:extLst>
+              <a:ext uri="{FF2B5EF4-FFF2-40B4-BE49-F238E27FC236}">
+                <a16:creationId xmlns:a16="http://schemas.microsoft.com/office/drawing/2014/main" id="{A395A518-53D0-42C5-A0D6-7783705D54B1}"/>
+              </a:ext>
+            </a:extLst>
+          </p:cNvPr>
+          <p:cNvSpPr/>
+          <p:nvPr/>
+        </p:nvSpPr>
+        <p:spPr>
+          <a:xfrm flipV="1">
+            <a:off x="-39825" y="-78370"/>
+            <a:ext cx="12757535" cy="265903"/>
+          </a:xfrm>
+          <a:prstGeom prst="rect">
+            <a:avLst/>
+          </a:prstGeom>
+          <a:solidFill>
+            <a:schemeClr val="tx1"/>
+          </a:solidFill>
+          <a:ln>
+            <a:noFill/>
+          </a:ln>
+        </p:spPr>
+        <p:style>
+          <a:lnRef idx="2">
+            <a:schemeClr val="accent1">
+              <a:shade val="50000"/>
+            </a:schemeClr>
+          </a:lnRef>
+          <a:fillRef idx="1">
+            <a:schemeClr val="accent1"/>
+          </a:fillRef>
+          <a:effectRef idx="0">
+            <a:schemeClr val="accent1"/>
+          </a:effectRef>
+          <a:fontRef idx="minor">
+            <a:schemeClr val="lt1"/>
+          </a:fontRef>
+        </p:style>
+        <p:txBody>
+          <a:bodyPr rtlCol="0" anchor="ctr"/>
+          <a:lstStyle/>
+          <a:p>
+            <a:pPr algn="ctr"/>
+            <a:endParaRPr lang="ko-KR" altLang="en-US"/>
+          </a:p>
+        </p:txBody>
+      </p:sp>
       <p:pic>
         <p:nvPicPr>
-          <p:cNvPr id="8" name="그림 7">
+          <p:cNvPr id="11" name="그림 10">
             <a:extLst>
               <a:ext uri="{FF2B5EF4-FFF2-40B4-BE49-F238E27FC236}">
-                <a16:creationId xmlns:a16="http://schemas.microsoft.com/office/drawing/2014/main" id="{DDAA8DC2-E931-4ED9-B7AA-3FF1930966FB}"/>
+                <a16:creationId xmlns:a16="http://schemas.microsoft.com/office/drawing/2014/main" id="{9D1455E1-3119-48B3-8B58-EA8751265818}"/>
               </a:ext>
             </a:extLst>
           </p:cNvPr>
@@ -9119,8 +13085,8 @@
         </p:blipFill>
         <p:spPr>
           <a:xfrm>
-            <a:off x="494950" y="907928"/>
-            <a:ext cx="6613501" cy="5803685"/>
+            <a:off x="3319952" y="893020"/>
+            <a:ext cx="8286750" cy="5715000"/>
           </a:xfrm>
           <a:prstGeom prst="rect">
             <a:avLst/>
@@ -9157,98 +13123,6 @@
           </a:sp3d>
         </p:spPr>
       </p:pic>
-      <p:sp>
-        <p:nvSpPr>
-          <p:cNvPr id="12" name="TextBox 11">
-            <a:extLst>
-              <a:ext uri="{FF2B5EF4-FFF2-40B4-BE49-F238E27FC236}">
-                <a16:creationId xmlns:a16="http://schemas.microsoft.com/office/drawing/2014/main" id="{31E605E2-AEEC-499B-AFC5-D65ACDFD62AA}"/>
-              </a:ext>
-            </a:extLst>
-          </p:cNvPr>
-          <p:cNvSpPr txBox="1"/>
-          <p:nvPr/>
-        </p:nvSpPr>
-        <p:spPr>
-          <a:xfrm>
-            <a:off x="637383" y="318996"/>
-            <a:ext cx="4312122" cy="369332"/>
-          </a:xfrm>
-          <a:prstGeom prst="rect">
-            <a:avLst/>
-          </a:prstGeom>
-          <a:noFill/>
-        </p:spPr>
-        <p:txBody>
-          <a:bodyPr wrap="square" rtlCol="0">
-            <a:spAutoFit/>
-          </a:bodyPr>
-          <a:lstStyle/>
-          <a:p>
-            <a:r>
-              <a:rPr lang="ko-KR" altLang="en-US" b="1">
-                <a:latin typeface="+mj-lt"/>
-              </a:rPr>
-              <a:t>웹접근성 및 웹 콘텐츠 접근성 지침</a:t>
-            </a:r>
-            <a:endParaRPr lang="ko-KR" altLang="en-US" b="1" dirty="0">
-              <a:latin typeface="+mj-lt"/>
-            </a:endParaRPr>
-          </a:p>
-        </p:txBody>
-      </p:sp>
-      <p:sp>
-        <p:nvSpPr>
-          <p:cNvPr id="13" name="직사각형 12">
-            <a:extLst>
-              <a:ext uri="{FF2B5EF4-FFF2-40B4-BE49-F238E27FC236}">
-                <a16:creationId xmlns:a16="http://schemas.microsoft.com/office/drawing/2014/main" id="{A395A518-53D0-42C5-A0D6-7783705D54B1}"/>
-              </a:ext>
-            </a:extLst>
-          </p:cNvPr>
-          <p:cNvSpPr/>
-          <p:nvPr/>
-        </p:nvSpPr>
-        <p:spPr>
-          <a:xfrm flipV="1">
-            <a:off x="-39825" y="-78370"/>
-            <a:ext cx="12757535" cy="265903"/>
-          </a:xfrm>
-          <a:prstGeom prst="rect">
-            <a:avLst/>
-          </a:prstGeom>
-          <a:solidFill>
-            <a:schemeClr val="tx1"/>
-          </a:solidFill>
-          <a:ln>
-            <a:noFill/>
-          </a:ln>
-        </p:spPr>
-        <p:style>
-          <a:lnRef idx="2">
-            <a:schemeClr val="accent1">
-              <a:shade val="50000"/>
-            </a:schemeClr>
-          </a:lnRef>
-          <a:fillRef idx="1">
-            <a:schemeClr val="accent1"/>
-          </a:fillRef>
-          <a:effectRef idx="0">
-            <a:schemeClr val="accent1"/>
-          </a:effectRef>
-          <a:fontRef idx="minor">
-            <a:schemeClr val="lt1"/>
-          </a:fontRef>
-        </p:style>
-        <p:txBody>
-          <a:bodyPr rtlCol="0" anchor="ctr"/>
-          <a:lstStyle/>
-          <a:p>
-            <a:pPr algn="ctr"/>
-            <a:endParaRPr lang="ko-KR" altLang="en-US"/>
-          </a:p>
-        </p:txBody>
-      </p:sp>
     </p:spTree>
     <p:extLst>
       <p:ext uri="{BB962C8B-B14F-4D97-AF65-F5344CB8AC3E}">
@@ -9283,7 +13157,7 @@
                             </p:stCondLst>
                             <p:childTnLst>
                               <p:par>
-                                <p:cTn id="5" presetID="42" presetClass="entr" presetSubtype="0" fill="hold" nodeType="withEffect">
+                                <p:cTn id="5" presetID="53" presetClass="entr" presetSubtype="16" fill="hold" nodeType="withEffect">
                                   <p:stCondLst>
                                     <p:cond delay="0"/>
                                   </p:stCondLst>
@@ -9296,7 +13170,7 @@
                                           </p:stCondLst>
                                         </p:cTn>
                                         <p:tgtEl>
-                                          <p:spTgt spid="8"/>
+                                          <p:spTgt spid="11"/>
                                         </p:tgtEl>
                                         <p:attrNameLst>
                                           <p:attrName>style.visibility</p:attrName>
@@ -9306,682 +13180,60 @@
                                         <p:strVal val="visible"/>
                                       </p:to>
                                     </p:set>
-                                    <p:animEffect transition="in" filter="fade">
-                                      <p:cBhvr>
-                                        <p:cTn id="7" dur="1000"/>
-                                        <p:tgtEl>
-                                          <p:spTgt spid="8"/>
-                                        </p:tgtEl>
-                                      </p:cBhvr>
-                                    </p:animEffect>
                                     <p:anim calcmode="lin" valueType="num">
                                       <p:cBhvr>
-                                        <p:cTn id="8" dur="1000" fill="hold"/>
+                                        <p:cTn id="7" dur="500" fill="hold"/>
                                         <p:tgtEl>
-                                          <p:spTgt spid="8"/>
+                                          <p:spTgt spid="11"/>
                                         </p:tgtEl>
                                         <p:attrNameLst>
-                                          <p:attrName>ppt_x</p:attrName>
+                                          <p:attrName>ppt_w</p:attrName>
                                         </p:attrNameLst>
                                       </p:cBhvr>
                                       <p:tavLst>
                                         <p:tav tm="0">
                                           <p:val>
-                                            <p:strVal val="#ppt_x"/>
+                                            <p:fltVal val="0"/>
                                           </p:val>
                                         </p:tav>
                                         <p:tav tm="100000">
                                           <p:val>
-                                            <p:strVal val="#ppt_x"/>
+                                            <p:strVal val="#ppt_w"/>
                                           </p:val>
                                         </p:tav>
                                       </p:tavLst>
                                     </p:anim>
                                     <p:anim calcmode="lin" valueType="num">
                                       <p:cBhvr>
-                                        <p:cTn id="9" dur="1000" fill="hold"/>
+                                        <p:cTn id="8" dur="500" fill="hold"/>
                                         <p:tgtEl>
-                                          <p:spTgt spid="8"/>
+                                          <p:spTgt spid="11"/>
                                         </p:tgtEl>
                                         <p:attrNameLst>
-                                          <p:attrName>ppt_y</p:attrName>
+                                          <p:attrName>ppt_h</p:attrName>
                                         </p:attrNameLst>
                                       </p:cBhvr>
                                       <p:tavLst>
                                         <p:tav tm="0">
                                           <p:val>
-                                            <p:strVal val="#ppt_y+.1"/>
+                                            <p:fltVal val="0"/>
                                           </p:val>
                                         </p:tav>
                                         <p:tav tm="100000">
                                           <p:val>
-                                            <p:strVal val="#ppt_y"/>
+                                            <p:strVal val="#ppt_h"/>
                                           </p:val>
                                         </p:tav>
                                       </p:tavLst>
                                     </p:anim>
-                                  </p:childTnLst>
-                                </p:cTn>
-                              </p:par>
-                            </p:childTnLst>
-                          </p:cTn>
-                        </p:par>
-                      </p:childTnLst>
-                    </p:cTn>
-                  </p:par>
-                </p:childTnLst>
-              </p:cTn>
-              <p:prevCondLst>
-                <p:cond evt="onPrev" delay="0">
-                  <p:tgtEl>
-                    <p:sldTgt/>
-                  </p:tgtEl>
-                </p:cond>
-              </p:prevCondLst>
-              <p:nextCondLst>
-                <p:cond evt="onNext" delay="0">
-                  <p:tgtEl>
-                    <p:sldTgt/>
-                  </p:tgtEl>
-                </p:cond>
-              </p:nextCondLst>
-            </p:seq>
-          </p:childTnLst>
-        </p:cTn>
-      </p:par>
-    </p:tnLst>
-  </p:timing>
-</p:sld>
-</file>
-
-<file path=ppt/slides/slide9.xml><?xml version="1.0" encoding="utf-8"?>
-<p:sld xmlns:a="http://schemas.openxmlformats.org/drawingml/2006/main" xmlns:r="http://schemas.openxmlformats.org/officeDocument/2006/relationships" xmlns:p="http://schemas.openxmlformats.org/presentationml/2006/main">
-  <p:cSld>
-    <p:spTree>
-      <p:nvGrpSpPr>
-        <p:cNvPr id="1" name=""/>
-        <p:cNvGrpSpPr/>
-        <p:nvPr/>
-      </p:nvGrpSpPr>
-      <p:grpSpPr>
-        <a:xfrm>
-          <a:off x="0" y="0"/>
-          <a:ext cx="0" cy="0"/>
-          <a:chOff x="0" y="0"/>
-          <a:chExt cx="0" cy="0"/>
-        </a:xfrm>
-      </p:grpSpPr>
-      <p:sp>
-        <p:nvSpPr>
-          <p:cNvPr id="9" name="직사각형 8">
-            <a:extLst>
-              <a:ext uri="{FF2B5EF4-FFF2-40B4-BE49-F238E27FC236}">
-                <a16:creationId xmlns:a16="http://schemas.microsoft.com/office/drawing/2014/main" id="{39A510E2-D9D5-4D5A-A304-57829E4DA548}"/>
-              </a:ext>
-            </a:extLst>
-          </p:cNvPr>
-          <p:cNvSpPr/>
-          <p:nvPr/>
-        </p:nvSpPr>
-        <p:spPr>
-          <a:xfrm>
-            <a:off x="-4555" y="0"/>
-            <a:ext cx="12196555" cy="6858000"/>
-          </a:xfrm>
-          <a:prstGeom prst="rect">
-            <a:avLst/>
-          </a:prstGeom>
-          <a:solidFill>
-            <a:schemeClr val="bg1">
-              <a:lumMod val="95000"/>
-            </a:schemeClr>
-          </a:solidFill>
-          <a:ln>
-            <a:noFill/>
-          </a:ln>
-        </p:spPr>
-        <p:style>
-          <a:lnRef idx="2">
-            <a:schemeClr val="accent1">
-              <a:shade val="50000"/>
-            </a:schemeClr>
-          </a:lnRef>
-          <a:fillRef idx="1">
-            <a:schemeClr val="accent1"/>
-          </a:fillRef>
-          <a:effectRef idx="0">
-            <a:schemeClr val="accent1"/>
-          </a:effectRef>
-          <a:fontRef idx="minor">
-            <a:schemeClr val="lt1"/>
-          </a:fontRef>
-        </p:style>
-        <p:txBody>
-          <a:bodyPr rtlCol="0" anchor="ctr"/>
-          <a:lstStyle/>
-          <a:p>
-            <a:pPr algn="ctr"/>
-            <a:endParaRPr lang="ko-KR" altLang="en-US"/>
-          </a:p>
-        </p:txBody>
-      </p:sp>
-      <p:sp>
-        <p:nvSpPr>
-          <p:cNvPr id="4" name="직사각형 3">
-            <a:extLst>
-              <a:ext uri="{FF2B5EF4-FFF2-40B4-BE49-F238E27FC236}">
-                <a16:creationId xmlns:a16="http://schemas.microsoft.com/office/drawing/2014/main" id="{905A6768-C509-40A1-8F38-868F5189A211}"/>
-              </a:ext>
-            </a:extLst>
-          </p:cNvPr>
-          <p:cNvSpPr/>
-          <p:nvPr/>
-        </p:nvSpPr>
-        <p:spPr>
-          <a:xfrm flipV="1">
-            <a:off x="-205891" y="687896"/>
-            <a:ext cx="5306397" cy="45719"/>
-          </a:xfrm>
-          <a:prstGeom prst="rect">
-            <a:avLst/>
-          </a:prstGeom>
-          <a:solidFill>
-            <a:schemeClr val="tx1"/>
-          </a:solidFill>
-          <a:ln>
-            <a:noFill/>
-          </a:ln>
-        </p:spPr>
-        <p:style>
-          <a:lnRef idx="2">
-            <a:schemeClr val="accent1">
-              <a:shade val="50000"/>
-            </a:schemeClr>
-          </a:lnRef>
-          <a:fillRef idx="1">
-            <a:schemeClr val="accent1"/>
-          </a:fillRef>
-          <a:effectRef idx="0">
-            <a:schemeClr val="accent1"/>
-          </a:effectRef>
-          <a:fontRef idx="minor">
-            <a:schemeClr val="lt1"/>
-          </a:fontRef>
-        </p:style>
-        <p:txBody>
-          <a:bodyPr rtlCol="0" anchor="ctr"/>
-          <a:lstStyle/>
-          <a:p>
-            <a:pPr algn="ctr"/>
-            <a:endParaRPr lang="ko-KR" altLang="en-US"/>
-          </a:p>
-        </p:txBody>
-      </p:sp>
-      <p:sp>
-        <p:nvSpPr>
-          <p:cNvPr id="5" name="이등변 삼각형 4">
-            <a:extLst>
-              <a:ext uri="{FF2B5EF4-FFF2-40B4-BE49-F238E27FC236}">
-                <a16:creationId xmlns:a16="http://schemas.microsoft.com/office/drawing/2014/main" id="{3D646951-F794-4A1A-A846-4AE70C9462AB}"/>
-              </a:ext>
-            </a:extLst>
-          </p:cNvPr>
-          <p:cNvSpPr/>
-          <p:nvPr/>
-        </p:nvSpPr>
-        <p:spPr>
-          <a:xfrm>
-            <a:off x="-646493" y="0"/>
-            <a:ext cx="1283876" cy="733615"/>
-          </a:xfrm>
-          <a:prstGeom prst="triangle">
-            <a:avLst/>
-          </a:prstGeom>
-          <a:solidFill>
-            <a:schemeClr val="tx1"/>
-          </a:solidFill>
-          <a:ln>
-            <a:noFill/>
-          </a:ln>
-        </p:spPr>
-        <p:style>
-          <a:lnRef idx="2">
-            <a:schemeClr val="accent1">
-              <a:shade val="50000"/>
-            </a:schemeClr>
-          </a:lnRef>
-          <a:fillRef idx="1">
-            <a:schemeClr val="accent1"/>
-          </a:fillRef>
-          <a:effectRef idx="0">
-            <a:schemeClr val="accent1"/>
-          </a:effectRef>
-          <a:fontRef idx="minor">
-            <a:schemeClr val="lt1"/>
-          </a:fontRef>
-        </p:style>
-        <p:txBody>
-          <a:bodyPr rtlCol="0" anchor="ctr"/>
-          <a:lstStyle/>
-          <a:p>
-            <a:pPr algn="ctr"/>
-            <a:endParaRPr lang="ko-KR" altLang="en-US"/>
-          </a:p>
-        </p:txBody>
-      </p:sp>
-      <p:sp>
-        <p:nvSpPr>
-          <p:cNvPr id="6" name="TextBox 5">
-            <a:extLst>
-              <a:ext uri="{FF2B5EF4-FFF2-40B4-BE49-F238E27FC236}">
-                <a16:creationId xmlns:a16="http://schemas.microsoft.com/office/drawing/2014/main" id="{3F976487-C200-4E85-A920-C27A40CEEABD}"/>
-              </a:ext>
-            </a:extLst>
-          </p:cNvPr>
-          <p:cNvSpPr txBox="1"/>
-          <p:nvPr/>
-        </p:nvSpPr>
-        <p:spPr>
-          <a:xfrm>
-            <a:off x="637383" y="318996"/>
-            <a:ext cx="3481431" cy="369332"/>
-          </a:xfrm>
-          <a:prstGeom prst="rect">
-            <a:avLst/>
-          </a:prstGeom>
-          <a:noFill/>
-        </p:spPr>
-        <p:txBody>
-          <a:bodyPr wrap="square" rtlCol="0">
-            <a:spAutoFit/>
-          </a:bodyPr>
-          <a:lstStyle/>
-          <a:p>
-            <a:r>
-              <a:rPr lang="ko-KR" altLang="en-US" b="1" dirty="0">
-                <a:latin typeface="+mj-lt"/>
-              </a:rPr>
-              <a:t>웹접근성 체크리스트</a:t>
-            </a:r>
-          </a:p>
-        </p:txBody>
-      </p:sp>
-      <p:pic>
-        <p:nvPicPr>
-          <p:cNvPr id="10" name="그림 9">
-            <a:extLst>
-              <a:ext uri="{FF2B5EF4-FFF2-40B4-BE49-F238E27FC236}">
-                <a16:creationId xmlns:a16="http://schemas.microsoft.com/office/drawing/2014/main" id="{25B0F55D-5A0A-469E-A30F-024542EB5AAB}"/>
-              </a:ext>
-            </a:extLst>
-          </p:cNvPr>
-          <p:cNvPicPr>
-            <a:picLocks noChangeAspect="1"/>
-          </p:cNvPicPr>
-          <p:nvPr/>
-        </p:nvPicPr>
-        <p:blipFill>
-          <a:blip r:embed="rId2">
-            <a:extLst>
-              <a:ext uri="{28A0092B-C50C-407E-A947-70E740481C1C}">
-                <a14:useLocalDpi xmlns:a14="http://schemas.microsoft.com/office/drawing/2010/main" val="0"/>
-              </a:ext>
-            </a:extLst>
-          </a:blip>
-          <a:stretch>
-            <a:fillRect/>
-          </a:stretch>
-        </p:blipFill>
-        <p:spPr>
-          <a:xfrm>
-            <a:off x="637383" y="1102515"/>
-            <a:ext cx="6046976" cy="2266804"/>
-          </a:xfrm>
-          <a:prstGeom prst="rect">
-            <a:avLst/>
-          </a:prstGeom>
-          <a:solidFill>
-            <a:srgbClr val="FFFFFF">
-              <a:shade val="85000"/>
-            </a:srgbClr>
-          </a:solidFill>
-          <a:ln w="88900" cap="sq">
-            <a:solidFill>
-              <a:srgbClr val="FFFFFF"/>
-            </a:solidFill>
-            <a:miter lim="800000"/>
-          </a:ln>
-          <a:effectLst>
-            <a:outerShdw blurRad="55000" dist="18000" dir="5400000" algn="tl" rotWithShape="0">
-              <a:srgbClr val="000000">
-                <a:alpha val="40000"/>
-              </a:srgbClr>
-            </a:outerShdw>
-          </a:effectLst>
-          <a:scene3d>
-            <a:camera prst="orthographicFront"/>
-            <a:lightRig rig="twoPt" dir="t">
-              <a:rot lat="0" lon="0" rev="7200000"/>
-            </a:lightRig>
-          </a:scene3d>
-          <a:sp3d>
-            <a:bevelT w="25400" h="19050"/>
-            <a:contourClr>
-              <a:srgbClr val="FFFFFF"/>
-            </a:contourClr>
-          </a:sp3d>
-        </p:spPr>
-      </p:pic>
-      <p:pic>
-        <p:nvPicPr>
-          <p:cNvPr id="3" name="그림 2">
-            <a:extLst>
-              <a:ext uri="{FF2B5EF4-FFF2-40B4-BE49-F238E27FC236}">
-                <a16:creationId xmlns:a16="http://schemas.microsoft.com/office/drawing/2014/main" id="{7E047C94-981D-4F26-B76B-A95FE0796666}"/>
-              </a:ext>
-            </a:extLst>
-          </p:cNvPr>
-          <p:cNvPicPr>
-            <a:picLocks noChangeAspect="1"/>
-          </p:cNvPicPr>
-          <p:nvPr/>
-        </p:nvPicPr>
-        <p:blipFill>
-          <a:blip r:embed="rId3">
-            <a:extLst>
-              <a:ext uri="{28A0092B-C50C-407E-A947-70E740481C1C}">
-                <a14:useLocalDpi xmlns:a14="http://schemas.microsoft.com/office/drawing/2010/main" val="0"/>
-              </a:ext>
-            </a:extLst>
-          </a:blip>
-          <a:stretch>
-            <a:fillRect/>
-          </a:stretch>
-        </p:blipFill>
-        <p:spPr>
-          <a:xfrm>
-            <a:off x="5505995" y="1647956"/>
-            <a:ext cx="6048622" cy="5067589"/>
-          </a:xfrm>
-          <a:prstGeom prst="rect">
-            <a:avLst/>
-          </a:prstGeom>
-          <a:solidFill>
-            <a:srgbClr val="FFFFFF">
-              <a:shade val="85000"/>
-            </a:srgbClr>
-          </a:solidFill>
-          <a:ln w="88900" cap="sq">
-            <a:solidFill>
-              <a:srgbClr val="FFFFFF"/>
-            </a:solidFill>
-            <a:miter lim="800000"/>
-          </a:ln>
-          <a:effectLst>
-            <a:outerShdw blurRad="55000" dist="18000" dir="5400000" algn="tl" rotWithShape="0">
-              <a:srgbClr val="000000">
-                <a:alpha val="40000"/>
-              </a:srgbClr>
-            </a:outerShdw>
-          </a:effectLst>
-          <a:scene3d>
-            <a:camera prst="orthographicFront"/>
-            <a:lightRig rig="twoPt" dir="t">
-              <a:rot lat="0" lon="0" rev="7200000"/>
-            </a:lightRig>
-          </a:scene3d>
-          <a:sp3d>
-            <a:bevelT w="25400" h="19050"/>
-            <a:contourClr>
-              <a:srgbClr val="FFFFFF"/>
-            </a:contourClr>
-          </a:sp3d>
-        </p:spPr>
-      </p:pic>
-      <p:sp>
-        <p:nvSpPr>
-          <p:cNvPr id="11" name="직사각형 10">
-            <a:extLst>
-              <a:ext uri="{FF2B5EF4-FFF2-40B4-BE49-F238E27FC236}">
-                <a16:creationId xmlns:a16="http://schemas.microsoft.com/office/drawing/2014/main" id="{5D8F33CB-56E7-4879-8DB1-7DFF1DDE3F7A}"/>
-              </a:ext>
-            </a:extLst>
-          </p:cNvPr>
-          <p:cNvSpPr/>
-          <p:nvPr/>
-        </p:nvSpPr>
-        <p:spPr>
-          <a:xfrm flipV="1">
-            <a:off x="-39825" y="-78370"/>
-            <a:ext cx="12757535" cy="265903"/>
-          </a:xfrm>
-          <a:prstGeom prst="rect">
-            <a:avLst/>
-          </a:prstGeom>
-          <a:solidFill>
-            <a:schemeClr val="tx1"/>
-          </a:solidFill>
-          <a:ln>
-            <a:noFill/>
-          </a:ln>
-        </p:spPr>
-        <p:style>
-          <a:lnRef idx="2">
-            <a:schemeClr val="accent1">
-              <a:shade val="50000"/>
-            </a:schemeClr>
-          </a:lnRef>
-          <a:fillRef idx="1">
-            <a:schemeClr val="accent1"/>
-          </a:fillRef>
-          <a:effectRef idx="0">
-            <a:schemeClr val="accent1"/>
-          </a:effectRef>
-          <a:fontRef idx="minor">
-            <a:schemeClr val="lt1"/>
-          </a:fontRef>
-        </p:style>
-        <p:txBody>
-          <a:bodyPr rtlCol="0" anchor="ctr"/>
-          <a:lstStyle/>
-          <a:p>
-            <a:pPr algn="ctr"/>
-            <a:endParaRPr lang="ko-KR" altLang="en-US"/>
-          </a:p>
-        </p:txBody>
-      </p:sp>
-    </p:spTree>
-    <p:extLst>
-      <p:ext uri="{BB962C8B-B14F-4D97-AF65-F5344CB8AC3E}">
-        <p14:creationId xmlns:p14="http://schemas.microsoft.com/office/powerpoint/2010/main" val="456323170"/>
-      </p:ext>
-    </p:extLst>
-  </p:cSld>
-  <p:clrMapOvr>
-    <a:masterClrMapping/>
-  </p:clrMapOvr>
-  <p:timing>
-    <p:tnLst>
-      <p:par>
-        <p:cTn id="1" dur="indefinite" restart="never" nodeType="tmRoot">
-          <p:childTnLst>
-            <p:seq concurrent="1" nextAc="seek">
-              <p:cTn id="2" dur="indefinite" nodeType="mainSeq">
-                <p:childTnLst>
-                  <p:par>
-                    <p:cTn id="3" fill="hold">
-                      <p:stCondLst>
-                        <p:cond delay="indefinite"/>
-                        <p:cond evt="onBegin" delay="0">
-                          <p:tn val="2"/>
-                        </p:cond>
-                      </p:stCondLst>
-                      <p:childTnLst>
-                        <p:par>
-                          <p:cTn id="4" fill="hold">
-                            <p:stCondLst>
-                              <p:cond delay="0"/>
-                            </p:stCondLst>
-                            <p:childTnLst>
-                              <p:par>
-                                <p:cTn id="5" presetID="42" presetClass="entr" presetSubtype="0" fill="hold" nodeType="withEffect">
-                                  <p:stCondLst>
-                                    <p:cond delay="0"/>
-                                  </p:stCondLst>
-                                  <p:childTnLst>
-                                    <p:set>
-                                      <p:cBhvr>
-                                        <p:cTn id="6" dur="1" fill="hold">
-                                          <p:stCondLst>
-                                            <p:cond delay="0"/>
-                                          </p:stCondLst>
-                                        </p:cTn>
-                                        <p:tgtEl>
-                                          <p:spTgt spid="3"/>
-                                        </p:tgtEl>
-                                        <p:attrNameLst>
-                                          <p:attrName>style.visibility</p:attrName>
-                                        </p:attrNameLst>
-                                      </p:cBhvr>
-                                      <p:to>
-                                        <p:strVal val="visible"/>
-                                      </p:to>
-                                    </p:set>
                                     <p:animEffect transition="in" filter="fade">
                                       <p:cBhvr>
-                                        <p:cTn id="7" dur="1000"/>
+                                        <p:cTn id="9" dur="500"/>
                                         <p:tgtEl>
-                                          <p:spTgt spid="3"/>
+                                          <p:spTgt spid="11"/>
                                         </p:tgtEl>
                                       </p:cBhvr>
                                     </p:animEffect>
-                                    <p:anim calcmode="lin" valueType="num">
-                                      <p:cBhvr>
-                                        <p:cTn id="8" dur="1000" fill="hold"/>
-                                        <p:tgtEl>
-                                          <p:spTgt spid="3"/>
-                                        </p:tgtEl>
-                                        <p:attrNameLst>
-                                          <p:attrName>ppt_x</p:attrName>
-                                        </p:attrNameLst>
-                                      </p:cBhvr>
-                                      <p:tavLst>
-                                        <p:tav tm="0">
-                                          <p:val>
-                                            <p:strVal val="#ppt_x"/>
-                                          </p:val>
-                                        </p:tav>
-                                        <p:tav tm="100000">
-                                          <p:val>
-                                            <p:strVal val="#ppt_x"/>
-                                          </p:val>
-                                        </p:tav>
-                                      </p:tavLst>
-                                    </p:anim>
-                                    <p:anim calcmode="lin" valueType="num">
-                                      <p:cBhvr>
-                                        <p:cTn id="9" dur="1000" fill="hold"/>
-                                        <p:tgtEl>
-                                          <p:spTgt spid="3"/>
-                                        </p:tgtEl>
-                                        <p:attrNameLst>
-                                          <p:attrName>ppt_y</p:attrName>
-                                        </p:attrNameLst>
-                                      </p:cBhvr>
-                                      <p:tavLst>
-                                        <p:tav tm="0">
-                                          <p:val>
-                                            <p:strVal val="#ppt_y+.1"/>
-                                          </p:val>
-                                        </p:tav>
-                                        <p:tav tm="100000">
-                                          <p:val>
-                                            <p:strVal val="#ppt_y"/>
-                                          </p:val>
-                                        </p:tav>
-                                      </p:tavLst>
-                                    </p:anim>
-                                  </p:childTnLst>
-                                </p:cTn>
-                              </p:par>
-                              <p:par>
-                                <p:cTn id="10" presetID="42" presetClass="entr" presetSubtype="0" fill="hold" nodeType="withEffect">
-                                  <p:stCondLst>
-                                    <p:cond delay="0"/>
-                                  </p:stCondLst>
-                                  <p:childTnLst>
-                                    <p:set>
-                                      <p:cBhvr>
-                                        <p:cTn id="11" dur="1" fill="hold">
-                                          <p:stCondLst>
-                                            <p:cond delay="0"/>
-                                          </p:stCondLst>
-                                        </p:cTn>
-                                        <p:tgtEl>
-                                          <p:spTgt spid="10"/>
-                                        </p:tgtEl>
-                                        <p:attrNameLst>
-                                          <p:attrName>style.visibility</p:attrName>
-                                        </p:attrNameLst>
-                                      </p:cBhvr>
-                                      <p:to>
-                                        <p:strVal val="visible"/>
-                                      </p:to>
-                                    </p:set>
-                                    <p:animEffect transition="in" filter="fade">
-                                      <p:cBhvr>
-                                        <p:cTn id="12" dur="1000"/>
-                                        <p:tgtEl>
-                                          <p:spTgt spid="10"/>
-                                        </p:tgtEl>
-                                      </p:cBhvr>
-                                    </p:animEffect>
-                                    <p:anim calcmode="lin" valueType="num">
-                                      <p:cBhvr>
-                                        <p:cTn id="13" dur="1000" fill="hold"/>
-                                        <p:tgtEl>
-                                          <p:spTgt spid="10"/>
-                                        </p:tgtEl>
-                                        <p:attrNameLst>
-                                          <p:attrName>ppt_x</p:attrName>
-                                        </p:attrNameLst>
-                                      </p:cBhvr>
-                                      <p:tavLst>
-                                        <p:tav tm="0">
-                                          <p:val>
-                                            <p:strVal val="#ppt_x"/>
-                                          </p:val>
-                                        </p:tav>
-                                        <p:tav tm="100000">
-                                          <p:val>
-                                            <p:strVal val="#ppt_x"/>
-                                          </p:val>
-                                        </p:tav>
-                                      </p:tavLst>
-                                    </p:anim>
-                                    <p:anim calcmode="lin" valueType="num">
-                                      <p:cBhvr>
-                                        <p:cTn id="14" dur="1000" fill="hold"/>
-                                        <p:tgtEl>
-                                          <p:spTgt spid="10"/>
-                                        </p:tgtEl>
-                                        <p:attrNameLst>
-                                          <p:attrName>ppt_y</p:attrName>
-                                        </p:attrNameLst>
-                                      </p:cBhvr>
-                                      <p:tavLst>
-                                        <p:tav tm="0">
-                                          <p:val>
-                                            <p:strVal val="#ppt_y+.1"/>
-                                          </p:val>
-                                        </p:tav>
-                                        <p:tav tm="100000">
-                                          <p:val>
-                                            <p:strVal val="#ppt_y"/>
-                                          </p:val>
-                                        </p:tav>
-                                      </p:tavLst>
-                                    </p:anim>
                                   </p:childTnLst>
                                 </p:cTn>
                               </p:par>

--- a/윤유비_발표자료.pptx
+++ b/윤유비_발표자료.pptx
@@ -10,8 +10,8 @@
   <p:sldIdLst>
     <p:sldId id="259" r:id="rId2"/>
     <p:sldId id="277" r:id="rId3"/>
-    <p:sldId id="280" r:id="rId4"/>
-    <p:sldId id="265" r:id="rId5"/>
+    <p:sldId id="265" r:id="rId4"/>
+    <p:sldId id="280" r:id="rId5"/>
     <p:sldId id="260" r:id="rId6"/>
     <p:sldId id="274" r:id="rId7"/>
     <p:sldId id="275" r:id="rId8"/>
@@ -32,26 +32,22 @@
   <p:notesSz cx="6858000" cy="9144000"/>
   <p:embeddedFontLst>
     <p:embeddedFont>
-      <p:font typeface="HY헤드라인M" panose="02030600000101010101" pitchFamily="18" charset="-127"/>
-      <p:regular r:id="rId22"/>
-    </p:embeddedFont>
-    <p:embeddedFont>
       <p:font typeface="Arial Black" panose="020B0A04020102020204" pitchFamily="34" charset="0"/>
-      <p:bold r:id="rId23"/>
+      <p:bold r:id="rId22"/>
     </p:embeddedFont>
     <p:embeddedFont>
       <p:font typeface="HY견고딕" panose="02030600000101010101" pitchFamily="18" charset="-127"/>
-      <p:regular r:id="rId24"/>
+      <p:regular r:id="rId23"/>
     </p:embeddedFont>
     <p:embeddedFont>
       <p:font typeface="Segoe UI Black" panose="020B0A02040204020203" pitchFamily="34" charset="0"/>
-      <p:bold r:id="rId25"/>
-      <p:boldItalic r:id="rId26"/>
+      <p:bold r:id="rId24"/>
+      <p:boldItalic r:id="rId25"/>
     </p:embeddedFont>
     <p:embeddedFont>
       <p:font typeface="맑은 고딕" panose="020B0503020000020004" pitchFamily="50" charset="-127"/>
-      <p:regular r:id="rId27"/>
-      <p:bold r:id="rId28"/>
+      <p:regular r:id="rId26"/>
+      <p:bold r:id="rId27"/>
     </p:embeddedFont>
   </p:embeddedFontLst>
   <p:defaultTextStyle>
@@ -9181,10 +9177,10 @@
       </p:sp>
       <p:cxnSp>
         <p:nvCxnSpPr>
-          <p:cNvPr id="3" name="연결선: 꺾임 2">
+          <p:cNvPr id="11" name="연결선: 꺾임 10">
             <a:extLst>
               <a:ext uri="{FF2B5EF4-FFF2-40B4-BE49-F238E27FC236}">
-                <a16:creationId xmlns:a16="http://schemas.microsoft.com/office/drawing/2014/main" id="{8B888FED-4E20-4922-BEB4-7F0049B4D3A8}"/>
+                <a16:creationId xmlns:a16="http://schemas.microsoft.com/office/drawing/2014/main" id="{2D4DA461-473C-45A5-AED1-729C135163C5}"/>
               </a:ext>
             </a:extLst>
           </p:cNvPr>
@@ -9195,11 +9191,13 @@
         </p:nvCxnSpPr>
         <p:spPr>
           <a:xfrm>
-            <a:off x="-957130" y="904493"/>
-            <a:ext cx="4658603" cy="759177"/>
+            <a:off x="-957130" y="1398651"/>
+            <a:ext cx="5682615" cy="1477556"/>
           </a:xfrm>
           <a:prstGeom prst="bentConnector3">
-            <a:avLst/>
+            <a:avLst>
+              <a:gd name="adj1" fmla="val 36917"/>
+            </a:avLst>
           </a:prstGeom>
           <a:ln>
             <a:tailEnd type="triangle"/>
@@ -9220,87 +9218,6 @@
           </a:fontRef>
         </p:style>
       </p:cxnSp>
-      <p:cxnSp>
-        <p:nvCxnSpPr>
-          <p:cNvPr id="11" name="연결선: 꺾임 10">
-            <a:extLst>
-              <a:ext uri="{FF2B5EF4-FFF2-40B4-BE49-F238E27FC236}">
-                <a16:creationId xmlns:a16="http://schemas.microsoft.com/office/drawing/2014/main" id="{2D4DA461-473C-45A5-AED1-729C135163C5}"/>
-              </a:ext>
-            </a:extLst>
-          </p:cNvPr>
-          <p:cNvCxnSpPr>
-            <a:cxnSpLocks/>
-          </p:cNvCxnSpPr>
-          <p:nvPr/>
-        </p:nvCxnSpPr>
-        <p:spPr>
-          <a:xfrm>
-            <a:off x="-957130" y="1398651"/>
-            <a:ext cx="5682615" cy="1477556"/>
-          </a:xfrm>
-          <a:prstGeom prst="bentConnector3">
-            <a:avLst>
-              <a:gd name="adj1" fmla="val 36917"/>
-            </a:avLst>
-          </a:prstGeom>
-          <a:ln>
-            <a:tailEnd type="triangle"/>
-          </a:ln>
-        </p:spPr>
-        <p:style>
-          <a:lnRef idx="1">
-            <a:schemeClr val="dk1"/>
-          </a:lnRef>
-          <a:fillRef idx="0">
-            <a:schemeClr val="dk1"/>
-          </a:fillRef>
-          <a:effectRef idx="0">
-            <a:schemeClr val="dk1"/>
-          </a:effectRef>
-          <a:fontRef idx="minor">
-            <a:schemeClr val="tx1"/>
-          </a:fontRef>
-        </p:style>
-      </p:cxnSp>
-      <p:sp>
-        <p:nvSpPr>
-          <p:cNvPr id="17" name="TextBox 16">
-            <a:extLst>
-              <a:ext uri="{FF2B5EF4-FFF2-40B4-BE49-F238E27FC236}">
-                <a16:creationId xmlns:a16="http://schemas.microsoft.com/office/drawing/2014/main" id="{9ADCC94F-14EF-4148-81AE-BE28F894040C}"/>
-              </a:ext>
-            </a:extLst>
-          </p:cNvPr>
-          <p:cNvSpPr txBox="1"/>
-          <p:nvPr/>
-        </p:nvSpPr>
-        <p:spPr>
-          <a:xfrm>
-            <a:off x="3701473" y="1219262"/>
-            <a:ext cx="6134736" cy="769441"/>
-          </a:xfrm>
-          <a:prstGeom prst="rect">
-            <a:avLst/>
-          </a:prstGeom>
-          <a:noFill/>
-        </p:spPr>
-        <p:txBody>
-          <a:bodyPr wrap="square" rtlCol="0">
-            <a:spAutoFit/>
-          </a:bodyPr>
-          <a:lstStyle/>
-          <a:p>
-            <a:r>
-              <a:rPr lang="ko-KR" altLang="en-US" sz="4400" dirty="0">
-                <a:latin typeface="HY헤드라인M" panose="02030600000101010101" pitchFamily="18" charset="-127"/>
-                <a:ea typeface="HY헤드라인M" panose="02030600000101010101" pitchFamily="18" charset="-127"/>
-              </a:rPr>
-              <a:t>프로젝트 구성 요약</a:t>
-            </a:r>
-          </a:p>
-        </p:txBody>
-      </p:sp>
       <p:sp>
         <p:nvSpPr>
           <p:cNvPr id="18" name="TextBox 17">
@@ -9518,7 +9435,7 @@
                                           </p:stCondLst>
                                         </p:cTn>
                                         <p:tgtEl>
-                                          <p:spTgt spid="17"/>
+                                          <p:spTgt spid="18"/>
                                         </p:tgtEl>
                                         <p:attrNameLst>
                                           <p:attrName>style.visibility</p:attrName>
@@ -9532,7 +9449,7 @@
                                       <p:cBhvr>
                                         <p:cTn id="7" dur="500" fill="hold"/>
                                         <p:tgtEl>
-                                          <p:spTgt spid="17"/>
+                                          <p:spTgt spid="18"/>
                                         </p:tgtEl>
                                         <p:attrNameLst>
                                           <p:attrName>ppt_w</p:attrName>
@@ -9555,7 +9472,7 @@
                                       <p:cBhvr>
                                         <p:cTn id="8" dur="500" fill="hold"/>
                                         <p:tgtEl>
-                                          <p:spTgt spid="17"/>
+                                          <p:spTgt spid="18"/>
                                         </p:tgtEl>
                                         <p:attrNameLst>
                                           <p:attrName>ppt_h</p:attrName>
@@ -9577,87 +9494,6 @@
                                     <p:animEffect transition="in" filter="fade">
                                       <p:cBhvr>
                                         <p:cTn id="9" dur="500"/>
-                                        <p:tgtEl>
-                                          <p:spTgt spid="17"/>
-                                        </p:tgtEl>
-                                      </p:cBhvr>
-                                    </p:animEffect>
-                                  </p:childTnLst>
-                                </p:cTn>
-                              </p:par>
-                              <p:par>
-                                <p:cTn id="10" presetID="53" presetClass="entr" presetSubtype="16" fill="hold" grpId="0" nodeType="withEffect">
-                                  <p:stCondLst>
-                                    <p:cond delay="0"/>
-                                  </p:stCondLst>
-                                  <p:childTnLst>
-                                    <p:set>
-                                      <p:cBhvr>
-                                        <p:cTn id="11" dur="1" fill="hold">
-                                          <p:stCondLst>
-                                            <p:cond delay="0"/>
-                                          </p:stCondLst>
-                                        </p:cTn>
-                                        <p:tgtEl>
-                                          <p:spTgt spid="18"/>
-                                        </p:tgtEl>
-                                        <p:attrNameLst>
-                                          <p:attrName>style.visibility</p:attrName>
-                                        </p:attrNameLst>
-                                      </p:cBhvr>
-                                      <p:to>
-                                        <p:strVal val="visible"/>
-                                      </p:to>
-                                    </p:set>
-                                    <p:anim calcmode="lin" valueType="num">
-                                      <p:cBhvr>
-                                        <p:cTn id="12" dur="500" fill="hold"/>
-                                        <p:tgtEl>
-                                          <p:spTgt spid="18"/>
-                                        </p:tgtEl>
-                                        <p:attrNameLst>
-                                          <p:attrName>ppt_w</p:attrName>
-                                        </p:attrNameLst>
-                                      </p:cBhvr>
-                                      <p:tavLst>
-                                        <p:tav tm="0">
-                                          <p:val>
-                                            <p:fltVal val="0"/>
-                                          </p:val>
-                                        </p:tav>
-                                        <p:tav tm="100000">
-                                          <p:val>
-                                            <p:strVal val="#ppt_w"/>
-                                          </p:val>
-                                        </p:tav>
-                                      </p:tavLst>
-                                    </p:anim>
-                                    <p:anim calcmode="lin" valueType="num">
-                                      <p:cBhvr>
-                                        <p:cTn id="13" dur="500" fill="hold"/>
-                                        <p:tgtEl>
-                                          <p:spTgt spid="18"/>
-                                        </p:tgtEl>
-                                        <p:attrNameLst>
-                                          <p:attrName>ppt_h</p:attrName>
-                                        </p:attrNameLst>
-                                      </p:cBhvr>
-                                      <p:tavLst>
-                                        <p:tav tm="0">
-                                          <p:val>
-                                            <p:fltVal val="0"/>
-                                          </p:val>
-                                        </p:tav>
-                                        <p:tav tm="100000">
-                                          <p:val>
-                                            <p:strVal val="#ppt_h"/>
-                                          </p:val>
-                                        </p:tav>
-                                      </p:tavLst>
-                                    </p:anim>
-                                    <p:animEffect transition="in" filter="fade">
-                                      <p:cBhvr>
-                                        <p:cTn id="14" dur="500"/>
                                         <p:tgtEl>
                                           <p:spTgt spid="18"/>
                                         </p:tgtEl>
@@ -9694,7 +9530,6 @@
       </p:par>
     </p:tnLst>
     <p:bldLst>
-      <p:bldP spid="17" grpId="0"/>
       <p:bldP spid="18" grpId="0"/>
     </p:bldLst>
   </p:timing>
@@ -9702,6 +9537,404 @@
 </file>
 
 <file path=ppt/slides/slide3.xml><?xml version="1.0" encoding="utf-8"?>
+<p:sld xmlns:a="http://schemas.openxmlformats.org/drawingml/2006/main" xmlns:r="http://schemas.openxmlformats.org/officeDocument/2006/relationships" xmlns:p="http://schemas.openxmlformats.org/presentationml/2006/main">
+  <p:cSld>
+    <p:spTree>
+      <p:nvGrpSpPr>
+        <p:cNvPr id="1" name=""/>
+        <p:cNvGrpSpPr/>
+        <p:nvPr/>
+      </p:nvGrpSpPr>
+      <p:grpSpPr>
+        <a:xfrm>
+          <a:off x="0" y="0"/>
+          <a:ext cx="0" cy="0"/>
+          <a:chOff x="0" y="0"/>
+          <a:chExt cx="0" cy="0"/>
+        </a:xfrm>
+      </p:grpSpPr>
+      <p:sp>
+        <p:nvSpPr>
+          <p:cNvPr id="2" name="제목 1"/>
+          <p:cNvSpPr>
+            <a:spLocks noGrp="1"/>
+          </p:cNvSpPr>
+          <p:nvPr>
+            <p:ph type="title"/>
+          </p:nvPr>
+        </p:nvSpPr>
+        <p:spPr/>
+        <p:txBody>
+          <a:bodyPr/>
+          <a:lstStyle/>
+          <a:p>
+            <a:endParaRPr lang="ko-KR" altLang="en-US"/>
+          </a:p>
+        </p:txBody>
+      </p:sp>
+      <p:sp>
+        <p:nvSpPr>
+          <p:cNvPr id="4" name="직사각형 3"/>
+          <p:cNvSpPr/>
+          <p:nvPr/>
+        </p:nvSpPr>
+        <p:spPr>
+          <a:xfrm>
+            <a:off x="0" y="-25492"/>
+            <a:ext cx="12192000" cy="6883492"/>
+          </a:xfrm>
+          <a:prstGeom prst="rect">
+            <a:avLst/>
+          </a:prstGeom>
+          <a:solidFill>
+            <a:schemeClr val="accent5">
+              <a:lumMod val="75000"/>
+            </a:schemeClr>
+          </a:solidFill>
+          <a:ln>
+            <a:noFill/>
+          </a:ln>
+        </p:spPr>
+        <p:style>
+          <a:lnRef idx="2">
+            <a:schemeClr val="accent1">
+              <a:shade val="50000"/>
+            </a:schemeClr>
+          </a:lnRef>
+          <a:fillRef idx="1">
+            <a:schemeClr val="accent1"/>
+          </a:fillRef>
+          <a:effectRef idx="0">
+            <a:schemeClr val="accent1"/>
+          </a:effectRef>
+          <a:fontRef idx="minor">
+            <a:schemeClr val="lt1"/>
+          </a:fontRef>
+        </p:style>
+        <p:txBody>
+          <a:bodyPr rtlCol="0" anchor="ctr"/>
+          <a:lstStyle/>
+          <a:p>
+            <a:pPr algn="ctr"/>
+            <a:endParaRPr lang="ko-KR" altLang="en-US" dirty="0"/>
+          </a:p>
+        </p:txBody>
+      </p:sp>
+      <p:pic>
+        <p:nvPicPr>
+          <p:cNvPr id="5" name="그림 4"/>
+          <p:cNvPicPr>
+            <a:picLocks noChangeAspect="1"/>
+          </p:cNvPicPr>
+          <p:nvPr/>
+        </p:nvPicPr>
+        <p:blipFill>
+          <a:blip r:embed="rId2">
+            <a:extLst>
+              <a:ext uri="{28A0092B-C50C-407E-A947-70E740481C1C}">
+                <a14:useLocalDpi xmlns:a14="http://schemas.microsoft.com/office/drawing/2010/main" val="0"/>
+              </a:ext>
+            </a:extLst>
+          </a:blip>
+          <a:stretch>
+            <a:fillRect/>
+          </a:stretch>
+        </p:blipFill>
+        <p:spPr>
+          <a:xfrm flipH="1">
+            <a:off x="8805950" y="-1593201"/>
+            <a:ext cx="4876800" cy="4876800"/>
+          </a:xfrm>
+          <a:prstGeom prst="rect">
+            <a:avLst/>
+          </a:prstGeom>
+        </p:spPr>
+      </p:pic>
+      <p:pic>
+        <p:nvPicPr>
+          <p:cNvPr id="7" name="Picture 6" descr="EDIYA COFFEE"/>
+          <p:cNvPicPr>
+            <a:picLocks noChangeAspect="1" noChangeArrowheads="1"/>
+          </p:cNvPicPr>
+          <p:nvPr/>
+        </p:nvPicPr>
+        <p:blipFill>
+          <a:blip r:embed="rId3">
+            <a:extLst>
+              <a:ext uri="{28A0092B-C50C-407E-A947-70E740481C1C}">
+                <a14:useLocalDpi xmlns:a14="http://schemas.microsoft.com/office/drawing/2010/main" val="0"/>
+              </a:ext>
+            </a:extLst>
+          </a:blip>
+          <a:srcRect/>
+          <a:stretch>
+            <a:fillRect/>
+          </a:stretch>
+        </p:blipFill>
+        <p:spPr bwMode="auto">
+          <a:xfrm>
+            <a:off x="406065" y="624706"/>
+            <a:ext cx="3124200" cy="3124201"/>
+          </a:xfrm>
+          <a:prstGeom prst="rect">
+            <a:avLst/>
+          </a:prstGeom>
+          <a:solidFill>
+            <a:srgbClr val="FFFFFF">
+              <a:shade val="85000"/>
+            </a:srgbClr>
+          </a:solidFill>
+          <a:ln w="190500" cap="sq">
+            <a:solidFill>
+              <a:srgbClr val="FFFFFF"/>
+            </a:solidFill>
+            <a:miter lim="800000"/>
+          </a:ln>
+          <a:effectLst>
+            <a:outerShdw blurRad="65000" dist="50800" dir="12900000" kx="195000" ky="145000" algn="tl" rotWithShape="0">
+              <a:srgbClr val="000000">
+                <a:alpha val="30000"/>
+              </a:srgbClr>
+            </a:outerShdw>
+          </a:effectLst>
+          <a:scene3d>
+            <a:camera prst="orthographicFront">
+              <a:rot lat="0" lon="0" rev="360000"/>
+            </a:camera>
+            <a:lightRig rig="twoPt" dir="t">
+              <a:rot lat="0" lon="0" rev="7200000"/>
+            </a:lightRig>
+          </a:scene3d>
+          <a:sp3d contourW="12700">
+            <a:bevelT w="25400" h="19050"/>
+            <a:contourClr>
+              <a:srgbClr val="969696"/>
+            </a:contourClr>
+          </a:sp3d>
+        </p:spPr>
+      </p:pic>
+      <p:pic>
+        <p:nvPicPr>
+          <p:cNvPr id="8" name="Picture 8" descr="EDIYA COFFEE"/>
+          <p:cNvPicPr>
+            <a:picLocks noChangeAspect="1" noChangeArrowheads="1"/>
+          </p:cNvPicPr>
+          <p:nvPr/>
+        </p:nvPicPr>
+        <p:blipFill>
+          <a:blip r:embed="rId4">
+            <a:extLst>
+              <a:ext uri="{28A0092B-C50C-407E-A947-70E740481C1C}">
+                <a14:useLocalDpi xmlns:a14="http://schemas.microsoft.com/office/drawing/2010/main" val="0"/>
+              </a:ext>
+            </a:extLst>
+          </a:blip>
+          <a:srcRect/>
+          <a:stretch>
+            <a:fillRect/>
+          </a:stretch>
+        </p:blipFill>
+        <p:spPr bwMode="auto">
+          <a:xfrm>
+            <a:off x="8567837" y="3416254"/>
+            <a:ext cx="3124200" cy="3124201"/>
+          </a:xfrm>
+          <a:prstGeom prst="snip2DiagRect">
+            <a:avLst/>
+          </a:prstGeom>
+          <a:solidFill>
+            <a:srgbClr val="FFFFFF">
+              <a:shade val="85000"/>
+            </a:srgbClr>
+          </a:solidFill>
+          <a:ln w="88900" cap="sq">
+            <a:solidFill>
+              <a:srgbClr val="FFFFFF"/>
+            </a:solidFill>
+            <a:miter lim="800000"/>
+          </a:ln>
+          <a:effectLst>
+            <a:outerShdw blurRad="88900" algn="tl" rotWithShape="0">
+              <a:srgbClr val="000000">
+                <a:alpha val="45000"/>
+              </a:srgbClr>
+            </a:outerShdw>
+          </a:effectLst>
+          <a:scene3d>
+            <a:camera prst="orthographicFront"/>
+            <a:lightRig rig="twoPt" dir="t">
+              <a:rot lat="0" lon="0" rev="7200000"/>
+            </a:lightRig>
+          </a:scene3d>
+          <a:sp3d>
+            <a:bevelT w="25400" h="19050"/>
+            <a:contourClr>
+              <a:srgbClr val="FFFFFF"/>
+            </a:contourClr>
+          </a:sp3d>
+        </p:spPr>
+      </p:pic>
+      <p:sp>
+        <p:nvSpPr>
+          <p:cNvPr id="10" name="TextBox 9"/>
+          <p:cNvSpPr txBox="1"/>
+          <p:nvPr/>
+        </p:nvSpPr>
+        <p:spPr>
+          <a:xfrm>
+            <a:off x="2801006" y="2594675"/>
+            <a:ext cx="5766831" cy="830997"/>
+          </a:xfrm>
+          <a:prstGeom prst="rect">
+            <a:avLst/>
+          </a:prstGeom>
+          <a:noFill/>
+          <a:effectLst/>
+        </p:spPr>
+        <p:txBody>
+          <a:bodyPr wrap="square" rtlCol="0">
+            <a:spAutoFit/>
+          </a:bodyPr>
+          <a:lstStyle/>
+          <a:p>
+            <a:pPr algn="ctr"/>
+            <a:r>
+              <a:rPr lang="ko-KR" altLang="en-US" sz="4800" dirty="0">
+                <a:solidFill>
+                  <a:schemeClr val="bg1"/>
+                </a:solidFill>
+                <a:effectLst>
+                  <a:glow rad="63500">
+                    <a:schemeClr val="accent5">
+                      <a:lumMod val="20000"/>
+                      <a:lumOff val="80000"/>
+                      <a:alpha val="40000"/>
+                    </a:schemeClr>
+                  </a:glow>
+                  <a:reflection blurRad="6350" stA="55000" endA="300" endPos="45500" dir="5400000" sy="-100000" algn="bl" rotWithShape="0"/>
+                </a:effectLst>
+                <a:latin typeface="HY견고딕" panose="02030600000101010101" pitchFamily="18" charset="-127"/>
+                <a:ea typeface="HY견고딕" panose="02030600000101010101" pitchFamily="18" charset="-127"/>
+              </a:rPr>
+              <a:t>강주현</a:t>
+            </a:r>
+          </a:p>
+        </p:txBody>
+      </p:sp>
+      <p:sp>
+        <p:nvSpPr>
+          <p:cNvPr id="18" name="TextBox 17"/>
+          <p:cNvSpPr txBox="1"/>
+          <p:nvPr/>
+        </p:nvSpPr>
+        <p:spPr>
+          <a:xfrm>
+            <a:off x="4168560" y="1727183"/>
+            <a:ext cx="5650558" cy="1015663"/>
+          </a:xfrm>
+          <a:prstGeom prst="rect">
+            <a:avLst/>
+          </a:prstGeom>
+          <a:noFill/>
+        </p:spPr>
+        <p:txBody>
+          <a:bodyPr wrap="square" rtlCol="0">
+            <a:spAutoFit/>
+          </a:bodyPr>
+          <a:lstStyle/>
+          <a:p>
+            <a:pPr algn="ctr"/>
+            <a:r>
+              <a:rPr lang="en-US" altLang="ko-KR" sz="6000" dirty="0">
+                <a:solidFill>
+                  <a:schemeClr val="bg1"/>
+                </a:solidFill>
+                <a:effectLst>
+                  <a:reflection blurRad="6350" stA="55000" endA="300" endPos="45500" dir="5400000" sy="-100000" algn="bl" rotWithShape="0"/>
+                </a:effectLst>
+                <a:latin typeface="Segoe UI Black" panose="020B0A02040204020203" pitchFamily="34" charset="0"/>
+              </a:rPr>
+              <a:t>FASTCAMPS</a:t>
+            </a:r>
+            <a:endParaRPr lang="ko-KR" altLang="en-US" sz="6000" dirty="0">
+              <a:solidFill>
+                <a:schemeClr val="bg1"/>
+              </a:solidFill>
+              <a:effectLst>
+                <a:reflection blurRad="6350" stA="55000" endA="300" endPos="45500" dir="5400000" sy="-100000" algn="bl" rotWithShape="0"/>
+              </a:effectLst>
+              <a:latin typeface="Segoe UI Black" panose="020B0A02040204020203" pitchFamily="34" charset="0"/>
+            </a:endParaRPr>
+          </a:p>
+        </p:txBody>
+      </p:sp>
+      <p:sp>
+        <p:nvSpPr>
+          <p:cNvPr id="9" name="TextBox 8">
+            <a:extLst>
+              <a:ext uri="{FF2B5EF4-FFF2-40B4-BE49-F238E27FC236}">
+                <a16:creationId xmlns:a16="http://schemas.microsoft.com/office/drawing/2014/main" id="{642FD864-D7FD-450D-B714-FB9DE1204AA1}"/>
+              </a:ext>
+            </a:extLst>
+          </p:cNvPr>
+          <p:cNvSpPr txBox="1"/>
+          <p:nvPr/>
+        </p:nvSpPr>
+        <p:spPr>
+          <a:xfrm>
+            <a:off x="1502013" y="4287790"/>
+            <a:ext cx="5650558" cy="1015663"/>
+          </a:xfrm>
+          <a:prstGeom prst="rect">
+            <a:avLst/>
+          </a:prstGeom>
+          <a:noFill/>
+        </p:spPr>
+        <p:txBody>
+          <a:bodyPr wrap="square" rtlCol="0">
+            <a:spAutoFit/>
+          </a:bodyPr>
+          <a:lstStyle/>
+          <a:p>
+            <a:pPr algn="ctr"/>
+            <a:r>
+              <a:rPr lang="en-US" altLang="ko-KR" sz="6000" dirty="0" err="1">
+                <a:solidFill>
+                  <a:schemeClr val="bg1"/>
+                </a:solidFill>
+                <a:effectLst>
+                  <a:reflection blurRad="6350" stA="55000" endA="300" endPos="45500" dir="5400000" sy="-100000" algn="bl" rotWithShape="0"/>
+                </a:effectLst>
+                <a:latin typeface="Segoe UI Black" panose="020B0A02040204020203" pitchFamily="34" charset="0"/>
+              </a:rPr>
+              <a:t>MarkUp</a:t>
+            </a:r>
+            <a:endParaRPr lang="ko-KR" altLang="en-US" sz="6000" dirty="0">
+              <a:solidFill>
+                <a:schemeClr val="bg1"/>
+              </a:solidFill>
+              <a:effectLst>
+                <a:reflection blurRad="6350" stA="55000" endA="300" endPos="45500" dir="5400000" sy="-100000" algn="bl" rotWithShape="0"/>
+              </a:effectLst>
+              <a:latin typeface="Segoe UI Black" panose="020B0A02040204020203" pitchFamily="34" charset="0"/>
+            </a:endParaRPr>
+          </a:p>
+        </p:txBody>
+      </p:sp>
+    </p:spTree>
+    <p:extLst>
+      <p:ext uri="{BB962C8B-B14F-4D97-AF65-F5344CB8AC3E}">
+        <p14:creationId xmlns:p14="http://schemas.microsoft.com/office/powerpoint/2010/main" val="1492163749"/>
+      </p:ext>
+    </p:extLst>
+  </p:cSld>
+  <p:clrMapOvr>
+    <a:masterClrMapping/>
+  </p:clrMapOvr>
+</p:sld>
+</file>
+
+<file path=ppt/slides/slide4.xml><?xml version="1.0" encoding="utf-8"?>
 <p:sld xmlns:a="http://schemas.openxmlformats.org/drawingml/2006/main" xmlns:r="http://schemas.openxmlformats.org/officeDocument/2006/relationships" xmlns:p="http://schemas.openxmlformats.org/presentationml/2006/main">
   <p:cSld>
     <p:spTree>
@@ -10338,404 +10571,6 @@
       </p:par>
     </p:tnLst>
   </p:timing>
-</p:sld>
-</file>
-
-<file path=ppt/slides/slide4.xml><?xml version="1.0" encoding="utf-8"?>
-<p:sld xmlns:a="http://schemas.openxmlformats.org/drawingml/2006/main" xmlns:r="http://schemas.openxmlformats.org/officeDocument/2006/relationships" xmlns:p="http://schemas.openxmlformats.org/presentationml/2006/main">
-  <p:cSld>
-    <p:spTree>
-      <p:nvGrpSpPr>
-        <p:cNvPr id="1" name=""/>
-        <p:cNvGrpSpPr/>
-        <p:nvPr/>
-      </p:nvGrpSpPr>
-      <p:grpSpPr>
-        <a:xfrm>
-          <a:off x="0" y="0"/>
-          <a:ext cx="0" cy="0"/>
-          <a:chOff x="0" y="0"/>
-          <a:chExt cx="0" cy="0"/>
-        </a:xfrm>
-      </p:grpSpPr>
-      <p:sp>
-        <p:nvSpPr>
-          <p:cNvPr id="2" name="제목 1"/>
-          <p:cNvSpPr>
-            <a:spLocks noGrp="1"/>
-          </p:cNvSpPr>
-          <p:nvPr>
-            <p:ph type="title"/>
-          </p:nvPr>
-        </p:nvSpPr>
-        <p:spPr/>
-        <p:txBody>
-          <a:bodyPr/>
-          <a:lstStyle/>
-          <a:p>
-            <a:endParaRPr lang="ko-KR" altLang="en-US"/>
-          </a:p>
-        </p:txBody>
-      </p:sp>
-      <p:sp>
-        <p:nvSpPr>
-          <p:cNvPr id="4" name="직사각형 3"/>
-          <p:cNvSpPr/>
-          <p:nvPr/>
-        </p:nvSpPr>
-        <p:spPr>
-          <a:xfrm>
-            <a:off x="0" y="-25492"/>
-            <a:ext cx="12192000" cy="6883492"/>
-          </a:xfrm>
-          <a:prstGeom prst="rect">
-            <a:avLst/>
-          </a:prstGeom>
-          <a:solidFill>
-            <a:schemeClr val="accent5">
-              <a:lumMod val="75000"/>
-            </a:schemeClr>
-          </a:solidFill>
-          <a:ln>
-            <a:noFill/>
-          </a:ln>
-        </p:spPr>
-        <p:style>
-          <a:lnRef idx="2">
-            <a:schemeClr val="accent1">
-              <a:shade val="50000"/>
-            </a:schemeClr>
-          </a:lnRef>
-          <a:fillRef idx="1">
-            <a:schemeClr val="accent1"/>
-          </a:fillRef>
-          <a:effectRef idx="0">
-            <a:schemeClr val="accent1"/>
-          </a:effectRef>
-          <a:fontRef idx="minor">
-            <a:schemeClr val="lt1"/>
-          </a:fontRef>
-        </p:style>
-        <p:txBody>
-          <a:bodyPr rtlCol="0" anchor="ctr"/>
-          <a:lstStyle/>
-          <a:p>
-            <a:pPr algn="ctr"/>
-            <a:endParaRPr lang="ko-KR" altLang="en-US" dirty="0"/>
-          </a:p>
-        </p:txBody>
-      </p:sp>
-      <p:pic>
-        <p:nvPicPr>
-          <p:cNvPr id="5" name="그림 4"/>
-          <p:cNvPicPr>
-            <a:picLocks noChangeAspect="1"/>
-          </p:cNvPicPr>
-          <p:nvPr/>
-        </p:nvPicPr>
-        <p:blipFill>
-          <a:blip r:embed="rId2">
-            <a:extLst>
-              <a:ext uri="{28A0092B-C50C-407E-A947-70E740481C1C}">
-                <a14:useLocalDpi xmlns:a14="http://schemas.microsoft.com/office/drawing/2010/main" val="0"/>
-              </a:ext>
-            </a:extLst>
-          </a:blip>
-          <a:stretch>
-            <a:fillRect/>
-          </a:stretch>
-        </p:blipFill>
-        <p:spPr>
-          <a:xfrm flipH="1">
-            <a:off x="8805950" y="-1593201"/>
-            <a:ext cx="4876800" cy="4876800"/>
-          </a:xfrm>
-          <a:prstGeom prst="rect">
-            <a:avLst/>
-          </a:prstGeom>
-        </p:spPr>
-      </p:pic>
-      <p:pic>
-        <p:nvPicPr>
-          <p:cNvPr id="7" name="Picture 6" descr="EDIYA COFFEE"/>
-          <p:cNvPicPr>
-            <a:picLocks noChangeAspect="1" noChangeArrowheads="1"/>
-          </p:cNvPicPr>
-          <p:nvPr/>
-        </p:nvPicPr>
-        <p:blipFill>
-          <a:blip r:embed="rId3">
-            <a:extLst>
-              <a:ext uri="{28A0092B-C50C-407E-A947-70E740481C1C}">
-                <a14:useLocalDpi xmlns:a14="http://schemas.microsoft.com/office/drawing/2010/main" val="0"/>
-              </a:ext>
-            </a:extLst>
-          </a:blip>
-          <a:srcRect/>
-          <a:stretch>
-            <a:fillRect/>
-          </a:stretch>
-        </p:blipFill>
-        <p:spPr bwMode="auto">
-          <a:xfrm>
-            <a:off x="406065" y="624706"/>
-            <a:ext cx="3124200" cy="3124201"/>
-          </a:xfrm>
-          <a:prstGeom prst="rect">
-            <a:avLst/>
-          </a:prstGeom>
-          <a:solidFill>
-            <a:srgbClr val="FFFFFF">
-              <a:shade val="85000"/>
-            </a:srgbClr>
-          </a:solidFill>
-          <a:ln w="190500" cap="sq">
-            <a:solidFill>
-              <a:srgbClr val="FFFFFF"/>
-            </a:solidFill>
-            <a:miter lim="800000"/>
-          </a:ln>
-          <a:effectLst>
-            <a:outerShdw blurRad="65000" dist="50800" dir="12900000" kx="195000" ky="145000" algn="tl" rotWithShape="0">
-              <a:srgbClr val="000000">
-                <a:alpha val="30000"/>
-              </a:srgbClr>
-            </a:outerShdw>
-          </a:effectLst>
-          <a:scene3d>
-            <a:camera prst="orthographicFront">
-              <a:rot lat="0" lon="0" rev="360000"/>
-            </a:camera>
-            <a:lightRig rig="twoPt" dir="t">
-              <a:rot lat="0" lon="0" rev="7200000"/>
-            </a:lightRig>
-          </a:scene3d>
-          <a:sp3d contourW="12700">
-            <a:bevelT w="25400" h="19050"/>
-            <a:contourClr>
-              <a:srgbClr val="969696"/>
-            </a:contourClr>
-          </a:sp3d>
-        </p:spPr>
-      </p:pic>
-      <p:pic>
-        <p:nvPicPr>
-          <p:cNvPr id="8" name="Picture 8" descr="EDIYA COFFEE"/>
-          <p:cNvPicPr>
-            <a:picLocks noChangeAspect="1" noChangeArrowheads="1"/>
-          </p:cNvPicPr>
-          <p:nvPr/>
-        </p:nvPicPr>
-        <p:blipFill>
-          <a:blip r:embed="rId4">
-            <a:extLst>
-              <a:ext uri="{28A0092B-C50C-407E-A947-70E740481C1C}">
-                <a14:useLocalDpi xmlns:a14="http://schemas.microsoft.com/office/drawing/2010/main" val="0"/>
-              </a:ext>
-            </a:extLst>
-          </a:blip>
-          <a:srcRect/>
-          <a:stretch>
-            <a:fillRect/>
-          </a:stretch>
-        </p:blipFill>
-        <p:spPr bwMode="auto">
-          <a:xfrm>
-            <a:off x="8567837" y="3416254"/>
-            <a:ext cx="3124200" cy="3124201"/>
-          </a:xfrm>
-          <a:prstGeom prst="snip2DiagRect">
-            <a:avLst/>
-          </a:prstGeom>
-          <a:solidFill>
-            <a:srgbClr val="FFFFFF">
-              <a:shade val="85000"/>
-            </a:srgbClr>
-          </a:solidFill>
-          <a:ln w="88900" cap="sq">
-            <a:solidFill>
-              <a:srgbClr val="FFFFFF"/>
-            </a:solidFill>
-            <a:miter lim="800000"/>
-          </a:ln>
-          <a:effectLst>
-            <a:outerShdw blurRad="88900" algn="tl" rotWithShape="0">
-              <a:srgbClr val="000000">
-                <a:alpha val="45000"/>
-              </a:srgbClr>
-            </a:outerShdw>
-          </a:effectLst>
-          <a:scene3d>
-            <a:camera prst="orthographicFront"/>
-            <a:lightRig rig="twoPt" dir="t">
-              <a:rot lat="0" lon="0" rev="7200000"/>
-            </a:lightRig>
-          </a:scene3d>
-          <a:sp3d>
-            <a:bevelT w="25400" h="19050"/>
-            <a:contourClr>
-              <a:srgbClr val="FFFFFF"/>
-            </a:contourClr>
-          </a:sp3d>
-        </p:spPr>
-      </p:pic>
-      <p:sp>
-        <p:nvSpPr>
-          <p:cNvPr id="10" name="TextBox 9"/>
-          <p:cNvSpPr txBox="1"/>
-          <p:nvPr/>
-        </p:nvSpPr>
-        <p:spPr>
-          <a:xfrm>
-            <a:off x="2801006" y="2594675"/>
-            <a:ext cx="5766831" cy="830997"/>
-          </a:xfrm>
-          <a:prstGeom prst="rect">
-            <a:avLst/>
-          </a:prstGeom>
-          <a:noFill/>
-          <a:effectLst/>
-        </p:spPr>
-        <p:txBody>
-          <a:bodyPr wrap="square" rtlCol="0">
-            <a:spAutoFit/>
-          </a:bodyPr>
-          <a:lstStyle/>
-          <a:p>
-            <a:pPr algn="ctr"/>
-            <a:r>
-              <a:rPr lang="ko-KR" altLang="en-US" sz="4800" dirty="0">
-                <a:solidFill>
-                  <a:schemeClr val="bg1"/>
-                </a:solidFill>
-                <a:effectLst>
-                  <a:glow rad="63500">
-                    <a:schemeClr val="accent5">
-                      <a:lumMod val="20000"/>
-                      <a:lumOff val="80000"/>
-                      <a:alpha val="40000"/>
-                    </a:schemeClr>
-                  </a:glow>
-                  <a:reflection blurRad="6350" stA="55000" endA="300" endPos="45500" dir="5400000" sy="-100000" algn="bl" rotWithShape="0"/>
-                </a:effectLst>
-                <a:latin typeface="HY견고딕" panose="02030600000101010101" pitchFamily="18" charset="-127"/>
-                <a:ea typeface="HY견고딕" panose="02030600000101010101" pitchFamily="18" charset="-127"/>
-              </a:rPr>
-              <a:t>강주현</a:t>
-            </a:r>
-          </a:p>
-        </p:txBody>
-      </p:sp>
-      <p:sp>
-        <p:nvSpPr>
-          <p:cNvPr id="18" name="TextBox 17"/>
-          <p:cNvSpPr txBox="1"/>
-          <p:nvPr/>
-        </p:nvSpPr>
-        <p:spPr>
-          <a:xfrm>
-            <a:off x="4168560" y="1727183"/>
-            <a:ext cx="5650558" cy="1015663"/>
-          </a:xfrm>
-          <a:prstGeom prst="rect">
-            <a:avLst/>
-          </a:prstGeom>
-          <a:noFill/>
-        </p:spPr>
-        <p:txBody>
-          <a:bodyPr wrap="square" rtlCol="0">
-            <a:spAutoFit/>
-          </a:bodyPr>
-          <a:lstStyle/>
-          <a:p>
-            <a:pPr algn="ctr"/>
-            <a:r>
-              <a:rPr lang="en-US" altLang="ko-KR" sz="6000" dirty="0">
-                <a:solidFill>
-                  <a:schemeClr val="bg1"/>
-                </a:solidFill>
-                <a:effectLst>
-                  <a:reflection blurRad="6350" stA="55000" endA="300" endPos="45500" dir="5400000" sy="-100000" algn="bl" rotWithShape="0"/>
-                </a:effectLst>
-                <a:latin typeface="Segoe UI Black" panose="020B0A02040204020203" pitchFamily="34" charset="0"/>
-              </a:rPr>
-              <a:t>FASTCAMPS</a:t>
-            </a:r>
-            <a:endParaRPr lang="ko-KR" altLang="en-US" sz="6000" dirty="0">
-              <a:solidFill>
-                <a:schemeClr val="bg1"/>
-              </a:solidFill>
-              <a:effectLst>
-                <a:reflection blurRad="6350" stA="55000" endA="300" endPos="45500" dir="5400000" sy="-100000" algn="bl" rotWithShape="0"/>
-              </a:effectLst>
-              <a:latin typeface="Segoe UI Black" panose="020B0A02040204020203" pitchFamily="34" charset="0"/>
-            </a:endParaRPr>
-          </a:p>
-        </p:txBody>
-      </p:sp>
-      <p:sp>
-        <p:nvSpPr>
-          <p:cNvPr id="9" name="TextBox 8">
-            <a:extLst>
-              <a:ext uri="{FF2B5EF4-FFF2-40B4-BE49-F238E27FC236}">
-                <a16:creationId xmlns:a16="http://schemas.microsoft.com/office/drawing/2014/main" id="{642FD864-D7FD-450D-B714-FB9DE1204AA1}"/>
-              </a:ext>
-            </a:extLst>
-          </p:cNvPr>
-          <p:cNvSpPr txBox="1"/>
-          <p:nvPr/>
-        </p:nvSpPr>
-        <p:spPr>
-          <a:xfrm>
-            <a:off x="1502013" y="4287790"/>
-            <a:ext cx="5650558" cy="1015663"/>
-          </a:xfrm>
-          <a:prstGeom prst="rect">
-            <a:avLst/>
-          </a:prstGeom>
-          <a:noFill/>
-        </p:spPr>
-        <p:txBody>
-          <a:bodyPr wrap="square" rtlCol="0">
-            <a:spAutoFit/>
-          </a:bodyPr>
-          <a:lstStyle/>
-          <a:p>
-            <a:pPr algn="ctr"/>
-            <a:r>
-              <a:rPr lang="en-US" altLang="ko-KR" sz="6000" dirty="0" err="1">
-                <a:solidFill>
-                  <a:schemeClr val="bg1"/>
-                </a:solidFill>
-                <a:effectLst>
-                  <a:reflection blurRad="6350" stA="55000" endA="300" endPos="45500" dir="5400000" sy="-100000" algn="bl" rotWithShape="0"/>
-                </a:effectLst>
-                <a:latin typeface="Segoe UI Black" panose="020B0A02040204020203" pitchFamily="34" charset="0"/>
-              </a:rPr>
-              <a:t>MarkUp</a:t>
-            </a:r>
-            <a:endParaRPr lang="ko-KR" altLang="en-US" sz="6000" dirty="0">
-              <a:solidFill>
-                <a:schemeClr val="bg1"/>
-              </a:solidFill>
-              <a:effectLst>
-                <a:reflection blurRad="6350" stA="55000" endA="300" endPos="45500" dir="5400000" sy="-100000" algn="bl" rotWithShape="0"/>
-              </a:effectLst>
-              <a:latin typeface="Segoe UI Black" panose="020B0A02040204020203" pitchFamily="34" charset="0"/>
-            </a:endParaRPr>
-          </a:p>
-        </p:txBody>
-      </p:sp>
-    </p:spTree>
-    <p:extLst>
-      <p:ext uri="{BB962C8B-B14F-4D97-AF65-F5344CB8AC3E}">
-        <p14:creationId xmlns:p14="http://schemas.microsoft.com/office/powerpoint/2010/main" val="1492163749"/>
-      </p:ext>
-    </p:extLst>
-  </p:cSld>
-  <p:clrMapOvr>
-    <a:masterClrMapping/>
-  </p:clrMapOvr>
 </p:sld>
 </file>
 
